--- a/Poster/poster_undergrad_expo_48x36_eecs.pptx
+++ b/Poster/poster_undergrad_expo_48x36_eecs.pptx
@@ -109,7 +109,7 @@
   </p:defaultTextStyle>
   <p:extLst>
     <p:ext uri="{EFAFB233-063F-42B5-8137-9DF3F51BA10A}">
-      <p15:sldGuideLst xmlns:p15="http://schemas.microsoft.com/office/powerpoint/2012/main" xmlns="">
+      <p15:sldGuideLst xmlns:p15="http://schemas.microsoft.com/office/powerpoint/2012/main">
         <p15:guide id="1" orient="horz" pos="19551">
           <p15:clr>
             <a:srgbClr val="A4A3A4"/>
@@ -243,7 +243,7 @@
             <a:fld id="{9CF59EBC-EC05-6B4D-B166-DDFA6A1EDCB6}" type="datetimeFigureOut">
               <a:rPr lang="en-US" smtClean="0"/>
               <a:pPr/>
-              <a:t>9/22/17</a:t>
+              <a:t>2/8/2018</a:t>
             </a:fld>
             <a:endParaRPr lang="en-US" dirty="0"/>
           </a:p>
@@ -307,38 +307,37 @@
           <a:p>
             <a:pPr lvl="0"/>
             <a:r>
-              <a:rPr lang="en-US" dirty="0" smtClean="0"/>
+              <a:rPr lang="en-US" dirty="0"/>
               <a:t>Click to edit Master text styles</a:t>
             </a:r>
           </a:p>
           <a:p>
             <a:pPr lvl="1"/>
             <a:r>
-              <a:rPr lang="en-US" dirty="0" smtClean="0"/>
+              <a:rPr lang="en-US" dirty="0"/>
               <a:t>Second level</a:t>
             </a:r>
           </a:p>
           <a:p>
             <a:pPr lvl="2"/>
             <a:r>
-              <a:rPr lang="en-US" dirty="0" smtClean="0"/>
+              <a:rPr lang="en-US" dirty="0"/>
               <a:t>Third level</a:t>
             </a:r>
           </a:p>
           <a:p>
             <a:pPr lvl="3"/>
             <a:r>
-              <a:rPr lang="en-US" dirty="0" smtClean="0"/>
+              <a:rPr lang="en-US" dirty="0"/>
               <a:t>Fourth level</a:t>
             </a:r>
           </a:p>
           <a:p>
             <a:pPr lvl="4"/>
             <a:r>
-              <a:rPr lang="en-US" dirty="0" smtClean="0"/>
+              <a:rPr lang="en-US" dirty="0"/>
               <a:t>Fifth level</a:t>
             </a:r>
-            <a:endParaRPr lang="en-US" dirty="0"/>
           </a:p>
         </p:txBody>
       </p:sp>
@@ -819,18 +818,13 @@
           </a:lstStyle>
           <a:p>
             <a:r>
-              <a:rPr lang="en-US" sz="5400" cap="none" spc="520" baseline="0" dirty="0" smtClean="0">
+              <a:rPr lang="en-US" sz="5400" cap="none" spc="520" baseline="0" dirty="0">
                 <a:latin typeface="Impact" charset="0"/>
                 <a:ea typeface="Impact" charset="0"/>
                 <a:cs typeface="Impact" charset="0"/>
               </a:rPr>
               <a:t>Electrical Engineering and Computer Science</a:t>
             </a:r>
-            <a:endParaRPr lang="en-US" sz="5400" cap="none" spc="520" baseline="0" dirty="0">
-              <a:latin typeface="Impact" charset="0"/>
-              <a:ea typeface="Impact" charset="0"/>
-              <a:cs typeface="Impact" charset="0"/>
-            </a:endParaRPr>
           </a:p>
         </p:txBody>
       </p:sp>
@@ -991,7 +985,7 @@
           <a:p>
             <a:pPr algn="ctr"/>
             <a:r>
-              <a:rPr lang="en-US" sz="5400" b="0" i="0" cap="none" spc="170" dirty="0" smtClean="0">
+              <a:rPr lang="en-US" sz="5400" b="0" i="0" cap="none" spc="170" dirty="0">
                 <a:solidFill>
                   <a:schemeClr val="tx1"/>
                 </a:solidFill>
@@ -1000,13 +994,6 @@
               </a:rPr>
               <a:t>FOLD</a:t>
             </a:r>
-            <a:endParaRPr lang="en-US" sz="5400" b="0" i="0" cap="none" spc="170" dirty="0">
-              <a:solidFill>
-                <a:schemeClr val="tx1"/>
-              </a:solidFill>
-              <a:latin typeface="Verdana Regular" charset="0"/>
-              <a:cs typeface="Verdana Regular" charset="0"/>
-            </a:endParaRPr>
           </a:p>
         </p:txBody>
       </p:sp>
@@ -1089,7 +1076,7 @@
           <a:p>
             <a:pPr algn="ctr"/>
             <a:r>
-              <a:rPr lang="en-US" sz="5400" b="0" i="0" cap="none" spc="170" dirty="0" smtClean="0">
+              <a:rPr lang="en-US" sz="5400" b="0" i="0" cap="none" spc="170" dirty="0">
                 <a:solidFill>
                   <a:schemeClr val="tx1"/>
                 </a:solidFill>
@@ -1098,13 +1085,6 @@
               </a:rPr>
               <a:t>FOLD</a:t>
             </a:r>
-            <a:endParaRPr lang="en-US" sz="5400" b="0" i="0" cap="none" spc="170" dirty="0">
-              <a:solidFill>
-                <a:schemeClr val="tx1"/>
-              </a:solidFill>
-              <a:latin typeface="Verdana Regular" charset="0"/>
-              <a:cs typeface="Verdana Regular" charset="0"/>
-            </a:endParaRPr>
           </a:p>
         </p:txBody>
       </p:sp>
@@ -1187,7 +1167,7 @@
           <a:p>
             <a:pPr algn="ctr"/>
             <a:r>
-              <a:rPr lang="en-US" sz="5400" b="0" i="0" cap="none" spc="170" dirty="0" smtClean="0">
+              <a:rPr lang="en-US" sz="5400" b="0" i="0" cap="none" spc="170" dirty="0">
                 <a:solidFill>
                   <a:schemeClr val="tx1"/>
                 </a:solidFill>
@@ -1196,13 +1176,6 @@
               </a:rPr>
               <a:t>FOLD</a:t>
             </a:r>
-            <a:endParaRPr lang="en-US" sz="5400" b="0" i="0" cap="none" spc="170" dirty="0">
-              <a:solidFill>
-                <a:schemeClr val="tx1"/>
-              </a:solidFill>
-              <a:latin typeface="Verdana Regular" charset="0"/>
-              <a:cs typeface="Verdana Regular" charset="0"/>
-            </a:endParaRPr>
           </a:p>
         </p:txBody>
       </p:sp>
@@ -1285,7 +1258,7 @@
           <a:p>
             <a:pPr algn="ctr"/>
             <a:r>
-              <a:rPr lang="en-US" sz="5400" b="0" i="0" cap="none" spc="170" dirty="0" smtClean="0">
+              <a:rPr lang="en-US" sz="5400" b="0" i="0" cap="none" spc="170" dirty="0">
                 <a:solidFill>
                   <a:schemeClr val="tx1"/>
                 </a:solidFill>
@@ -1294,13 +1267,6 @@
               </a:rPr>
               <a:t>FOLD</a:t>
             </a:r>
-            <a:endParaRPr lang="en-US" sz="5400" b="0" i="0" cap="none" spc="170" dirty="0">
-              <a:solidFill>
-                <a:schemeClr val="tx1"/>
-              </a:solidFill>
-              <a:latin typeface="Verdana Regular" charset="0"/>
-              <a:cs typeface="Verdana Regular" charset="0"/>
-            </a:endParaRPr>
           </a:p>
         </p:txBody>
       </p:sp>
@@ -1387,7 +1353,7 @@
               </a:lnSpc>
             </a:pPr>
             <a:r>
-              <a:rPr lang="en-US" sz="5400" b="0" i="0" cap="none" spc="170" dirty="0" smtClean="0">
+              <a:rPr lang="en-US" sz="5400" b="0" i="0" cap="none" spc="170" dirty="0">
                 <a:solidFill>
                   <a:schemeClr val="tx1"/>
                 </a:solidFill>
@@ -1397,7 +1363,7 @@
               <a:t>NO</a:t>
             </a:r>
             <a:r>
-              <a:rPr lang="en-US" sz="5400" b="0" i="0" cap="none" spc="170" baseline="0" dirty="0" smtClean="0">
+              <a:rPr lang="en-US" sz="5400" b="0" i="0" cap="none" spc="170" baseline="0" dirty="0">
                 <a:solidFill>
                   <a:schemeClr val="tx1"/>
                 </a:solidFill>
@@ -1414,7 +1380,7 @@
               </a:lnSpc>
             </a:pPr>
             <a:r>
-              <a:rPr lang="en-US" sz="5400" b="0" i="0" cap="none" spc="170" baseline="0" dirty="0" smtClean="0">
+              <a:rPr lang="en-US" sz="5400" b="0" i="0" cap="none" spc="170" baseline="0" dirty="0">
                 <a:solidFill>
                   <a:schemeClr val="tx1"/>
                 </a:solidFill>
@@ -1531,18 +1497,13 @@
               </a:spcBef>
             </a:pPr>
             <a:r>
-              <a:rPr lang="en-US" sz="5400" spc="520" baseline="0" dirty="0" smtClean="0">
+              <a:rPr lang="en-US" sz="5400" spc="520" baseline="0" dirty="0">
                 <a:latin typeface="Impact" charset="0"/>
                 <a:ea typeface="Impact" charset="0"/>
                 <a:cs typeface="Impact" charset="0"/>
               </a:rPr>
               <a:t>COLLEGE OF ENGINEERING</a:t>
             </a:r>
-            <a:endParaRPr lang="en-US" sz="5400" spc="520" baseline="0" dirty="0">
-              <a:latin typeface="Impact" charset="0"/>
-              <a:ea typeface="Impact" charset="0"/>
-              <a:cs typeface="Impact" charset="0"/>
-            </a:endParaRPr>
           </a:p>
         </p:txBody>
       </p:sp>
@@ -2068,47 +2029,14 @@
           </a:lstStyle>
           <a:p>
             <a:r>
-              <a:rPr lang="en-US" dirty="0" smtClean="0">
+              <a:rPr lang="en-US" dirty="0">
                 <a:solidFill>
                   <a:srgbClr val="E05529"/>
                 </a:solidFill>
                 <a:latin typeface="Verdana Regular" charset="0"/>
               </a:rPr>
-              <a:t>Title: </a:t>
-            </a:r>
-            <a:r>
-              <a:rPr lang="en-US" dirty="0" err="1" smtClean="0">
-                <a:solidFill>
-                  <a:srgbClr val="E05529"/>
-                </a:solidFill>
-                <a:latin typeface="Verdana Regular" charset="0"/>
-              </a:rPr>
-              <a:t>lorem</a:t>
-            </a:r>
-            <a:r>
-              <a:rPr lang="en-US" dirty="0" smtClean="0">
-                <a:solidFill>
-                  <a:srgbClr val="E05529"/>
-                </a:solidFill>
-                <a:latin typeface="Verdana Regular" charset="0"/>
-              </a:rPr>
-              <a:t> </a:t>
-            </a:r>
-            <a:r>
-              <a:rPr lang="en-US" dirty="0" err="1" smtClean="0">
-                <a:solidFill>
-                  <a:srgbClr val="E05529"/>
-                </a:solidFill>
-                <a:latin typeface="Verdana Regular" charset="0"/>
-              </a:rPr>
-              <a:t>ipsum</a:t>
-            </a:r>
-            <a:endParaRPr lang="en-US" dirty="0">
-              <a:solidFill>
-                <a:srgbClr val="E05529"/>
-              </a:solidFill>
-              <a:latin typeface="Verdana Regular" charset="0"/>
-            </a:endParaRPr>
+              <a:t>Background</a:t>
+            </a:r>
           </a:p>
         </p:txBody>
       </p:sp>
@@ -2314,34 +2242,28 @@
               <a:t>Body. </a:t>
             </a:r>
             <a:r>
-              <a:rPr lang="en-US" dirty="0" err="1" smtClean="0">
+              <a:rPr lang="en-US" dirty="0" err="1">
                 <a:latin typeface="Verdana Regular" charset="0"/>
               </a:rPr>
               <a:t>Duismolessi</a:t>
             </a:r>
             <a:r>
-              <a:rPr lang="en-US" dirty="0" smtClean="0">
-                <a:latin typeface="Verdana Regular" charset="0"/>
-              </a:rPr>
-              <a:t> </a:t>
-            </a:r>
-            <a:r>
-              <a:rPr lang="en-US" dirty="0" err="1" smtClean="0">
+              <a:rPr lang="en-US" dirty="0">
+                <a:latin typeface="Verdana Regular" charset="0"/>
+              </a:rPr>
+              <a:t> </a:t>
+            </a:r>
+            <a:r>
+              <a:rPr lang="en-US" dirty="0" err="1">
                 <a:latin typeface="Verdana Regular" charset="0"/>
               </a:rPr>
               <a:t>utem</a:t>
             </a:r>
             <a:r>
-              <a:rPr lang="en-US" dirty="0" smtClean="0">
-                <a:latin typeface="Verdana Regular" charset="0"/>
-              </a:rPr>
-              <a:t> </a:t>
-            </a:r>
-            <a:r>
-              <a:rPr lang="en-US" dirty="0">
-                <a:latin typeface="Verdana Regular" charset="0"/>
-              </a:rPr>
-              <a:t>ex et, </a:t>
+              <a:rPr lang="en-US" dirty="0">
+                <a:latin typeface="Verdana Regular" charset="0"/>
+              </a:rPr>
+              <a:t> ex et, </a:t>
             </a:r>
             <a:r>
               <a:rPr lang="en-US" dirty="0" err="1">
@@ -2776,7 +2698,7 @@
               <a:t> </a:t>
             </a:r>
             <a:r>
-              <a:rPr lang="en-US" dirty="0" err="1" smtClean="0">
+              <a:rPr lang="en-US" dirty="0" err="1">
                 <a:latin typeface="Verdana Regular" charset="0"/>
               </a:rPr>
               <a:t>vendaest</a:t>
@@ -2831,13 +2753,13 @@
               <a:t> </a:t>
             </a:r>
             <a:r>
-              <a:rPr lang="en-US" dirty="0" err="1" smtClean="0">
+              <a:rPr lang="en-US" dirty="0" err="1">
                 <a:latin typeface="Verdana Regular" charset="0"/>
               </a:rPr>
               <a:t>corati</a:t>
             </a:r>
             <a:r>
-              <a:rPr lang="en-US" dirty="0" smtClean="0">
+              <a:rPr lang="en-US" dirty="0">
                 <a:latin typeface="Verdana Regular" charset="0"/>
               </a:rPr>
               <a:t> </a:t>
@@ -2855,13 +2777,13 @@
               <a:t> </a:t>
             </a:r>
             <a:r>
-              <a:rPr lang="en-US" dirty="0" err="1" smtClean="0">
+              <a:rPr lang="en-US" dirty="0" err="1">
                 <a:latin typeface="Verdana Regular" charset="0"/>
               </a:rPr>
               <a:t>volorrum</a:t>
             </a:r>
             <a:r>
-              <a:rPr lang="en-US" dirty="0" smtClean="0">
+              <a:rPr lang="en-US" dirty="0">
                 <a:latin typeface="Verdana Regular" charset="0"/>
               </a:rPr>
               <a:t> </a:t>
@@ -2975,7 +2897,7 @@
               <a:t> ex </a:t>
             </a:r>
             <a:r>
-              <a:rPr lang="en-US" dirty="0" err="1" smtClean="0">
+              <a:rPr lang="en-US" dirty="0" err="1">
                 <a:latin typeface="Verdana Regular" charset="0"/>
               </a:rPr>
               <a:t>inctist</a:t>
@@ -3143,7 +3065,7 @@
               <a:t> </a:t>
             </a:r>
             <a:r>
-              <a:rPr lang="en-US" dirty="0" err="1" smtClean="0">
+              <a:rPr lang="en-US" dirty="0" err="1">
                 <a:latin typeface="Verdana Regular" charset="0"/>
               </a:rPr>
               <a:t>rempore</a:t>
@@ -3329,7 +3251,7 @@
               <a:t>il</a:t>
             </a:r>
             <a:r>
-              <a:rPr lang="en-US" dirty="0" smtClean="0">
+              <a:rPr lang="en-US" dirty="0">
                 <a:latin typeface="Verdana Regular" charset="0"/>
               </a:rPr>
               <a:t>.</a:t>
@@ -3524,13 +3446,22 @@
           </a:lstStyle>
           <a:p>
             <a:r>
-              <a:rPr lang="en-US" dirty="0" smtClean="0">
+              <a:rPr lang="en-US" dirty="0">
                 <a:solidFill>
                   <a:srgbClr val="E05529"/>
                 </a:solidFill>
                 <a:latin typeface="Verdana Regular" charset="0"/>
               </a:rPr>
-              <a:t>Title: lorem ipsum</a:t>
+              <a:t>Results </a:t>
+            </a:r>
+            <a:r>
+              <a:rPr lang="en-US">
+                <a:solidFill>
+                  <a:srgbClr val="E05529"/>
+                </a:solidFill>
+                <a:latin typeface="Verdana Regular" charset="0"/>
+              </a:rPr>
+              <a:t>and Conclusion</a:t>
             </a:r>
             <a:endParaRPr lang="en-US" dirty="0">
               <a:solidFill>
@@ -3737,247 +3668,247 @@
               </a:spcAft>
             </a:pPr>
             <a:r>
-              <a:rPr lang="en-US" dirty="0" smtClean="0">
+              <a:rPr lang="en-US" dirty="0">
                 <a:latin typeface="Verdana Regular" charset="0"/>
               </a:rPr>
               <a:t>Bullet. </a:t>
             </a:r>
             <a:r>
-              <a:rPr lang="en-US" dirty="0" err="1" smtClean="0">
+              <a:rPr lang="en-US" dirty="0" err="1">
                 <a:latin typeface="Verdana Regular" charset="0"/>
               </a:rPr>
               <a:t>lum</a:t>
             </a:r>
             <a:r>
-              <a:rPr lang="en-US" dirty="0" smtClean="0">
-                <a:latin typeface="Verdana Regular" charset="0"/>
-              </a:rPr>
-              <a:t> </a:t>
-            </a:r>
-            <a:r>
-              <a:rPr lang="en-US" dirty="0" err="1" smtClean="0">
+              <a:rPr lang="en-US" dirty="0">
+                <a:latin typeface="Verdana Regular" charset="0"/>
+              </a:rPr>
+              <a:t> </a:t>
+            </a:r>
+            <a:r>
+              <a:rPr lang="en-US" dirty="0" err="1">
                 <a:latin typeface="Verdana Regular" charset="0"/>
               </a:rPr>
               <a:t>exer</a:t>
             </a:r>
             <a:r>
-              <a:rPr lang="en-US" dirty="0" smtClean="0">
-                <a:latin typeface="Verdana Regular" charset="0"/>
-              </a:rPr>
-              <a:t> </a:t>
-            </a:r>
-            <a:r>
-              <a:rPr lang="en-US" dirty="0" err="1" smtClean="0">
+              <a:rPr lang="en-US" dirty="0">
+                <a:latin typeface="Verdana Regular" charset="0"/>
+              </a:rPr>
+              <a:t> </a:t>
+            </a:r>
+            <a:r>
+              <a:rPr lang="en-US" dirty="0" err="1">
                 <a:latin typeface="Verdana Regular" charset="0"/>
               </a:rPr>
               <a:t>adipsustrud</a:t>
             </a:r>
             <a:r>
-              <a:rPr lang="en-US" dirty="0" smtClean="0">
-                <a:latin typeface="Verdana Regular" charset="0"/>
-              </a:rPr>
-              <a:t> </a:t>
-            </a:r>
-            <a:r>
-              <a:rPr lang="en-US" dirty="0" err="1" smtClean="0">
+              <a:rPr lang="en-US" dirty="0">
+                <a:latin typeface="Verdana Regular" charset="0"/>
+              </a:rPr>
+              <a:t> </a:t>
+            </a:r>
+            <a:r>
+              <a:rPr lang="en-US" dirty="0" err="1">
                 <a:latin typeface="Verdana Regular" charset="0"/>
               </a:rPr>
               <a:t>doloree</a:t>
             </a:r>
             <a:r>
-              <a:rPr lang="en-US" dirty="0" smtClean="0">
-                <a:latin typeface="Verdana Regular" charset="0"/>
-              </a:rPr>
-              <a:t> </a:t>
-            </a:r>
-            <a:r>
-              <a:rPr lang="en-US" dirty="0" err="1" smtClean="0">
+              <a:rPr lang="en-US" dirty="0">
+                <a:latin typeface="Verdana Regular" charset="0"/>
+              </a:rPr>
+              <a:t> </a:t>
+            </a:r>
+            <a:r>
+              <a:rPr lang="en-US" dirty="0" err="1">
                 <a:latin typeface="Verdana Regular" charset="0"/>
               </a:rPr>
               <a:t>tuerat</a:t>
             </a:r>
             <a:r>
-              <a:rPr lang="en-US" dirty="0" smtClean="0">
-                <a:latin typeface="Verdana Regular" charset="0"/>
-              </a:rPr>
-              <a:t> </a:t>
-            </a:r>
-            <a:r>
-              <a:rPr lang="en-US" dirty="0" err="1" smtClean="0">
+              <a:rPr lang="en-US" dirty="0">
+                <a:latin typeface="Verdana Regular" charset="0"/>
+              </a:rPr>
+              <a:t> </a:t>
+            </a:r>
+            <a:r>
+              <a:rPr lang="en-US" dirty="0" err="1">
                 <a:latin typeface="Verdana Regular" charset="0"/>
               </a:rPr>
               <a:t>lorpera</a:t>
             </a:r>
             <a:r>
-              <a:rPr lang="en-US" dirty="0" smtClean="0">
-                <a:latin typeface="Verdana Regular" charset="0"/>
-              </a:rPr>
-              <a:t> </a:t>
-            </a:r>
-            <a:r>
-              <a:rPr lang="en-US" dirty="0" err="1" smtClean="0">
+              <a:rPr lang="en-US" dirty="0">
+                <a:latin typeface="Verdana Regular" charset="0"/>
+              </a:rPr>
+              <a:t> </a:t>
+            </a:r>
+            <a:r>
+              <a:rPr lang="en-US" dirty="0" err="1">
                 <a:latin typeface="Verdana Regular" charset="0"/>
               </a:rPr>
               <a:t>esenibh</a:t>
             </a:r>
             <a:r>
-              <a:rPr lang="en-US" dirty="0" smtClean="0">
-                <a:latin typeface="Verdana Regular" charset="0"/>
-              </a:rPr>
-              <a:t> </a:t>
-            </a:r>
-            <a:r>
-              <a:rPr lang="en-US" dirty="0" err="1" smtClean="0">
+              <a:rPr lang="en-US" dirty="0">
+                <a:latin typeface="Verdana Regular" charset="0"/>
+              </a:rPr>
+              <a:t> </a:t>
+            </a:r>
+            <a:r>
+              <a:rPr lang="en-US" dirty="0" err="1">
                 <a:latin typeface="Verdana Regular" charset="0"/>
               </a:rPr>
               <a:t>eu</a:t>
             </a:r>
             <a:r>
-              <a:rPr lang="en-US" dirty="0" smtClean="0">
-                <a:latin typeface="Verdana Regular" charset="0"/>
-              </a:rPr>
-              <a:t> </a:t>
-            </a:r>
-            <a:r>
-              <a:rPr lang="en-US" dirty="0" err="1" smtClean="0">
+              <a:rPr lang="en-US" dirty="0">
+                <a:latin typeface="Verdana Regular" charset="0"/>
+              </a:rPr>
+              <a:t> </a:t>
+            </a:r>
+            <a:r>
+              <a:rPr lang="en-US" dirty="0" err="1">
                 <a:latin typeface="Verdana Regular" charset="0"/>
               </a:rPr>
               <a:t>faccum</a:t>
             </a:r>
             <a:r>
-              <a:rPr lang="en-US" dirty="0" smtClean="0">
-                <a:latin typeface="Verdana Regular" charset="0"/>
-              </a:rPr>
-              <a:t> </a:t>
-            </a:r>
-            <a:r>
-              <a:rPr lang="en-US" dirty="0" err="1" smtClean="0">
+              <a:rPr lang="en-US" dirty="0">
+                <a:latin typeface="Verdana Regular" charset="0"/>
+              </a:rPr>
+              <a:t> </a:t>
+            </a:r>
+            <a:r>
+              <a:rPr lang="en-US" dirty="0" err="1">
                 <a:latin typeface="Verdana Regular" charset="0"/>
               </a:rPr>
               <a:t>eum</a:t>
             </a:r>
             <a:r>
-              <a:rPr lang="en-US" dirty="0" smtClean="0">
-                <a:latin typeface="Verdana Regular" charset="0"/>
-              </a:rPr>
-              <a:t> </a:t>
-            </a:r>
-            <a:r>
-              <a:rPr lang="en-US" dirty="0" err="1" smtClean="0">
+              <a:rPr lang="en-US" dirty="0">
+                <a:latin typeface="Verdana Regular" charset="0"/>
+              </a:rPr>
+              <a:t> </a:t>
+            </a:r>
+            <a:r>
+              <a:rPr lang="en-US" dirty="0" err="1">
                 <a:latin typeface="Verdana Regular" charset="0"/>
               </a:rPr>
               <a:t>iuscili</a:t>
             </a:r>
             <a:r>
-              <a:rPr lang="en-US" dirty="0" smtClean="0">
-                <a:latin typeface="Verdana Regular" charset="0"/>
-              </a:rPr>
-              <a:t> </a:t>
-            </a:r>
-            <a:r>
-              <a:rPr lang="en-US" dirty="0" err="1" smtClean="0">
+              <a:rPr lang="en-US" dirty="0">
+                <a:latin typeface="Verdana Regular" charset="0"/>
+              </a:rPr>
+              <a:t> </a:t>
+            </a:r>
+            <a:r>
+              <a:rPr lang="en-US" dirty="0" err="1">
                 <a:latin typeface="Verdana Regular" charset="0"/>
               </a:rPr>
               <a:t>quamcommy</a:t>
             </a:r>
             <a:r>
-              <a:rPr lang="en-US" dirty="0" smtClean="0">
+              <a:rPr lang="en-US" dirty="0">
                 <a:latin typeface="Verdana Regular" charset="0"/>
               </a:rPr>
               <a:t> nit </a:t>
             </a:r>
             <a:r>
-              <a:rPr lang="en-US" dirty="0" err="1" smtClean="0">
+              <a:rPr lang="en-US" dirty="0" err="1">
                 <a:latin typeface="Verdana Regular" charset="0"/>
               </a:rPr>
               <a:t>lorerillut</a:t>
             </a:r>
             <a:r>
-              <a:rPr lang="en-US" dirty="0" smtClean="0">
-                <a:latin typeface="Verdana Regular" charset="0"/>
-              </a:rPr>
-              <a:t> </a:t>
-            </a:r>
-            <a:r>
-              <a:rPr lang="en-US" dirty="0" err="1" smtClean="0">
+              <a:rPr lang="en-US" dirty="0">
+                <a:latin typeface="Verdana Regular" charset="0"/>
+              </a:rPr>
+              <a:t> </a:t>
+            </a:r>
+            <a:r>
+              <a:rPr lang="en-US" dirty="0" err="1">
                 <a:latin typeface="Verdana Regular" charset="0"/>
               </a:rPr>
               <a:t>ullam</a:t>
             </a:r>
             <a:r>
-              <a:rPr lang="en-US" dirty="0" smtClean="0">
-                <a:latin typeface="Verdana Regular" charset="0"/>
-              </a:rPr>
-              <a:t> </a:t>
-            </a:r>
-            <a:r>
-              <a:rPr lang="en-US" dirty="0" err="1" smtClean="0">
+              <a:rPr lang="en-US" dirty="0">
+                <a:latin typeface="Verdana Regular" charset="0"/>
+              </a:rPr>
+              <a:t> </a:t>
+            </a:r>
+            <a:r>
+              <a:rPr lang="en-US" dirty="0" err="1">
                 <a:latin typeface="Verdana Regular" charset="0"/>
               </a:rPr>
               <a:t>quat</a:t>
             </a:r>
             <a:r>
-              <a:rPr lang="en-US" dirty="0" smtClean="0">
+              <a:rPr lang="en-US" dirty="0">
                 <a:latin typeface="Verdana Regular" charset="0"/>
               </a:rPr>
               <a:t> lore </a:t>
             </a:r>
             <a:r>
-              <a:rPr lang="en-US" dirty="0" err="1" smtClean="0">
+              <a:rPr lang="en-US" dirty="0" err="1">
                 <a:latin typeface="Verdana Regular" charset="0"/>
               </a:rPr>
               <a:t>verostrud</a:t>
             </a:r>
             <a:r>
-              <a:rPr lang="en-US" dirty="0" smtClean="0">
-                <a:latin typeface="Verdana Regular" charset="0"/>
-              </a:rPr>
-              <a:t> </a:t>
-            </a:r>
-            <a:r>
-              <a:rPr lang="en-US" dirty="0" err="1" smtClean="0">
+              <a:rPr lang="en-US" dirty="0">
+                <a:latin typeface="Verdana Regular" charset="0"/>
+              </a:rPr>
+              <a:t> </a:t>
+            </a:r>
+            <a:r>
+              <a:rPr lang="en-US" dirty="0" err="1">
                 <a:latin typeface="Verdana Regular" charset="0"/>
               </a:rPr>
               <a:t>ming</a:t>
             </a:r>
             <a:r>
-              <a:rPr lang="en-US" dirty="0" smtClean="0">
-                <a:latin typeface="Verdana Regular" charset="0"/>
-              </a:rPr>
-              <a:t> </a:t>
-            </a:r>
-            <a:r>
-              <a:rPr lang="en-US" dirty="0" err="1" smtClean="0">
+              <a:rPr lang="en-US" dirty="0">
+                <a:latin typeface="Verdana Regular" charset="0"/>
+              </a:rPr>
+              <a:t> </a:t>
+            </a:r>
+            <a:r>
+              <a:rPr lang="en-US" dirty="0" err="1">
                 <a:latin typeface="Verdana Regular" charset="0"/>
               </a:rPr>
               <a:t>faciliquisse</a:t>
             </a:r>
             <a:r>
-              <a:rPr lang="en-US" dirty="0" smtClean="0">
-                <a:latin typeface="Verdana Regular" charset="0"/>
-              </a:rPr>
-              <a:t> </a:t>
-            </a:r>
-            <a:r>
-              <a:rPr lang="en-US" dirty="0" err="1" smtClean="0">
+              <a:rPr lang="en-US" dirty="0">
+                <a:latin typeface="Verdana Regular" charset="0"/>
+              </a:rPr>
+              <a:t> </a:t>
+            </a:r>
+            <a:r>
+              <a:rPr lang="en-US" dirty="0" err="1">
                 <a:latin typeface="Verdana Regular" charset="0"/>
               </a:rPr>
               <a:t>modolortin</a:t>
             </a:r>
             <a:r>
-              <a:rPr lang="en-US" dirty="0" smtClean="0">
-                <a:latin typeface="Verdana Regular" charset="0"/>
-              </a:rPr>
-              <a:t> </a:t>
-            </a:r>
-            <a:r>
-              <a:rPr lang="en-US" dirty="0" err="1" smtClean="0">
+              <a:rPr lang="en-US" dirty="0">
+                <a:latin typeface="Verdana Regular" charset="0"/>
+              </a:rPr>
+              <a:t> </a:t>
+            </a:r>
+            <a:r>
+              <a:rPr lang="en-US" dirty="0" err="1">
                 <a:latin typeface="Verdana Regular" charset="0"/>
               </a:rPr>
               <a:t>volore</a:t>
             </a:r>
             <a:r>
-              <a:rPr lang="en-US" dirty="0" smtClean="0">
+              <a:rPr lang="en-US" dirty="0">
                 <a:latin typeface="Verdana Regular" charset="0"/>
               </a:rPr>
               <a:t> </a:t>
@@ -3990,130 +3921,124 @@
               </a:spcAft>
             </a:pPr>
             <a:r>
-              <a:rPr lang="en-US" dirty="0" err="1" smtClean="0">
+              <a:rPr lang="en-US" dirty="0" err="1">
                 <a:latin typeface="Verdana Regular" charset="0"/>
               </a:rPr>
               <a:t>Vel</a:t>
             </a:r>
             <a:r>
-              <a:rPr lang="en-US" dirty="0" smtClean="0">
+              <a:rPr lang="en-US" dirty="0">
                 <a:latin typeface="Verdana Regular" charset="0"/>
               </a:rPr>
               <a:t> et </a:t>
             </a:r>
             <a:r>
-              <a:rPr lang="en-US" dirty="0" err="1" smtClean="0">
+              <a:rPr lang="en-US" dirty="0" err="1">
                 <a:latin typeface="Verdana Regular" charset="0"/>
               </a:rPr>
               <a:t>vel</a:t>
             </a:r>
             <a:r>
-              <a:rPr lang="en-US" dirty="0" smtClean="0">
-                <a:latin typeface="Verdana Regular" charset="0"/>
-              </a:rPr>
-              <a:t> </a:t>
-            </a:r>
-            <a:r>
-              <a:rPr lang="en-US" dirty="0" err="1" smtClean="0">
+              <a:rPr lang="en-US" dirty="0">
+                <a:latin typeface="Verdana Regular" charset="0"/>
+              </a:rPr>
+              <a:t> </a:t>
+            </a:r>
+            <a:r>
+              <a:rPr lang="en-US" dirty="0" err="1">
                 <a:latin typeface="Verdana Regular" charset="0"/>
               </a:rPr>
               <a:t>dionsenit</a:t>
             </a:r>
             <a:r>
-              <a:rPr lang="en-US" dirty="0" smtClean="0">
-                <a:latin typeface="Verdana Regular" charset="0"/>
-              </a:rPr>
-              <a:t> </a:t>
-            </a:r>
-            <a:r>
-              <a:rPr lang="en-US" dirty="0" err="1" smtClean="0">
+              <a:rPr lang="en-US" dirty="0">
+                <a:latin typeface="Verdana Regular" charset="0"/>
+              </a:rPr>
+              <a:t> </a:t>
+            </a:r>
+            <a:r>
+              <a:rPr lang="en-US" dirty="0" err="1">
                 <a:latin typeface="Verdana Regular" charset="0"/>
               </a:rPr>
               <a:t>adit</a:t>
             </a:r>
             <a:r>
-              <a:rPr lang="en-US" dirty="0" smtClean="0">
+              <a:rPr lang="en-US" dirty="0">
                 <a:latin typeface="Verdana Regular" charset="0"/>
               </a:rPr>
               <a:t>, </a:t>
             </a:r>
             <a:r>
-              <a:rPr lang="en-US" dirty="0" err="1" smtClean="0">
+              <a:rPr lang="en-US" dirty="0" err="1">
                 <a:latin typeface="Verdana Regular" charset="0"/>
               </a:rPr>
               <a:t>consenim</a:t>
             </a:r>
             <a:r>
-              <a:rPr lang="en-US" dirty="0" smtClean="0">
-                <a:latin typeface="Verdana Regular" charset="0"/>
-              </a:rPr>
-              <a:t> </a:t>
-            </a:r>
-            <a:r>
-              <a:rPr lang="en-US" dirty="0" err="1" smtClean="0">
+              <a:rPr lang="en-US" dirty="0">
+                <a:latin typeface="Verdana Regular" charset="0"/>
+              </a:rPr>
+              <a:t> </a:t>
+            </a:r>
+            <a:r>
+              <a:rPr lang="en-US" dirty="0" err="1">
                 <a:latin typeface="Verdana Regular" charset="0"/>
               </a:rPr>
               <a:t>zzrillute</a:t>
             </a:r>
             <a:r>
-              <a:rPr lang="en-US" dirty="0" smtClean="0">
+              <a:rPr lang="en-US" dirty="0">
                 <a:latin typeface="Verdana Regular" charset="0"/>
               </a:rPr>
               <a:t> el </a:t>
             </a:r>
             <a:r>
-              <a:rPr lang="en-US" dirty="0" err="1" smtClean="0">
+              <a:rPr lang="en-US" dirty="0" err="1">
                 <a:latin typeface="Verdana Regular" charset="0"/>
               </a:rPr>
               <a:t>euguerostie</a:t>
             </a:r>
             <a:r>
-              <a:rPr lang="en-US" dirty="0" smtClean="0">
-                <a:latin typeface="Verdana Regular" charset="0"/>
-              </a:rPr>
-              <a:t> </a:t>
-            </a:r>
-            <a:r>
-              <a:rPr lang="en-US" dirty="0" err="1" smtClean="0">
+              <a:rPr lang="en-US" dirty="0">
+                <a:latin typeface="Verdana Regular" charset="0"/>
+              </a:rPr>
+              <a:t> </a:t>
+            </a:r>
+            <a:r>
+              <a:rPr lang="en-US" dirty="0" err="1">
                 <a:latin typeface="Verdana Regular" charset="0"/>
               </a:rPr>
               <a:t>faci</a:t>
             </a:r>
             <a:r>
-              <a:rPr lang="en-US" dirty="0" smtClean="0">
-                <a:latin typeface="Verdana Regular" charset="0"/>
-              </a:rPr>
-              <a:t> </a:t>
-            </a:r>
-            <a:r>
-              <a:rPr lang="en-US" dirty="0" err="1" smtClean="0">
+              <a:rPr lang="en-US" dirty="0">
+                <a:latin typeface="Verdana Regular" charset="0"/>
+              </a:rPr>
+              <a:t> </a:t>
+            </a:r>
+            <a:r>
+              <a:rPr lang="en-US" dirty="0" err="1">
                 <a:latin typeface="Verdana Regular" charset="0"/>
               </a:rPr>
               <a:t>bla</a:t>
             </a:r>
             <a:r>
-              <a:rPr lang="en-US" dirty="0" smtClean="0">
-                <a:latin typeface="Verdana Regular" charset="0"/>
-              </a:rPr>
-              <a:t> </a:t>
-            </a:r>
-            <a:r>
-              <a:rPr lang="en-US" dirty="0" err="1" smtClean="0">
+              <a:rPr lang="en-US" dirty="0">
+                <a:latin typeface="Verdana Regular" charset="0"/>
+              </a:rPr>
+              <a:t> </a:t>
+            </a:r>
+            <a:r>
+              <a:rPr lang="en-US" dirty="0" err="1">
                 <a:latin typeface="Verdana Regular" charset="0"/>
               </a:rPr>
               <a:t>conse</a:t>
             </a:r>
             <a:r>
-              <a:rPr lang="en-US" dirty="0" smtClean="0">
-                <a:latin typeface="Verdana Regular" charset="0"/>
-              </a:rPr>
-              <a:t> </a:t>
-            </a:r>
-            <a:r>
-              <a:rPr lang="en-US" dirty="0">
-                <a:latin typeface="Verdana Regular" charset="0"/>
-              </a:rPr>
-              <a:t>ad </a:t>
+              <a:rPr lang="en-US" dirty="0">
+                <a:latin typeface="Verdana Regular" charset="0"/>
+              </a:rPr>
+              <a:t> ad </a:t>
             </a:r>
             <a:r>
               <a:rPr lang="en-US" dirty="0" err="1">
@@ -4236,7 +4161,7 @@
               <a:t> </a:t>
             </a:r>
             <a:r>
-              <a:rPr lang="en-US" dirty="0" err="1" smtClean="0">
+              <a:rPr lang="en-US" dirty="0" err="1">
                 <a:latin typeface="Verdana Regular" charset="0"/>
               </a:rPr>
               <a:t>conse</a:t>
@@ -4248,49 +4173,49 @@
               <a:t> </a:t>
             </a:r>
             <a:r>
-              <a:rPr lang="en-US" dirty="0" err="1" smtClean="0">
+              <a:rPr lang="en-US" dirty="0" err="1">
                 <a:latin typeface="Verdana Regular" charset="0"/>
               </a:rPr>
               <a:t>dolore</a:t>
             </a:r>
             <a:r>
-              <a:rPr lang="en-US" dirty="0" smtClean="0">
-                <a:latin typeface="Verdana Regular" charset="0"/>
-              </a:rPr>
-              <a:t> </a:t>
-            </a:r>
-            <a:r>
-              <a:rPr lang="en-US" dirty="0" err="1" smtClean="0">
+              <a:rPr lang="en-US" dirty="0">
+                <a:latin typeface="Verdana Regular" charset="0"/>
+              </a:rPr>
+              <a:t> </a:t>
+            </a:r>
+            <a:r>
+              <a:rPr lang="en-US" dirty="0" err="1">
                 <a:latin typeface="Verdana Regular" charset="0"/>
               </a:rPr>
               <a:t>tet</a:t>
             </a:r>
             <a:r>
-              <a:rPr lang="en-US" dirty="0" smtClean="0">
+              <a:rPr lang="en-US" dirty="0">
                 <a:latin typeface="Verdana Regular" charset="0"/>
               </a:rPr>
               <a:t>, </a:t>
             </a:r>
             <a:r>
-              <a:rPr lang="en-US" dirty="0" err="1" smtClean="0">
+              <a:rPr lang="en-US" dirty="0" err="1">
                 <a:latin typeface="Verdana Regular" charset="0"/>
               </a:rPr>
               <a:t>volobor</a:t>
             </a:r>
             <a:r>
-              <a:rPr lang="en-US" dirty="0" smtClean="0">
-                <a:latin typeface="Verdana Regular" charset="0"/>
-              </a:rPr>
-              <a:t> </a:t>
-            </a:r>
-            <a:r>
-              <a:rPr lang="en-US" dirty="0" err="1" smtClean="0">
+              <a:rPr lang="en-US" dirty="0">
+                <a:latin typeface="Verdana Regular" charset="0"/>
+              </a:rPr>
+              <a:t> </a:t>
+            </a:r>
+            <a:r>
+              <a:rPr lang="en-US" dirty="0" err="1">
                 <a:latin typeface="Verdana Regular" charset="0"/>
               </a:rPr>
               <a:t>si</a:t>
             </a:r>
             <a:r>
-              <a:rPr lang="en-US" dirty="0" smtClean="0">
+              <a:rPr lang="en-US" dirty="0">
                 <a:latin typeface="Verdana Regular" charset="0"/>
               </a:rPr>
               <a:t>.</a:t>
@@ -4303,151 +4228,151 @@
               </a:spcAft>
             </a:pPr>
             <a:r>
-              <a:rPr lang="en-US" dirty="0" smtClean="0">
+              <a:rPr lang="en-US" dirty="0">
                 <a:latin typeface="Verdana Regular" charset="0"/>
               </a:rPr>
               <a:t>Lore del </a:t>
             </a:r>
             <a:r>
-              <a:rPr lang="en-US" dirty="0" err="1" smtClean="0">
+              <a:rPr lang="en-US" dirty="0" err="1">
                 <a:latin typeface="Verdana Regular" charset="0"/>
               </a:rPr>
               <a:t>utatis</a:t>
             </a:r>
             <a:r>
-              <a:rPr lang="en-US" dirty="0" smtClean="0">
-                <a:latin typeface="Verdana Regular" charset="0"/>
-              </a:rPr>
-              <a:t> </a:t>
-            </a:r>
-            <a:r>
-              <a:rPr lang="en-US" dirty="0" err="1" smtClean="0">
+              <a:rPr lang="en-US" dirty="0">
+                <a:latin typeface="Verdana Regular" charset="0"/>
+              </a:rPr>
+              <a:t> </a:t>
+            </a:r>
+            <a:r>
+              <a:rPr lang="en-US" dirty="0" err="1">
                 <a:latin typeface="Verdana Regular" charset="0"/>
               </a:rPr>
               <a:t>amcorpercin</a:t>
             </a:r>
             <a:r>
-              <a:rPr lang="en-US" dirty="0" smtClean="0">
-                <a:latin typeface="Verdana Regular" charset="0"/>
-              </a:rPr>
-              <a:t> </a:t>
-            </a:r>
-            <a:r>
-              <a:rPr lang="en-US" dirty="0" err="1" smtClean="0">
+              <a:rPr lang="en-US" dirty="0">
+                <a:latin typeface="Verdana Regular" charset="0"/>
+              </a:rPr>
+              <a:t> </a:t>
+            </a:r>
+            <a:r>
+              <a:rPr lang="en-US" dirty="0" err="1">
                 <a:latin typeface="Verdana Regular" charset="0"/>
               </a:rPr>
               <a:t>henim</a:t>
             </a:r>
             <a:r>
-              <a:rPr lang="en-US" dirty="0" smtClean="0">
-                <a:latin typeface="Verdana Regular" charset="0"/>
-              </a:rPr>
-              <a:t> </a:t>
-            </a:r>
-            <a:r>
-              <a:rPr lang="en-US" dirty="0" err="1" smtClean="0">
+              <a:rPr lang="en-US" dirty="0">
+                <a:latin typeface="Verdana Regular" charset="0"/>
+              </a:rPr>
+              <a:t> </a:t>
+            </a:r>
+            <a:r>
+              <a:rPr lang="en-US" dirty="0" err="1">
                 <a:latin typeface="Verdana Regular" charset="0"/>
               </a:rPr>
               <a:t>riliq</a:t>
             </a:r>
             <a:r>
-              <a:rPr lang="en-US" dirty="0" smtClean="0">
-                <a:latin typeface="Verdana Regular" charset="0"/>
-              </a:rPr>
-              <a:t> </a:t>
-            </a:r>
-            <a:r>
-              <a:rPr lang="en-US" dirty="0" err="1" smtClean="0">
+              <a:rPr lang="en-US" dirty="0">
+                <a:latin typeface="Verdana Regular" charset="0"/>
+              </a:rPr>
+              <a:t> </a:t>
+            </a:r>
+            <a:r>
+              <a:rPr lang="en-US" dirty="0" err="1">
                 <a:latin typeface="Verdana Regular" charset="0"/>
               </a:rPr>
               <a:t>uismodo</a:t>
             </a:r>
             <a:r>
-              <a:rPr lang="en-US" dirty="0" smtClean="0">
-                <a:latin typeface="Verdana Regular" charset="0"/>
-              </a:rPr>
-              <a:t> </a:t>
-            </a:r>
-            <a:r>
-              <a:rPr lang="en-US" dirty="0" err="1" smtClean="0">
+              <a:rPr lang="en-US" dirty="0">
+                <a:latin typeface="Verdana Regular" charset="0"/>
+              </a:rPr>
+              <a:t> </a:t>
+            </a:r>
+            <a:r>
+              <a:rPr lang="en-US" dirty="0" err="1">
                 <a:latin typeface="Verdana Regular" charset="0"/>
               </a:rPr>
               <a:t>leniat</a:t>
             </a:r>
             <a:r>
-              <a:rPr lang="en-US" dirty="0" smtClean="0">
-                <a:latin typeface="Verdana Regular" charset="0"/>
-              </a:rPr>
-              <a:t> </a:t>
-            </a:r>
-            <a:r>
-              <a:rPr lang="en-US" dirty="0" err="1" smtClean="0">
+              <a:rPr lang="en-US" dirty="0">
+                <a:latin typeface="Verdana Regular" charset="0"/>
+              </a:rPr>
+              <a:t> </a:t>
+            </a:r>
+            <a:r>
+              <a:rPr lang="en-US" dirty="0" err="1">
                 <a:latin typeface="Verdana Regular" charset="0"/>
               </a:rPr>
               <a:t>aciduisl</a:t>
             </a:r>
             <a:r>
-              <a:rPr lang="en-US" dirty="0" smtClean="0">
-                <a:latin typeface="Verdana Regular" charset="0"/>
-              </a:rPr>
-              <a:t> </a:t>
-            </a:r>
-            <a:r>
-              <a:rPr lang="en-US" dirty="0" err="1" smtClean="0">
+              <a:rPr lang="en-US" dirty="0">
+                <a:latin typeface="Verdana Regular" charset="0"/>
+              </a:rPr>
+              <a:t> </a:t>
+            </a:r>
+            <a:r>
+              <a:rPr lang="en-US" dirty="0" err="1">
                 <a:latin typeface="Verdana Regular" charset="0"/>
               </a:rPr>
               <a:t>il</a:t>
             </a:r>
             <a:r>
-              <a:rPr lang="en-US" dirty="0" smtClean="0">
-                <a:latin typeface="Verdana Regular" charset="0"/>
-              </a:rPr>
-              <a:t> </a:t>
-            </a:r>
-            <a:r>
-              <a:rPr lang="en-US" dirty="0" err="1" smtClean="0">
+              <a:rPr lang="en-US" dirty="0">
+                <a:latin typeface="Verdana Regular" charset="0"/>
+              </a:rPr>
+              <a:t> </a:t>
+            </a:r>
+            <a:r>
+              <a:rPr lang="en-US" dirty="0" err="1">
                 <a:latin typeface="Verdana Regular" charset="0"/>
               </a:rPr>
               <a:t>eugait</a:t>
             </a:r>
             <a:r>
-              <a:rPr lang="en-US" dirty="0" smtClean="0">
-                <a:latin typeface="Verdana Regular" charset="0"/>
-              </a:rPr>
-              <a:t> </a:t>
-            </a:r>
-            <a:r>
-              <a:rPr lang="en-US" dirty="0" err="1" smtClean="0">
+              <a:rPr lang="en-US" dirty="0">
+                <a:latin typeface="Verdana Regular" charset="0"/>
+              </a:rPr>
+              <a:t> </a:t>
+            </a:r>
+            <a:r>
+              <a:rPr lang="en-US" dirty="0" err="1">
                 <a:latin typeface="Verdana Regular" charset="0"/>
               </a:rPr>
               <a:t>velis</a:t>
             </a:r>
             <a:r>
-              <a:rPr lang="en-US" dirty="0" smtClean="0">
-                <a:latin typeface="Verdana Regular" charset="0"/>
-              </a:rPr>
-              <a:t> </a:t>
-            </a:r>
-            <a:r>
-              <a:rPr lang="en-US" dirty="0" err="1" smtClean="0">
+              <a:rPr lang="en-US" dirty="0">
+                <a:latin typeface="Verdana Regular" charset="0"/>
+              </a:rPr>
+              <a:t> </a:t>
+            </a:r>
+            <a:r>
+              <a:rPr lang="en-US" dirty="0" err="1">
                 <a:latin typeface="Verdana Regular" charset="0"/>
               </a:rPr>
               <a:t>nos</a:t>
             </a:r>
             <a:r>
-              <a:rPr lang="en-US" dirty="0" smtClean="0">
+              <a:rPr lang="en-US" dirty="0">
                 <a:latin typeface="Verdana Regular" charset="0"/>
               </a:rPr>
               <a:t> alit prat ad </a:t>
             </a:r>
             <a:r>
-              <a:rPr lang="en-US" dirty="0" err="1" smtClean="0">
+              <a:rPr lang="en-US" dirty="0" err="1">
                 <a:latin typeface="Verdana Regular" charset="0"/>
               </a:rPr>
               <a:t>tions</a:t>
             </a:r>
             <a:r>
-              <a:rPr lang="en-US" dirty="0" smtClean="0">
+              <a:rPr lang="en-US" dirty="0">
                 <a:latin typeface="Verdana Regular" charset="0"/>
               </a:rPr>
               <a:t> et </a:t>
@@ -4465,25 +4390,25 @@
               <a:t> </a:t>
             </a:r>
             <a:r>
-              <a:rPr lang="en-US" dirty="0" err="1" smtClean="0">
+              <a:rPr lang="en-US" dirty="0" err="1">
                 <a:latin typeface="Verdana Regular" charset="0"/>
               </a:rPr>
               <a:t>euguerostie</a:t>
             </a:r>
             <a:r>
-              <a:rPr lang="en-US" dirty="0" smtClean="0">
-                <a:latin typeface="Verdana Regular" charset="0"/>
-              </a:rPr>
-              <a:t> </a:t>
-            </a:r>
-            <a:r>
-              <a:rPr lang="en-US" dirty="0" err="1" smtClean="0">
+              <a:rPr lang="en-US" dirty="0">
+                <a:latin typeface="Verdana Regular" charset="0"/>
+              </a:rPr>
+              <a:t> </a:t>
+            </a:r>
+            <a:r>
+              <a:rPr lang="en-US" dirty="0" err="1">
                 <a:latin typeface="Verdana Regular" charset="0"/>
               </a:rPr>
               <a:t>dolore</a:t>
             </a:r>
             <a:r>
-              <a:rPr lang="en-US" dirty="0" smtClean="0">
+              <a:rPr lang="en-US" dirty="0">
                 <a:latin typeface="Verdana Regular" charset="0"/>
               </a:rPr>
               <a:t> </a:t>
@@ -4532,16 +4457,10 @@
               </a:spcAft>
             </a:pPr>
             <a:r>
-              <a:rPr lang="en-US" dirty="0" smtClean="0">
-                <a:latin typeface="Verdana Regular" charset="0"/>
-              </a:rPr>
-              <a:t>Sim </a:t>
-            </a:r>
-            <a:r>
-              <a:rPr lang="en-US" dirty="0">
-                <a:latin typeface="Verdana Regular" charset="0"/>
-              </a:rPr>
-              <a:t>ipsum </a:t>
+              <a:rPr lang="en-US" dirty="0">
+                <a:latin typeface="Verdana Regular" charset="0"/>
+              </a:rPr>
+              <a:t>Sim ipsum </a:t>
             </a:r>
             <a:r>
               <a:rPr lang="en-US" dirty="0" err="1">
@@ -4712,7 +4631,7 @@
               <a:t> </a:t>
             </a:r>
             <a:r>
-              <a:rPr lang="en-US" dirty="0" err="1" smtClean="0">
+              <a:rPr lang="en-US" dirty="0" err="1">
                 <a:latin typeface="Verdana Regular" charset="0"/>
               </a:rPr>
               <a:t>eu</a:t>
@@ -4724,7 +4643,7 @@
               <a:t> </a:t>
             </a:r>
             <a:r>
-              <a:rPr lang="en-US" dirty="0" err="1" smtClean="0">
+              <a:rPr lang="en-US" dirty="0" err="1">
                 <a:latin typeface="Verdana Regular" charset="0"/>
               </a:rPr>
               <a:t>amconsequat</a:t>
@@ -4772,7 +4691,7 @@
         <p:spPr>
           <a:xfrm>
             <a:off x="1931989" y="5503233"/>
-            <a:ext cx="8158690" cy="677108"/>
+            <a:ext cx="8158690" cy="664797"/>
           </a:xfrm>
           <a:prstGeom prst="rect">
             <a:avLst/>
@@ -4948,47 +4867,14 @@
           </a:lstStyle>
           <a:p>
             <a:r>
-              <a:rPr lang="en-US" dirty="0" smtClean="0">
+              <a:rPr lang="en-US" dirty="0">
                 <a:solidFill>
                   <a:srgbClr val="FFFFFF"/>
                 </a:solidFill>
                 <a:latin typeface="Verdana Regular" charset="0"/>
               </a:rPr>
-              <a:t>Title: </a:t>
-            </a:r>
-            <a:r>
-              <a:rPr lang="en-US" dirty="0" err="1" smtClean="0">
-                <a:solidFill>
-                  <a:srgbClr val="FFFFFF"/>
-                </a:solidFill>
-                <a:latin typeface="Verdana Regular" charset="0"/>
-              </a:rPr>
-              <a:t>lorem</a:t>
-            </a:r>
-            <a:r>
-              <a:rPr lang="en-US" dirty="0" smtClean="0">
-                <a:solidFill>
-                  <a:srgbClr val="FFFFFF"/>
-                </a:solidFill>
-                <a:latin typeface="Verdana Regular" charset="0"/>
-              </a:rPr>
-              <a:t> </a:t>
-            </a:r>
-            <a:r>
-              <a:rPr lang="en-US" dirty="0" err="1" smtClean="0">
-                <a:solidFill>
-                  <a:srgbClr val="FFFFFF"/>
-                </a:solidFill>
-                <a:latin typeface="Verdana Regular" charset="0"/>
-              </a:rPr>
-              <a:t>ipsum</a:t>
-            </a:r>
-            <a:endParaRPr lang="en-US" dirty="0">
-              <a:solidFill>
-                <a:srgbClr val="FFFFFF"/>
-              </a:solidFill>
-              <a:latin typeface="Verdana Regular" charset="0"/>
-            </a:endParaRPr>
+              <a:t>Description</a:t>
+            </a:r>
           </a:p>
         </p:txBody>
       </p:sp>
@@ -8086,7 +7972,7 @@
           </a:lstStyle>
           <a:p>
             <a:r>
-              <a:rPr lang="en-US" spc="100">
+              <a:rPr lang="en-US" spc="100" dirty="0" err="1">
                 <a:solidFill>
                   <a:srgbClr val="E05529"/>
                 </a:solidFill>
@@ -8094,16 +7980,19 @@
                 <a:ea typeface="Impact" charset="0"/>
                 <a:cs typeface="Impact" charset="0"/>
               </a:rPr>
-              <a:t>Headline: lorem ipsum</a:t>
-            </a:r>
-            <a:endParaRPr lang="en-US" spc="100" dirty="0">
-              <a:solidFill>
-                <a:srgbClr val="E05529"/>
-              </a:solidFill>
-              <a:latin typeface="Impact" charset="0"/>
-              <a:ea typeface="Impact" charset="0"/>
-              <a:cs typeface="Impact" charset="0"/>
-            </a:endParaRPr>
+              <a:t>Aerolyzer</a:t>
+            </a:r>
+            <a:r>
+              <a:rPr lang="en-US" spc="100" dirty="0">
+                <a:solidFill>
+                  <a:srgbClr val="E05529"/>
+                </a:solidFill>
+                <a:latin typeface="Impact" charset="0"/>
+                <a:ea typeface="Impact" charset="0"/>
+                <a:cs typeface="Impact" charset="0"/>
+              </a:rPr>
+              <a:t> </a:t>
+            </a:r>
           </a:p>
         </p:txBody>
       </p:sp>
@@ -8297,229 +8186,8 @@
                 <a:ea typeface="Georgia" charset="0"/>
                 <a:cs typeface="Georgia" charset="0"/>
               </a:rPr>
-              <a:t>Subhead: </a:t>
-            </a:r>
-            <a:r>
-              <a:rPr lang="en-US" dirty="0" err="1">
-                <a:latin typeface="Georgia" charset="0"/>
-                <a:ea typeface="Georgia" charset="0"/>
-                <a:cs typeface="Georgia" charset="0"/>
-              </a:rPr>
-              <a:t>Uditincil</a:t>
-            </a:r>
-            <a:r>
-              <a:rPr lang="en-US" dirty="0">
-                <a:latin typeface="Georgia" charset="0"/>
-                <a:ea typeface="Georgia" charset="0"/>
-                <a:cs typeface="Georgia" charset="0"/>
-              </a:rPr>
-              <a:t> </a:t>
-            </a:r>
-            <a:r>
-              <a:rPr lang="en-US" dirty="0" err="1">
-                <a:latin typeface="Georgia" charset="0"/>
-                <a:ea typeface="Georgia" charset="0"/>
-                <a:cs typeface="Georgia" charset="0"/>
-              </a:rPr>
-              <a:t>endaeri</a:t>
-            </a:r>
-            <a:r>
-              <a:rPr lang="en-US" dirty="0">
-                <a:latin typeface="Georgia" charset="0"/>
-                <a:ea typeface="Georgia" charset="0"/>
-                <a:cs typeface="Georgia" charset="0"/>
-              </a:rPr>
-              <a:t> </a:t>
-            </a:r>
-            <a:r>
-              <a:rPr lang="en-US" dirty="0" err="1">
-                <a:latin typeface="Georgia" charset="0"/>
-                <a:ea typeface="Georgia" charset="0"/>
-                <a:cs typeface="Georgia" charset="0"/>
-              </a:rPr>
-              <a:t>sus</a:t>
-            </a:r>
-            <a:r>
-              <a:rPr lang="en-US" dirty="0">
-                <a:latin typeface="Georgia" charset="0"/>
-                <a:ea typeface="Georgia" charset="0"/>
-                <a:cs typeface="Georgia" charset="0"/>
-              </a:rPr>
-              <a:t> </a:t>
-            </a:r>
-            <a:r>
-              <a:rPr lang="en-US" dirty="0" err="1">
-                <a:latin typeface="Georgia" charset="0"/>
-                <a:ea typeface="Georgia" charset="0"/>
-                <a:cs typeface="Georgia" charset="0"/>
-              </a:rPr>
-              <a:t>sectur</a:t>
-            </a:r>
-            <a:r>
-              <a:rPr lang="en-US" dirty="0">
-                <a:latin typeface="Georgia" charset="0"/>
-                <a:ea typeface="Georgia" charset="0"/>
-                <a:cs typeface="Georgia" charset="0"/>
-              </a:rPr>
-              <a:t> </a:t>
-            </a:r>
-            <a:r>
-              <a:rPr lang="en-US" dirty="0" err="1">
-                <a:latin typeface="Georgia" charset="0"/>
-                <a:ea typeface="Georgia" charset="0"/>
-                <a:cs typeface="Georgia" charset="0"/>
-              </a:rPr>
-              <a:t>sam</a:t>
-            </a:r>
-            <a:r>
-              <a:rPr lang="en-US" dirty="0">
-                <a:latin typeface="Georgia" charset="0"/>
-                <a:ea typeface="Georgia" charset="0"/>
-                <a:cs typeface="Georgia" charset="0"/>
-              </a:rPr>
-              <a:t> </a:t>
-            </a:r>
-            <a:r>
-              <a:rPr lang="en-US" dirty="0" err="1">
-                <a:latin typeface="Georgia" charset="0"/>
-                <a:ea typeface="Georgia" charset="0"/>
-                <a:cs typeface="Georgia" charset="0"/>
-              </a:rPr>
-              <a:t>fuga</a:t>
-            </a:r>
-            <a:r>
-              <a:rPr lang="en-US" dirty="0">
-                <a:latin typeface="Georgia" charset="0"/>
-                <a:ea typeface="Georgia" charset="0"/>
-                <a:cs typeface="Georgia" charset="0"/>
-              </a:rPr>
-              <a:t> </a:t>
-            </a:r>
-            <a:r>
-              <a:rPr lang="en-US" dirty="0" err="1">
-                <a:latin typeface="Georgia" charset="0"/>
-                <a:ea typeface="Georgia" charset="0"/>
-                <a:cs typeface="Georgia" charset="0"/>
-              </a:rPr>
-              <a:t>nequo</a:t>
-            </a:r>
-            <a:r>
-              <a:rPr lang="en-US" dirty="0">
-                <a:latin typeface="Georgia" charset="0"/>
-                <a:ea typeface="Georgia" charset="0"/>
-                <a:cs typeface="Georgia" charset="0"/>
-              </a:rPr>
-              <a:t> que </a:t>
-            </a:r>
-            <a:r>
-              <a:rPr lang="en-US" dirty="0" err="1">
-                <a:latin typeface="Georgia" charset="0"/>
-                <a:ea typeface="Georgia" charset="0"/>
-                <a:cs typeface="Georgia" charset="0"/>
-              </a:rPr>
-              <a:t>consequi</a:t>
-            </a:r>
-            <a:r>
-              <a:rPr lang="en-US" dirty="0">
-                <a:latin typeface="Georgia" charset="0"/>
-                <a:ea typeface="Georgia" charset="0"/>
-                <a:cs typeface="Georgia" charset="0"/>
-              </a:rPr>
-              <a:t> </a:t>
-            </a:r>
-            <a:r>
-              <a:rPr lang="en-US" dirty="0" err="1">
-                <a:latin typeface="Georgia" charset="0"/>
-                <a:ea typeface="Georgia" charset="0"/>
-                <a:cs typeface="Georgia" charset="0"/>
-              </a:rPr>
-              <a:t>autendi</a:t>
-            </a:r>
-            <a:r>
-              <a:rPr lang="en-US" dirty="0">
-                <a:latin typeface="Georgia" charset="0"/>
-                <a:ea typeface="Georgia" charset="0"/>
-                <a:cs typeface="Georgia" charset="0"/>
-              </a:rPr>
-              <a:t> con </a:t>
-            </a:r>
-            <a:r>
-              <a:rPr lang="en-US" dirty="0" err="1">
-                <a:latin typeface="Georgia" charset="0"/>
-                <a:ea typeface="Georgia" charset="0"/>
-                <a:cs typeface="Georgia" charset="0"/>
-              </a:rPr>
-              <a:t>expelen</a:t>
-            </a:r>
-            <a:r>
-              <a:rPr lang="en-US" dirty="0">
-                <a:latin typeface="Georgia" charset="0"/>
-                <a:ea typeface="Georgia" charset="0"/>
-                <a:cs typeface="Georgia" charset="0"/>
-              </a:rPr>
-              <a:t> </a:t>
-            </a:r>
-            <a:r>
-              <a:rPr lang="en-US" dirty="0" err="1">
-                <a:latin typeface="Georgia" charset="0"/>
-                <a:ea typeface="Georgia" charset="0"/>
-                <a:cs typeface="Georgia" charset="0"/>
-              </a:rPr>
-              <a:t>ihicturibus</a:t>
-            </a:r>
-            <a:r>
-              <a:rPr lang="en-US" dirty="0">
-                <a:latin typeface="Georgia" charset="0"/>
-                <a:ea typeface="Georgia" charset="0"/>
-                <a:cs typeface="Georgia" charset="0"/>
-              </a:rPr>
-              <a:t> </a:t>
-            </a:r>
-            <a:r>
-              <a:rPr lang="en-US" dirty="0" err="1">
-                <a:latin typeface="Georgia" charset="0"/>
-                <a:ea typeface="Georgia" charset="0"/>
-                <a:cs typeface="Georgia" charset="0"/>
-              </a:rPr>
-              <a:t>duntio</a:t>
-            </a:r>
-            <a:r>
-              <a:rPr lang="en-US" dirty="0">
-                <a:latin typeface="Georgia" charset="0"/>
-                <a:ea typeface="Georgia" charset="0"/>
-                <a:cs typeface="Georgia" charset="0"/>
-              </a:rPr>
-              <a:t> </a:t>
-            </a:r>
-            <a:r>
-              <a:rPr lang="en-US" dirty="0" err="1">
-                <a:latin typeface="Georgia" charset="0"/>
-                <a:ea typeface="Georgia" charset="0"/>
-                <a:cs typeface="Georgia" charset="0"/>
-              </a:rPr>
-              <a:t>dest</a:t>
-            </a:r>
-            <a:r>
-              <a:rPr lang="en-US" dirty="0">
-                <a:latin typeface="Georgia" charset="0"/>
-                <a:ea typeface="Georgia" charset="0"/>
-                <a:cs typeface="Georgia" charset="0"/>
-              </a:rPr>
-              <a:t> </a:t>
-            </a:r>
-            <a:r>
-              <a:rPr lang="en-US" dirty="0" err="1">
-                <a:latin typeface="Georgia" charset="0"/>
-                <a:ea typeface="Georgia" charset="0"/>
-                <a:cs typeface="Georgia" charset="0"/>
-              </a:rPr>
-              <a:t>quibusam</a:t>
-            </a:r>
-            <a:endParaRPr lang="en-US" dirty="0">
-              <a:latin typeface="Georgia" charset="0"/>
-              <a:ea typeface="Georgia" charset="0"/>
-              <a:cs typeface="Georgia" charset="0"/>
-            </a:endParaRPr>
+              <a:t>In the air we breathe there’s more than just O2, the particles we TAGLINE GOES HERE</a:t>
+            </a:r>
           </a:p>
         </p:txBody>
       </p:sp>
@@ -8710,47 +8378,14 @@
           </a:lstStyle>
           <a:p>
             <a:r>
-              <a:rPr lang="en-US" dirty="0" smtClean="0">
+              <a:rPr lang="en-US" dirty="0">
                 <a:solidFill>
                   <a:srgbClr val="FFFFFF"/>
                 </a:solidFill>
                 <a:latin typeface="Verdana Regular" charset="0"/>
               </a:rPr>
-              <a:t>Title: </a:t>
-            </a:r>
-            <a:r>
-              <a:rPr lang="en-US" dirty="0" err="1" smtClean="0">
-                <a:solidFill>
-                  <a:srgbClr val="FFFFFF"/>
-                </a:solidFill>
-                <a:latin typeface="Verdana Regular" charset="0"/>
-              </a:rPr>
-              <a:t>lorem</a:t>
-            </a:r>
-            <a:r>
-              <a:rPr lang="en-US" dirty="0" smtClean="0">
-                <a:solidFill>
-                  <a:srgbClr val="FFFFFF"/>
-                </a:solidFill>
-                <a:latin typeface="Verdana Regular" charset="0"/>
-              </a:rPr>
-              <a:t> </a:t>
-            </a:r>
-            <a:r>
-              <a:rPr lang="en-US" dirty="0" err="1" smtClean="0">
-                <a:solidFill>
-                  <a:srgbClr val="FFFFFF"/>
-                </a:solidFill>
-                <a:latin typeface="Verdana Regular" charset="0"/>
-              </a:rPr>
-              <a:t>ipsum</a:t>
-            </a:r>
-            <a:endParaRPr lang="en-US" dirty="0">
-              <a:solidFill>
-                <a:srgbClr val="FFFFFF"/>
-              </a:solidFill>
-              <a:latin typeface="Verdana Regular" charset="0"/>
-            </a:endParaRPr>
+              <a:t>Client and Team</a:t>
+            </a:r>
           </a:p>
         </p:txBody>
       </p:sp>
@@ -9013,13 +8648,13 @@
               <a:t> </a:t>
             </a:r>
             <a:r>
-              <a:rPr lang="en-US" dirty="0" err="1" smtClean="0">
+              <a:rPr lang="en-US" dirty="0" err="1">
                 <a:latin typeface="Verdana Regular" charset="0"/>
               </a:rPr>
               <a:t>volore</a:t>
             </a:r>
             <a:r>
-              <a:rPr lang="en-US" dirty="0" smtClean="0">
+              <a:rPr lang="en-US" dirty="0">
                 <a:latin typeface="Verdana Regular" charset="0"/>
               </a:rPr>
               <a:t> </a:t>
@@ -9104,7 +8739,7 @@
               <a:t> et </a:t>
             </a:r>
             <a:r>
-              <a:rPr lang="en-US" dirty="0" err="1" smtClean="0">
+              <a:rPr lang="en-US" dirty="0" err="1">
                 <a:latin typeface="Verdana Regular" charset="0"/>
               </a:rPr>
               <a:t>audae</a:t>
@@ -9116,13 +8751,13 @@
               <a:t> </a:t>
             </a:r>
             <a:r>
-              <a:rPr lang="en-US" dirty="0" err="1" smtClean="0">
+              <a:rPr lang="en-US" dirty="0" err="1">
                 <a:latin typeface="Verdana Regular" charset="0"/>
               </a:rPr>
               <a:t>usted</a:t>
             </a:r>
             <a:r>
-              <a:rPr lang="en-US" dirty="0" smtClean="0">
+              <a:rPr lang="en-US" dirty="0">
                 <a:latin typeface="Verdana Regular" charset="0"/>
               </a:rPr>
               <a:t> </a:t>
@@ -9176,25 +8811,25 @@
               <a:t> </a:t>
             </a:r>
             <a:r>
-              <a:rPr lang="en-US" dirty="0" err="1" smtClean="0">
+              <a:rPr lang="en-US" dirty="0" err="1">
                 <a:latin typeface="Verdana Regular" charset="0"/>
               </a:rPr>
               <a:t>volumpt</a:t>
             </a:r>
             <a:r>
-              <a:rPr lang="en-US" dirty="0" smtClean="0">
-                <a:latin typeface="Verdana Regular" charset="0"/>
-              </a:rPr>
-              <a:t> </a:t>
-            </a:r>
-            <a:r>
-              <a:rPr lang="en-US" dirty="0" err="1" smtClean="0">
+              <a:rPr lang="en-US" dirty="0">
+                <a:latin typeface="Verdana Regular" charset="0"/>
+              </a:rPr>
+              <a:t> </a:t>
+            </a:r>
+            <a:r>
+              <a:rPr lang="en-US" dirty="0" err="1">
                 <a:latin typeface="Verdana Regular" charset="0"/>
               </a:rPr>
               <a:t>molorestio</a:t>
             </a:r>
             <a:r>
-              <a:rPr lang="en-US" dirty="0" smtClean="0">
+              <a:rPr lang="en-US" dirty="0">
                 <a:latin typeface="Verdana Regular" charset="0"/>
               </a:rPr>
               <a:t> </a:t>
@@ -9368,31 +9003,31 @@
               <a:t>, que </a:t>
             </a:r>
             <a:r>
-              <a:rPr lang="en-US" dirty="0" err="1" smtClean="0">
+              <a:rPr lang="en-US" dirty="0" err="1">
                 <a:latin typeface="Verdana Regular" charset="0"/>
               </a:rPr>
               <a:t>nimi</a:t>
             </a:r>
             <a:r>
-              <a:rPr lang="en-US" dirty="0" smtClean="0">
-                <a:latin typeface="Verdana Regular" charset="0"/>
-              </a:rPr>
-              <a:t> </a:t>
-            </a:r>
-            <a:r>
-              <a:rPr lang="en-US" dirty="0" err="1" smtClean="0">
+              <a:rPr lang="en-US" dirty="0">
+                <a:latin typeface="Verdana Regular" charset="0"/>
+              </a:rPr>
+              <a:t> </a:t>
+            </a:r>
+            <a:r>
+              <a:rPr lang="en-US" dirty="0" err="1">
                 <a:latin typeface="Verdana Regular" charset="0"/>
               </a:rPr>
               <a:t>ncima</a:t>
             </a:r>
             <a:r>
-              <a:rPr lang="en-US" dirty="0" smtClean="0">
-                <a:latin typeface="Verdana Regular" charset="0"/>
-              </a:rPr>
-              <a:t> </a:t>
-            </a:r>
-            <a:r>
-              <a:rPr lang="en-US" dirty="0" err="1" smtClean="0">
+              <a:rPr lang="en-US" dirty="0">
+                <a:latin typeface="Verdana Regular" charset="0"/>
+              </a:rPr>
+              <a:t> </a:t>
+            </a:r>
+            <a:r>
+              <a:rPr lang="en-US" dirty="0" err="1">
                 <a:latin typeface="Verdana Regular" charset="0"/>
               </a:rPr>
               <a:t>nimus</a:t>
@@ -9404,13 +9039,13 @@
               <a:t> </a:t>
             </a:r>
             <a:r>
-              <a:rPr lang="en-US" dirty="0" err="1" smtClean="0">
+              <a:rPr lang="en-US" dirty="0" err="1">
                 <a:latin typeface="Verdana Regular" charset="0"/>
               </a:rPr>
               <a:t>est</a:t>
             </a:r>
             <a:r>
-              <a:rPr lang="en-US" dirty="0" smtClean="0">
+              <a:rPr lang="en-US" dirty="0">
                 <a:latin typeface="Verdana Regular" charset="0"/>
               </a:rPr>
               <a:t> </a:t>
@@ -9497,22 +9132,16 @@
               <a:rPr lang="en-US" dirty="0">
                 <a:latin typeface="Verdana Regular" charset="0"/>
               </a:rPr>
-              <a:t> dis </a:t>
-            </a:r>
-            <a:r>
-              <a:rPr lang="en-US" dirty="0" smtClean="0">
-                <a:latin typeface="Verdana Regular" charset="0"/>
-              </a:rPr>
-              <a:t>non </a:t>
-            </a:r>
-            <a:r>
-              <a:rPr lang="en-US" dirty="0" err="1" smtClean="0">
+              <a:t> dis non </a:t>
+            </a:r>
+            <a:r>
+              <a:rPr lang="en-US" dirty="0" err="1">
                 <a:latin typeface="Verdana Regular" charset="0"/>
               </a:rPr>
               <a:t>sequi</a:t>
             </a:r>
             <a:r>
-              <a:rPr lang="en-US" dirty="0" smtClean="0">
+              <a:rPr lang="en-US" dirty="0">
                 <a:latin typeface="Verdana Regular" charset="0"/>
               </a:rPr>
               <a:t> </a:t>
@@ -9849,22 +9478,16 @@
               <a:t>, </a:t>
             </a:r>
             <a:r>
-              <a:rPr lang="en-US" dirty="0" err="1" smtClean="0">
+              <a:rPr lang="en-US" dirty="0" err="1">
                 <a:latin typeface="Verdana Regular" charset="0"/>
               </a:rPr>
               <a:t>omniaed</a:t>
             </a:r>
             <a:r>
-              <a:rPr lang="en-US" dirty="0" smtClean="0">
-                <a:latin typeface="Verdana Regular" charset="0"/>
-              </a:rPr>
-              <a:t> </a:t>
-            </a:r>
-            <a:r>
-              <a:rPr lang="en-US" dirty="0">
-                <a:latin typeface="Verdana Regular" charset="0"/>
-              </a:rPr>
-              <a:t>et </a:t>
+              <a:rPr lang="en-US" dirty="0">
+                <a:latin typeface="Verdana Regular" charset="0"/>
+              </a:rPr>
+              <a:t> et </a:t>
             </a:r>
             <a:r>
               <a:rPr lang="en-US" dirty="0" err="1">
@@ -10521,13 +10144,7 @@
               <a:rPr lang="en-US" dirty="0">
                 <a:latin typeface="Verdana Regular" charset="0"/>
               </a:rPr>
-              <a:t> est</a:t>
-            </a:r>
-            <a:r>
-              <a:rPr lang="en-US" dirty="0" smtClean="0">
-                <a:latin typeface="Verdana Regular" charset="0"/>
-              </a:rPr>
-              <a:t>.</a:t>
+              <a:t> est.</a:t>
             </a:r>
           </a:p>
         </p:txBody>
@@ -10579,18 +10196,13 @@
               </a:spcBef>
             </a:pPr>
             <a:r>
-              <a:rPr lang="en-US" sz="5400" spc="520" baseline="0" dirty="0" smtClean="0">
+              <a:rPr lang="en-US" sz="5400" spc="520" baseline="0" dirty="0">
                 <a:latin typeface="Impact" charset="0"/>
                 <a:ea typeface="Impact" charset="0"/>
                 <a:cs typeface="Impact" charset="0"/>
               </a:rPr>
               <a:t>###</a:t>
             </a:r>
-            <a:endParaRPr lang="en-US" sz="5400" spc="520" baseline="0" dirty="0">
-              <a:latin typeface="Impact" charset="0"/>
-              <a:ea typeface="Impact" charset="0"/>
-              <a:cs typeface="Impact" charset="0"/>
-            </a:endParaRPr>
           </a:p>
         </p:txBody>
       </p:sp>
@@ -10862,7 +10474,7 @@
   <a:extraClrSchemeLst/>
   <a:extLst>
     <a:ext uri="{05A4C25C-085E-4340-85A3-A5531E510DB2}">
-      <thm15:themeFamily xmlns:thm15="http://schemas.microsoft.com/office/thememl/2012/main" xmlns="" name="research_poster_template-48x36" id="{0FFAA6C9-1816-164A-913C-442D436FEA80}" vid="{D21D638B-596F-CB49-840C-9C72AB38A70B}"/>
+      <thm15:themeFamily xmlns:thm15="http://schemas.microsoft.com/office/thememl/2012/main" name="research_poster_template-48x36" id="{0FFAA6C9-1816-164A-913C-442D436FEA80}" vid="{D21D638B-596F-CB49-840C-9C72AB38A70B}"/>
     </a:ext>
   </a:extLst>
 </a:theme>
@@ -11123,7 +10735,7 @@
   <a:extraClrSchemeLst/>
   <a:extLst>
     <a:ext uri="{05A4C25C-085E-4340-85A3-A5531E510DB2}">
-      <thm15:themeFamily xmlns:thm15="http://schemas.microsoft.com/office/thememl/2012/main" xmlns="" name="Office Theme" id="{62F939B6-93AF-4DB8-9C6B-D6C7DFDC589F}" vid="{4A3C46E8-61CC-4603-A589-7422A47A8E4A}"/>
+      <thm15:themeFamily xmlns:thm15="http://schemas.microsoft.com/office/thememl/2012/main" name="Office Theme" id="{62F939B6-93AF-4DB8-9C6B-D6C7DFDC589F}" vid="{4A3C46E8-61CC-4603-A589-7422A47A8E4A}"/>
     </a:ext>
   </a:extLst>
 </a:theme>

--- a/Poster/poster_undergrad_expo_48x36_eecs.pptx
+++ b/Poster/poster_undergrad_expo_48x36_eecs.pptx
@@ -1840,7 +1840,12 @@
             <p:ph type="pic" sz="quarter" idx="11"/>
           </p:nvPr>
         </p:nvSpPr>
-        <p:spPr/>
+        <p:spPr>
+          <a:xfrm>
+            <a:off x="33848817" y="3602245"/>
+            <a:ext cx="7994507" cy="9101138"/>
+          </a:xfrm>
+        </p:spPr>
       </p:sp>
       <p:sp>
         <p:nvSpPr>
@@ -3452,23 +3457,8 @@
                 </a:solidFill>
                 <a:latin typeface="Verdana Regular" charset="0"/>
               </a:rPr>
-              <a:t>Results </a:t>
-            </a:r>
-            <a:r>
-              <a:rPr lang="en-US">
-                <a:solidFill>
-                  <a:srgbClr val="E05529"/>
-                </a:solidFill>
-                <a:latin typeface="Verdana Regular" charset="0"/>
-              </a:rPr>
-              <a:t>and Conclusion</a:t>
-            </a:r>
-            <a:endParaRPr lang="en-US" dirty="0">
-              <a:solidFill>
-                <a:srgbClr val="E05529"/>
-              </a:solidFill>
-              <a:latin typeface="Verdana Regular" charset="0"/>
-            </a:endParaRPr>
+              <a:t>Results and Conclusion</a:t>
+            </a:r>
           </a:p>
         </p:txBody>
       </p:sp>
@@ -4889,7 +4879,7 @@
         <p:spPr>
           <a:xfrm>
             <a:off x="1964266" y="6422030"/>
-            <a:ext cx="8126412" cy="14311610"/>
+            <a:ext cx="8126412" cy="12532983"/>
           </a:xfrm>
           <a:prstGeom prst="rect">
             <a:avLst/>
@@ -5076,270 +5066,14 @@
                 <a:spcPts val="2600"/>
               </a:spcAft>
             </a:pPr>
-            <a:r>
-              <a:rPr lang="en-US" dirty="0" err="1">
-                <a:solidFill>
-                  <a:schemeClr val="bg1"/>
-                </a:solidFill>
-                <a:latin typeface="Verdana" charset="0"/>
-                <a:ea typeface="Verdana" charset="0"/>
-                <a:cs typeface="Verdana" charset="0"/>
-              </a:rPr>
-              <a:t>Loribus</a:t>
-            </a:r>
-            <a:r>
-              <a:rPr lang="en-US" dirty="0">
-                <a:solidFill>
-                  <a:schemeClr val="bg1"/>
-                </a:solidFill>
-                <a:latin typeface="Verdana" charset="0"/>
-                <a:ea typeface="Verdana" charset="0"/>
-                <a:cs typeface="Verdana" charset="0"/>
-              </a:rPr>
-              <a:t> </a:t>
-            </a:r>
-            <a:r>
-              <a:rPr lang="en-US" dirty="0" err="1">
-                <a:solidFill>
-                  <a:schemeClr val="bg1"/>
-                </a:solidFill>
-                <a:latin typeface="Verdana" charset="0"/>
-                <a:ea typeface="Verdana" charset="0"/>
-                <a:cs typeface="Verdana" charset="0"/>
-              </a:rPr>
-              <a:t>eum</a:t>
-            </a:r>
-            <a:r>
-              <a:rPr lang="en-US" dirty="0">
-                <a:solidFill>
-                  <a:schemeClr val="bg1"/>
-                </a:solidFill>
-                <a:latin typeface="Verdana" charset="0"/>
-                <a:ea typeface="Verdana" charset="0"/>
-                <a:cs typeface="Verdana" charset="0"/>
-              </a:rPr>
-              <a:t> </a:t>
-            </a:r>
-            <a:r>
-              <a:rPr lang="en-US" dirty="0" err="1">
-                <a:solidFill>
-                  <a:schemeClr val="bg1"/>
-                </a:solidFill>
-                <a:latin typeface="Verdana" charset="0"/>
-                <a:ea typeface="Verdana" charset="0"/>
-                <a:cs typeface="Verdana" charset="0"/>
-              </a:rPr>
-              <a:t>labo</a:t>
-            </a:r>
-            <a:r>
-              <a:rPr lang="en-US" dirty="0">
-                <a:solidFill>
-                  <a:schemeClr val="bg1"/>
-                </a:solidFill>
-                <a:latin typeface="Verdana" charset="0"/>
-                <a:ea typeface="Verdana" charset="0"/>
-                <a:cs typeface="Verdana" charset="0"/>
-              </a:rPr>
-              <a:t>. </a:t>
-            </a:r>
-            <a:r>
-              <a:rPr lang="en-US" dirty="0" err="1">
-                <a:solidFill>
-                  <a:schemeClr val="bg1"/>
-                </a:solidFill>
-                <a:latin typeface="Verdana" charset="0"/>
-                <a:ea typeface="Verdana" charset="0"/>
-                <a:cs typeface="Verdana" charset="0"/>
-              </a:rPr>
-              <a:t>Essit</a:t>
-            </a:r>
-            <a:r>
-              <a:rPr lang="en-US" dirty="0">
-                <a:solidFill>
-                  <a:schemeClr val="bg1"/>
-                </a:solidFill>
-                <a:latin typeface="Verdana" charset="0"/>
-                <a:ea typeface="Verdana" charset="0"/>
-                <a:cs typeface="Verdana" charset="0"/>
-              </a:rPr>
-              <a:t> </a:t>
-            </a:r>
-            <a:r>
-              <a:rPr lang="en-US" dirty="0" err="1">
-                <a:solidFill>
-                  <a:schemeClr val="bg1"/>
-                </a:solidFill>
-                <a:latin typeface="Verdana" charset="0"/>
-                <a:ea typeface="Verdana" charset="0"/>
-                <a:cs typeface="Verdana" charset="0"/>
-              </a:rPr>
-              <a:t>ipsundunt</a:t>
-            </a:r>
-            <a:r>
-              <a:rPr lang="en-US" dirty="0">
-                <a:solidFill>
-                  <a:schemeClr val="bg1"/>
-                </a:solidFill>
-                <a:latin typeface="Verdana" charset="0"/>
-                <a:ea typeface="Verdana" charset="0"/>
-                <a:cs typeface="Verdana" charset="0"/>
-              </a:rPr>
-              <a:t> </a:t>
-            </a:r>
-            <a:r>
-              <a:rPr lang="en-US" dirty="0" err="1">
-                <a:solidFill>
-                  <a:schemeClr val="bg1"/>
-                </a:solidFill>
-                <a:latin typeface="Verdana" charset="0"/>
-                <a:ea typeface="Verdana" charset="0"/>
-                <a:cs typeface="Verdana" charset="0"/>
-              </a:rPr>
-              <a:t>volorepe</a:t>
-            </a:r>
-            <a:r>
-              <a:rPr lang="en-US" dirty="0">
-                <a:solidFill>
-                  <a:schemeClr val="bg1"/>
-                </a:solidFill>
-                <a:latin typeface="Verdana" charset="0"/>
-                <a:ea typeface="Verdana" charset="0"/>
-                <a:cs typeface="Verdana" charset="0"/>
-              </a:rPr>
-              <a:t> </a:t>
-            </a:r>
-            <a:r>
-              <a:rPr lang="en-US" dirty="0" err="1">
-                <a:solidFill>
-                  <a:schemeClr val="bg1"/>
-                </a:solidFill>
-                <a:latin typeface="Verdana" charset="0"/>
-                <a:ea typeface="Verdana" charset="0"/>
-                <a:cs typeface="Verdana" charset="0"/>
-              </a:rPr>
-              <a:t>arupid</a:t>
-            </a:r>
-            <a:r>
-              <a:rPr lang="en-US" dirty="0">
-                <a:solidFill>
-                  <a:schemeClr val="bg1"/>
-                </a:solidFill>
-                <a:latin typeface="Verdana" charset="0"/>
-                <a:ea typeface="Verdana" charset="0"/>
-                <a:cs typeface="Verdana" charset="0"/>
-              </a:rPr>
-              <a:t> qui </a:t>
-            </a:r>
-            <a:r>
-              <a:rPr lang="en-US" dirty="0" err="1">
-                <a:solidFill>
-                  <a:schemeClr val="bg1"/>
-                </a:solidFill>
-                <a:latin typeface="Verdana" charset="0"/>
-                <a:ea typeface="Verdana" charset="0"/>
-                <a:cs typeface="Verdana" charset="0"/>
-              </a:rPr>
-              <a:t>isquunt</a:t>
-            </a:r>
-            <a:r>
-              <a:rPr lang="en-US" dirty="0">
-                <a:solidFill>
-                  <a:schemeClr val="bg1"/>
-                </a:solidFill>
-                <a:latin typeface="Verdana" charset="0"/>
-                <a:ea typeface="Verdana" charset="0"/>
-                <a:cs typeface="Verdana" charset="0"/>
-              </a:rPr>
-              <a:t> </a:t>
-            </a:r>
-            <a:r>
-              <a:rPr lang="en-US" dirty="0" err="1">
-                <a:solidFill>
-                  <a:schemeClr val="bg1"/>
-                </a:solidFill>
-                <a:latin typeface="Verdana" charset="0"/>
-                <a:ea typeface="Verdana" charset="0"/>
-                <a:cs typeface="Verdana" charset="0"/>
-              </a:rPr>
-              <a:t>asut</a:t>
-            </a:r>
-            <a:r>
-              <a:rPr lang="en-US" dirty="0">
-                <a:solidFill>
-                  <a:schemeClr val="bg1"/>
-                </a:solidFill>
-                <a:latin typeface="Verdana" charset="0"/>
-                <a:ea typeface="Verdana" charset="0"/>
-                <a:cs typeface="Verdana" charset="0"/>
-              </a:rPr>
-              <a:t> </a:t>
-            </a:r>
-            <a:r>
-              <a:rPr lang="en-US" dirty="0" err="1">
-                <a:solidFill>
-                  <a:schemeClr val="bg1"/>
-                </a:solidFill>
-                <a:latin typeface="Verdana" charset="0"/>
-                <a:ea typeface="Verdana" charset="0"/>
-                <a:cs typeface="Verdana" charset="0"/>
-              </a:rPr>
-              <a:t>est</a:t>
-            </a:r>
-            <a:r>
-              <a:rPr lang="en-US" dirty="0">
-                <a:solidFill>
-                  <a:schemeClr val="bg1"/>
-                </a:solidFill>
-                <a:latin typeface="Verdana" charset="0"/>
-                <a:ea typeface="Verdana" charset="0"/>
-                <a:cs typeface="Verdana" charset="0"/>
-              </a:rPr>
-              <a:t> </a:t>
-            </a:r>
-            <a:r>
-              <a:rPr lang="en-US" dirty="0" err="1">
-                <a:solidFill>
-                  <a:schemeClr val="bg1"/>
-                </a:solidFill>
-                <a:latin typeface="Verdana" charset="0"/>
-                <a:ea typeface="Verdana" charset="0"/>
-                <a:cs typeface="Verdana" charset="0"/>
-              </a:rPr>
-              <a:t>luteetur</a:t>
-            </a:r>
-            <a:r>
-              <a:rPr lang="en-US" dirty="0">
-                <a:solidFill>
-                  <a:schemeClr val="bg1"/>
-                </a:solidFill>
-                <a:latin typeface="Verdana" charset="0"/>
-                <a:ea typeface="Verdana" charset="0"/>
-                <a:cs typeface="Verdana" charset="0"/>
-              </a:rPr>
-              <a:t> doles </a:t>
-            </a:r>
-            <a:r>
-              <a:rPr lang="en-US" dirty="0" err="1">
-                <a:solidFill>
-                  <a:schemeClr val="bg1"/>
-                </a:solidFill>
-                <a:latin typeface="Verdana" charset="0"/>
-                <a:ea typeface="Verdana" charset="0"/>
-                <a:cs typeface="Verdana" charset="0"/>
-              </a:rPr>
-              <a:t>ipsunt</a:t>
-            </a:r>
-            <a:r>
-              <a:rPr lang="en-US" dirty="0">
-                <a:solidFill>
-                  <a:schemeClr val="bg1"/>
-                </a:solidFill>
-                <a:latin typeface="Verdana" charset="0"/>
-                <a:ea typeface="Verdana" charset="0"/>
-                <a:cs typeface="Verdana" charset="0"/>
-              </a:rPr>
-              <a:t>.</a:t>
-            </a:r>
+            <a:endParaRPr lang="en-US" dirty="0">
+              <a:solidFill>
+                <a:schemeClr val="bg1"/>
+              </a:solidFill>
+              <a:latin typeface="Verdana" charset="0"/>
+              <a:ea typeface="Verdana" charset="0"/>
+              <a:cs typeface="Verdana" charset="0"/>
+            </a:endParaRPr>
           </a:p>
           <a:p>
             <a:pPr>
@@ -5348,7 +5082,7 @@
               </a:spcAft>
             </a:pPr>
             <a:r>
-              <a:rPr lang="en-US" dirty="0" err="1">
+              <a:rPr lang="en-US" dirty="0">
                 <a:solidFill>
                   <a:schemeClr val="bg1"/>
                 </a:solidFill>
@@ -5356,788 +5090,7 @@
                 <a:ea typeface="Verdana" charset="0"/>
                 <a:cs typeface="Verdana" charset="0"/>
               </a:rPr>
-              <a:t>Hicid</a:t>
-            </a:r>
-            <a:r>
-              <a:rPr lang="en-US" dirty="0">
-                <a:solidFill>
-                  <a:schemeClr val="bg1"/>
-                </a:solidFill>
-                <a:latin typeface="Verdana" charset="0"/>
-                <a:ea typeface="Verdana" charset="0"/>
-                <a:cs typeface="Verdana" charset="0"/>
-              </a:rPr>
-              <a:t> </a:t>
-            </a:r>
-            <a:r>
-              <a:rPr lang="en-US" dirty="0" err="1">
-                <a:solidFill>
-                  <a:schemeClr val="bg1"/>
-                </a:solidFill>
-                <a:latin typeface="Verdana" charset="0"/>
-                <a:ea typeface="Verdana" charset="0"/>
-                <a:cs typeface="Verdana" charset="0"/>
-              </a:rPr>
-              <a:t>modit</a:t>
-            </a:r>
-            <a:r>
-              <a:rPr lang="en-US" dirty="0">
-                <a:solidFill>
-                  <a:schemeClr val="bg1"/>
-                </a:solidFill>
-                <a:latin typeface="Verdana" charset="0"/>
-                <a:ea typeface="Verdana" charset="0"/>
-                <a:cs typeface="Verdana" charset="0"/>
-              </a:rPr>
-              <a:t> ex </a:t>
-            </a:r>
-            <a:r>
-              <a:rPr lang="en-US" dirty="0" err="1">
-                <a:solidFill>
-                  <a:schemeClr val="bg1"/>
-                </a:solidFill>
-                <a:latin typeface="Verdana" charset="0"/>
-                <a:ea typeface="Verdana" charset="0"/>
-                <a:cs typeface="Verdana" charset="0"/>
-              </a:rPr>
-              <a:t>estinienit</a:t>
-            </a:r>
-            <a:r>
-              <a:rPr lang="en-US" dirty="0">
-                <a:solidFill>
-                  <a:schemeClr val="bg1"/>
-                </a:solidFill>
-                <a:latin typeface="Verdana" charset="0"/>
-                <a:ea typeface="Verdana" charset="0"/>
-                <a:cs typeface="Verdana" charset="0"/>
-              </a:rPr>
-              <a:t> et </a:t>
-            </a:r>
-            <a:r>
-              <a:rPr lang="en-US" dirty="0" err="1">
-                <a:solidFill>
-                  <a:schemeClr val="bg1"/>
-                </a:solidFill>
-                <a:latin typeface="Verdana" charset="0"/>
-                <a:ea typeface="Verdana" charset="0"/>
-                <a:cs typeface="Verdana" charset="0"/>
-              </a:rPr>
-              <a:t>audae</a:t>
-            </a:r>
-            <a:r>
-              <a:rPr lang="en-US" dirty="0">
-                <a:solidFill>
-                  <a:schemeClr val="bg1"/>
-                </a:solidFill>
-                <a:latin typeface="Verdana" charset="0"/>
-                <a:ea typeface="Verdana" charset="0"/>
-                <a:cs typeface="Verdana" charset="0"/>
-              </a:rPr>
-              <a:t>. Us </a:t>
-            </a:r>
-            <a:r>
-              <a:rPr lang="en-US" dirty="0" err="1">
-                <a:solidFill>
-                  <a:schemeClr val="bg1"/>
-                </a:solidFill>
-                <a:latin typeface="Verdana" charset="0"/>
-                <a:ea typeface="Verdana" charset="0"/>
-                <a:cs typeface="Verdana" charset="0"/>
-              </a:rPr>
-              <a:t>est</a:t>
-            </a:r>
-            <a:r>
-              <a:rPr lang="en-US" dirty="0">
-                <a:solidFill>
-                  <a:schemeClr val="bg1"/>
-                </a:solidFill>
-                <a:latin typeface="Verdana" charset="0"/>
-                <a:ea typeface="Verdana" charset="0"/>
-                <a:cs typeface="Verdana" charset="0"/>
-              </a:rPr>
-              <a:t> qui </a:t>
-            </a:r>
-            <a:r>
-              <a:rPr lang="en-US" dirty="0" err="1">
-                <a:solidFill>
-                  <a:schemeClr val="bg1"/>
-                </a:solidFill>
-                <a:latin typeface="Verdana" charset="0"/>
-                <a:ea typeface="Verdana" charset="0"/>
-                <a:cs typeface="Verdana" charset="0"/>
-              </a:rPr>
-              <a:t>occullorio</a:t>
-            </a:r>
-            <a:r>
-              <a:rPr lang="en-US" dirty="0">
-                <a:solidFill>
-                  <a:schemeClr val="bg1"/>
-                </a:solidFill>
-                <a:latin typeface="Verdana" charset="0"/>
-                <a:ea typeface="Verdana" charset="0"/>
-                <a:cs typeface="Verdana" charset="0"/>
-              </a:rPr>
-              <a:t> </a:t>
-            </a:r>
-            <a:r>
-              <a:rPr lang="en-US" dirty="0" err="1">
-                <a:solidFill>
-                  <a:schemeClr val="bg1"/>
-                </a:solidFill>
-                <a:latin typeface="Verdana" charset="0"/>
-                <a:ea typeface="Verdana" charset="0"/>
-                <a:cs typeface="Verdana" charset="0"/>
-              </a:rPr>
-              <a:t>molupit</a:t>
-            </a:r>
-            <a:r>
-              <a:rPr lang="en-US" dirty="0">
-                <a:solidFill>
-                  <a:schemeClr val="bg1"/>
-                </a:solidFill>
-                <a:latin typeface="Verdana" charset="0"/>
-                <a:ea typeface="Verdana" charset="0"/>
-                <a:cs typeface="Verdana" charset="0"/>
-              </a:rPr>
-              <a:t> </a:t>
-            </a:r>
-            <a:r>
-              <a:rPr lang="en-US" dirty="0" err="1">
-                <a:solidFill>
-                  <a:schemeClr val="bg1"/>
-                </a:solidFill>
-                <a:latin typeface="Verdana" charset="0"/>
-                <a:ea typeface="Verdana" charset="0"/>
-                <a:cs typeface="Verdana" charset="0"/>
-              </a:rPr>
-              <a:t>vollaut</a:t>
-            </a:r>
-            <a:r>
-              <a:rPr lang="en-US" dirty="0">
-                <a:solidFill>
-                  <a:schemeClr val="bg1"/>
-                </a:solidFill>
-                <a:latin typeface="Verdana" charset="0"/>
-                <a:ea typeface="Verdana" charset="0"/>
-                <a:cs typeface="Verdana" charset="0"/>
-              </a:rPr>
-              <a:t> </a:t>
-            </a:r>
-            <a:r>
-              <a:rPr lang="en-US" dirty="0" err="1">
-                <a:solidFill>
-                  <a:schemeClr val="bg1"/>
-                </a:solidFill>
-                <a:latin typeface="Verdana" charset="0"/>
-                <a:ea typeface="Verdana" charset="0"/>
-                <a:cs typeface="Verdana" charset="0"/>
-              </a:rPr>
-              <a:t>molorestio</a:t>
-            </a:r>
-            <a:r>
-              <a:rPr lang="en-US" dirty="0">
-                <a:solidFill>
-                  <a:schemeClr val="bg1"/>
-                </a:solidFill>
-                <a:latin typeface="Verdana" charset="0"/>
-                <a:ea typeface="Verdana" charset="0"/>
-                <a:cs typeface="Verdana" charset="0"/>
-              </a:rPr>
-              <a:t> </a:t>
-            </a:r>
-            <a:r>
-              <a:rPr lang="en-US" dirty="0" err="1">
-                <a:solidFill>
-                  <a:schemeClr val="bg1"/>
-                </a:solidFill>
-                <a:latin typeface="Verdana" charset="0"/>
-                <a:ea typeface="Verdana" charset="0"/>
-                <a:cs typeface="Verdana" charset="0"/>
-              </a:rPr>
-              <a:t>blaborionet</a:t>
-            </a:r>
-            <a:r>
-              <a:rPr lang="en-US" dirty="0">
-                <a:solidFill>
-                  <a:schemeClr val="bg1"/>
-                </a:solidFill>
-                <a:latin typeface="Verdana" charset="0"/>
-                <a:ea typeface="Verdana" charset="0"/>
-                <a:cs typeface="Verdana" charset="0"/>
-              </a:rPr>
-              <a:t> </a:t>
-            </a:r>
-            <a:r>
-              <a:rPr lang="en-US" dirty="0" err="1">
-                <a:solidFill>
-                  <a:schemeClr val="bg1"/>
-                </a:solidFill>
-                <a:latin typeface="Verdana" charset="0"/>
-                <a:ea typeface="Verdana" charset="0"/>
-                <a:cs typeface="Verdana" charset="0"/>
-              </a:rPr>
-              <a:t>elictem</a:t>
-            </a:r>
-            <a:r>
-              <a:rPr lang="en-US" dirty="0">
-                <a:solidFill>
-                  <a:schemeClr val="bg1"/>
-                </a:solidFill>
-                <a:latin typeface="Verdana" charset="0"/>
-                <a:ea typeface="Verdana" charset="0"/>
-                <a:cs typeface="Verdana" charset="0"/>
-              </a:rPr>
-              <a:t> </a:t>
-            </a:r>
-            <a:r>
-              <a:rPr lang="en-US" dirty="0" err="1">
-                <a:solidFill>
-                  <a:schemeClr val="bg1"/>
-                </a:solidFill>
-                <a:latin typeface="Verdana" charset="0"/>
-                <a:ea typeface="Verdana" charset="0"/>
-                <a:cs typeface="Verdana" charset="0"/>
-              </a:rPr>
-              <a:t>est</a:t>
-            </a:r>
-            <a:r>
-              <a:rPr lang="en-US" dirty="0">
-                <a:solidFill>
-                  <a:schemeClr val="bg1"/>
-                </a:solidFill>
-                <a:latin typeface="Verdana" charset="0"/>
-                <a:ea typeface="Verdana" charset="0"/>
-                <a:cs typeface="Verdana" charset="0"/>
-              </a:rPr>
-              <a:t>, </a:t>
-            </a:r>
-            <a:r>
-              <a:rPr lang="en-US" dirty="0" err="1">
-                <a:solidFill>
-                  <a:schemeClr val="bg1"/>
-                </a:solidFill>
-                <a:latin typeface="Verdana" charset="0"/>
-                <a:ea typeface="Verdana" charset="0"/>
-                <a:cs typeface="Verdana" charset="0"/>
-              </a:rPr>
-              <a:t>ius</a:t>
-            </a:r>
-            <a:r>
-              <a:rPr lang="en-US" dirty="0">
-                <a:solidFill>
-                  <a:schemeClr val="bg1"/>
-                </a:solidFill>
-                <a:latin typeface="Verdana" charset="0"/>
-                <a:ea typeface="Verdana" charset="0"/>
-                <a:cs typeface="Verdana" charset="0"/>
-              </a:rPr>
-              <a:t> </a:t>
-            </a:r>
-            <a:r>
-              <a:rPr lang="en-US" dirty="0" err="1">
-                <a:solidFill>
-                  <a:schemeClr val="bg1"/>
-                </a:solidFill>
-                <a:latin typeface="Verdana" charset="0"/>
-                <a:ea typeface="Verdana" charset="0"/>
-                <a:cs typeface="Verdana" charset="0"/>
-              </a:rPr>
-              <a:t>accatiur</a:t>
-            </a:r>
-            <a:r>
-              <a:rPr lang="en-US" dirty="0">
-                <a:solidFill>
-                  <a:schemeClr val="bg1"/>
-                </a:solidFill>
-                <a:latin typeface="Verdana" charset="0"/>
-                <a:ea typeface="Verdana" charset="0"/>
-                <a:cs typeface="Verdana" charset="0"/>
-              </a:rPr>
-              <a:t> </a:t>
-            </a:r>
-            <a:r>
-              <a:rPr lang="en-US" dirty="0" err="1">
-                <a:solidFill>
-                  <a:schemeClr val="bg1"/>
-                </a:solidFill>
-                <a:latin typeface="Verdana" charset="0"/>
-                <a:ea typeface="Verdana" charset="0"/>
-                <a:cs typeface="Verdana" charset="0"/>
-              </a:rPr>
-              <a:t>sam</a:t>
-            </a:r>
-            <a:r>
-              <a:rPr lang="en-US" dirty="0">
-                <a:solidFill>
-                  <a:schemeClr val="bg1"/>
-                </a:solidFill>
-                <a:latin typeface="Verdana" charset="0"/>
-                <a:ea typeface="Verdana" charset="0"/>
-                <a:cs typeface="Verdana" charset="0"/>
-              </a:rPr>
-              <a:t> </a:t>
-            </a:r>
-            <a:r>
-              <a:rPr lang="en-US" dirty="0" err="1">
-                <a:solidFill>
-                  <a:schemeClr val="bg1"/>
-                </a:solidFill>
-                <a:latin typeface="Verdana" charset="0"/>
-                <a:ea typeface="Verdana" charset="0"/>
-                <a:cs typeface="Verdana" charset="0"/>
-              </a:rPr>
-              <a:t>eum</a:t>
-            </a:r>
-            <a:r>
-              <a:rPr lang="en-US" dirty="0">
-                <a:solidFill>
-                  <a:schemeClr val="bg1"/>
-                </a:solidFill>
-                <a:latin typeface="Verdana" charset="0"/>
-                <a:ea typeface="Verdana" charset="0"/>
-                <a:cs typeface="Verdana" charset="0"/>
-              </a:rPr>
-              <a:t> </a:t>
-            </a:r>
-            <a:r>
-              <a:rPr lang="en-US" dirty="0" err="1">
-                <a:solidFill>
-                  <a:schemeClr val="bg1"/>
-                </a:solidFill>
-                <a:latin typeface="Verdana" charset="0"/>
-                <a:ea typeface="Verdana" charset="0"/>
-                <a:cs typeface="Verdana" charset="0"/>
-              </a:rPr>
-              <a:t>lamus</a:t>
-            </a:r>
-            <a:r>
-              <a:rPr lang="en-US" dirty="0">
-                <a:solidFill>
-                  <a:schemeClr val="bg1"/>
-                </a:solidFill>
-                <a:latin typeface="Verdana" charset="0"/>
-                <a:ea typeface="Verdana" charset="0"/>
-                <a:cs typeface="Verdana" charset="0"/>
-              </a:rPr>
-              <a:t> </a:t>
-            </a:r>
-            <a:r>
-              <a:rPr lang="en-US" dirty="0" err="1">
-                <a:solidFill>
-                  <a:schemeClr val="bg1"/>
-                </a:solidFill>
-                <a:latin typeface="Verdana" charset="0"/>
-                <a:ea typeface="Verdana" charset="0"/>
-                <a:cs typeface="Verdana" charset="0"/>
-              </a:rPr>
-              <a:t>doloresti</a:t>
-            </a:r>
-            <a:r>
-              <a:rPr lang="en-US" dirty="0">
-                <a:solidFill>
-                  <a:schemeClr val="bg1"/>
-                </a:solidFill>
-                <a:latin typeface="Verdana" charset="0"/>
-                <a:ea typeface="Verdana" charset="0"/>
-                <a:cs typeface="Verdana" charset="0"/>
-              </a:rPr>
-              <a:t> </a:t>
-            </a:r>
-            <a:r>
-              <a:rPr lang="en-US" dirty="0" err="1">
-                <a:solidFill>
-                  <a:schemeClr val="bg1"/>
-                </a:solidFill>
-                <a:latin typeface="Verdana" charset="0"/>
-                <a:ea typeface="Verdana" charset="0"/>
-                <a:cs typeface="Verdana" charset="0"/>
-              </a:rPr>
-              <a:t>ipsam</a:t>
-            </a:r>
-            <a:r>
-              <a:rPr lang="en-US" dirty="0">
-                <a:solidFill>
-                  <a:schemeClr val="bg1"/>
-                </a:solidFill>
-                <a:latin typeface="Verdana" charset="0"/>
-                <a:ea typeface="Verdana" charset="0"/>
-                <a:cs typeface="Verdana" charset="0"/>
-              </a:rPr>
-              <a:t> </a:t>
-            </a:r>
-            <a:r>
-              <a:rPr lang="en-US" dirty="0" err="1">
-                <a:solidFill>
-                  <a:schemeClr val="bg1"/>
-                </a:solidFill>
-                <a:latin typeface="Verdana" charset="0"/>
-                <a:ea typeface="Verdana" charset="0"/>
-                <a:cs typeface="Verdana" charset="0"/>
-              </a:rPr>
-              <a:t>inverum</a:t>
-            </a:r>
-            <a:r>
-              <a:rPr lang="en-US" dirty="0">
-                <a:solidFill>
-                  <a:schemeClr val="bg1"/>
-                </a:solidFill>
-                <a:latin typeface="Verdana" charset="0"/>
-                <a:ea typeface="Verdana" charset="0"/>
-                <a:cs typeface="Verdana" charset="0"/>
-              </a:rPr>
-              <a:t> </a:t>
-            </a:r>
-            <a:r>
-              <a:rPr lang="en-US" dirty="0" err="1">
-                <a:solidFill>
-                  <a:schemeClr val="bg1"/>
-                </a:solidFill>
-                <a:latin typeface="Verdana" charset="0"/>
-                <a:ea typeface="Verdana" charset="0"/>
-                <a:cs typeface="Verdana" charset="0"/>
-              </a:rPr>
-              <a:t>utecum</a:t>
-            </a:r>
-            <a:r>
-              <a:rPr lang="en-US" dirty="0">
-                <a:solidFill>
-                  <a:schemeClr val="bg1"/>
-                </a:solidFill>
-                <a:latin typeface="Verdana" charset="0"/>
-                <a:ea typeface="Verdana" charset="0"/>
-                <a:cs typeface="Verdana" charset="0"/>
-              </a:rPr>
-              <a:t> </a:t>
-            </a:r>
-            <a:r>
-              <a:rPr lang="en-US" dirty="0" err="1">
-                <a:solidFill>
-                  <a:schemeClr val="bg1"/>
-                </a:solidFill>
-                <a:latin typeface="Verdana" charset="0"/>
-                <a:ea typeface="Verdana" charset="0"/>
-                <a:cs typeface="Verdana" charset="0"/>
-              </a:rPr>
-              <a:t>iustia</a:t>
-            </a:r>
-            <a:r>
-              <a:rPr lang="en-US" dirty="0">
-                <a:solidFill>
-                  <a:schemeClr val="bg1"/>
-                </a:solidFill>
-                <a:latin typeface="Verdana" charset="0"/>
-                <a:ea typeface="Verdana" charset="0"/>
-                <a:cs typeface="Verdana" charset="0"/>
-              </a:rPr>
-              <a:t> </a:t>
-            </a:r>
-            <a:r>
-              <a:rPr lang="en-US" dirty="0" err="1">
-                <a:solidFill>
-                  <a:schemeClr val="bg1"/>
-                </a:solidFill>
-                <a:latin typeface="Verdana" charset="0"/>
-                <a:ea typeface="Verdana" charset="0"/>
-                <a:cs typeface="Verdana" charset="0"/>
-              </a:rPr>
-              <a:t>doluptur</a:t>
-            </a:r>
-            <a:r>
-              <a:rPr lang="en-US" dirty="0">
-                <a:solidFill>
-                  <a:schemeClr val="bg1"/>
-                </a:solidFill>
-                <a:latin typeface="Verdana" charset="0"/>
-                <a:ea typeface="Verdana" charset="0"/>
-                <a:cs typeface="Verdana" charset="0"/>
-              </a:rPr>
-              <a:t>, que </a:t>
-            </a:r>
-            <a:r>
-              <a:rPr lang="en-US" dirty="0" err="1">
-                <a:solidFill>
-                  <a:schemeClr val="bg1"/>
-                </a:solidFill>
-                <a:latin typeface="Verdana" charset="0"/>
-                <a:ea typeface="Verdana" charset="0"/>
-                <a:cs typeface="Verdana" charset="0"/>
-              </a:rPr>
-              <a:t>nimincima</a:t>
-            </a:r>
-            <a:r>
-              <a:rPr lang="en-US" dirty="0">
-                <a:solidFill>
-                  <a:schemeClr val="bg1"/>
-                </a:solidFill>
-                <a:latin typeface="Verdana" charset="0"/>
-                <a:ea typeface="Verdana" charset="0"/>
-                <a:cs typeface="Verdana" charset="0"/>
-              </a:rPr>
-              <a:t> </a:t>
-            </a:r>
-            <a:r>
-              <a:rPr lang="en-US" dirty="0" err="1">
-                <a:solidFill>
-                  <a:schemeClr val="bg1"/>
-                </a:solidFill>
-                <a:latin typeface="Verdana" charset="0"/>
-                <a:ea typeface="Verdana" charset="0"/>
-                <a:cs typeface="Verdana" charset="0"/>
-              </a:rPr>
-              <a:t>nimus</a:t>
-            </a:r>
-            <a:r>
-              <a:rPr lang="en-US" dirty="0">
-                <a:solidFill>
-                  <a:schemeClr val="bg1"/>
-                </a:solidFill>
-                <a:latin typeface="Verdana" charset="0"/>
-                <a:ea typeface="Verdana" charset="0"/>
-                <a:cs typeface="Verdana" charset="0"/>
-              </a:rPr>
-              <a:t>, </a:t>
-            </a:r>
-            <a:r>
-              <a:rPr lang="en-US" dirty="0" err="1">
-                <a:solidFill>
-                  <a:schemeClr val="bg1"/>
-                </a:solidFill>
-                <a:latin typeface="Verdana" charset="0"/>
-                <a:ea typeface="Verdana" charset="0"/>
-                <a:cs typeface="Verdana" charset="0"/>
-              </a:rPr>
-              <a:t>ut</a:t>
-            </a:r>
-            <a:r>
-              <a:rPr lang="en-US" dirty="0">
-                <a:solidFill>
-                  <a:schemeClr val="bg1"/>
-                </a:solidFill>
-                <a:latin typeface="Verdana" charset="0"/>
-                <a:ea typeface="Verdana" charset="0"/>
-                <a:cs typeface="Verdana" charset="0"/>
-              </a:rPr>
-              <a:t> </a:t>
-            </a:r>
-            <a:r>
-              <a:rPr lang="en-US" dirty="0" err="1">
-                <a:solidFill>
-                  <a:schemeClr val="bg1"/>
-                </a:solidFill>
-                <a:latin typeface="Verdana" charset="0"/>
-                <a:ea typeface="Verdana" charset="0"/>
-                <a:cs typeface="Verdana" charset="0"/>
-              </a:rPr>
-              <a:t>latium</a:t>
-            </a:r>
-            <a:r>
-              <a:rPr lang="en-US" dirty="0">
-                <a:solidFill>
-                  <a:schemeClr val="bg1"/>
-                </a:solidFill>
-                <a:latin typeface="Verdana" charset="0"/>
-                <a:ea typeface="Verdana" charset="0"/>
-                <a:cs typeface="Verdana" charset="0"/>
-              </a:rPr>
-              <a:t> qui </a:t>
-            </a:r>
-            <a:r>
-              <a:rPr lang="en-US" dirty="0" err="1">
-                <a:solidFill>
-                  <a:schemeClr val="bg1"/>
-                </a:solidFill>
-                <a:latin typeface="Verdana" charset="0"/>
-                <a:ea typeface="Verdana" charset="0"/>
-                <a:cs typeface="Verdana" charset="0"/>
-              </a:rPr>
-              <a:t>nempore</a:t>
-            </a:r>
-            <a:r>
-              <a:rPr lang="en-US" dirty="0">
-                <a:solidFill>
-                  <a:schemeClr val="bg1"/>
-                </a:solidFill>
-                <a:latin typeface="Verdana" charset="0"/>
-                <a:ea typeface="Verdana" charset="0"/>
-                <a:cs typeface="Verdana" charset="0"/>
-              </a:rPr>
-              <a:t> </a:t>
-            </a:r>
-            <a:r>
-              <a:rPr lang="en-US" dirty="0" err="1">
-                <a:solidFill>
-                  <a:schemeClr val="bg1"/>
-                </a:solidFill>
-                <a:latin typeface="Verdana" charset="0"/>
-                <a:ea typeface="Verdana" charset="0"/>
-                <a:cs typeface="Verdana" charset="0"/>
-              </a:rPr>
-              <a:t>odisqui</a:t>
-            </a:r>
-            <a:r>
-              <a:rPr lang="en-US" dirty="0">
-                <a:solidFill>
-                  <a:schemeClr val="bg1"/>
-                </a:solidFill>
-                <a:latin typeface="Verdana" charset="0"/>
-                <a:ea typeface="Verdana" charset="0"/>
-                <a:cs typeface="Verdana" charset="0"/>
-              </a:rPr>
-              <a:t> </a:t>
-            </a:r>
-            <a:r>
-              <a:rPr lang="en-US" dirty="0" err="1">
-                <a:solidFill>
-                  <a:schemeClr val="bg1"/>
-                </a:solidFill>
-                <a:latin typeface="Verdana" charset="0"/>
-                <a:ea typeface="Verdana" charset="0"/>
-                <a:cs typeface="Verdana" charset="0"/>
-              </a:rPr>
-              <a:t>cuptae</a:t>
-            </a:r>
-            <a:r>
-              <a:rPr lang="en-US" dirty="0">
-                <a:solidFill>
-                  <a:schemeClr val="bg1"/>
-                </a:solidFill>
-                <a:latin typeface="Verdana" charset="0"/>
-                <a:ea typeface="Verdana" charset="0"/>
-                <a:cs typeface="Verdana" charset="0"/>
-              </a:rPr>
-              <a:t> </a:t>
-            </a:r>
-            <a:r>
-              <a:rPr lang="en-US" dirty="0" err="1">
-                <a:solidFill>
-                  <a:schemeClr val="bg1"/>
-                </a:solidFill>
-                <a:latin typeface="Verdana" charset="0"/>
-                <a:ea typeface="Verdana" charset="0"/>
-                <a:cs typeface="Verdana" charset="0"/>
-              </a:rPr>
-              <a:t>occus</a:t>
-            </a:r>
-            <a:r>
-              <a:rPr lang="en-US" dirty="0">
-                <a:solidFill>
-                  <a:schemeClr val="bg1"/>
-                </a:solidFill>
-                <a:latin typeface="Verdana" charset="0"/>
-                <a:ea typeface="Verdana" charset="0"/>
-                <a:cs typeface="Verdana" charset="0"/>
-              </a:rPr>
-              <a:t> que </a:t>
-            </a:r>
-            <a:r>
-              <a:rPr lang="en-US" dirty="0" err="1">
-                <a:solidFill>
-                  <a:schemeClr val="bg1"/>
-                </a:solidFill>
-                <a:latin typeface="Verdana" charset="0"/>
-                <a:ea typeface="Verdana" charset="0"/>
-                <a:cs typeface="Verdana" charset="0"/>
-              </a:rPr>
-              <a:t>autemque</a:t>
-            </a:r>
-            <a:r>
-              <a:rPr lang="en-US" dirty="0">
-                <a:solidFill>
-                  <a:schemeClr val="bg1"/>
-                </a:solidFill>
-                <a:latin typeface="Verdana" charset="0"/>
-                <a:ea typeface="Verdana" charset="0"/>
-                <a:cs typeface="Verdana" charset="0"/>
-              </a:rPr>
-              <a:t> most, vent </a:t>
-            </a:r>
-            <a:r>
-              <a:rPr lang="en-US" dirty="0" err="1">
-                <a:solidFill>
-                  <a:schemeClr val="bg1"/>
-                </a:solidFill>
-                <a:latin typeface="Verdana" charset="0"/>
-                <a:ea typeface="Verdana" charset="0"/>
-                <a:cs typeface="Verdana" charset="0"/>
-              </a:rPr>
-              <a:t>ullam</a:t>
-            </a:r>
-            <a:r>
-              <a:rPr lang="en-US" dirty="0">
-                <a:solidFill>
-                  <a:schemeClr val="bg1"/>
-                </a:solidFill>
-                <a:latin typeface="Verdana" charset="0"/>
-                <a:ea typeface="Verdana" charset="0"/>
-                <a:cs typeface="Verdana" charset="0"/>
-              </a:rPr>
-              <a:t> </a:t>
-            </a:r>
-            <a:r>
-              <a:rPr lang="en-US" dirty="0" err="1">
-                <a:solidFill>
-                  <a:schemeClr val="bg1"/>
-                </a:solidFill>
-                <a:latin typeface="Verdana" charset="0"/>
-                <a:ea typeface="Verdana" charset="0"/>
-                <a:cs typeface="Verdana" charset="0"/>
-              </a:rPr>
-              <a:t>asit</a:t>
-            </a:r>
-            <a:r>
-              <a:rPr lang="en-US" dirty="0">
-                <a:solidFill>
-                  <a:schemeClr val="bg1"/>
-                </a:solidFill>
-                <a:latin typeface="Verdana" charset="0"/>
-                <a:ea typeface="Verdana" charset="0"/>
-                <a:cs typeface="Verdana" charset="0"/>
-              </a:rPr>
-              <a:t> </a:t>
-            </a:r>
-            <a:r>
-              <a:rPr lang="en-US" dirty="0" err="1">
-                <a:solidFill>
-                  <a:schemeClr val="bg1"/>
-                </a:solidFill>
-                <a:latin typeface="Verdana" charset="0"/>
-                <a:ea typeface="Verdana" charset="0"/>
-                <a:cs typeface="Verdana" charset="0"/>
-              </a:rPr>
-              <a:t>modite</a:t>
-            </a:r>
-            <a:r>
-              <a:rPr lang="en-US" dirty="0">
-                <a:solidFill>
-                  <a:schemeClr val="bg1"/>
-                </a:solidFill>
-                <a:latin typeface="Verdana" charset="0"/>
-                <a:ea typeface="Verdana" charset="0"/>
-                <a:cs typeface="Verdana" charset="0"/>
-              </a:rPr>
-              <a:t> lab </a:t>
-            </a:r>
-            <a:r>
-              <a:rPr lang="en-US" dirty="0" err="1">
-                <a:solidFill>
-                  <a:schemeClr val="bg1"/>
-                </a:solidFill>
-                <a:latin typeface="Verdana" charset="0"/>
-                <a:ea typeface="Verdana" charset="0"/>
-                <a:cs typeface="Verdana" charset="0"/>
-              </a:rPr>
-              <a:t>ipsamusant</a:t>
-            </a:r>
-            <a:r>
-              <a:rPr lang="en-US" dirty="0">
-                <a:solidFill>
-                  <a:schemeClr val="bg1"/>
-                </a:solidFill>
-                <a:latin typeface="Verdana" charset="0"/>
-                <a:ea typeface="Verdana" charset="0"/>
-                <a:cs typeface="Verdana" charset="0"/>
-              </a:rPr>
-              <a:t>.</a:t>
+              <a:t>We created a mobile application that takes user submitted images, and through computer vision software, analyzes the colors of a sunset or sunrise in order to present information on air quality and aerosols in the atmosphere.</a:t>
             </a:r>
           </a:p>
           <a:p>
@@ -6146,688 +5099,14 @@
                 <a:spcPts val="2600"/>
               </a:spcAft>
             </a:pPr>
-            <a:r>
-              <a:rPr lang="en-US" dirty="0" err="1">
-                <a:solidFill>
-                  <a:schemeClr val="bg1"/>
-                </a:solidFill>
-                <a:latin typeface="Verdana" charset="0"/>
-                <a:ea typeface="Verdana" charset="0"/>
-                <a:cs typeface="Verdana" charset="0"/>
-              </a:rPr>
-              <a:t>Ut</a:t>
-            </a:r>
-            <a:r>
-              <a:rPr lang="en-US" dirty="0">
-                <a:solidFill>
-                  <a:schemeClr val="bg1"/>
-                </a:solidFill>
-                <a:latin typeface="Verdana" charset="0"/>
-                <a:ea typeface="Verdana" charset="0"/>
-                <a:cs typeface="Verdana" charset="0"/>
-              </a:rPr>
-              <a:t> </a:t>
-            </a:r>
-            <a:r>
-              <a:rPr lang="en-US" dirty="0" err="1">
-                <a:solidFill>
-                  <a:schemeClr val="bg1"/>
-                </a:solidFill>
-                <a:latin typeface="Verdana" charset="0"/>
-                <a:ea typeface="Verdana" charset="0"/>
-                <a:cs typeface="Verdana" charset="0"/>
-              </a:rPr>
-              <a:t>volore</a:t>
-            </a:r>
-            <a:r>
-              <a:rPr lang="en-US" dirty="0">
-                <a:solidFill>
-                  <a:schemeClr val="bg1"/>
-                </a:solidFill>
-                <a:latin typeface="Verdana" charset="0"/>
-                <a:ea typeface="Verdana" charset="0"/>
-                <a:cs typeface="Verdana" charset="0"/>
-              </a:rPr>
-              <a:t> </a:t>
-            </a:r>
-            <a:r>
-              <a:rPr lang="en-US" dirty="0" err="1">
-                <a:solidFill>
-                  <a:schemeClr val="bg1"/>
-                </a:solidFill>
-                <a:latin typeface="Verdana" charset="0"/>
-                <a:ea typeface="Verdana" charset="0"/>
-                <a:cs typeface="Verdana" charset="0"/>
-              </a:rPr>
-              <a:t>secuptio</a:t>
-            </a:r>
-            <a:r>
-              <a:rPr lang="en-US" dirty="0">
-                <a:solidFill>
-                  <a:schemeClr val="bg1"/>
-                </a:solidFill>
-                <a:latin typeface="Verdana" charset="0"/>
-                <a:ea typeface="Verdana" charset="0"/>
-                <a:cs typeface="Verdana" charset="0"/>
-              </a:rPr>
-              <a:t> </a:t>
-            </a:r>
-            <a:r>
-              <a:rPr lang="en-US" dirty="0" err="1">
-                <a:solidFill>
-                  <a:schemeClr val="bg1"/>
-                </a:solidFill>
-                <a:latin typeface="Verdana" charset="0"/>
-                <a:ea typeface="Verdana" charset="0"/>
-                <a:cs typeface="Verdana" charset="0"/>
-              </a:rPr>
-              <a:t>es</a:t>
-            </a:r>
-            <a:r>
-              <a:rPr lang="en-US" dirty="0">
-                <a:solidFill>
-                  <a:schemeClr val="bg1"/>
-                </a:solidFill>
-                <a:latin typeface="Verdana" charset="0"/>
-                <a:ea typeface="Verdana" charset="0"/>
-                <a:cs typeface="Verdana" charset="0"/>
-              </a:rPr>
-              <a:t> rem </a:t>
-            </a:r>
-            <a:r>
-              <a:rPr lang="en-US" dirty="0" err="1">
-                <a:solidFill>
-                  <a:schemeClr val="bg1"/>
-                </a:solidFill>
-                <a:latin typeface="Verdana" charset="0"/>
-                <a:ea typeface="Verdana" charset="0"/>
-                <a:cs typeface="Verdana" charset="0"/>
-              </a:rPr>
-              <a:t>rerati</a:t>
-            </a:r>
-            <a:r>
-              <a:rPr lang="en-US" dirty="0">
-                <a:solidFill>
-                  <a:schemeClr val="bg1"/>
-                </a:solidFill>
-                <a:latin typeface="Verdana" charset="0"/>
-                <a:ea typeface="Verdana" charset="0"/>
-                <a:cs typeface="Verdana" charset="0"/>
-              </a:rPr>
-              <a:t> </a:t>
-            </a:r>
-            <a:r>
-              <a:rPr lang="en-US" dirty="0" err="1">
-                <a:solidFill>
-                  <a:schemeClr val="bg1"/>
-                </a:solidFill>
-                <a:latin typeface="Verdana" charset="0"/>
-                <a:ea typeface="Verdana" charset="0"/>
-                <a:cs typeface="Verdana" charset="0"/>
-              </a:rPr>
-              <a:t>volor</a:t>
-            </a:r>
-            <a:r>
-              <a:rPr lang="en-US" dirty="0">
-                <a:solidFill>
-                  <a:schemeClr val="bg1"/>
-                </a:solidFill>
-                <a:latin typeface="Verdana" charset="0"/>
-                <a:ea typeface="Verdana" charset="0"/>
-                <a:cs typeface="Verdana" charset="0"/>
-              </a:rPr>
-              <a:t> </a:t>
-            </a:r>
-            <a:r>
-              <a:rPr lang="en-US" dirty="0" err="1">
-                <a:solidFill>
-                  <a:schemeClr val="bg1"/>
-                </a:solidFill>
-                <a:latin typeface="Verdana" charset="0"/>
-                <a:ea typeface="Verdana" charset="0"/>
-                <a:cs typeface="Verdana" charset="0"/>
-              </a:rPr>
-              <a:t>atem</a:t>
-            </a:r>
-            <a:r>
-              <a:rPr lang="en-US" dirty="0">
-                <a:solidFill>
-                  <a:schemeClr val="bg1"/>
-                </a:solidFill>
-                <a:latin typeface="Verdana" charset="0"/>
-                <a:ea typeface="Verdana" charset="0"/>
-                <a:cs typeface="Verdana" charset="0"/>
-              </a:rPr>
-              <a:t> </a:t>
-            </a:r>
-            <a:r>
-              <a:rPr lang="en-US" dirty="0" err="1">
-                <a:solidFill>
-                  <a:schemeClr val="bg1"/>
-                </a:solidFill>
-                <a:latin typeface="Verdana" charset="0"/>
-                <a:ea typeface="Verdana" charset="0"/>
-                <a:cs typeface="Verdana" charset="0"/>
-              </a:rPr>
-              <a:t>lic</a:t>
-            </a:r>
-            <a:r>
-              <a:rPr lang="en-US" dirty="0">
-                <a:solidFill>
-                  <a:schemeClr val="bg1"/>
-                </a:solidFill>
-                <a:latin typeface="Verdana" charset="0"/>
-                <a:ea typeface="Verdana" charset="0"/>
-                <a:cs typeface="Verdana" charset="0"/>
-              </a:rPr>
-              <a:t> </a:t>
-            </a:r>
-            <a:r>
-              <a:rPr lang="en-US" dirty="0" err="1">
-                <a:solidFill>
-                  <a:schemeClr val="bg1"/>
-                </a:solidFill>
-                <a:latin typeface="Verdana" charset="0"/>
-                <a:ea typeface="Verdana" charset="0"/>
-                <a:cs typeface="Verdana" charset="0"/>
-              </a:rPr>
-              <a:t>te</a:t>
-            </a:r>
-            <a:r>
-              <a:rPr lang="en-US" dirty="0">
-                <a:solidFill>
-                  <a:schemeClr val="bg1"/>
-                </a:solidFill>
-                <a:latin typeface="Verdana" charset="0"/>
-                <a:ea typeface="Verdana" charset="0"/>
-                <a:cs typeface="Verdana" charset="0"/>
-              </a:rPr>
-              <a:t> </a:t>
-            </a:r>
-            <a:r>
-              <a:rPr lang="en-US" dirty="0" err="1">
-                <a:solidFill>
-                  <a:schemeClr val="bg1"/>
-                </a:solidFill>
-                <a:latin typeface="Verdana" charset="0"/>
-                <a:ea typeface="Verdana" charset="0"/>
-                <a:cs typeface="Verdana" charset="0"/>
-              </a:rPr>
-              <a:t>voloria</a:t>
-            </a:r>
-            <a:r>
-              <a:rPr lang="en-US" dirty="0">
-                <a:solidFill>
-                  <a:schemeClr val="bg1"/>
-                </a:solidFill>
-                <a:latin typeface="Verdana" charset="0"/>
-                <a:ea typeface="Verdana" charset="0"/>
-                <a:cs typeface="Verdana" charset="0"/>
-              </a:rPr>
-              <a:t> qui </a:t>
-            </a:r>
-            <a:r>
-              <a:rPr lang="en-US" dirty="0" err="1">
-                <a:solidFill>
-                  <a:schemeClr val="bg1"/>
-                </a:solidFill>
-                <a:latin typeface="Verdana" charset="0"/>
-                <a:ea typeface="Verdana" charset="0"/>
-                <a:cs typeface="Verdana" charset="0"/>
-              </a:rPr>
-              <a:t>simporest</a:t>
-            </a:r>
-            <a:r>
-              <a:rPr lang="en-US" dirty="0">
-                <a:solidFill>
-                  <a:schemeClr val="bg1"/>
-                </a:solidFill>
-                <a:latin typeface="Verdana" charset="0"/>
-                <a:ea typeface="Verdana" charset="0"/>
-                <a:cs typeface="Verdana" charset="0"/>
-              </a:rPr>
-              <a:t> </a:t>
-            </a:r>
-            <a:r>
-              <a:rPr lang="en-US" dirty="0" err="1">
-                <a:solidFill>
-                  <a:schemeClr val="bg1"/>
-                </a:solidFill>
-                <a:latin typeface="Verdana" charset="0"/>
-                <a:ea typeface="Verdana" charset="0"/>
-                <a:cs typeface="Verdana" charset="0"/>
-              </a:rPr>
-              <a:t>doluptat</a:t>
-            </a:r>
-            <a:r>
-              <a:rPr lang="en-US" dirty="0">
-                <a:solidFill>
-                  <a:schemeClr val="bg1"/>
-                </a:solidFill>
-                <a:latin typeface="Verdana" charset="0"/>
-                <a:ea typeface="Verdana" charset="0"/>
-                <a:cs typeface="Verdana" charset="0"/>
-              </a:rPr>
-              <a:t> </a:t>
-            </a:r>
-            <a:r>
-              <a:rPr lang="en-US" dirty="0" err="1">
-                <a:solidFill>
-                  <a:schemeClr val="bg1"/>
-                </a:solidFill>
-                <a:latin typeface="Verdana" charset="0"/>
-                <a:ea typeface="Verdana" charset="0"/>
-                <a:cs typeface="Verdana" charset="0"/>
-              </a:rPr>
-              <a:t>etur</a:t>
-            </a:r>
-            <a:r>
-              <a:rPr lang="en-US" dirty="0">
-                <a:solidFill>
-                  <a:schemeClr val="bg1"/>
-                </a:solidFill>
-                <a:latin typeface="Verdana" charset="0"/>
-                <a:ea typeface="Verdana" charset="0"/>
-                <a:cs typeface="Verdana" charset="0"/>
-              </a:rPr>
-              <a:t>? </a:t>
-            </a:r>
-            <a:r>
-              <a:rPr lang="en-US" dirty="0" err="1">
-                <a:solidFill>
-                  <a:schemeClr val="bg1"/>
-                </a:solidFill>
-                <a:latin typeface="Verdana" charset="0"/>
-                <a:ea typeface="Verdana" charset="0"/>
-                <a:cs typeface="Verdana" charset="0"/>
-              </a:rPr>
-              <a:t>Alignit</a:t>
-            </a:r>
-            <a:r>
-              <a:rPr lang="en-US" dirty="0">
-                <a:solidFill>
-                  <a:schemeClr val="bg1"/>
-                </a:solidFill>
-                <a:latin typeface="Verdana" charset="0"/>
-                <a:ea typeface="Verdana" charset="0"/>
-                <a:cs typeface="Verdana" charset="0"/>
-              </a:rPr>
-              <a:t> </a:t>
-            </a:r>
-            <a:r>
-              <a:rPr lang="en-US" dirty="0" err="1">
-                <a:solidFill>
-                  <a:schemeClr val="bg1"/>
-                </a:solidFill>
-                <a:latin typeface="Verdana" charset="0"/>
-                <a:ea typeface="Verdana" charset="0"/>
-                <a:cs typeface="Verdana" charset="0"/>
-              </a:rPr>
-              <a:t>volorae</a:t>
-            </a:r>
-            <a:r>
-              <a:rPr lang="en-US" dirty="0">
-                <a:solidFill>
-                  <a:schemeClr val="bg1"/>
-                </a:solidFill>
-                <a:latin typeface="Verdana" charset="0"/>
-                <a:ea typeface="Verdana" charset="0"/>
-                <a:cs typeface="Verdana" charset="0"/>
-              </a:rPr>
-              <a:t> </a:t>
-            </a:r>
-            <a:r>
-              <a:rPr lang="en-US" dirty="0" err="1">
-                <a:solidFill>
-                  <a:schemeClr val="bg1"/>
-                </a:solidFill>
-                <a:latin typeface="Verdana" charset="0"/>
-                <a:ea typeface="Verdana" charset="0"/>
-                <a:cs typeface="Verdana" charset="0"/>
-              </a:rPr>
-              <a:t>venimai</a:t>
-            </a:r>
-            <a:r>
-              <a:rPr lang="en-US" dirty="0">
-                <a:solidFill>
-                  <a:schemeClr val="bg1"/>
-                </a:solidFill>
-                <a:latin typeface="Verdana" charset="0"/>
-                <a:ea typeface="Verdana" charset="0"/>
-                <a:cs typeface="Verdana" charset="0"/>
-              </a:rPr>
-              <a:t> </a:t>
-            </a:r>
-            <a:r>
-              <a:rPr lang="en-US" dirty="0" err="1">
-                <a:solidFill>
-                  <a:schemeClr val="bg1"/>
-                </a:solidFill>
-                <a:latin typeface="Verdana" charset="0"/>
-                <a:ea typeface="Verdana" charset="0"/>
-                <a:cs typeface="Verdana" charset="0"/>
-              </a:rPr>
-              <a:t>onsequame</a:t>
-            </a:r>
-            <a:r>
-              <a:rPr lang="en-US" dirty="0">
-                <a:solidFill>
-                  <a:schemeClr val="bg1"/>
-                </a:solidFill>
-                <a:latin typeface="Verdana" charset="0"/>
-                <a:ea typeface="Verdana" charset="0"/>
-                <a:cs typeface="Verdana" charset="0"/>
-              </a:rPr>
-              <a:t> </a:t>
-            </a:r>
-            <a:r>
-              <a:rPr lang="en-US" dirty="0" err="1">
-                <a:solidFill>
-                  <a:schemeClr val="bg1"/>
-                </a:solidFill>
-                <a:latin typeface="Verdana" charset="0"/>
-                <a:ea typeface="Verdana" charset="0"/>
-                <a:cs typeface="Verdana" charset="0"/>
-              </a:rPr>
-              <a:t>odipitatur</a:t>
-            </a:r>
-            <a:r>
-              <a:rPr lang="en-US" dirty="0">
-                <a:solidFill>
-                  <a:schemeClr val="bg1"/>
-                </a:solidFill>
-                <a:latin typeface="Verdana" charset="0"/>
-                <a:ea typeface="Verdana" charset="0"/>
-                <a:cs typeface="Verdana" charset="0"/>
-              </a:rPr>
-              <a:t> </a:t>
-            </a:r>
-            <a:r>
-              <a:rPr lang="en-US" dirty="0" err="1">
-                <a:solidFill>
-                  <a:schemeClr val="bg1"/>
-                </a:solidFill>
-                <a:latin typeface="Verdana" charset="0"/>
-                <a:ea typeface="Verdana" charset="0"/>
-                <a:cs typeface="Verdana" charset="0"/>
-              </a:rPr>
-              <a:t>sequosa</a:t>
-            </a:r>
-            <a:r>
-              <a:rPr lang="en-US" dirty="0">
-                <a:solidFill>
-                  <a:schemeClr val="bg1"/>
-                </a:solidFill>
-                <a:latin typeface="Verdana" charset="0"/>
-                <a:ea typeface="Verdana" charset="0"/>
-                <a:cs typeface="Verdana" charset="0"/>
-              </a:rPr>
-              <a:t> </a:t>
-            </a:r>
-            <a:r>
-              <a:rPr lang="en-US" dirty="0" err="1">
-                <a:solidFill>
-                  <a:schemeClr val="bg1"/>
-                </a:solidFill>
-                <a:latin typeface="Verdana" charset="0"/>
-                <a:ea typeface="Verdana" charset="0"/>
-                <a:cs typeface="Verdana" charset="0"/>
-              </a:rPr>
-              <a:t>ntiste</a:t>
-            </a:r>
-            <a:r>
-              <a:rPr lang="en-US" dirty="0">
-                <a:solidFill>
-                  <a:schemeClr val="bg1"/>
-                </a:solidFill>
-                <a:latin typeface="Verdana" charset="0"/>
-                <a:ea typeface="Verdana" charset="0"/>
-                <a:cs typeface="Verdana" charset="0"/>
-              </a:rPr>
-              <a:t> </a:t>
-            </a:r>
-            <a:r>
-              <a:rPr lang="en-US" dirty="0" err="1">
-                <a:solidFill>
-                  <a:schemeClr val="bg1"/>
-                </a:solidFill>
-                <a:latin typeface="Verdana" charset="0"/>
-                <a:ea typeface="Verdana" charset="0"/>
-                <a:cs typeface="Verdana" charset="0"/>
-              </a:rPr>
-              <a:t>ea</a:t>
-            </a:r>
-            <a:r>
-              <a:rPr lang="en-US" dirty="0">
-                <a:solidFill>
-                  <a:schemeClr val="bg1"/>
-                </a:solidFill>
-                <a:latin typeface="Verdana" charset="0"/>
-                <a:ea typeface="Verdana" charset="0"/>
-                <a:cs typeface="Verdana" charset="0"/>
-              </a:rPr>
-              <a:t> id que </a:t>
-            </a:r>
-            <a:r>
-              <a:rPr lang="en-US" dirty="0" err="1">
-                <a:solidFill>
-                  <a:schemeClr val="bg1"/>
-                </a:solidFill>
-                <a:latin typeface="Verdana" charset="0"/>
-                <a:ea typeface="Verdana" charset="0"/>
-                <a:cs typeface="Verdana" charset="0"/>
-              </a:rPr>
-              <a:t>ipsam</a:t>
-            </a:r>
-            <a:r>
-              <a:rPr lang="en-US" dirty="0">
-                <a:solidFill>
-                  <a:schemeClr val="bg1"/>
-                </a:solidFill>
-                <a:latin typeface="Verdana" charset="0"/>
-                <a:ea typeface="Verdana" charset="0"/>
-                <a:cs typeface="Verdana" charset="0"/>
-              </a:rPr>
-              <a:t>, </a:t>
-            </a:r>
-            <a:r>
-              <a:rPr lang="en-US" dirty="0" err="1">
-                <a:solidFill>
-                  <a:schemeClr val="bg1"/>
-                </a:solidFill>
-                <a:latin typeface="Verdana" charset="0"/>
-                <a:ea typeface="Verdana" charset="0"/>
-                <a:cs typeface="Verdana" charset="0"/>
-              </a:rPr>
-              <a:t>omniae</a:t>
-            </a:r>
-            <a:r>
-              <a:rPr lang="en-US" dirty="0">
-                <a:solidFill>
-                  <a:schemeClr val="bg1"/>
-                </a:solidFill>
-                <a:latin typeface="Verdana" charset="0"/>
-                <a:ea typeface="Verdana" charset="0"/>
-                <a:cs typeface="Verdana" charset="0"/>
-              </a:rPr>
-              <a:t> </a:t>
-            </a:r>
-            <a:r>
-              <a:rPr lang="en-US" dirty="0" err="1">
-                <a:solidFill>
-                  <a:schemeClr val="bg1"/>
-                </a:solidFill>
-                <a:latin typeface="Verdana" charset="0"/>
-                <a:ea typeface="Verdana" charset="0"/>
-                <a:cs typeface="Verdana" charset="0"/>
-              </a:rPr>
-              <a:t>volupti</a:t>
-            </a:r>
-            <a:r>
-              <a:rPr lang="en-US" dirty="0">
-                <a:solidFill>
-                  <a:schemeClr val="bg1"/>
-                </a:solidFill>
-                <a:latin typeface="Verdana" charset="0"/>
-                <a:ea typeface="Verdana" charset="0"/>
-                <a:cs typeface="Verdana" charset="0"/>
-              </a:rPr>
-              <a:t> squam, </a:t>
-            </a:r>
-            <a:r>
-              <a:rPr lang="en-US" dirty="0" err="1">
-                <a:solidFill>
-                  <a:schemeClr val="bg1"/>
-                </a:solidFill>
-                <a:latin typeface="Verdana" charset="0"/>
-                <a:ea typeface="Verdana" charset="0"/>
-                <a:cs typeface="Verdana" charset="0"/>
-              </a:rPr>
-              <a:t>officiendia</a:t>
-            </a:r>
-            <a:r>
-              <a:rPr lang="en-US" dirty="0">
-                <a:solidFill>
-                  <a:schemeClr val="bg1"/>
-                </a:solidFill>
-                <a:latin typeface="Verdana" charset="0"/>
-                <a:ea typeface="Verdana" charset="0"/>
-                <a:cs typeface="Verdana" charset="0"/>
-              </a:rPr>
-              <a:t> </a:t>
-            </a:r>
-            <a:r>
-              <a:rPr lang="en-US" dirty="0" err="1">
-                <a:solidFill>
-                  <a:schemeClr val="bg1"/>
-                </a:solidFill>
-                <a:latin typeface="Verdana" charset="0"/>
-                <a:ea typeface="Verdana" charset="0"/>
-                <a:cs typeface="Verdana" charset="0"/>
-              </a:rPr>
-              <a:t>sa</a:t>
-            </a:r>
-            <a:r>
-              <a:rPr lang="en-US" dirty="0">
-                <a:solidFill>
-                  <a:schemeClr val="bg1"/>
-                </a:solidFill>
-                <a:latin typeface="Verdana" charset="0"/>
-                <a:ea typeface="Verdana" charset="0"/>
-                <a:cs typeface="Verdana" charset="0"/>
-              </a:rPr>
-              <a:t> </a:t>
-            </a:r>
-            <a:r>
-              <a:rPr lang="en-US" dirty="0" err="1">
-                <a:solidFill>
-                  <a:schemeClr val="bg1"/>
-                </a:solidFill>
-                <a:latin typeface="Verdana" charset="0"/>
-                <a:ea typeface="Verdana" charset="0"/>
-                <a:cs typeface="Verdana" charset="0"/>
-              </a:rPr>
-              <a:t>im</a:t>
-            </a:r>
-            <a:r>
-              <a:rPr lang="en-US" dirty="0">
-                <a:solidFill>
-                  <a:schemeClr val="bg1"/>
-                </a:solidFill>
-                <a:latin typeface="Verdana" charset="0"/>
-                <a:ea typeface="Verdana" charset="0"/>
-                <a:cs typeface="Verdana" charset="0"/>
-              </a:rPr>
-              <a:t> </a:t>
-            </a:r>
-            <a:r>
-              <a:rPr lang="en-US" dirty="0" err="1">
-                <a:solidFill>
-                  <a:schemeClr val="bg1"/>
-                </a:solidFill>
-                <a:latin typeface="Verdana" charset="0"/>
-                <a:ea typeface="Verdana" charset="0"/>
-                <a:cs typeface="Verdana" charset="0"/>
-              </a:rPr>
-              <a:t>inum</a:t>
-            </a:r>
-            <a:r>
-              <a:rPr lang="en-US" dirty="0">
-                <a:solidFill>
-                  <a:schemeClr val="bg1"/>
-                </a:solidFill>
-                <a:latin typeface="Verdana" charset="0"/>
-                <a:ea typeface="Verdana" charset="0"/>
-                <a:cs typeface="Verdana" charset="0"/>
-              </a:rPr>
-              <a:t> </a:t>
-            </a:r>
-            <a:r>
-              <a:rPr lang="en-US" dirty="0" err="1">
-                <a:solidFill>
-                  <a:schemeClr val="bg1"/>
-                </a:solidFill>
-                <a:latin typeface="Verdana" charset="0"/>
-                <a:ea typeface="Verdana" charset="0"/>
-                <a:cs typeface="Verdana" charset="0"/>
-              </a:rPr>
-              <a:t>offictus</a:t>
-            </a:r>
-            <a:r>
-              <a:rPr lang="en-US" dirty="0">
-                <a:solidFill>
-                  <a:schemeClr val="bg1"/>
-                </a:solidFill>
-                <a:latin typeface="Verdana" charset="0"/>
-                <a:ea typeface="Verdana" charset="0"/>
-                <a:cs typeface="Verdana" charset="0"/>
-              </a:rPr>
-              <a:t> </a:t>
-            </a:r>
-            <a:r>
-              <a:rPr lang="en-US" dirty="0" err="1">
-                <a:solidFill>
-                  <a:schemeClr val="bg1"/>
-                </a:solidFill>
-                <a:latin typeface="Verdana" charset="0"/>
-                <a:ea typeface="Verdana" charset="0"/>
-                <a:cs typeface="Verdana" charset="0"/>
-              </a:rPr>
-              <a:t>moluptiis</a:t>
-            </a:r>
-            <a:r>
-              <a:rPr lang="en-US" dirty="0">
-                <a:solidFill>
-                  <a:schemeClr val="bg1"/>
-                </a:solidFill>
-                <a:latin typeface="Verdana" charset="0"/>
-                <a:ea typeface="Verdana" charset="0"/>
-                <a:cs typeface="Verdana" charset="0"/>
-              </a:rPr>
-              <a:t> et </a:t>
-            </a:r>
-            <a:r>
-              <a:rPr lang="en-US" dirty="0" err="1">
-                <a:solidFill>
-                  <a:schemeClr val="bg1"/>
-                </a:solidFill>
-                <a:latin typeface="Verdana" charset="0"/>
-                <a:ea typeface="Verdana" charset="0"/>
-                <a:cs typeface="Verdana" charset="0"/>
-              </a:rPr>
-              <a:t>ius</a:t>
-            </a:r>
-            <a:r>
-              <a:rPr lang="en-US" dirty="0">
-                <a:solidFill>
-                  <a:schemeClr val="bg1"/>
-                </a:solidFill>
-                <a:latin typeface="Verdana" charset="0"/>
-                <a:ea typeface="Verdana" charset="0"/>
-                <a:cs typeface="Verdana" charset="0"/>
-              </a:rPr>
-              <a:t>.</a:t>
-            </a:r>
+            <a:endParaRPr lang="en-US" dirty="0">
+              <a:solidFill>
+                <a:schemeClr val="bg1"/>
+              </a:solidFill>
+              <a:latin typeface="Verdana" charset="0"/>
+              <a:ea typeface="Verdana" charset="0"/>
+              <a:cs typeface="Verdana" charset="0"/>
+            </a:endParaRPr>
           </a:p>
           <a:p>
             <a:pPr>
@@ -6844,7 +5123,7 @@
                 <a:ea typeface="Verdana" charset="0"/>
                 <a:cs typeface="Verdana" charset="0"/>
               </a:rPr>
-              <a:t>Qui </a:t>
+              <a:t>We did this using the </a:t>
             </a:r>
             <a:r>
               <a:rPr lang="en-US" dirty="0" err="1">
@@ -6855,7 +5134,7 @@
                 <a:ea typeface="Verdana" charset="0"/>
                 <a:cs typeface="Verdana" charset="0"/>
               </a:rPr>
-              <a:t>archili</a:t>
+              <a:t>opencv</a:t>
             </a:r>
             <a:r>
               <a:rPr lang="en-US" dirty="0">
@@ -6866,7 +5145,7 @@
                 <a:ea typeface="Verdana" charset="0"/>
                 <a:cs typeface="Verdana" charset="0"/>
               </a:rPr>
-              <a:t> </a:t>
+              <a:t> python library to single out the haze layer in the sky, and calculate the wave lengths of the color </a:t>
             </a:r>
             <a:r>
               <a:rPr lang="en-US" dirty="0" err="1">
@@ -6877,7 +5156,7 @@
                 <a:ea typeface="Verdana" charset="0"/>
                 <a:cs typeface="Verdana" charset="0"/>
               </a:rPr>
-              <a:t>busdae</a:t>
+              <a:t>emmited</a:t>
             </a:r>
             <a:r>
               <a:rPr lang="en-US" dirty="0">
@@ -6888,7 +5167,7 @@
                 <a:ea typeface="Verdana" charset="0"/>
                 <a:cs typeface="Verdana" charset="0"/>
               </a:rPr>
-              <a:t> </a:t>
+              <a:t> from the sunset. using this wavelength data, we are able to tell if the aerosols in the atmosphere are potentially harmful or not. Using google geocoding </a:t>
             </a:r>
             <a:r>
               <a:rPr lang="en-US" dirty="0" err="1">
@@ -6899,7 +5178,7 @@
                 <a:ea typeface="Verdana" charset="0"/>
                 <a:cs typeface="Verdana" charset="0"/>
               </a:rPr>
-              <a:t>exere</a:t>
+              <a:t>api</a:t>
             </a:r>
             <a:r>
               <a:rPr lang="en-US" dirty="0">
@@ -6910,7 +5189,7 @@
                 <a:ea typeface="Verdana" charset="0"/>
                 <a:cs typeface="Verdana" charset="0"/>
               </a:rPr>
-              <a:t> </a:t>
+              <a:t>, we are able to get the images location through </a:t>
             </a:r>
             <a:r>
               <a:rPr lang="en-US" dirty="0" err="1">
@@ -6921,7 +5200,7 @@
                 <a:ea typeface="Verdana" charset="0"/>
                 <a:cs typeface="Verdana" charset="0"/>
               </a:rPr>
-              <a:t>quias</a:t>
+              <a:t>exif</a:t>
             </a:r>
             <a:r>
               <a:rPr lang="en-US" dirty="0">
@@ -6932,337 +5211,7 @@
                 <a:ea typeface="Verdana" charset="0"/>
                 <a:cs typeface="Verdana" charset="0"/>
               </a:rPr>
-              <a:t> </a:t>
-            </a:r>
-            <a:r>
-              <a:rPr lang="en-US" dirty="0" err="1">
-                <a:solidFill>
-                  <a:schemeClr val="bg1"/>
-                </a:solidFill>
-                <a:latin typeface="Verdana" charset="0"/>
-                <a:ea typeface="Verdana" charset="0"/>
-                <a:cs typeface="Verdana" charset="0"/>
-              </a:rPr>
-              <a:t>essum</a:t>
-            </a:r>
-            <a:r>
-              <a:rPr lang="en-US" dirty="0">
-                <a:solidFill>
-                  <a:schemeClr val="bg1"/>
-                </a:solidFill>
-                <a:latin typeface="Verdana" charset="0"/>
-                <a:ea typeface="Verdana" charset="0"/>
-                <a:cs typeface="Verdana" charset="0"/>
-              </a:rPr>
-              <a:t> </a:t>
-            </a:r>
-            <a:r>
-              <a:rPr lang="en-US" dirty="0" err="1">
-                <a:solidFill>
-                  <a:schemeClr val="bg1"/>
-                </a:solidFill>
-                <a:latin typeface="Verdana" charset="0"/>
-                <a:ea typeface="Verdana" charset="0"/>
-                <a:cs typeface="Verdana" charset="0"/>
-              </a:rPr>
-              <a:t>fugiand</a:t>
-            </a:r>
-            <a:r>
-              <a:rPr lang="en-US" dirty="0">
-                <a:solidFill>
-                  <a:schemeClr val="bg1"/>
-                </a:solidFill>
-                <a:latin typeface="Verdana" charset="0"/>
-                <a:ea typeface="Verdana" charset="0"/>
-                <a:cs typeface="Verdana" charset="0"/>
-              </a:rPr>
-              <a:t> </a:t>
-            </a:r>
-            <a:r>
-              <a:rPr lang="en-US" dirty="0" err="1">
-                <a:solidFill>
-                  <a:schemeClr val="bg1"/>
-                </a:solidFill>
-                <a:latin typeface="Verdana" charset="0"/>
-                <a:ea typeface="Verdana" charset="0"/>
-                <a:cs typeface="Verdana" charset="0"/>
-              </a:rPr>
-              <a:t>itisquo</a:t>
-            </a:r>
-            <a:r>
-              <a:rPr lang="en-US" dirty="0">
-                <a:solidFill>
-                  <a:schemeClr val="bg1"/>
-                </a:solidFill>
-                <a:latin typeface="Verdana" charset="0"/>
-                <a:ea typeface="Verdana" charset="0"/>
-                <a:cs typeface="Verdana" charset="0"/>
-              </a:rPr>
-              <a:t> </a:t>
-            </a:r>
-            <a:r>
-              <a:rPr lang="en-US" dirty="0" err="1">
-                <a:solidFill>
-                  <a:schemeClr val="bg1"/>
-                </a:solidFill>
-                <a:latin typeface="Verdana" charset="0"/>
-                <a:ea typeface="Verdana" charset="0"/>
-                <a:cs typeface="Verdana" charset="0"/>
-              </a:rPr>
-              <a:t>occulla</a:t>
-            </a:r>
-            <a:r>
-              <a:rPr lang="en-US" dirty="0">
-                <a:solidFill>
-                  <a:schemeClr val="bg1"/>
-                </a:solidFill>
-                <a:latin typeface="Verdana" charset="0"/>
-                <a:ea typeface="Verdana" charset="0"/>
-                <a:cs typeface="Verdana" charset="0"/>
-              </a:rPr>
-              <a:t> </a:t>
-            </a:r>
-            <a:r>
-              <a:rPr lang="en-US" dirty="0" err="1">
-                <a:solidFill>
-                  <a:schemeClr val="bg1"/>
-                </a:solidFill>
-                <a:latin typeface="Verdana" charset="0"/>
-                <a:ea typeface="Verdana" charset="0"/>
-                <a:cs typeface="Verdana" charset="0"/>
-              </a:rPr>
-              <a:t>utendi</a:t>
-            </a:r>
-            <a:r>
-              <a:rPr lang="en-US" dirty="0">
-                <a:solidFill>
-                  <a:schemeClr val="bg1"/>
-                </a:solidFill>
-                <a:latin typeface="Verdana" charset="0"/>
-                <a:ea typeface="Verdana" charset="0"/>
-                <a:cs typeface="Verdana" charset="0"/>
-              </a:rPr>
-              <a:t> </a:t>
-            </a:r>
-            <a:r>
-              <a:rPr lang="en-US" dirty="0" err="1">
-                <a:solidFill>
-                  <a:schemeClr val="bg1"/>
-                </a:solidFill>
-                <a:latin typeface="Verdana" charset="0"/>
-                <a:ea typeface="Verdana" charset="0"/>
-                <a:cs typeface="Verdana" charset="0"/>
-              </a:rPr>
-              <a:t>autaquo</a:t>
-            </a:r>
-            <a:r>
-              <a:rPr lang="en-US" dirty="0">
-                <a:solidFill>
-                  <a:schemeClr val="bg1"/>
-                </a:solidFill>
-                <a:latin typeface="Verdana" charset="0"/>
-                <a:ea typeface="Verdana" charset="0"/>
-                <a:cs typeface="Verdana" charset="0"/>
-              </a:rPr>
-              <a:t> </a:t>
-            </a:r>
-            <a:r>
-              <a:rPr lang="en-US" dirty="0" err="1">
-                <a:solidFill>
-                  <a:schemeClr val="bg1"/>
-                </a:solidFill>
-                <a:latin typeface="Verdana" charset="0"/>
-                <a:ea typeface="Verdana" charset="0"/>
-                <a:cs typeface="Verdana" charset="0"/>
-              </a:rPr>
-              <a:t>doluptu</a:t>
-            </a:r>
-            <a:r>
-              <a:rPr lang="en-US" dirty="0">
-                <a:solidFill>
-                  <a:schemeClr val="bg1"/>
-                </a:solidFill>
-                <a:latin typeface="Verdana" charset="0"/>
-                <a:ea typeface="Verdana" charset="0"/>
-                <a:cs typeface="Verdana" charset="0"/>
-              </a:rPr>
-              <a:t> </a:t>
-            </a:r>
-            <a:r>
-              <a:rPr lang="en-US" dirty="0" err="1">
-                <a:solidFill>
-                  <a:schemeClr val="bg1"/>
-                </a:solidFill>
-                <a:latin typeface="Verdana" charset="0"/>
-                <a:ea typeface="Verdana" charset="0"/>
-                <a:cs typeface="Verdana" charset="0"/>
-              </a:rPr>
-              <a:t>stotate</a:t>
-            </a:r>
-            <a:r>
-              <a:rPr lang="en-US" dirty="0">
-                <a:solidFill>
-                  <a:schemeClr val="bg1"/>
-                </a:solidFill>
-                <a:latin typeface="Verdana" charset="0"/>
-                <a:ea typeface="Verdana" charset="0"/>
-                <a:cs typeface="Verdana" charset="0"/>
-              </a:rPr>
-              <a:t> pre </a:t>
-            </a:r>
-            <a:r>
-              <a:rPr lang="en-US" dirty="0" err="1">
-                <a:solidFill>
-                  <a:schemeClr val="bg1"/>
-                </a:solidFill>
-                <a:latin typeface="Verdana" charset="0"/>
-                <a:ea typeface="Verdana" charset="0"/>
-                <a:cs typeface="Verdana" charset="0"/>
-              </a:rPr>
-              <a:t>poris</a:t>
-            </a:r>
-            <a:r>
-              <a:rPr lang="en-US" dirty="0">
-                <a:solidFill>
-                  <a:schemeClr val="bg1"/>
-                </a:solidFill>
-                <a:latin typeface="Verdana" charset="0"/>
-                <a:ea typeface="Verdana" charset="0"/>
-                <a:cs typeface="Verdana" charset="0"/>
-              </a:rPr>
-              <a:t> </a:t>
-            </a:r>
-            <a:r>
-              <a:rPr lang="en-US" dirty="0" err="1">
-                <a:solidFill>
-                  <a:schemeClr val="bg1"/>
-                </a:solidFill>
-                <a:latin typeface="Verdana" charset="0"/>
-                <a:ea typeface="Verdana" charset="0"/>
-                <a:cs typeface="Verdana" charset="0"/>
-              </a:rPr>
-              <a:t>diciumqui</a:t>
-            </a:r>
-            <a:r>
-              <a:rPr lang="en-US" dirty="0">
-                <a:solidFill>
-                  <a:schemeClr val="bg1"/>
-                </a:solidFill>
-                <a:latin typeface="Verdana" charset="0"/>
-                <a:ea typeface="Verdana" charset="0"/>
-                <a:cs typeface="Verdana" charset="0"/>
-              </a:rPr>
-              <a:t> </a:t>
-            </a:r>
-            <a:r>
-              <a:rPr lang="en-US" dirty="0" err="1">
-                <a:solidFill>
-                  <a:schemeClr val="bg1"/>
-                </a:solidFill>
-                <a:latin typeface="Verdana" charset="0"/>
-                <a:ea typeface="Verdana" charset="0"/>
-                <a:cs typeface="Verdana" charset="0"/>
-              </a:rPr>
-              <a:t>officipsapic</a:t>
-            </a:r>
-            <a:r>
-              <a:rPr lang="en-US" dirty="0">
-                <a:solidFill>
-                  <a:schemeClr val="bg1"/>
-                </a:solidFill>
-                <a:latin typeface="Verdana" charset="0"/>
-                <a:ea typeface="Verdana" charset="0"/>
-                <a:cs typeface="Verdana" charset="0"/>
-              </a:rPr>
-              <a:t> to </a:t>
-            </a:r>
-            <a:r>
-              <a:rPr lang="en-US" dirty="0" err="1">
-                <a:solidFill>
-                  <a:schemeClr val="bg1"/>
-                </a:solidFill>
-                <a:latin typeface="Verdana" charset="0"/>
-                <a:ea typeface="Verdana" charset="0"/>
-                <a:cs typeface="Verdana" charset="0"/>
-              </a:rPr>
-              <a:t>modi</a:t>
-            </a:r>
-            <a:r>
-              <a:rPr lang="en-US" dirty="0">
-                <a:solidFill>
-                  <a:schemeClr val="bg1"/>
-                </a:solidFill>
-                <a:latin typeface="Verdana" charset="0"/>
-                <a:ea typeface="Verdana" charset="0"/>
-                <a:cs typeface="Verdana" charset="0"/>
-              </a:rPr>
-              <a:t> quos </a:t>
-            </a:r>
-            <a:r>
-              <a:rPr lang="en-US" dirty="0" err="1">
-                <a:solidFill>
-                  <a:schemeClr val="bg1"/>
-                </a:solidFill>
-                <a:latin typeface="Verdana" charset="0"/>
-                <a:ea typeface="Verdana" charset="0"/>
-                <a:cs typeface="Verdana" charset="0"/>
-              </a:rPr>
-              <a:t>eum</a:t>
-            </a:r>
-            <a:r>
-              <a:rPr lang="en-US" dirty="0">
-                <a:solidFill>
-                  <a:schemeClr val="bg1"/>
-                </a:solidFill>
-                <a:latin typeface="Verdana" charset="0"/>
-                <a:ea typeface="Verdana" charset="0"/>
-                <a:cs typeface="Verdana" charset="0"/>
-              </a:rPr>
-              <a:t> rem sit </a:t>
-            </a:r>
-            <a:r>
-              <a:rPr lang="en-US" dirty="0" err="1">
-                <a:solidFill>
-                  <a:schemeClr val="bg1"/>
-                </a:solidFill>
-                <a:latin typeface="Verdana" charset="0"/>
-                <a:ea typeface="Verdana" charset="0"/>
-                <a:cs typeface="Verdana" charset="0"/>
-              </a:rPr>
-              <a:t>quasse</a:t>
-            </a:r>
-            <a:r>
-              <a:rPr lang="en-US" dirty="0">
-                <a:solidFill>
-                  <a:schemeClr val="bg1"/>
-                </a:solidFill>
-                <a:latin typeface="Verdana" charset="0"/>
-                <a:ea typeface="Verdana" charset="0"/>
-                <a:cs typeface="Verdana" charset="0"/>
-              </a:rPr>
-              <a:t> </a:t>
-            </a:r>
-            <a:r>
-              <a:rPr lang="en-US" dirty="0" err="1">
-                <a:solidFill>
-                  <a:schemeClr val="bg1"/>
-                </a:solidFill>
-                <a:latin typeface="Verdana" charset="0"/>
-                <a:ea typeface="Verdana" charset="0"/>
-                <a:cs typeface="Verdana" charset="0"/>
-              </a:rPr>
-              <a:t>accatur</a:t>
-            </a:r>
-            <a:r>
-              <a:rPr lang="en-US" dirty="0">
-                <a:solidFill>
-                  <a:schemeClr val="bg1"/>
-                </a:solidFill>
-                <a:latin typeface="Verdana" charset="0"/>
-                <a:ea typeface="Verdana" charset="0"/>
-                <a:cs typeface="Verdana" charset="0"/>
-              </a:rPr>
-              <a:t>.</a:t>
+              <a:t> data to accurately give local aerosol information.</a:t>
             </a:r>
           </a:p>
           <a:p>
@@ -7271,391 +5220,14 @@
                 <a:spcPts val="2600"/>
               </a:spcAft>
             </a:pPr>
-            <a:r>
-              <a:rPr lang="en-US" dirty="0">
-                <a:solidFill>
-                  <a:schemeClr val="bg1"/>
-                </a:solidFill>
-                <a:latin typeface="Verdana" charset="0"/>
-                <a:ea typeface="Verdana" charset="0"/>
-                <a:cs typeface="Verdana" charset="0"/>
-              </a:rPr>
-              <a:t>Obis </a:t>
-            </a:r>
-            <a:r>
-              <a:rPr lang="en-US" dirty="0" err="1">
-                <a:solidFill>
-                  <a:schemeClr val="bg1"/>
-                </a:solidFill>
-                <a:latin typeface="Verdana" charset="0"/>
-                <a:ea typeface="Verdana" charset="0"/>
-                <a:cs typeface="Verdana" charset="0"/>
-              </a:rPr>
-              <a:t>erit</a:t>
-            </a:r>
-            <a:r>
-              <a:rPr lang="en-US" dirty="0">
-                <a:solidFill>
-                  <a:schemeClr val="bg1"/>
-                </a:solidFill>
-                <a:latin typeface="Verdana" charset="0"/>
-                <a:ea typeface="Verdana" charset="0"/>
-                <a:cs typeface="Verdana" charset="0"/>
-              </a:rPr>
-              <a:t> </a:t>
-            </a:r>
-            <a:r>
-              <a:rPr lang="en-US" dirty="0" err="1">
-                <a:solidFill>
-                  <a:schemeClr val="bg1"/>
-                </a:solidFill>
-                <a:latin typeface="Verdana" charset="0"/>
-                <a:ea typeface="Verdana" charset="0"/>
-                <a:cs typeface="Verdana" charset="0"/>
-              </a:rPr>
-              <a:t>erianti</a:t>
-            </a:r>
-            <a:r>
-              <a:rPr lang="en-US" dirty="0">
-                <a:solidFill>
-                  <a:schemeClr val="bg1"/>
-                </a:solidFill>
-                <a:latin typeface="Verdana" charset="0"/>
-                <a:ea typeface="Verdana" charset="0"/>
-                <a:cs typeface="Verdana" charset="0"/>
-              </a:rPr>
-              <a:t> debit, </a:t>
-            </a:r>
-            <a:r>
-              <a:rPr lang="en-US" dirty="0" err="1">
-                <a:solidFill>
-                  <a:schemeClr val="bg1"/>
-                </a:solidFill>
-                <a:latin typeface="Verdana" charset="0"/>
-                <a:ea typeface="Verdana" charset="0"/>
-                <a:cs typeface="Verdana" charset="0"/>
-              </a:rPr>
-              <a:t>odi</a:t>
-            </a:r>
-            <a:r>
-              <a:rPr lang="en-US" dirty="0">
-                <a:solidFill>
-                  <a:schemeClr val="bg1"/>
-                </a:solidFill>
-                <a:latin typeface="Verdana" charset="0"/>
-                <a:ea typeface="Verdana" charset="0"/>
-                <a:cs typeface="Verdana" charset="0"/>
-              </a:rPr>
-              <a:t> </a:t>
-            </a:r>
-            <a:r>
-              <a:rPr lang="en-US" dirty="0" err="1">
-                <a:solidFill>
-                  <a:schemeClr val="bg1"/>
-                </a:solidFill>
-                <a:latin typeface="Verdana" charset="0"/>
-                <a:ea typeface="Verdana" charset="0"/>
-                <a:cs typeface="Verdana" charset="0"/>
-              </a:rPr>
-              <a:t>consequate</a:t>
-            </a:r>
-            <a:r>
-              <a:rPr lang="en-US" dirty="0">
-                <a:solidFill>
-                  <a:schemeClr val="bg1"/>
-                </a:solidFill>
-                <a:latin typeface="Verdana" charset="0"/>
-                <a:ea typeface="Verdana" charset="0"/>
-                <a:cs typeface="Verdana" charset="0"/>
-              </a:rPr>
-              <a:t> </a:t>
-            </a:r>
-            <a:r>
-              <a:rPr lang="en-US" dirty="0" err="1">
-                <a:solidFill>
-                  <a:schemeClr val="bg1"/>
-                </a:solidFill>
-                <a:latin typeface="Verdana" charset="0"/>
-                <a:ea typeface="Verdana" charset="0"/>
-                <a:cs typeface="Verdana" charset="0"/>
-              </a:rPr>
-              <a:t>dolupta</a:t>
-            </a:r>
-            <a:r>
-              <a:rPr lang="en-US" dirty="0">
-                <a:solidFill>
-                  <a:schemeClr val="bg1"/>
-                </a:solidFill>
-                <a:latin typeface="Verdana" charset="0"/>
-                <a:ea typeface="Verdana" charset="0"/>
-                <a:cs typeface="Verdana" charset="0"/>
-              </a:rPr>
-              <a:t> </a:t>
-            </a:r>
-            <a:r>
-              <a:rPr lang="en-US" dirty="0" err="1">
-                <a:solidFill>
-                  <a:schemeClr val="bg1"/>
-                </a:solidFill>
-                <a:latin typeface="Verdana" charset="0"/>
-                <a:ea typeface="Verdana" charset="0"/>
-                <a:cs typeface="Verdana" charset="0"/>
-              </a:rPr>
-              <a:t>epudit</a:t>
-            </a:r>
-            <a:r>
-              <a:rPr lang="en-US" dirty="0">
-                <a:solidFill>
-                  <a:schemeClr val="bg1"/>
-                </a:solidFill>
-                <a:latin typeface="Verdana" charset="0"/>
-                <a:ea typeface="Verdana" charset="0"/>
-                <a:cs typeface="Verdana" charset="0"/>
-              </a:rPr>
-              <a:t> et </a:t>
-            </a:r>
-            <a:r>
-              <a:rPr lang="en-US" dirty="0" err="1">
-                <a:solidFill>
-                  <a:schemeClr val="bg1"/>
-                </a:solidFill>
-                <a:latin typeface="Verdana" charset="0"/>
-                <a:ea typeface="Verdana" charset="0"/>
-                <a:cs typeface="Verdana" charset="0"/>
-              </a:rPr>
-              <a:t>etur</a:t>
-            </a:r>
-            <a:r>
-              <a:rPr lang="en-US" dirty="0">
-                <a:solidFill>
-                  <a:schemeClr val="bg1"/>
-                </a:solidFill>
-                <a:latin typeface="Verdana" charset="0"/>
-                <a:ea typeface="Verdana" charset="0"/>
-                <a:cs typeface="Verdana" charset="0"/>
-              </a:rPr>
-              <a:t> </a:t>
-            </a:r>
-            <a:r>
-              <a:rPr lang="en-US" dirty="0" err="1">
-                <a:solidFill>
-                  <a:schemeClr val="bg1"/>
-                </a:solidFill>
-                <a:latin typeface="Verdana" charset="0"/>
-                <a:ea typeface="Verdana" charset="0"/>
-                <a:cs typeface="Verdana" charset="0"/>
-              </a:rPr>
-              <a:t>rempore</a:t>
-            </a:r>
-            <a:r>
-              <a:rPr lang="en-US" dirty="0">
-                <a:solidFill>
-                  <a:schemeClr val="bg1"/>
-                </a:solidFill>
-                <a:latin typeface="Verdana" charset="0"/>
-                <a:ea typeface="Verdana" charset="0"/>
-                <a:cs typeface="Verdana" charset="0"/>
-              </a:rPr>
-              <a:t>. Lam </a:t>
-            </a:r>
-            <a:r>
-              <a:rPr lang="en-US" dirty="0" err="1">
-                <a:solidFill>
-                  <a:schemeClr val="bg1"/>
-                </a:solidFill>
-                <a:latin typeface="Verdana" charset="0"/>
-                <a:ea typeface="Verdana" charset="0"/>
-                <a:cs typeface="Verdana" charset="0"/>
-              </a:rPr>
-              <a:t>ariae</a:t>
-            </a:r>
-            <a:r>
-              <a:rPr lang="en-US" dirty="0">
-                <a:solidFill>
-                  <a:schemeClr val="bg1"/>
-                </a:solidFill>
-                <a:latin typeface="Verdana" charset="0"/>
-                <a:ea typeface="Verdana" charset="0"/>
-                <a:cs typeface="Verdana" charset="0"/>
-              </a:rPr>
-              <a:t> </a:t>
-            </a:r>
-            <a:r>
-              <a:rPr lang="en-US" dirty="0" err="1">
-                <a:solidFill>
-                  <a:schemeClr val="bg1"/>
-                </a:solidFill>
-                <a:latin typeface="Verdana" charset="0"/>
-                <a:ea typeface="Verdana" charset="0"/>
-                <a:cs typeface="Verdana" charset="0"/>
-              </a:rPr>
-              <a:t>aperit</a:t>
-            </a:r>
-            <a:r>
-              <a:rPr lang="en-US" dirty="0">
-                <a:solidFill>
-                  <a:schemeClr val="bg1"/>
-                </a:solidFill>
-                <a:latin typeface="Verdana" charset="0"/>
-                <a:ea typeface="Verdana" charset="0"/>
-                <a:cs typeface="Verdana" charset="0"/>
-              </a:rPr>
-              <a:t>, </a:t>
-            </a:r>
-            <a:r>
-              <a:rPr lang="en-US" dirty="0" err="1">
-                <a:solidFill>
-                  <a:schemeClr val="bg1"/>
-                </a:solidFill>
-                <a:latin typeface="Verdana" charset="0"/>
-                <a:ea typeface="Verdana" charset="0"/>
-                <a:cs typeface="Verdana" charset="0"/>
-              </a:rPr>
-              <a:t>officatio</a:t>
-            </a:r>
-            <a:r>
-              <a:rPr lang="en-US" dirty="0">
-                <a:solidFill>
-                  <a:schemeClr val="bg1"/>
-                </a:solidFill>
-                <a:latin typeface="Verdana" charset="0"/>
-                <a:ea typeface="Verdana" charset="0"/>
-                <a:cs typeface="Verdana" charset="0"/>
-              </a:rPr>
-              <a:t> </a:t>
-            </a:r>
-            <a:r>
-              <a:rPr lang="en-US" dirty="0" err="1">
-                <a:solidFill>
-                  <a:schemeClr val="bg1"/>
-                </a:solidFill>
-                <a:latin typeface="Verdana" charset="0"/>
-                <a:ea typeface="Verdana" charset="0"/>
-                <a:cs typeface="Verdana" charset="0"/>
-              </a:rPr>
-              <a:t>eos</a:t>
-            </a:r>
-            <a:r>
-              <a:rPr lang="en-US" dirty="0">
-                <a:solidFill>
-                  <a:schemeClr val="bg1"/>
-                </a:solidFill>
-                <a:latin typeface="Verdana" charset="0"/>
-                <a:ea typeface="Verdana" charset="0"/>
-                <a:cs typeface="Verdana" charset="0"/>
-              </a:rPr>
-              <a:t> </a:t>
-            </a:r>
-            <a:r>
-              <a:rPr lang="en-US" dirty="0" err="1">
-                <a:solidFill>
-                  <a:schemeClr val="bg1"/>
-                </a:solidFill>
-                <a:latin typeface="Verdana" charset="0"/>
-                <a:ea typeface="Verdana" charset="0"/>
-                <a:cs typeface="Verdana" charset="0"/>
-              </a:rPr>
-              <a:t>quia</a:t>
-            </a:r>
-            <a:r>
-              <a:rPr lang="en-US" dirty="0">
-                <a:solidFill>
-                  <a:schemeClr val="bg1"/>
-                </a:solidFill>
-                <a:latin typeface="Verdana" charset="0"/>
-                <a:ea typeface="Verdana" charset="0"/>
-                <a:cs typeface="Verdana" charset="0"/>
-              </a:rPr>
-              <a:t> </a:t>
-            </a:r>
-            <a:r>
-              <a:rPr lang="en-US" dirty="0" err="1">
-                <a:solidFill>
-                  <a:schemeClr val="bg1"/>
-                </a:solidFill>
-                <a:latin typeface="Verdana" charset="0"/>
-                <a:ea typeface="Verdana" charset="0"/>
-                <a:cs typeface="Verdana" charset="0"/>
-              </a:rPr>
-              <a:t>sandaectae</a:t>
-            </a:r>
-            <a:r>
-              <a:rPr lang="en-US" dirty="0">
-                <a:solidFill>
-                  <a:schemeClr val="bg1"/>
-                </a:solidFill>
-                <a:latin typeface="Verdana" charset="0"/>
-                <a:ea typeface="Verdana" charset="0"/>
-                <a:cs typeface="Verdana" charset="0"/>
-              </a:rPr>
-              <a:t> </a:t>
-            </a:r>
-            <a:r>
-              <a:rPr lang="en-US" dirty="0" err="1">
-                <a:solidFill>
-                  <a:schemeClr val="bg1"/>
-                </a:solidFill>
-                <a:latin typeface="Verdana" charset="0"/>
-                <a:ea typeface="Verdana" charset="0"/>
-                <a:cs typeface="Verdana" charset="0"/>
-              </a:rPr>
-              <a:t>ut</a:t>
-            </a:r>
-            <a:r>
-              <a:rPr lang="en-US" dirty="0">
-                <a:solidFill>
-                  <a:schemeClr val="bg1"/>
-                </a:solidFill>
-                <a:latin typeface="Verdana" charset="0"/>
-                <a:ea typeface="Verdana" charset="0"/>
-                <a:cs typeface="Verdana" charset="0"/>
-              </a:rPr>
-              <a:t> </a:t>
-            </a:r>
-            <a:r>
-              <a:rPr lang="en-US" dirty="0" err="1">
-                <a:solidFill>
-                  <a:schemeClr val="bg1"/>
-                </a:solidFill>
-                <a:latin typeface="Verdana" charset="0"/>
-                <a:ea typeface="Verdana" charset="0"/>
-                <a:cs typeface="Verdana" charset="0"/>
-              </a:rPr>
-              <a:t>aribuscimpor</a:t>
-            </a:r>
-            <a:r>
-              <a:rPr lang="en-US" dirty="0">
-                <a:solidFill>
-                  <a:schemeClr val="bg1"/>
-                </a:solidFill>
-                <a:latin typeface="Verdana" charset="0"/>
-                <a:ea typeface="Verdana" charset="0"/>
-                <a:cs typeface="Verdana" charset="0"/>
-              </a:rPr>
-              <a:t> </a:t>
-            </a:r>
-            <a:r>
-              <a:rPr lang="en-US" dirty="0" err="1">
-                <a:solidFill>
-                  <a:schemeClr val="bg1"/>
-                </a:solidFill>
-                <a:latin typeface="Verdana" charset="0"/>
-                <a:ea typeface="Verdana" charset="0"/>
-                <a:cs typeface="Verdana" charset="0"/>
-              </a:rPr>
-              <a:t>moloris</a:t>
-            </a:r>
-            <a:r>
-              <a:rPr lang="en-US" dirty="0">
-                <a:solidFill>
-                  <a:schemeClr val="bg1"/>
-                </a:solidFill>
-                <a:latin typeface="Verdana" charset="0"/>
-                <a:ea typeface="Verdana" charset="0"/>
-                <a:cs typeface="Verdana" charset="0"/>
-              </a:rPr>
-              <a:t> non.</a:t>
-            </a:r>
+            <a:endParaRPr lang="en-US" dirty="0">
+              <a:solidFill>
+                <a:schemeClr val="bg1"/>
+              </a:solidFill>
+              <a:latin typeface="Verdana" charset="0"/>
+              <a:ea typeface="Verdana" charset="0"/>
+              <a:cs typeface="Verdana" charset="0"/>
+            </a:endParaRPr>
           </a:p>
           <a:p>
             <a:pPr>
@@ -7664,7 +5236,7 @@
               </a:spcAft>
             </a:pPr>
             <a:r>
-              <a:rPr lang="en-US" dirty="0" err="1">
+              <a:rPr lang="en-US" dirty="0">
                 <a:solidFill>
                   <a:schemeClr val="bg1"/>
                 </a:solidFill>
@@ -7672,10 +5244,10 @@
                 <a:ea typeface="Verdana" charset="0"/>
                 <a:cs typeface="Verdana" charset="0"/>
               </a:rPr>
-              <a:t>Odipsae</a:t>
-            </a:r>
-            <a:r>
-              <a:rPr lang="en-US" dirty="0">
+              <a:t>We chose to use OpenCV as opposed to larger computer vision libraries such as </a:t>
+            </a:r>
+            <a:r>
+              <a:rPr lang="en-US" dirty="0" err="1">
                 <a:solidFill>
                   <a:schemeClr val="bg1"/>
                 </a:solidFill>
@@ -7683,10 +5255,10 @@
                 <a:ea typeface="Verdana" charset="0"/>
                 <a:cs typeface="Verdana" charset="0"/>
               </a:rPr>
-              <a:t> id </a:t>
-            </a:r>
-            <a:r>
-              <a:rPr lang="en-US" dirty="0" err="1">
+              <a:t>Tensorflow</a:t>
+            </a:r>
+            <a:r>
+              <a:rPr lang="en-US" dirty="0">
                 <a:solidFill>
                   <a:schemeClr val="bg1"/>
                 </a:solidFill>
@@ -7694,10 +5266,10 @@
                 <a:ea typeface="Verdana" charset="0"/>
                 <a:cs typeface="Verdana" charset="0"/>
               </a:rPr>
-              <a:t>quaepe</a:t>
-            </a:r>
-            <a:r>
-              <a:rPr lang="en-US" dirty="0">
+              <a:t> because we did not need many of the functions </a:t>
+            </a:r>
+            <a:r>
+              <a:rPr lang="en-US" dirty="0" err="1">
                 <a:solidFill>
                   <a:schemeClr val="bg1"/>
                 </a:solidFill>
@@ -7705,10 +5277,10 @@
                 <a:ea typeface="Verdana" charset="0"/>
                 <a:cs typeface="Verdana" charset="0"/>
               </a:rPr>
-              <a:t> que </a:t>
-            </a:r>
-            <a:r>
-              <a:rPr lang="en-US" dirty="0" err="1">
+              <a:t>Tensorflow</a:t>
+            </a:r>
+            <a:r>
+              <a:rPr lang="en-US" dirty="0">
                 <a:solidFill>
                   <a:schemeClr val="bg1"/>
                 </a:solidFill>
@@ -7716,216 +5288,7 @@
                 <a:ea typeface="Verdana" charset="0"/>
                 <a:cs typeface="Verdana" charset="0"/>
               </a:rPr>
-              <a:t>doluptas</a:t>
-            </a:r>
-            <a:r>
-              <a:rPr lang="en-US" dirty="0">
-                <a:solidFill>
-                  <a:schemeClr val="bg1"/>
-                </a:solidFill>
-                <a:latin typeface="Verdana" charset="0"/>
-                <a:ea typeface="Verdana" charset="0"/>
-                <a:cs typeface="Verdana" charset="0"/>
-              </a:rPr>
-              <a:t> et </a:t>
-            </a:r>
-            <a:r>
-              <a:rPr lang="en-US" dirty="0" err="1">
-                <a:solidFill>
-                  <a:schemeClr val="bg1"/>
-                </a:solidFill>
-                <a:latin typeface="Verdana" charset="0"/>
-                <a:ea typeface="Verdana" charset="0"/>
-                <a:cs typeface="Verdana" charset="0"/>
-              </a:rPr>
-              <a:t>etos</a:t>
-            </a:r>
-            <a:r>
-              <a:rPr lang="en-US" dirty="0">
-                <a:solidFill>
-                  <a:schemeClr val="bg1"/>
-                </a:solidFill>
-                <a:latin typeface="Verdana" charset="0"/>
-                <a:ea typeface="Verdana" charset="0"/>
-                <a:cs typeface="Verdana" charset="0"/>
-              </a:rPr>
-              <a:t> </a:t>
-            </a:r>
-            <a:r>
-              <a:rPr lang="en-US" dirty="0" err="1">
-                <a:solidFill>
-                  <a:schemeClr val="bg1"/>
-                </a:solidFill>
-                <a:latin typeface="Verdana" charset="0"/>
-                <a:ea typeface="Verdana" charset="0"/>
-                <a:cs typeface="Verdana" charset="0"/>
-              </a:rPr>
-              <a:t>placcullias</a:t>
-            </a:r>
-            <a:r>
-              <a:rPr lang="en-US" dirty="0">
-                <a:solidFill>
-                  <a:schemeClr val="bg1"/>
-                </a:solidFill>
-                <a:latin typeface="Verdana" charset="0"/>
-                <a:ea typeface="Verdana" charset="0"/>
-                <a:cs typeface="Verdana" charset="0"/>
-              </a:rPr>
-              <a:t> </a:t>
-            </a:r>
-            <a:r>
-              <a:rPr lang="en-US" dirty="0" err="1">
-                <a:solidFill>
-                  <a:schemeClr val="bg1"/>
-                </a:solidFill>
-                <a:latin typeface="Verdana" charset="0"/>
-                <a:ea typeface="Verdana" charset="0"/>
-                <a:cs typeface="Verdana" charset="0"/>
-              </a:rPr>
-              <a:t>peditaturis</a:t>
-            </a:r>
-            <a:r>
-              <a:rPr lang="en-US" dirty="0">
-                <a:solidFill>
-                  <a:schemeClr val="bg1"/>
-                </a:solidFill>
-                <a:latin typeface="Verdana" charset="0"/>
-                <a:ea typeface="Verdana" charset="0"/>
-                <a:cs typeface="Verdana" charset="0"/>
-              </a:rPr>
-              <a:t> </a:t>
-            </a:r>
-            <a:r>
-              <a:rPr lang="en-US" dirty="0" err="1">
-                <a:solidFill>
-                  <a:schemeClr val="bg1"/>
-                </a:solidFill>
-                <a:latin typeface="Verdana" charset="0"/>
-                <a:ea typeface="Verdana" charset="0"/>
-                <a:cs typeface="Verdana" charset="0"/>
-              </a:rPr>
-              <a:t>dolorem</a:t>
-            </a:r>
-            <a:r>
-              <a:rPr lang="en-US" dirty="0">
-                <a:solidFill>
-                  <a:schemeClr val="bg1"/>
-                </a:solidFill>
-                <a:latin typeface="Verdana" charset="0"/>
-                <a:ea typeface="Verdana" charset="0"/>
-                <a:cs typeface="Verdana" charset="0"/>
-              </a:rPr>
-              <a:t> et </a:t>
-            </a:r>
-            <a:r>
-              <a:rPr lang="en-US" dirty="0" err="1">
-                <a:solidFill>
-                  <a:schemeClr val="bg1"/>
-                </a:solidFill>
-                <a:latin typeface="Verdana" charset="0"/>
-                <a:ea typeface="Verdana" charset="0"/>
-                <a:cs typeface="Verdana" charset="0"/>
-              </a:rPr>
-              <a:t>recusda</a:t>
-            </a:r>
-            <a:r>
-              <a:rPr lang="en-US" dirty="0">
-                <a:solidFill>
-                  <a:schemeClr val="bg1"/>
-                </a:solidFill>
-                <a:latin typeface="Verdana" charset="0"/>
-                <a:ea typeface="Verdana" charset="0"/>
-                <a:cs typeface="Verdana" charset="0"/>
-              </a:rPr>
-              <a:t> </a:t>
-            </a:r>
-            <a:r>
-              <a:rPr lang="en-US" dirty="0" err="1">
-                <a:solidFill>
-                  <a:schemeClr val="bg1"/>
-                </a:solidFill>
-                <a:latin typeface="Verdana" charset="0"/>
-                <a:ea typeface="Verdana" charset="0"/>
-                <a:cs typeface="Verdana" charset="0"/>
-              </a:rPr>
-              <a:t>ntiberum</a:t>
-            </a:r>
-            <a:r>
-              <a:rPr lang="en-US" dirty="0">
-                <a:solidFill>
-                  <a:schemeClr val="bg1"/>
-                </a:solidFill>
-                <a:latin typeface="Verdana" charset="0"/>
-                <a:ea typeface="Verdana" charset="0"/>
-                <a:cs typeface="Verdana" charset="0"/>
-              </a:rPr>
-              <a:t> </a:t>
-            </a:r>
-            <a:r>
-              <a:rPr lang="en-US" dirty="0" err="1">
-                <a:solidFill>
-                  <a:schemeClr val="bg1"/>
-                </a:solidFill>
-                <a:latin typeface="Verdana" charset="0"/>
-                <a:ea typeface="Verdana" charset="0"/>
-                <a:cs typeface="Verdana" charset="0"/>
-              </a:rPr>
-              <a:t>quaeperro</a:t>
-            </a:r>
-            <a:r>
-              <a:rPr lang="en-US" dirty="0">
-                <a:solidFill>
-                  <a:schemeClr val="bg1"/>
-                </a:solidFill>
-                <a:latin typeface="Verdana" charset="0"/>
-                <a:ea typeface="Verdana" charset="0"/>
-                <a:cs typeface="Verdana" charset="0"/>
-              </a:rPr>
-              <a:t> </a:t>
-            </a:r>
-            <a:r>
-              <a:rPr lang="en-US" dirty="0" err="1">
-                <a:solidFill>
-                  <a:schemeClr val="bg1"/>
-                </a:solidFill>
-                <a:latin typeface="Verdana" charset="0"/>
-                <a:ea typeface="Verdana" charset="0"/>
-                <a:cs typeface="Verdana" charset="0"/>
-              </a:rPr>
-              <a:t>ea</a:t>
-            </a:r>
-            <a:r>
-              <a:rPr lang="en-US" dirty="0">
-                <a:solidFill>
-                  <a:schemeClr val="bg1"/>
-                </a:solidFill>
-                <a:latin typeface="Verdana" charset="0"/>
-                <a:ea typeface="Verdana" charset="0"/>
-                <a:cs typeface="Verdana" charset="0"/>
-              </a:rPr>
-              <a:t> </a:t>
-            </a:r>
-            <a:r>
-              <a:rPr lang="en-US" dirty="0" err="1">
-                <a:solidFill>
-                  <a:schemeClr val="bg1"/>
-                </a:solidFill>
-                <a:latin typeface="Verdana" charset="0"/>
-                <a:ea typeface="Verdana" charset="0"/>
-                <a:cs typeface="Verdana" charset="0"/>
-              </a:rPr>
-              <a:t>ipiet</a:t>
-            </a:r>
-            <a:r>
-              <a:rPr lang="en-US" dirty="0">
-                <a:solidFill>
-                  <a:schemeClr val="bg1"/>
-                </a:solidFill>
-                <a:latin typeface="Verdana" charset="0"/>
-                <a:ea typeface="Verdana" charset="0"/>
-                <a:cs typeface="Verdana" charset="0"/>
-              </a:rPr>
-              <a:t> est.</a:t>
+              <a:t> offers. OpenCV is a simple enough library to complete the task assigned. .</a:t>
             </a:r>
           </a:p>
         </p:txBody>
@@ -8201,7 +5564,7 @@
         </p:nvSpPr>
         <p:spPr>
           <a:xfrm>
-            <a:off x="33934401" y="5503233"/>
+            <a:off x="33952921" y="13083796"/>
             <a:ext cx="8158690" cy="677108"/>
           </a:xfrm>
           <a:prstGeom prst="rect">
@@ -8399,7 +5762,7 @@
         </p:nvSpPr>
         <p:spPr>
           <a:xfrm>
-            <a:off x="33966678" y="6422030"/>
+            <a:off x="33716912" y="14141317"/>
             <a:ext cx="8126412" cy="14311610"/>
           </a:xfrm>
           <a:prstGeom prst="rect">

--- a/Poster/poster_undergrad_expo_48x36_eecs.pptx
+++ b/Poster/poster_undergrad_expo_48x36_eecs.pptx
@@ -243,7 +243,7 @@
             <a:fld id="{9CF59EBC-EC05-6B4D-B166-DDFA6A1EDCB6}" type="datetimeFigureOut">
               <a:rPr lang="en-US" smtClean="0"/>
               <a:pPr/>
-              <a:t>2/8/2018</a:t>
+              <a:t>2/9/2018</a:t>
             </a:fld>
             <a:endParaRPr lang="en-US" dirty="0"/>
           </a:p>
@@ -1857,7 +1857,7 @@
         </p:nvSpPr>
         <p:spPr>
           <a:xfrm>
-            <a:off x="12292014" y="23095171"/>
+            <a:off x="12292014" y="22782916"/>
             <a:ext cx="9418320" cy="677108"/>
           </a:xfrm>
           <a:prstGeom prst="rect">
@@ -2055,8 +2055,8 @@
         </p:nvSpPr>
         <p:spPr>
           <a:xfrm>
-            <a:off x="12292014" y="24061092"/>
-            <a:ext cx="9418320" cy="6873677"/>
+            <a:off x="12304713" y="23740491"/>
+            <a:ext cx="9418320" cy="8515152"/>
           </a:xfrm>
           <a:prstGeom prst="rect">
             <a:avLst/>
@@ -2244,475 +2244,19 @@
               <a:rPr lang="en-US" dirty="0">
                 <a:latin typeface="Verdana Regular" charset="0"/>
               </a:rPr>
-              <a:t>Body. </a:t>
-            </a:r>
-            <a:r>
-              <a:rPr lang="en-US" dirty="0" err="1">
-                <a:latin typeface="Verdana Regular" charset="0"/>
-              </a:rPr>
-              <a:t>Duismolessi</a:t>
-            </a:r>
-            <a:r>
-              <a:rPr lang="en-US" dirty="0">
-                <a:latin typeface="Verdana Regular" charset="0"/>
-              </a:rPr>
-              <a:t> </a:t>
-            </a:r>
-            <a:r>
-              <a:rPr lang="en-US" dirty="0" err="1">
-                <a:latin typeface="Verdana Regular" charset="0"/>
-              </a:rPr>
-              <a:t>utem</a:t>
-            </a:r>
-            <a:r>
-              <a:rPr lang="en-US" dirty="0">
-                <a:latin typeface="Verdana Regular" charset="0"/>
-              </a:rPr>
-              <a:t> ex et, </a:t>
-            </a:r>
-            <a:r>
-              <a:rPr lang="en-US" dirty="0" err="1">
-                <a:latin typeface="Verdana Regular" charset="0"/>
-              </a:rPr>
-              <a:t>sumsan</a:t>
-            </a:r>
-            <a:r>
-              <a:rPr lang="en-US" dirty="0">
-                <a:latin typeface="Verdana Regular" charset="0"/>
-              </a:rPr>
-              <a:t> </a:t>
-            </a:r>
-            <a:r>
-              <a:rPr lang="en-US" dirty="0" err="1">
-                <a:latin typeface="Verdana Regular" charset="0"/>
-              </a:rPr>
-              <a:t>utat</a:t>
-            </a:r>
-            <a:r>
-              <a:rPr lang="en-US" dirty="0">
-                <a:latin typeface="Verdana Regular" charset="0"/>
-              </a:rPr>
-              <a:t> </a:t>
-            </a:r>
-            <a:r>
-              <a:rPr lang="en-US" dirty="0" err="1">
-                <a:latin typeface="Verdana Regular" charset="0"/>
-              </a:rPr>
-              <a:t>amet</a:t>
-            </a:r>
-            <a:r>
-              <a:rPr lang="en-US" dirty="0">
-                <a:latin typeface="Verdana Regular" charset="0"/>
-              </a:rPr>
-              <a:t> </a:t>
-            </a:r>
-            <a:r>
-              <a:rPr lang="en-US" dirty="0" err="1">
-                <a:latin typeface="Verdana Regular" charset="0"/>
-              </a:rPr>
-              <a:t>dolorero</a:t>
-            </a:r>
-            <a:r>
-              <a:rPr lang="en-US" dirty="0">
-                <a:latin typeface="Verdana Regular" charset="0"/>
-              </a:rPr>
-              <a:t> </a:t>
-            </a:r>
-            <a:r>
-              <a:rPr lang="en-US" dirty="0" err="1">
-                <a:latin typeface="Verdana Regular" charset="0"/>
-              </a:rPr>
-              <a:t>commy</a:t>
-            </a:r>
-            <a:r>
-              <a:rPr lang="en-US" dirty="0">
-                <a:latin typeface="Verdana Regular" charset="0"/>
-              </a:rPr>
-              <a:t> </a:t>
-            </a:r>
-            <a:r>
-              <a:rPr lang="en-US" dirty="0" err="1">
-                <a:latin typeface="Verdana Regular" charset="0"/>
-              </a:rPr>
-              <a:t>nulla</a:t>
-            </a:r>
-            <a:r>
-              <a:rPr lang="en-US" dirty="0">
-                <a:latin typeface="Verdana Regular" charset="0"/>
-              </a:rPr>
-              <a:t> </a:t>
-            </a:r>
-            <a:r>
-              <a:rPr lang="en-US" dirty="0" err="1">
-                <a:latin typeface="Verdana Regular" charset="0"/>
-              </a:rPr>
-              <a:t>feugait</a:t>
-            </a:r>
-            <a:r>
-              <a:rPr lang="en-US" dirty="0">
-                <a:latin typeface="Verdana Regular" charset="0"/>
-              </a:rPr>
-              <a:t>, sit </a:t>
-            </a:r>
-            <a:r>
-              <a:rPr lang="en-US" dirty="0" err="1">
-                <a:latin typeface="Verdana Regular" charset="0"/>
-              </a:rPr>
-              <a:t>alisci</a:t>
-            </a:r>
-            <a:r>
-              <a:rPr lang="en-US" dirty="0">
-                <a:latin typeface="Verdana Regular" charset="0"/>
-              </a:rPr>
-              <a:t> </a:t>
-            </a:r>
-            <a:r>
-              <a:rPr lang="en-US" dirty="0" err="1">
-                <a:latin typeface="Verdana Regular" charset="0"/>
-              </a:rPr>
-              <a:t>bla</a:t>
-            </a:r>
-            <a:r>
-              <a:rPr lang="en-US" dirty="0">
-                <a:latin typeface="Verdana Regular" charset="0"/>
-              </a:rPr>
-              <a:t> core </a:t>
-            </a:r>
-            <a:r>
-              <a:rPr lang="en-US" dirty="0" err="1">
-                <a:latin typeface="Verdana Regular" charset="0"/>
-              </a:rPr>
-              <a:t>doleniat</a:t>
-            </a:r>
-            <a:r>
-              <a:rPr lang="en-US" dirty="0">
-                <a:latin typeface="Verdana Regular" charset="0"/>
-              </a:rPr>
-              <a:t>, </a:t>
-            </a:r>
-            <a:r>
-              <a:rPr lang="en-US" dirty="0" err="1">
-                <a:latin typeface="Verdana Regular" charset="0"/>
-              </a:rPr>
-              <a:t>consectem</a:t>
-            </a:r>
-            <a:r>
-              <a:rPr lang="en-US" dirty="0">
-                <a:latin typeface="Verdana Regular" charset="0"/>
-              </a:rPr>
-              <a:t> </a:t>
-            </a:r>
-            <a:r>
-              <a:rPr lang="en-US" dirty="0" err="1">
-                <a:latin typeface="Verdana Regular" charset="0"/>
-              </a:rPr>
-              <a:t>volobore</a:t>
-            </a:r>
-            <a:r>
-              <a:rPr lang="en-US" dirty="0">
-                <a:latin typeface="Verdana Regular" charset="0"/>
-              </a:rPr>
-              <a:t> core </a:t>
-            </a:r>
-            <a:r>
-              <a:rPr lang="en-US" dirty="0" err="1">
-                <a:latin typeface="Verdana Regular" charset="0"/>
-              </a:rPr>
-              <a:t>eu</a:t>
-            </a:r>
-            <a:r>
-              <a:rPr lang="en-US" dirty="0">
-                <a:latin typeface="Verdana Regular" charset="0"/>
-              </a:rPr>
-              <a:t> </a:t>
-            </a:r>
-            <a:r>
-              <a:rPr lang="en-US" dirty="0" err="1">
-                <a:latin typeface="Verdana Regular" charset="0"/>
-              </a:rPr>
-              <a:t>facil</a:t>
-            </a:r>
-            <a:r>
-              <a:rPr lang="en-US" dirty="0">
-                <a:latin typeface="Verdana Regular" charset="0"/>
-              </a:rPr>
-              <a:t> </a:t>
-            </a:r>
-            <a:r>
-              <a:rPr lang="en-US" dirty="0" err="1">
-                <a:latin typeface="Verdana Regular" charset="0"/>
-              </a:rPr>
-              <a:t>irit</a:t>
-            </a:r>
-            <a:r>
-              <a:rPr lang="en-US" dirty="0">
-                <a:latin typeface="Verdana Regular" charset="0"/>
-              </a:rPr>
-              <a:t> dip et </a:t>
-            </a:r>
-            <a:r>
-              <a:rPr lang="en-US" dirty="0" err="1">
-                <a:latin typeface="Verdana Regular" charset="0"/>
-              </a:rPr>
-              <a:t>wis</a:t>
-            </a:r>
-            <a:r>
-              <a:rPr lang="en-US" dirty="0">
-                <a:latin typeface="Verdana Regular" charset="0"/>
-              </a:rPr>
-              <a:t> </a:t>
-            </a:r>
-            <a:r>
-              <a:rPr lang="en-US" dirty="0" err="1">
-                <a:latin typeface="Verdana Regular" charset="0"/>
-              </a:rPr>
-              <a:t>nim</a:t>
-            </a:r>
-            <a:r>
-              <a:rPr lang="en-US" dirty="0">
-                <a:latin typeface="Verdana Regular" charset="0"/>
-              </a:rPr>
-              <a:t> </a:t>
-            </a:r>
-            <a:r>
-              <a:rPr lang="en-US" dirty="0" err="1">
-                <a:latin typeface="Verdana Regular" charset="0"/>
-              </a:rPr>
-              <a:t>nostincin</a:t>
-            </a:r>
-            <a:r>
-              <a:rPr lang="en-US" dirty="0">
-                <a:latin typeface="Verdana Regular" charset="0"/>
-              </a:rPr>
-              <a:t> </a:t>
-            </a:r>
-            <a:r>
-              <a:rPr lang="en-US" dirty="0" err="1">
-                <a:latin typeface="Verdana Regular" charset="0"/>
-              </a:rPr>
-              <a:t>henim</a:t>
-            </a:r>
-            <a:r>
-              <a:rPr lang="en-US" dirty="0">
-                <a:latin typeface="Verdana Regular" charset="0"/>
-              </a:rPr>
-              <a:t> </a:t>
-            </a:r>
-            <a:r>
-              <a:rPr lang="en-US" dirty="0" err="1">
-                <a:latin typeface="Verdana Regular" charset="0"/>
-              </a:rPr>
-              <a:t>quamconsed</a:t>
-            </a:r>
-            <a:r>
-              <a:rPr lang="en-US" dirty="0">
-                <a:latin typeface="Verdana Regular" charset="0"/>
-              </a:rPr>
-              <a:t> tat </a:t>
-            </a:r>
-            <a:r>
-              <a:rPr lang="en-US" dirty="0" err="1">
-                <a:latin typeface="Verdana Regular" charset="0"/>
-              </a:rPr>
-              <a:t>veliscin</a:t>
-            </a:r>
-            <a:r>
-              <a:rPr lang="en-US" dirty="0">
-                <a:latin typeface="Verdana Regular" charset="0"/>
-              </a:rPr>
-              <a:t> </a:t>
-            </a:r>
-            <a:r>
-              <a:rPr lang="en-US" dirty="0" err="1">
-                <a:latin typeface="Verdana Regular" charset="0"/>
-              </a:rPr>
-              <a:t>ulputem</a:t>
-            </a:r>
-            <a:r>
-              <a:rPr lang="en-US" dirty="0">
-                <a:latin typeface="Verdana Regular" charset="0"/>
-              </a:rPr>
-              <a:t> </a:t>
-            </a:r>
-            <a:r>
-              <a:rPr lang="en-US" dirty="0" err="1">
-                <a:latin typeface="Verdana Regular" charset="0"/>
-              </a:rPr>
-              <a:t>vel</a:t>
-            </a:r>
-            <a:r>
-              <a:rPr lang="en-US" dirty="0">
-                <a:latin typeface="Verdana Regular" charset="0"/>
-              </a:rPr>
-              <a:t> </a:t>
-            </a:r>
-            <a:r>
-              <a:rPr lang="en-US" dirty="0" err="1">
-                <a:latin typeface="Verdana Regular" charset="0"/>
-              </a:rPr>
-              <a:t>ut</a:t>
-            </a:r>
-            <a:r>
-              <a:rPr lang="en-US" dirty="0">
-                <a:latin typeface="Verdana Regular" charset="0"/>
-              </a:rPr>
-              <a:t> </a:t>
-            </a:r>
-            <a:r>
-              <a:rPr lang="en-US" dirty="0" err="1">
-                <a:latin typeface="Verdana Regular" charset="0"/>
-              </a:rPr>
-              <a:t>Ovit</a:t>
-            </a:r>
-            <a:r>
-              <a:rPr lang="en-US" dirty="0">
-                <a:latin typeface="Verdana Regular" charset="0"/>
-              </a:rPr>
-              <a:t> </a:t>
-            </a:r>
-            <a:r>
-              <a:rPr lang="en-US" dirty="0" err="1">
-                <a:latin typeface="Verdana Regular" charset="0"/>
-              </a:rPr>
-              <a:t>eum</a:t>
-            </a:r>
-            <a:r>
-              <a:rPr lang="en-US" dirty="0">
-                <a:latin typeface="Verdana Regular" charset="0"/>
-              </a:rPr>
-              <a:t> </a:t>
-            </a:r>
-            <a:r>
-              <a:rPr lang="en-US" dirty="0" err="1">
-                <a:latin typeface="Verdana Regular" charset="0"/>
-              </a:rPr>
-              <a:t>facernatiunt</a:t>
-            </a:r>
-            <a:r>
-              <a:rPr lang="en-US" dirty="0">
-                <a:latin typeface="Verdana Regular" charset="0"/>
-              </a:rPr>
-              <a:t> </a:t>
-            </a:r>
-            <a:r>
-              <a:rPr lang="en-US" dirty="0" err="1">
-                <a:latin typeface="Verdana Regular" charset="0"/>
-              </a:rPr>
-              <a:t>harum</a:t>
-            </a:r>
-            <a:r>
-              <a:rPr lang="en-US" dirty="0">
-                <a:latin typeface="Verdana Regular" charset="0"/>
-              </a:rPr>
-              <a:t> as </a:t>
-            </a:r>
-            <a:r>
-              <a:rPr lang="en-US" dirty="0" err="1">
-                <a:latin typeface="Verdana Regular" charset="0"/>
-              </a:rPr>
-              <a:t>voloremquis</a:t>
-            </a:r>
-            <a:r>
-              <a:rPr lang="en-US" dirty="0">
-                <a:latin typeface="Verdana Regular" charset="0"/>
-              </a:rPr>
-              <a:t> </a:t>
-            </a:r>
-            <a:r>
-              <a:rPr lang="en-US" dirty="0" err="1">
-                <a:latin typeface="Verdana Regular" charset="0"/>
-              </a:rPr>
-              <a:t>ea</a:t>
-            </a:r>
-            <a:r>
-              <a:rPr lang="en-US" dirty="0">
-                <a:latin typeface="Verdana Regular" charset="0"/>
-              </a:rPr>
-              <a:t> </a:t>
-            </a:r>
-            <a:r>
-              <a:rPr lang="en-US" dirty="0" err="1">
-                <a:latin typeface="Verdana Regular" charset="0"/>
-              </a:rPr>
-              <a:t>si</a:t>
-            </a:r>
-            <a:r>
-              <a:rPr lang="en-US" dirty="0">
-                <a:latin typeface="Verdana Regular" charset="0"/>
-              </a:rPr>
-              <a:t> des alit, ant </a:t>
-            </a:r>
-            <a:r>
-              <a:rPr lang="en-US" dirty="0" err="1">
-                <a:latin typeface="Verdana Regular" charset="0"/>
-              </a:rPr>
-              <a:t>repuda</a:t>
-            </a:r>
-            <a:r>
-              <a:rPr lang="en-US" dirty="0">
-                <a:latin typeface="Verdana Regular" charset="0"/>
-              </a:rPr>
-              <a:t> </a:t>
-            </a:r>
-            <a:r>
-              <a:rPr lang="en-US" dirty="0" err="1">
-                <a:latin typeface="Verdana Regular" charset="0"/>
-              </a:rPr>
-              <a:t>ipietur</a:t>
-            </a:r>
-            <a:r>
-              <a:rPr lang="en-US" dirty="0">
-                <a:latin typeface="Verdana Regular" charset="0"/>
-              </a:rPr>
-              <a:t> </a:t>
-            </a:r>
-            <a:r>
-              <a:rPr lang="en-US" dirty="0" err="1">
-                <a:latin typeface="Verdana Regular" charset="0"/>
-              </a:rPr>
-              <a:t>rae</a:t>
-            </a:r>
-            <a:r>
-              <a:rPr lang="en-US" dirty="0">
-                <a:latin typeface="Verdana Regular" charset="0"/>
-              </a:rPr>
-              <a:t> </a:t>
-            </a:r>
-            <a:r>
-              <a:rPr lang="en-US" dirty="0" err="1">
-                <a:latin typeface="Verdana Regular" charset="0"/>
-              </a:rPr>
-              <a:t>apeditas</a:t>
-            </a:r>
-            <a:r>
-              <a:rPr lang="en-US" dirty="0">
-                <a:latin typeface="Verdana Regular" charset="0"/>
-              </a:rPr>
-              <a:t> </a:t>
-            </a:r>
-            <a:r>
-              <a:rPr lang="en-US" dirty="0" err="1">
-                <a:latin typeface="Verdana Regular" charset="0"/>
-              </a:rPr>
-              <a:t>maionserum</a:t>
-            </a:r>
-            <a:r>
-              <a:rPr lang="en-US" dirty="0">
-                <a:latin typeface="Verdana Regular" charset="0"/>
-              </a:rPr>
-              <a:t> </a:t>
-            </a:r>
-            <a:r>
-              <a:rPr lang="en-US" dirty="0" err="1">
-                <a:latin typeface="Verdana Regular" charset="0"/>
-              </a:rPr>
-              <a:t>vendaest</a:t>
-            </a:r>
-            <a:r>
-              <a:rPr lang="en-US" dirty="0">
-                <a:latin typeface="Verdana Regular" charset="0"/>
-              </a:rPr>
-              <a:t>.</a:t>
+              <a:t>The </a:t>
+            </a:r>
+            <a:r>
+              <a:rPr lang="en-US" dirty="0" err="1">
+                <a:latin typeface="Verdana Regular" charset="0"/>
+              </a:rPr>
+              <a:t>Aerolyzer</a:t>
+            </a:r>
+            <a:r>
+              <a:rPr lang="en-US" dirty="0">
+                <a:latin typeface="Verdana Regular" charset="0"/>
+              </a:rPr>
+              <a:t> project is aimed to provide users with information about what's in the air they breath. Aerosols can have lasting health effects or even cause more immediate issues for people with asthma. </a:t>
             </a:r>
           </a:p>
           <a:p>
@@ -2722,544 +2266,35 @@
               </a:spcAft>
             </a:pPr>
             <a:r>
-              <a:rPr lang="en-US" dirty="0" err="1">
-                <a:latin typeface="Verdana Regular" charset="0"/>
-              </a:rPr>
-              <a:t>Beremporem</a:t>
-            </a:r>
-            <a:r>
-              <a:rPr lang="en-US" dirty="0">
-                <a:latin typeface="Verdana Regular" charset="0"/>
-              </a:rPr>
-              <a:t> </a:t>
-            </a:r>
-            <a:r>
-              <a:rPr lang="en-US" dirty="0" err="1">
-                <a:latin typeface="Verdana Regular" charset="0"/>
-              </a:rPr>
-              <a:t>quias</a:t>
-            </a:r>
-            <a:r>
-              <a:rPr lang="en-US" dirty="0">
-                <a:latin typeface="Verdana Regular" charset="0"/>
-              </a:rPr>
-              <a:t> is </a:t>
-            </a:r>
-            <a:r>
-              <a:rPr lang="en-US" dirty="0" err="1">
-                <a:latin typeface="Verdana Regular" charset="0"/>
-              </a:rPr>
-              <a:t>eaqui</a:t>
-            </a:r>
-            <a:r>
-              <a:rPr lang="en-US" dirty="0">
-                <a:latin typeface="Verdana Regular" charset="0"/>
-              </a:rPr>
-              <a:t> </a:t>
-            </a:r>
-            <a:r>
-              <a:rPr lang="en-US" dirty="0" err="1">
-                <a:latin typeface="Verdana Regular" charset="0"/>
-              </a:rPr>
-              <a:t>corati</a:t>
-            </a:r>
-            <a:r>
-              <a:rPr lang="en-US" dirty="0">
-                <a:latin typeface="Verdana Regular" charset="0"/>
-              </a:rPr>
-              <a:t> </a:t>
-            </a:r>
-            <a:r>
-              <a:rPr lang="en-US" dirty="0" err="1">
-                <a:latin typeface="Verdana Regular" charset="0"/>
-              </a:rPr>
-              <a:t>epudandaerum</a:t>
-            </a:r>
-            <a:r>
-              <a:rPr lang="en-US" dirty="0">
-                <a:latin typeface="Verdana Regular" charset="0"/>
-              </a:rPr>
-              <a:t> </a:t>
-            </a:r>
-            <a:r>
-              <a:rPr lang="en-US" dirty="0" err="1">
-                <a:latin typeface="Verdana Regular" charset="0"/>
-              </a:rPr>
-              <a:t>volorrum</a:t>
-            </a:r>
-            <a:r>
-              <a:rPr lang="en-US" dirty="0">
-                <a:latin typeface="Verdana Regular" charset="0"/>
-              </a:rPr>
-              <a:t> </a:t>
-            </a:r>
-            <a:r>
-              <a:rPr lang="en-US" dirty="0" err="1">
-                <a:latin typeface="Verdana Regular" charset="0"/>
-              </a:rPr>
-              <a:t>quataerovit</a:t>
-            </a:r>
-            <a:r>
-              <a:rPr lang="en-US" dirty="0">
-                <a:latin typeface="Verdana Regular" charset="0"/>
-              </a:rPr>
-              <a:t>, </a:t>
-            </a:r>
-            <a:r>
-              <a:rPr lang="en-US" dirty="0" err="1">
-                <a:latin typeface="Verdana Regular" charset="0"/>
-              </a:rPr>
-              <a:t>sequunt</a:t>
-            </a:r>
-            <a:r>
-              <a:rPr lang="en-US" dirty="0">
-                <a:latin typeface="Verdana Regular" charset="0"/>
-              </a:rPr>
-              <a:t>, </a:t>
-            </a:r>
-            <a:r>
-              <a:rPr lang="en-US" dirty="0" err="1">
-                <a:latin typeface="Verdana Regular" charset="0"/>
-              </a:rPr>
-              <a:t>omnihilia</a:t>
-            </a:r>
-            <a:r>
-              <a:rPr lang="en-US" dirty="0">
-                <a:latin typeface="Verdana Regular" charset="0"/>
-              </a:rPr>
-              <a:t> </a:t>
-            </a:r>
-            <a:r>
-              <a:rPr lang="en-US" dirty="0" err="1">
-                <a:latin typeface="Verdana Regular" charset="0"/>
-              </a:rPr>
-              <a:t>conet</a:t>
-            </a:r>
-            <a:r>
-              <a:rPr lang="en-US" dirty="0">
-                <a:latin typeface="Verdana Regular" charset="0"/>
-              </a:rPr>
-              <a:t> et </a:t>
-            </a:r>
-            <a:r>
-              <a:rPr lang="en-US" dirty="0" err="1">
-                <a:latin typeface="Verdana Regular" charset="0"/>
-              </a:rPr>
-              <a:t>atia</a:t>
-            </a:r>
-            <a:r>
-              <a:rPr lang="en-US" dirty="0">
-                <a:latin typeface="Verdana Regular" charset="0"/>
-              </a:rPr>
-              <a:t> </a:t>
-            </a:r>
-            <a:r>
-              <a:rPr lang="en-US" dirty="0" err="1">
-                <a:latin typeface="Verdana Regular" charset="0"/>
-              </a:rPr>
-              <a:t>num</a:t>
-            </a:r>
-            <a:r>
-              <a:rPr lang="en-US" dirty="0">
-                <a:latin typeface="Verdana Regular" charset="0"/>
-              </a:rPr>
-              <a:t> </a:t>
-            </a:r>
-            <a:r>
-              <a:rPr lang="en-US" dirty="0" err="1">
-                <a:latin typeface="Verdana Regular" charset="0"/>
-              </a:rPr>
-              <a:t>sinciis</a:t>
-            </a:r>
-            <a:r>
-              <a:rPr lang="en-US" dirty="0">
-                <a:latin typeface="Verdana Regular" charset="0"/>
-              </a:rPr>
-              <a:t> re </a:t>
-            </a:r>
-            <a:r>
-              <a:rPr lang="en-US" dirty="0" err="1">
-                <a:latin typeface="Verdana Regular" charset="0"/>
-              </a:rPr>
-              <a:t>nam</a:t>
-            </a:r>
-            <a:r>
-              <a:rPr lang="en-US" dirty="0">
-                <a:latin typeface="Verdana Regular" charset="0"/>
-              </a:rPr>
-              <a:t> quid </a:t>
-            </a:r>
-            <a:r>
-              <a:rPr lang="en-US" dirty="0" err="1">
-                <a:latin typeface="Verdana Regular" charset="0"/>
-              </a:rPr>
-              <a:t>eos</a:t>
-            </a:r>
-            <a:r>
-              <a:rPr lang="en-US" dirty="0">
-                <a:latin typeface="Verdana Regular" charset="0"/>
-              </a:rPr>
-              <a:t> ex </a:t>
-            </a:r>
-            <a:r>
-              <a:rPr lang="en-US" dirty="0" err="1">
-                <a:latin typeface="Verdana Regular" charset="0"/>
-              </a:rPr>
-              <a:t>inctist</a:t>
-            </a:r>
-            <a:r>
-              <a:rPr lang="en-US" dirty="0">
-                <a:latin typeface="Verdana Regular" charset="0"/>
-              </a:rPr>
-              <a:t>, </a:t>
-            </a:r>
-            <a:r>
-              <a:rPr lang="en-US" dirty="0" err="1">
-                <a:latin typeface="Verdana Regular" charset="0"/>
-              </a:rPr>
-              <a:t>santota</a:t>
-            </a:r>
-            <a:r>
-              <a:rPr lang="en-US" dirty="0">
-                <a:latin typeface="Verdana Regular" charset="0"/>
-              </a:rPr>
-              <a:t> </a:t>
-            </a:r>
-            <a:r>
-              <a:rPr lang="en-US" dirty="0" err="1">
-                <a:latin typeface="Verdana Regular" charset="0"/>
-              </a:rPr>
-              <a:t>tinctur</a:t>
-            </a:r>
-            <a:r>
-              <a:rPr lang="en-US" dirty="0">
-                <a:latin typeface="Verdana Regular" charset="0"/>
-              </a:rPr>
-              <a:t> </a:t>
-            </a:r>
-            <a:r>
-              <a:rPr lang="en-US" dirty="0" err="1">
-                <a:latin typeface="Verdana Regular" charset="0"/>
-              </a:rPr>
-              <a:t>endessitio</a:t>
-            </a:r>
-            <a:r>
-              <a:rPr lang="en-US" dirty="0">
-                <a:latin typeface="Verdana Regular" charset="0"/>
-              </a:rPr>
-              <a:t> </a:t>
-            </a:r>
-            <a:r>
-              <a:rPr lang="en-US" dirty="0" err="1">
-                <a:latin typeface="Verdana Regular" charset="0"/>
-              </a:rPr>
-              <a:t>estion</a:t>
-            </a:r>
-            <a:r>
-              <a:rPr lang="en-US" dirty="0">
-                <a:latin typeface="Verdana Regular" charset="0"/>
-              </a:rPr>
-              <a:t> </a:t>
-            </a:r>
-            <a:r>
-              <a:rPr lang="en-US" dirty="0" err="1">
-                <a:latin typeface="Verdana Regular" charset="0"/>
-              </a:rPr>
-              <a:t>perempo</a:t>
-            </a:r>
-            <a:r>
-              <a:rPr lang="en-US" dirty="0">
-                <a:latin typeface="Verdana Regular" charset="0"/>
-              </a:rPr>
-              <a:t> </a:t>
-            </a:r>
-            <a:r>
-              <a:rPr lang="en-US" dirty="0" err="1">
-                <a:latin typeface="Verdana Regular" charset="0"/>
-              </a:rPr>
-              <a:t>reptatibus</a:t>
-            </a:r>
-            <a:r>
-              <a:rPr lang="en-US" dirty="0">
-                <a:latin typeface="Verdana Regular" charset="0"/>
-              </a:rPr>
-              <a:t>, id </a:t>
-            </a:r>
-            <a:r>
-              <a:rPr lang="en-US" dirty="0" err="1">
-                <a:latin typeface="Verdana Regular" charset="0"/>
-              </a:rPr>
-              <a:t>ut</a:t>
-            </a:r>
-            <a:r>
-              <a:rPr lang="en-US" dirty="0">
-                <a:latin typeface="Verdana Regular" charset="0"/>
-              </a:rPr>
-              <a:t> </a:t>
-            </a:r>
-            <a:r>
-              <a:rPr lang="en-US" dirty="0" err="1">
-                <a:latin typeface="Verdana Regular" charset="0"/>
-              </a:rPr>
-              <a:t>vernatur</a:t>
-            </a:r>
-            <a:r>
-              <a:rPr lang="en-US" dirty="0">
-                <a:latin typeface="Verdana Regular" charset="0"/>
-              </a:rPr>
-              <a:t> </a:t>
-            </a:r>
-            <a:r>
-              <a:rPr lang="en-US" dirty="0" err="1">
-                <a:latin typeface="Verdana Regular" charset="0"/>
-              </a:rPr>
-              <a:t>sunt</a:t>
-            </a:r>
-            <a:r>
-              <a:rPr lang="en-US" dirty="0">
-                <a:latin typeface="Verdana Regular" charset="0"/>
-              </a:rPr>
-              <a:t> </a:t>
-            </a:r>
-            <a:r>
-              <a:rPr lang="en-US" dirty="0" err="1">
-                <a:latin typeface="Verdana Regular" charset="0"/>
-              </a:rPr>
-              <a:t>mos</a:t>
-            </a:r>
-            <a:r>
-              <a:rPr lang="en-US" dirty="0">
-                <a:latin typeface="Verdana Regular" charset="0"/>
-              </a:rPr>
-              <a:t> </a:t>
-            </a:r>
-            <a:r>
-              <a:rPr lang="en-US" dirty="0" err="1">
-                <a:latin typeface="Verdana Regular" charset="0"/>
-              </a:rPr>
-              <a:t>mosam</a:t>
-            </a:r>
-            <a:r>
-              <a:rPr lang="en-US" dirty="0">
-                <a:latin typeface="Verdana Regular" charset="0"/>
-              </a:rPr>
-              <a:t> </a:t>
-            </a:r>
-            <a:r>
-              <a:rPr lang="en-US" dirty="0" err="1">
-                <a:latin typeface="Verdana Regular" charset="0"/>
-              </a:rPr>
-              <a:t>inihilissit</a:t>
-            </a:r>
-            <a:r>
-              <a:rPr lang="en-US" dirty="0">
-                <a:latin typeface="Verdana Regular" charset="0"/>
-              </a:rPr>
-              <a:t> quo con </a:t>
-            </a:r>
-            <a:r>
-              <a:rPr lang="en-US" dirty="0" err="1">
-                <a:latin typeface="Verdana Regular" charset="0"/>
-              </a:rPr>
-              <a:t>nos</a:t>
-            </a:r>
-            <a:r>
-              <a:rPr lang="en-US" dirty="0">
-                <a:latin typeface="Verdana Regular" charset="0"/>
-              </a:rPr>
-              <a:t> </a:t>
-            </a:r>
-            <a:r>
-              <a:rPr lang="en-US" dirty="0" err="1">
-                <a:latin typeface="Verdana Regular" charset="0"/>
-              </a:rPr>
-              <a:t>rempore</a:t>
-            </a:r>
-            <a:r>
-              <a:rPr lang="en-US" dirty="0">
-                <a:latin typeface="Verdana Regular" charset="0"/>
-              </a:rPr>
-              <a:t>, core </a:t>
-            </a:r>
-            <a:r>
-              <a:rPr lang="en-US" dirty="0" err="1">
-                <a:latin typeface="Verdana Regular" charset="0"/>
-              </a:rPr>
-              <a:t>corrovit</a:t>
-            </a:r>
-            <a:r>
-              <a:rPr lang="en-US" dirty="0">
-                <a:latin typeface="Verdana Regular" charset="0"/>
-              </a:rPr>
-              <a:t> </a:t>
-            </a:r>
-            <a:r>
-              <a:rPr lang="en-US" dirty="0" err="1">
-                <a:latin typeface="Verdana Regular" charset="0"/>
-              </a:rPr>
-              <a:t>aut</a:t>
-            </a:r>
-            <a:r>
-              <a:rPr lang="en-US" dirty="0">
-                <a:latin typeface="Verdana Regular" charset="0"/>
-              </a:rPr>
-              <a:t> </a:t>
-            </a:r>
-            <a:r>
-              <a:rPr lang="en-US" dirty="0" err="1">
-                <a:latin typeface="Verdana Regular" charset="0"/>
-              </a:rPr>
-              <a:t>ipsantiunt</a:t>
-            </a:r>
-            <a:r>
-              <a:rPr lang="en-US" dirty="0">
-                <a:latin typeface="Verdana Regular" charset="0"/>
-              </a:rPr>
-              <a:t> </a:t>
-            </a:r>
-            <a:r>
-              <a:rPr lang="en-US" dirty="0" err="1">
-                <a:latin typeface="Verdana Regular" charset="0"/>
-              </a:rPr>
-              <a:t>velit</a:t>
-            </a:r>
-            <a:r>
-              <a:rPr lang="en-US" dirty="0">
-                <a:latin typeface="Verdana Regular" charset="0"/>
-              </a:rPr>
-              <a:t> </a:t>
-            </a:r>
-            <a:r>
-              <a:rPr lang="en-US" dirty="0" err="1">
-                <a:latin typeface="Verdana Regular" charset="0"/>
-              </a:rPr>
-              <a:t>quas</a:t>
-            </a:r>
-            <a:r>
-              <a:rPr lang="en-US" dirty="0">
-                <a:latin typeface="Verdana Regular" charset="0"/>
-              </a:rPr>
-              <a:t> </a:t>
-            </a:r>
-            <a:r>
-              <a:rPr lang="en-US" dirty="0" err="1">
-                <a:latin typeface="Verdana Regular" charset="0"/>
-              </a:rPr>
-              <a:t>ipsant</a:t>
-            </a:r>
-            <a:r>
-              <a:rPr lang="en-US" dirty="0">
-                <a:latin typeface="Verdana Regular" charset="0"/>
-              </a:rPr>
-              <a:t>, </a:t>
-            </a:r>
-            <a:r>
-              <a:rPr lang="en-US" dirty="0" err="1">
-                <a:latin typeface="Verdana Regular" charset="0"/>
-              </a:rPr>
-              <a:t>consenis</a:t>
-            </a:r>
-            <a:r>
-              <a:rPr lang="en-US" dirty="0">
-                <a:latin typeface="Verdana Regular" charset="0"/>
-              </a:rPr>
-              <a:t> </a:t>
-            </a:r>
-            <a:r>
-              <a:rPr lang="en-US" dirty="0" err="1">
-                <a:latin typeface="Verdana Regular" charset="0"/>
-              </a:rPr>
-              <a:t>audis</a:t>
-            </a:r>
-            <a:r>
-              <a:rPr lang="en-US" dirty="0">
-                <a:latin typeface="Verdana Regular" charset="0"/>
-              </a:rPr>
-              <a:t> as </a:t>
-            </a:r>
-            <a:r>
-              <a:rPr lang="en-US" dirty="0" err="1">
-                <a:latin typeface="Verdana Regular" charset="0"/>
-              </a:rPr>
-              <a:t>por</a:t>
-            </a:r>
-            <a:r>
-              <a:rPr lang="en-US" dirty="0">
-                <a:latin typeface="Verdana Regular" charset="0"/>
-              </a:rPr>
-              <a:t> sit, </a:t>
-            </a:r>
-            <a:r>
-              <a:rPr lang="en-US" dirty="0" err="1">
-                <a:latin typeface="Verdana Regular" charset="0"/>
-              </a:rPr>
-              <a:t>quaeped</a:t>
-            </a:r>
-            <a:r>
-              <a:rPr lang="en-US" dirty="0">
-                <a:latin typeface="Verdana Regular" charset="0"/>
-              </a:rPr>
-              <a:t> </a:t>
-            </a:r>
-            <a:r>
-              <a:rPr lang="en-US" dirty="0" err="1">
-                <a:latin typeface="Verdana Regular" charset="0"/>
-              </a:rPr>
-              <a:t>ionsequia</a:t>
-            </a:r>
-            <a:r>
-              <a:rPr lang="en-US" dirty="0">
-                <a:latin typeface="Verdana Regular" charset="0"/>
-              </a:rPr>
-              <a:t> </a:t>
-            </a:r>
-            <a:r>
-              <a:rPr lang="en-US" dirty="0" err="1">
-                <a:latin typeface="Verdana Regular" charset="0"/>
-              </a:rPr>
-              <a:t>vel</a:t>
-            </a:r>
-            <a:r>
-              <a:rPr lang="en-US" dirty="0">
-                <a:latin typeface="Verdana Regular" charset="0"/>
-              </a:rPr>
-              <a:t> </a:t>
-            </a:r>
-            <a:r>
-              <a:rPr lang="en-US" dirty="0" err="1">
-                <a:latin typeface="Verdana Regular" charset="0"/>
-              </a:rPr>
-              <a:t>estibus</a:t>
-            </a:r>
-            <a:r>
-              <a:rPr lang="en-US" dirty="0">
-                <a:latin typeface="Verdana Regular" charset="0"/>
-              </a:rPr>
-              <a:t> </a:t>
-            </a:r>
-            <a:r>
-              <a:rPr lang="en-US" dirty="0" err="1">
-                <a:latin typeface="Verdana Regular" charset="0"/>
-              </a:rPr>
-              <a:t>estiusam</a:t>
-            </a:r>
-            <a:r>
-              <a:rPr lang="en-US" dirty="0">
-                <a:latin typeface="Verdana Regular" charset="0"/>
-              </a:rPr>
-              <a:t> </a:t>
-            </a:r>
-            <a:r>
-              <a:rPr lang="en-US" dirty="0" err="1">
-                <a:latin typeface="Verdana Regular" charset="0"/>
-              </a:rPr>
-              <a:t>il</a:t>
-            </a:r>
-            <a:r>
-              <a:rPr lang="en-US" dirty="0">
-                <a:latin typeface="Verdana Regular" charset="0"/>
-              </a:rPr>
-              <a:t>.</a:t>
+              <a:rPr lang="en-US" dirty="0">
+                <a:latin typeface="Verdana Regular" charset="0"/>
+              </a:rPr>
+              <a:t>About 10% of Aerosols are man made while the other 90% of aerosols are from natural sources, like volcanic eruptions, sea salt, or mineral dust. Natural Aerosols are generally larger particles than anthropogenic aerosols.</a:t>
+            </a:r>
+          </a:p>
+          <a:p>
+            <a:pPr>
+              <a:spcAft>
+                <a:spcPts val="2600"/>
+              </a:spcAft>
+            </a:pPr>
+            <a:r>
+              <a:rPr lang="en-US" dirty="0">
+                <a:latin typeface="Verdana Regular" charset="0"/>
+              </a:rPr>
+              <a:t>Since humans can't typically see aerosols with our naked eye, </a:t>
+            </a:r>
+            <a:r>
+              <a:rPr lang="en-US" dirty="0" err="1">
+                <a:latin typeface="Verdana Regular" charset="0"/>
+              </a:rPr>
+              <a:t>Aerolyzer</a:t>
+            </a:r>
+            <a:r>
+              <a:rPr lang="en-US" dirty="0">
+                <a:latin typeface="Verdana Regular" charset="0"/>
+              </a:rPr>
+              <a:t> analyzes the effect that aerosols have on sunrises and sunsets. When the sun is close to the horizon, the light from the sun has a higher likelihood to pass by or collide with aerosols. Aerosols can more effectively scatter light of shorter wavelengths which results in the more red light passing through.</a:t>
             </a:r>
           </a:p>
         </p:txBody>
@@ -3274,7 +2309,7 @@
         </p:nvSpPr>
         <p:spPr>
           <a:xfrm>
-            <a:off x="22463903" y="23094644"/>
+            <a:off x="22422976" y="22809742"/>
             <a:ext cx="9418320" cy="677108"/>
           </a:xfrm>
           <a:prstGeom prst="rect">
@@ -3472,7 +2507,7 @@
         </p:nvSpPr>
         <p:spPr>
           <a:xfrm>
-            <a:off x="22463903" y="24061092"/>
+            <a:off x="22417891" y="23944056"/>
             <a:ext cx="9418320" cy="7873950"/>
           </a:xfrm>
           <a:prstGeom prst="rect">

--- a/Poster/poster_undergrad_expo_48x36_eecs.pptx
+++ b/Poster/poster_undergrad_expo_48x36_eecs.pptx
@@ -1828,7 +1828,12 @@
             <p:ph type="pic" sz="quarter" idx="10"/>
           </p:nvPr>
         </p:nvSpPr>
-        <p:spPr/>
+        <p:spPr>
+          <a:xfrm>
+            <a:off x="12304713" y="9976466"/>
+            <a:ext cx="19243675" cy="12045642"/>
+          </a:xfrm>
+        </p:spPr>
       </p:sp>
       <p:sp>
         <p:nvSpPr>
@@ -2492,7 +2497,7 @@
                 </a:solidFill>
                 <a:latin typeface="Verdana Regular" charset="0"/>
               </a:rPr>
-              <a:t>Results and Conclusion</a:t>
+              <a:t>Results</a:t>
             </a:r>
           </a:p>
         </p:txBody>
@@ -4798,7 +4803,7 @@
         <p:spPr>
           <a:xfrm>
             <a:off x="33716912" y="14141317"/>
-            <a:ext cx="8126412" cy="14311610"/>
+            <a:ext cx="8126412" cy="5129609"/>
           </a:xfrm>
           <a:prstGeom prst="rect">
             <a:avLst/>
@@ -5603,946 +5608,6 @@
                 <a:latin typeface="Verdana Regular" charset="0"/>
               </a:rPr>
               <a:t>.</a:t>
-            </a:r>
-          </a:p>
-          <a:p>
-            <a:pPr>
-              <a:spcAft>
-                <a:spcPts val="2600"/>
-              </a:spcAft>
-            </a:pPr>
-            <a:r>
-              <a:rPr lang="en-US" dirty="0" err="1">
-                <a:latin typeface="Verdana Regular" charset="0"/>
-              </a:rPr>
-              <a:t>Ut</a:t>
-            </a:r>
-            <a:r>
-              <a:rPr lang="en-US" dirty="0">
-                <a:latin typeface="Verdana Regular" charset="0"/>
-              </a:rPr>
-              <a:t> </a:t>
-            </a:r>
-            <a:r>
-              <a:rPr lang="en-US" dirty="0" err="1">
-                <a:latin typeface="Verdana Regular" charset="0"/>
-              </a:rPr>
-              <a:t>volore</a:t>
-            </a:r>
-            <a:r>
-              <a:rPr lang="en-US" dirty="0">
-                <a:latin typeface="Verdana Regular" charset="0"/>
-              </a:rPr>
-              <a:t> </a:t>
-            </a:r>
-            <a:r>
-              <a:rPr lang="en-US" dirty="0" err="1">
-                <a:latin typeface="Verdana Regular" charset="0"/>
-              </a:rPr>
-              <a:t>secuptio</a:t>
-            </a:r>
-            <a:r>
-              <a:rPr lang="en-US" dirty="0">
-                <a:latin typeface="Verdana Regular" charset="0"/>
-              </a:rPr>
-              <a:t> </a:t>
-            </a:r>
-            <a:r>
-              <a:rPr lang="en-US" dirty="0" err="1">
-                <a:latin typeface="Verdana Regular" charset="0"/>
-              </a:rPr>
-              <a:t>es</a:t>
-            </a:r>
-            <a:r>
-              <a:rPr lang="en-US" dirty="0">
-                <a:latin typeface="Verdana Regular" charset="0"/>
-              </a:rPr>
-              <a:t> rem </a:t>
-            </a:r>
-            <a:r>
-              <a:rPr lang="en-US" dirty="0" err="1">
-                <a:latin typeface="Verdana Regular" charset="0"/>
-              </a:rPr>
-              <a:t>rerati</a:t>
-            </a:r>
-            <a:r>
-              <a:rPr lang="en-US" dirty="0">
-                <a:latin typeface="Verdana Regular" charset="0"/>
-              </a:rPr>
-              <a:t> </a:t>
-            </a:r>
-            <a:r>
-              <a:rPr lang="en-US" dirty="0" err="1">
-                <a:latin typeface="Verdana Regular" charset="0"/>
-              </a:rPr>
-              <a:t>volor</a:t>
-            </a:r>
-            <a:r>
-              <a:rPr lang="en-US" dirty="0">
-                <a:latin typeface="Verdana Regular" charset="0"/>
-              </a:rPr>
-              <a:t> </a:t>
-            </a:r>
-            <a:r>
-              <a:rPr lang="en-US" dirty="0" err="1">
-                <a:latin typeface="Verdana Regular" charset="0"/>
-              </a:rPr>
-              <a:t>atem</a:t>
-            </a:r>
-            <a:r>
-              <a:rPr lang="en-US" dirty="0">
-                <a:latin typeface="Verdana Regular" charset="0"/>
-              </a:rPr>
-              <a:t> </a:t>
-            </a:r>
-            <a:r>
-              <a:rPr lang="en-US" dirty="0" err="1">
-                <a:latin typeface="Verdana Regular" charset="0"/>
-              </a:rPr>
-              <a:t>lic</a:t>
-            </a:r>
-            <a:r>
-              <a:rPr lang="en-US" dirty="0">
-                <a:latin typeface="Verdana Regular" charset="0"/>
-              </a:rPr>
-              <a:t> </a:t>
-            </a:r>
-            <a:r>
-              <a:rPr lang="en-US" dirty="0" err="1">
-                <a:latin typeface="Verdana Regular" charset="0"/>
-              </a:rPr>
-              <a:t>te</a:t>
-            </a:r>
-            <a:r>
-              <a:rPr lang="en-US" dirty="0">
-                <a:latin typeface="Verdana Regular" charset="0"/>
-              </a:rPr>
-              <a:t> </a:t>
-            </a:r>
-            <a:r>
-              <a:rPr lang="en-US" dirty="0" err="1">
-                <a:latin typeface="Verdana Regular" charset="0"/>
-              </a:rPr>
-              <a:t>voloria</a:t>
-            </a:r>
-            <a:r>
-              <a:rPr lang="en-US" dirty="0">
-                <a:latin typeface="Verdana Regular" charset="0"/>
-              </a:rPr>
-              <a:t> qui </a:t>
-            </a:r>
-            <a:r>
-              <a:rPr lang="en-US" dirty="0" err="1">
-                <a:latin typeface="Verdana Regular" charset="0"/>
-              </a:rPr>
-              <a:t>simporest</a:t>
-            </a:r>
-            <a:r>
-              <a:rPr lang="en-US" dirty="0">
-                <a:latin typeface="Verdana Regular" charset="0"/>
-              </a:rPr>
-              <a:t> </a:t>
-            </a:r>
-            <a:r>
-              <a:rPr lang="en-US" dirty="0" err="1">
-                <a:latin typeface="Verdana Regular" charset="0"/>
-              </a:rPr>
-              <a:t>doluptat</a:t>
-            </a:r>
-            <a:r>
-              <a:rPr lang="en-US" dirty="0">
-                <a:latin typeface="Verdana Regular" charset="0"/>
-              </a:rPr>
-              <a:t> </a:t>
-            </a:r>
-            <a:r>
-              <a:rPr lang="en-US" dirty="0" err="1">
-                <a:latin typeface="Verdana Regular" charset="0"/>
-              </a:rPr>
-              <a:t>etur</a:t>
-            </a:r>
-            <a:r>
-              <a:rPr lang="en-US" dirty="0">
-                <a:latin typeface="Verdana Regular" charset="0"/>
-              </a:rPr>
-              <a:t>? </a:t>
-            </a:r>
-            <a:r>
-              <a:rPr lang="en-US" dirty="0" err="1">
-                <a:latin typeface="Verdana Regular" charset="0"/>
-              </a:rPr>
-              <a:t>Alignit</a:t>
-            </a:r>
-            <a:r>
-              <a:rPr lang="en-US" dirty="0">
-                <a:latin typeface="Verdana Regular" charset="0"/>
-              </a:rPr>
-              <a:t> </a:t>
-            </a:r>
-            <a:r>
-              <a:rPr lang="en-US" dirty="0" err="1">
-                <a:latin typeface="Verdana Regular" charset="0"/>
-              </a:rPr>
-              <a:t>volorae</a:t>
-            </a:r>
-            <a:r>
-              <a:rPr lang="en-US" dirty="0">
-                <a:latin typeface="Verdana Regular" charset="0"/>
-              </a:rPr>
-              <a:t> </a:t>
-            </a:r>
-            <a:r>
-              <a:rPr lang="en-US" dirty="0" err="1">
-                <a:latin typeface="Verdana Regular" charset="0"/>
-              </a:rPr>
-              <a:t>venimai</a:t>
-            </a:r>
-            <a:r>
-              <a:rPr lang="en-US" dirty="0">
-                <a:latin typeface="Verdana Regular" charset="0"/>
-              </a:rPr>
-              <a:t> </a:t>
-            </a:r>
-            <a:r>
-              <a:rPr lang="en-US" dirty="0" err="1">
-                <a:latin typeface="Verdana Regular" charset="0"/>
-              </a:rPr>
-              <a:t>onsequame</a:t>
-            </a:r>
-            <a:r>
-              <a:rPr lang="en-US" dirty="0">
-                <a:latin typeface="Verdana Regular" charset="0"/>
-              </a:rPr>
-              <a:t> </a:t>
-            </a:r>
-            <a:r>
-              <a:rPr lang="en-US" dirty="0" err="1">
-                <a:latin typeface="Verdana Regular" charset="0"/>
-              </a:rPr>
-              <a:t>odipitatur</a:t>
-            </a:r>
-            <a:r>
-              <a:rPr lang="en-US" dirty="0">
-                <a:latin typeface="Verdana Regular" charset="0"/>
-              </a:rPr>
-              <a:t> </a:t>
-            </a:r>
-            <a:r>
-              <a:rPr lang="en-US" dirty="0" err="1">
-                <a:latin typeface="Verdana Regular" charset="0"/>
-              </a:rPr>
-              <a:t>sequosa</a:t>
-            </a:r>
-            <a:r>
-              <a:rPr lang="en-US" dirty="0">
-                <a:latin typeface="Verdana Regular" charset="0"/>
-              </a:rPr>
-              <a:t> </a:t>
-            </a:r>
-            <a:r>
-              <a:rPr lang="en-US" dirty="0" err="1">
-                <a:latin typeface="Verdana Regular" charset="0"/>
-              </a:rPr>
-              <a:t>ntiste</a:t>
-            </a:r>
-            <a:r>
-              <a:rPr lang="en-US" dirty="0">
-                <a:latin typeface="Verdana Regular" charset="0"/>
-              </a:rPr>
-              <a:t> </a:t>
-            </a:r>
-            <a:r>
-              <a:rPr lang="en-US" dirty="0" err="1">
-                <a:latin typeface="Verdana Regular" charset="0"/>
-              </a:rPr>
-              <a:t>ea</a:t>
-            </a:r>
-            <a:r>
-              <a:rPr lang="en-US" dirty="0">
-                <a:latin typeface="Verdana Regular" charset="0"/>
-              </a:rPr>
-              <a:t> id que </a:t>
-            </a:r>
-            <a:r>
-              <a:rPr lang="en-US" dirty="0" err="1">
-                <a:latin typeface="Verdana Regular" charset="0"/>
-              </a:rPr>
-              <a:t>ipsam</a:t>
-            </a:r>
-            <a:r>
-              <a:rPr lang="en-US" dirty="0">
-                <a:latin typeface="Verdana Regular" charset="0"/>
-              </a:rPr>
-              <a:t>, </a:t>
-            </a:r>
-            <a:r>
-              <a:rPr lang="en-US" dirty="0" err="1">
-                <a:latin typeface="Verdana Regular" charset="0"/>
-              </a:rPr>
-              <a:t>omniaed</a:t>
-            </a:r>
-            <a:r>
-              <a:rPr lang="en-US" dirty="0">
-                <a:latin typeface="Verdana Regular" charset="0"/>
-              </a:rPr>
-              <a:t> et </a:t>
-            </a:r>
-            <a:r>
-              <a:rPr lang="en-US" dirty="0" err="1">
-                <a:latin typeface="Verdana Regular" charset="0"/>
-              </a:rPr>
-              <a:t>offictus</a:t>
-            </a:r>
-            <a:r>
-              <a:rPr lang="en-US" dirty="0">
-                <a:latin typeface="Verdana Regular" charset="0"/>
-              </a:rPr>
-              <a:t> </a:t>
-            </a:r>
-            <a:r>
-              <a:rPr lang="en-US" dirty="0" err="1">
-                <a:latin typeface="Verdana Regular" charset="0"/>
-              </a:rPr>
-              <a:t>moluptiis</a:t>
-            </a:r>
-            <a:r>
-              <a:rPr lang="en-US" dirty="0">
-                <a:latin typeface="Verdana Regular" charset="0"/>
-              </a:rPr>
-              <a:t> et </a:t>
-            </a:r>
-            <a:r>
-              <a:rPr lang="en-US" dirty="0" err="1">
-                <a:latin typeface="Verdana Regular" charset="0"/>
-              </a:rPr>
-              <a:t>ius</a:t>
-            </a:r>
-            <a:r>
-              <a:rPr lang="en-US" dirty="0">
-                <a:latin typeface="Verdana Regular" charset="0"/>
-              </a:rPr>
-              <a:t>.</a:t>
-            </a:r>
-          </a:p>
-          <a:p>
-            <a:pPr>
-              <a:spcAft>
-                <a:spcPts val="2600"/>
-              </a:spcAft>
-            </a:pPr>
-            <a:r>
-              <a:rPr lang="en-US" dirty="0">
-                <a:latin typeface="Verdana Regular" charset="0"/>
-              </a:rPr>
-              <a:t>Qui </a:t>
-            </a:r>
-            <a:r>
-              <a:rPr lang="en-US" dirty="0" err="1">
-                <a:latin typeface="Verdana Regular" charset="0"/>
-              </a:rPr>
-              <a:t>archili</a:t>
-            </a:r>
-            <a:r>
-              <a:rPr lang="en-US" dirty="0">
-                <a:latin typeface="Verdana Regular" charset="0"/>
-              </a:rPr>
-              <a:t> </a:t>
-            </a:r>
-            <a:r>
-              <a:rPr lang="en-US" dirty="0" err="1">
-                <a:latin typeface="Verdana Regular" charset="0"/>
-              </a:rPr>
-              <a:t>busdae</a:t>
-            </a:r>
-            <a:r>
-              <a:rPr lang="en-US" dirty="0">
-                <a:latin typeface="Verdana Regular" charset="0"/>
-              </a:rPr>
-              <a:t> </a:t>
-            </a:r>
-            <a:r>
-              <a:rPr lang="en-US" dirty="0" err="1">
-                <a:latin typeface="Verdana Regular" charset="0"/>
-              </a:rPr>
-              <a:t>exere</a:t>
-            </a:r>
-            <a:r>
-              <a:rPr lang="en-US" dirty="0">
-                <a:latin typeface="Verdana Regular" charset="0"/>
-              </a:rPr>
-              <a:t> </a:t>
-            </a:r>
-            <a:r>
-              <a:rPr lang="en-US" dirty="0" err="1">
-                <a:latin typeface="Verdana Regular" charset="0"/>
-              </a:rPr>
-              <a:t>quias</a:t>
-            </a:r>
-            <a:r>
-              <a:rPr lang="en-US" dirty="0">
-                <a:latin typeface="Verdana Regular" charset="0"/>
-              </a:rPr>
-              <a:t> </a:t>
-            </a:r>
-            <a:r>
-              <a:rPr lang="en-US" dirty="0" err="1">
-                <a:latin typeface="Verdana Regular" charset="0"/>
-              </a:rPr>
-              <a:t>essum</a:t>
-            </a:r>
-            <a:r>
-              <a:rPr lang="en-US" dirty="0">
-                <a:latin typeface="Verdana Regular" charset="0"/>
-              </a:rPr>
-              <a:t> </a:t>
-            </a:r>
-            <a:r>
-              <a:rPr lang="en-US" dirty="0" err="1">
-                <a:latin typeface="Verdana Regular" charset="0"/>
-              </a:rPr>
-              <a:t>fugiand</a:t>
-            </a:r>
-            <a:r>
-              <a:rPr lang="en-US" dirty="0">
-                <a:latin typeface="Verdana Regular" charset="0"/>
-              </a:rPr>
-              <a:t> </a:t>
-            </a:r>
-            <a:r>
-              <a:rPr lang="en-US" dirty="0" err="1">
-                <a:latin typeface="Verdana Regular" charset="0"/>
-              </a:rPr>
-              <a:t>itisquo</a:t>
-            </a:r>
-            <a:r>
-              <a:rPr lang="en-US" dirty="0">
-                <a:latin typeface="Verdana Regular" charset="0"/>
-              </a:rPr>
-              <a:t> </a:t>
-            </a:r>
-            <a:r>
-              <a:rPr lang="en-US" dirty="0" err="1">
-                <a:latin typeface="Verdana Regular" charset="0"/>
-              </a:rPr>
-              <a:t>occulla</a:t>
-            </a:r>
-            <a:r>
-              <a:rPr lang="en-US" dirty="0">
-                <a:latin typeface="Verdana Regular" charset="0"/>
-              </a:rPr>
-              <a:t> </a:t>
-            </a:r>
-            <a:r>
-              <a:rPr lang="en-US" dirty="0" err="1">
-                <a:latin typeface="Verdana Regular" charset="0"/>
-              </a:rPr>
-              <a:t>utendi</a:t>
-            </a:r>
-            <a:r>
-              <a:rPr lang="en-US" dirty="0">
-                <a:latin typeface="Verdana Regular" charset="0"/>
-              </a:rPr>
-              <a:t> </a:t>
-            </a:r>
-            <a:r>
-              <a:rPr lang="en-US" dirty="0" err="1">
-                <a:latin typeface="Verdana Regular" charset="0"/>
-              </a:rPr>
-              <a:t>autaquo</a:t>
-            </a:r>
-            <a:r>
-              <a:rPr lang="en-US" dirty="0">
-                <a:latin typeface="Verdana Regular" charset="0"/>
-              </a:rPr>
-              <a:t> </a:t>
-            </a:r>
-            <a:r>
-              <a:rPr lang="en-US" dirty="0" err="1">
-                <a:latin typeface="Verdana Regular" charset="0"/>
-              </a:rPr>
-              <a:t>doluptu</a:t>
-            </a:r>
-            <a:r>
-              <a:rPr lang="en-US" dirty="0">
-                <a:latin typeface="Verdana Regular" charset="0"/>
-              </a:rPr>
-              <a:t> </a:t>
-            </a:r>
-            <a:r>
-              <a:rPr lang="en-US" dirty="0" err="1">
-                <a:latin typeface="Verdana Regular" charset="0"/>
-              </a:rPr>
-              <a:t>stotate</a:t>
-            </a:r>
-            <a:r>
-              <a:rPr lang="en-US" dirty="0">
-                <a:latin typeface="Verdana Regular" charset="0"/>
-              </a:rPr>
-              <a:t> pre </a:t>
-            </a:r>
-            <a:r>
-              <a:rPr lang="en-US" dirty="0" err="1">
-                <a:latin typeface="Verdana Regular" charset="0"/>
-              </a:rPr>
-              <a:t>poris</a:t>
-            </a:r>
-            <a:r>
-              <a:rPr lang="en-US" dirty="0">
-                <a:latin typeface="Verdana Regular" charset="0"/>
-              </a:rPr>
-              <a:t> </a:t>
-            </a:r>
-            <a:r>
-              <a:rPr lang="en-US" dirty="0" err="1">
-                <a:latin typeface="Verdana Regular" charset="0"/>
-              </a:rPr>
-              <a:t>diciumqui</a:t>
-            </a:r>
-            <a:r>
-              <a:rPr lang="en-US" dirty="0">
-                <a:latin typeface="Verdana Regular" charset="0"/>
-              </a:rPr>
-              <a:t> </a:t>
-            </a:r>
-            <a:r>
-              <a:rPr lang="en-US" dirty="0" err="1">
-                <a:latin typeface="Verdana Regular" charset="0"/>
-              </a:rPr>
-              <a:t>officipsapic</a:t>
-            </a:r>
-            <a:r>
-              <a:rPr lang="en-US" dirty="0">
-                <a:latin typeface="Verdana Regular" charset="0"/>
-              </a:rPr>
-              <a:t> to </a:t>
-            </a:r>
-            <a:r>
-              <a:rPr lang="en-US" dirty="0" err="1">
-                <a:latin typeface="Verdana Regular" charset="0"/>
-              </a:rPr>
-              <a:t>modi</a:t>
-            </a:r>
-            <a:r>
-              <a:rPr lang="en-US" dirty="0">
-                <a:latin typeface="Verdana Regular" charset="0"/>
-              </a:rPr>
-              <a:t> quos </a:t>
-            </a:r>
-            <a:r>
-              <a:rPr lang="en-US" dirty="0" err="1">
-                <a:latin typeface="Verdana Regular" charset="0"/>
-              </a:rPr>
-              <a:t>eum</a:t>
-            </a:r>
-            <a:r>
-              <a:rPr lang="en-US" dirty="0">
-                <a:latin typeface="Verdana Regular" charset="0"/>
-              </a:rPr>
-              <a:t> rem sit </a:t>
-            </a:r>
-            <a:r>
-              <a:rPr lang="en-US" dirty="0" err="1">
-                <a:latin typeface="Verdana Regular" charset="0"/>
-              </a:rPr>
-              <a:t>quasse</a:t>
-            </a:r>
-            <a:r>
-              <a:rPr lang="en-US" dirty="0">
-                <a:latin typeface="Verdana Regular" charset="0"/>
-              </a:rPr>
-              <a:t> </a:t>
-            </a:r>
-            <a:r>
-              <a:rPr lang="en-US" dirty="0" err="1">
-                <a:latin typeface="Verdana Regular" charset="0"/>
-              </a:rPr>
-              <a:t>accatur</a:t>
-            </a:r>
-            <a:r>
-              <a:rPr lang="en-US" dirty="0">
-                <a:latin typeface="Verdana Regular" charset="0"/>
-              </a:rPr>
-              <a:t>?</a:t>
-            </a:r>
-          </a:p>
-          <a:p>
-            <a:pPr>
-              <a:spcAft>
-                <a:spcPts val="2600"/>
-              </a:spcAft>
-            </a:pPr>
-            <a:r>
-              <a:rPr lang="en-US" dirty="0">
-                <a:latin typeface="Verdana Regular" charset="0"/>
-              </a:rPr>
-              <a:t>Obis </a:t>
-            </a:r>
-            <a:r>
-              <a:rPr lang="en-US" dirty="0" err="1">
-                <a:latin typeface="Verdana Regular" charset="0"/>
-              </a:rPr>
-              <a:t>erit</a:t>
-            </a:r>
-            <a:r>
-              <a:rPr lang="en-US" dirty="0">
-                <a:latin typeface="Verdana Regular" charset="0"/>
-              </a:rPr>
-              <a:t> </a:t>
-            </a:r>
-            <a:r>
-              <a:rPr lang="en-US" dirty="0" err="1">
-                <a:latin typeface="Verdana Regular" charset="0"/>
-              </a:rPr>
-              <a:t>erianti</a:t>
-            </a:r>
-            <a:r>
-              <a:rPr lang="en-US" dirty="0">
-                <a:latin typeface="Verdana Regular" charset="0"/>
-              </a:rPr>
-              <a:t> debit, </a:t>
-            </a:r>
-            <a:r>
-              <a:rPr lang="en-US" dirty="0" err="1">
-                <a:latin typeface="Verdana Regular" charset="0"/>
-              </a:rPr>
-              <a:t>odi</a:t>
-            </a:r>
-            <a:r>
-              <a:rPr lang="en-US" dirty="0">
-                <a:latin typeface="Verdana Regular" charset="0"/>
-              </a:rPr>
-              <a:t> </a:t>
-            </a:r>
-            <a:r>
-              <a:rPr lang="en-US" dirty="0" err="1">
-                <a:latin typeface="Verdana Regular" charset="0"/>
-              </a:rPr>
-              <a:t>consequate</a:t>
-            </a:r>
-            <a:r>
-              <a:rPr lang="en-US" dirty="0">
-                <a:latin typeface="Verdana Regular" charset="0"/>
-              </a:rPr>
-              <a:t> </a:t>
-            </a:r>
-            <a:r>
-              <a:rPr lang="en-US" dirty="0" err="1">
-                <a:latin typeface="Verdana Regular" charset="0"/>
-              </a:rPr>
-              <a:t>dolupta</a:t>
-            </a:r>
-            <a:r>
-              <a:rPr lang="en-US" dirty="0">
-                <a:latin typeface="Verdana Regular" charset="0"/>
-              </a:rPr>
-              <a:t> </a:t>
-            </a:r>
-            <a:r>
-              <a:rPr lang="en-US" dirty="0" err="1">
-                <a:latin typeface="Verdana Regular" charset="0"/>
-              </a:rPr>
-              <a:t>epudit</a:t>
-            </a:r>
-            <a:r>
-              <a:rPr lang="en-US" dirty="0">
-                <a:latin typeface="Verdana Regular" charset="0"/>
-              </a:rPr>
-              <a:t> et </a:t>
-            </a:r>
-            <a:r>
-              <a:rPr lang="en-US" dirty="0" err="1">
-                <a:latin typeface="Verdana Regular" charset="0"/>
-              </a:rPr>
-              <a:t>etur</a:t>
-            </a:r>
-            <a:r>
-              <a:rPr lang="en-US" dirty="0">
-                <a:latin typeface="Verdana Regular" charset="0"/>
-              </a:rPr>
-              <a:t> </a:t>
-            </a:r>
-            <a:r>
-              <a:rPr lang="en-US" dirty="0" err="1">
-                <a:latin typeface="Verdana Regular" charset="0"/>
-              </a:rPr>
-              <a:t>rempore</a:t>
-            </a:r>
-            <a:r>
-              <a:rPr lang="en-US" dirty="0">
-                <a:latin typeface="Verdana Regular" charset="0"/>
-              </a:rPr>
-              <a:t>. Lam </a:t>
-            </a:r>
-            <a:r>
-              <a:rPr lang="en-US" dirty="0" err="1">
-                <a:latin typeface="Verdana Regular" charset="0"/>
-              </a:rPr>
-              <a:t>ariae</a:t>
-            </a:r>
-            <a:r>
-              <a:rPr lang="en-US" dirty="0">
-                <a:latin typeface="Verdana Regular" charset="0"/>
-              </a:rPr>
-              <a:t> </a:t>
-            </a:r>
-            <a:r>
-              <a:rPr lang="en-US" dirty="0" err="1">
-                <a:latin typeface="Verdana Regular" charset="0"/>
-              </a:rPr>
-              <a:t>aperit</a:t>
-            </a:r>
-            <a:r>
-              <a:rPr lang="en-US" dirty="0">
-                <a:latin typeface="Verdana Regular" charset="0"/>
-              </a:rPr>
-              <a:t>, </a:t>
-            </a:r>
-            <a:r>
-              <a:rPr lang="en-US" dirty="0" err="1">
-                <a:latin typeface="Verdana Regular" charset="0"/>
-              </a:rPr>
-              <a:t>officatio</a:t>
-            </a:r>
-            <a:r>
-              <a:rPr lang="en-US" dirty="0">
-                <a:latin typeface="Verdana Regular" charset="0"/>
-              </a:rPr>
-              <a:t> </a:t>
-            </a:r>
-            <a:r>
-              <a:rPr lang="en-US" dirty="0" err="1">
-                <a:latin typeface="Verdana Regular" charset="0"/>
-              </a:rPr>
-              <a:t>eos</a:t>
-            </a:r>
-            <a:r>
-              <a:rPr lang="en-US" dirty="0">
-                <a:latin typeface="Verdana Regular" charset="0"/>
-              </a:rPr>
-              <a:t> </a:t>
-            </a:r>
-            <a:r>
-              <a:rPr lang="en-US" dirty="0" err="1">
-                <a:latin typeface="Verdana Regular" charset="0"/>
-              </a:rPr>
-              <a:t>quia</a:t>
-            </a:r>
-            <a:r>
-              <a:rPr lang="en-US" dirty="0">
-                <a:latin typeface="Verdana Regular" charset="0"/>
-              </a:rPr>
-              <a:t> </a:t>
-            </a:r>
-            <a:r>
-              <a:rPr lang="en-US" dirty="0" err="1">
-                <a:latin typeface="Verdana Regular" charset="0"/>
-              </a:rPr>
-              <a:t>sandaectae</a:t>
-            </a:r>
-            <a:r>
-              <a:rPr lang="en-US" dirty="0">
-                <a:latin typeface="Verdana Regular" charset="0"/>
-              </a:rPr>
-              <a:t>. </a:t>
-            </a:r>
-            <a:r>
-              <a:rPr lang="en-US" dirty="0" err="1">
-                <a:latin typeface="Verdana Regular" charset="0"/>
-              </a:rPr>
-              <a:t>Ut</a:t>
-            </a:r>
-            <a:r>
-              <a:rPr lang="en-US" dirty="0">
-                <a:latin typeface="Verdana Regular" charset="0"/>
-              </a:rPr>
-              <a:t> </a:t>
-            </a:r>
-            <a:r>
-              <a:rPr lang="en-US" dirty="0" err="1">
-                <a:latin typeface="Verdana Regular" charset="0"/>
-              </a:rPr>
-              <a:t>aribuscimpor</a:t>
-            </a:r>
-            <a:r>
-              <a:rPr lang="en-US" dirty="0">
-                <a:latin typeface="Verdana Regular" charset="0"/>
-              </a:rPr>
-              <a:t> </a:t>
-            </a:r>
-            <a:r>
-              <a:rPr lang="en-US" dirty="0" err="1">
-                <a:latin typeface="Verdana Regular" charset="0"/>
-              </a:rPr>
-              <a:t>moloris</a:t>
-            </a:r>
-            <a:r>
-              <a:rPr lang="en-US" dirty="0">
-                <a:latin typeface="Verdana Regular" charset="0"/>
-              </a:rPr>
-              <a:t> non.. </a:t>
-            </a:r>
-          </a:p>
-          <a:p>
-            <a:pPr>
-              <a:spcAft>
-                <a:spcPts val="2600"/>
-              </a:spcAft>
-            </a:pPr>
-            <a:r>
-              <a:rPr lang="en-US" dirty="0" err="1">
-                <a:latin typeface="Verdana Regular" charset="0"/>
-              </a:rPr>
-              <a:t>odipsae</a:t>
-            </a:r>
-            <a:r>
-              <a:rPr lang="en-US" dirty="0">
-                <a:latin typeface="Verdana Regular" charset="0"/>
-              </a:rPr>
-              <a:t> id </a:t>
-            </a:r>
-            <a:r>
-              <a:rPr lang="en-US" dirty="0" err="1">
-                <a:latin typeface="Verdana Regular" charset="0"/>
-              </a:rPr>
-              <a:t>quaepe</a:t>
-            </a:r>
-            <a:r>
-              <a:rPr lang="en-US" dirty="0">
-                <a:latin typeface="Verdana Regular" charset="0"/>
-              </a:rPr>
-              <a:t> que </a:t>
-            </a:r>
-            <a:r>
-              <a:rPr lang="en-US" dirty="0" err="1">
-                <a:latin typeface="Verdana Regular" charset="0"/>
-              </a:rPr>
-              <a:t>doluptas</a:t>
-            </a:r>
-            <a:r>
-              <a:rPr lang="en-US" dirty="0">
-                <a:latin typeface="Verdana Regular" charset="0"/>
-              </a:rPr>
-              <a:t> et </a:t>
-            </a:r>
-            <a:r>
-              <a:rPr lang="en-US" dirty="0" err="1">
-                <a:latin typeface="Verdana Regular" charset="0"/>
-              </a:rPr>
-              <a:t>placcullias</a:t>
-            </a:r>
-            <a:r>
-              <a:rPr lang="en-US" dirty="0">
-                <a:latin typeface="Verdana Regular" charset="0"/>
-              </a:rPr>
-              <a:t> </a:t>
-            </a:r>
-            <a:r>
-              <a:rPr lang="en-US" dirty="0" err="1">
-                <a:latin typeface="Verdana Regular" charset="0"/>
-              </a:rPr>
-              <a:t>peditaturis</a:t>
-            </a:r>
-            <a:r>
-              <a:rPr lang="en-US" dirty="0">
-                <a:latin typeface="Verdana Regular" charset="0"/>
-              </a:rPr>
-              <a:t> </a:t>
-            </a:r>
-            <a:r>
-              <a:rPr lang="en-US" dirty="0" err="1">
-                <a:latin typeface="Verdana Regular" charset="0"/>
-              </a:rPr>
-              <a:t>dolorem</a:t>
-            </a:r>
-            <a:r>
-              <a:rPr lang="en-US" dirty="0">
-                <a:latin typeface="Verdana Regular" charset="0"/>
-              </a:rPr>
-              <a:t> et </a:t>
-            </a:r>
-            <a:r>
-              <a:rPr lang="en-US" dirty="0" err="1">
-                <a:latin typeface="Verdana Regular" charset="0"/>
-              </a:rPr>
-              <a:t>recusda</a:t>
-            </a:r>
-            <a:r>
-              <a:rPr lang="en-US" dirty="0">
-                <a:latin typeface="Verdana Regular" charset="0"/>
-              </a:rPr>
-              <a:t> </a:t>
-            </a:r>
-            <a:r>
-              <a:rPr lang="en-US" dirty="0" err="1">
-                <a:latin typeface="Verdana Regular" charset="0"/>
-              </a:rPr>
-              <a:t>ntiberum</a:t>
-            </a:r>
-            <a:r>
-              <a:rPr lang="en-US" dirty="0">
-                <a:latin typeface="Verdana Regular" charset="0"/>
-              </a:rPr>
-              <a:t> </a:t>
-            </a:r>
-            <a:r>
-              <a:rPr lang="en-US" dirty="0" err="1">
-                <a:latin typeface="Verdana Regular" charset="0"/>
-              </a:rPr>
-              <a:t>eos</a:t>
-            </a:r>
-            <a:r>
-              <a:rPr lang="en-US" dirty="0">
-                <a:latin typeface="Verdana Regular" charset="0"/>
-              </a:rPr>
-              <a:t> </a:t>
-            </a:r>
-            <a:r>
-              <a:rPr lang="en-US" dirty="0" err="1">
-                <a:latin typeface="Verdana Regular" charset="0"/>
-              </a:rPr>
-              <a:t>imi</a:t>
-            </a:r>
-            <a:r>
-              <a:rPr lang="en-US" dirty="0">
-                <a:latin typeface="Verdana Regular" charset="0"/>
-              </a:rPr>
-              <a:t> </a:t>
-            </a:r>
-            <a:r>
-              <a:rPr lang="en-US" dirty="0" err="1">
-                <a:latin typeface="Verdana Regular" charset="0"/>
-              </a:rPr>
-              <a:t>quaeperro</a:t>
-            </a:r>
-            <a:r>
-              <a:rPr lang="en-US" dirty="0">
-                <a:latin typeface="Verdana Regular" charset="0"/>
-              </a:rPr>
-              <a:t> </a:t>
-            </a:r>
-            <a:r>
-              <a:rPr lang="en-US" dirty="0" err="1">
-                <a:latin typeface="Verdana Regular" charset="0"/>
-              </a:rPr>
-              <a:t>ea</a:t>
-            </a:r>
-            <a:r>
-              <a:rPr lang="en-US" dirty="0">
-                <a:latin typeface="Verdana Regular" charset="0"/>
-              </a:rPr>
-              <a:t> </a:t>
-            </a:r>
-            <a:r>
-              <a:rPr lang="en-US" dirty="0" err="1">
-                <a:latin typeface="Verdana Regular" charset="0"/>
-              </a:rPr>
-              <a:t>ipiet</a:t>
-            </a:r>
-            <a:r>
-              <a:rPr lang="en-US" dirty="0">
-                <a:latin typeface="Verdana Regular" charset="0"/>
-              </a:rPr>
-              <a:t> est.</a:t>
             </a:r>
           </a:p>
         </p:txBody>
@@ -6600,6 +5665,1466 @@
                 <a:cs typeface="Impact" charset="0"/>
               </a:rPr>
               <a:t>###</a:t>
+            </a:r>
+          </a:p>
+        </p:txBody>
+      </p:sp>
+      <p:sp>
+        <p:nvSpPr>
+          <p:cNvPr id="4" name="TextBox 3">
+            <a:extLst>
+              <a:ext uri="{FF2B5EF4-FFF2-40B4-BE49-F238E27FC236}">
+                <a16:creationId xmlns:a16="http://schemas.microsoft.com/office/drawing/2014/main" id="{47C7D8C3-99A1-4A76-BEDA-30852CE9155D}"/>
+              </a:ext>
+            </a:extLst>
+          </p:cNvPr>
+          <p:cNvSpPr txBox="1"/>
+          <p:nvPr/>
+        </p:nvSpPr>
+        <p:spPr>
+          <a:xfrm>
+            <a:off x="33952922" y="20785368"/>
+            <a:ext cx="8158690" cy="9182001"/>
+          </a:xfrm>
+          <a:prstGeom prst="rect">
+            <a:avLst/>
+          </a:prstGeom>
+          <a:noFill/>
+        </p:spPr>
+        <p:txBody>
+          <a:bodyPr wrap="square" rtlCol="0">
+            <a:spAutoFit/>
+          </a:bodyPr>
+          <a:lstStyle/>
+          <a:p>
+            <a:pPr>
+              <a:spcAft>
+                <a:spcPts val="2600"/>
+              </a:spcAft>
+            </a:pPr>
+            <a:r>
+              <a:rPr lang="en-US" sz="2800" dirty="0">
+                <a:latin typeface="Verdana" panose="020B0604030504040204" pitchFamily="34" charset="0"/>
+                <a:ea typeface="Verdana" panose="020B0604030504040204" pitchFamily="34" charset="0"/>
+                <a:cs typeface="Verdana" panose="020B0604030504040204" pitchFamily="34" charset="0"/>
+              </a:rPr>
+              <a:t>Ut </a:t>
+            </a:r>
+            <a:r>
+              <a:rPr lang="en-US" sz="2800" dirty="0" err="1">
+                <a:latin typeface="Verdana" panose="020B0604030504040204" pitchFamily="34" charset="0"/>
+                <a:ea typeface="Verdana" panose="020B0604030504040204" pitchFamily="34" charset="0"/>
+                <a:cs typeface="Verdana" panose="020B0604030504040204" pitchFamily="34" charset="0"/>
+              </a:rPr>
+              <a:t>volore</a:t>
+            </a:r>
+            <a:r>
+              <a:rPr lang="en-US" sz="2800" dirty="0">
+                <a:latin typeface="Verdana" panose="020B0604030504040204" pitchFamily="34" charset="0"/>
+                <a:ea typeface="Verdana" panose="020B0604030504040204" pitchFamily="34" charset="0"/>
+                <a:cs typeface="Verdana" panose="020B0604030504040204" pitchFamily="34" charset="0"/>
+              </a:rPr>
+              <a:t> </a:t>
+            </a:r>
+            <a:r>
+              <a:rPr lang="en-US" sz="2800" dirty="0" err="1">
+                <a:latin typeface="Verdana" panose="020B0604030504040204" pitchFamily="34" charset="0"/>
+                <a:ea typeface="Verdana" panose="020B0604030504040204" pitchFamily="34" charset="0"/>
+                <a:cs typeface="Verdana" panose="020B0604030504040204" pitchFamily="34" charset="0"/>
+              </a:rPr>
+              <a:t>secuptio</a:t>
+            </a:r>
+            <a:r>
+              <a:rPr lang="en-US" sz="2800" dirty="0">
+                <a:latin typeface="Verdana" panose="020B0604030504040204" pitchFamily="34" charset="0"/>
+                <a:ea typeface="Verdana" panose="020B0604030504040204" pitchFamily="34" charset="0"/>
+                <a:cs typeface="Verdana" panose="020B0604030504040204" pitchFamily="34" charset="0"/>
+              </a:rPr>
+              <a:t> </a:t>
+            </a:r>
+            <a:r>
+              <a:rPr lang="en-US" sz="2800" dirty="0" err="1">
+                <a:latin typeface="Verdana" panose="020B0604030504040204" pitchFamily="34" charset="0"/>
+                <a:ea typeface="Verdana" panose="020B0604030504040204" pitchFamily="34" charset="0"/>
+                <a:cs typeface="Verdana" panose="020B0604030504040204" pitchFamily="34" charset="0"/>
+              </a:rPr>
+              <a:t>es</a:t>
+            </a:r>
+            <a:r>
+              <a:rPr lang="en-US" sz="2800" dirty="0">
+                <a:latin typeface="Verdana" panose="020B0604030504040204" pitchFamily="34" charset="0"/>
+                <a:ea typeface="Verdana" panose="020B0604030504040204" pitchFamily="34" charset="0"/>
+                <a:cs typeface="Verdana" panose="020B0604030504040204" pitchFamily="34" charset="0"/>
+              </a:rPr>
+              <a:t> rem </a:t>
+            </a:r>
+            <a:r>
+              <a:rPr lang="en-US" sz="2800" dirty="0" err="1">
+                <a:latin typeface="Verdana" panose="020B0604030504040204" pitchFamily="34" charset="0"/>
+                <a:ea typeface="Verdana" panose="020B0604030504040204" pitchFamily="34" charset="0"/>
+                <a:cs typeface="Verdana" panose="020B0604030504040204" pitchFamily="34" charset="0"/>
+              </a:rPr>
+              <a:t>rerati</a:t>
+            </a:r>
+            <a:r>
+              <a:rPr lang="en-US" sz="2800" dirty="0">
+                <a:latin typeface="Verdana" panose="020B0604030504040204" pitchFamily="34" charset="0"/>
+                <a:ea typeface="Verdana" panose="020B0604030504040204" pitchFamily="34" charset="0"/>
+                <a:cs typeface="Verdana" panose="020B0604030504040204" pitchFamily="34" charset="0"/>
+              </a:rPr>
+              <a:t> </a:t>
+            </a:r>
+            <a:r>
+              <a:rPr lang="en-US" sz="2800" dirty="0" err="1">
+                <a:latin typeface="Verdana" panose="020B0604030504040204" pitchFamily="34" charset="0"/>
+                <a:ea typeface="Verdana" panose="020B0604030504040204" pitchFamily="34" charset="0"/>
+                <a:cs typeface="Verdana" panose="020B0604030504040204" pitchFamily="34" charset="0"/>
+              </a:rPr>
+              <a:t>volor</a:t>
+            </a:r>
+            <a:r>
+              <a:rPr lang="en-US" sz="2800" dirty="0">
+                <a:latin typeface="Verdana" panose="020B0604030504040204" pitchFamily="34" charset="0"/>
+                <a:ea typeface="Verdana" panose="020B0604030504040204" pitchFamily="34" charset="0"/>
+                <a:cs typeface="Verdana" panose="020B0604030504040204" pitchFamily="34" charset="0"/>
+              </a:rPr>
+              <a:t> </a:t>
+            </a:r>
+            <a:r>
+              <a:rPr lang="en-US" sz="2800" dirty="0" err="1">
+                <a:latin typeface="Verdana" panose="020B0604030504040204" pitchFamily="34" charset="0"/>
+                <a:ea typeface="Verdana" panose="020B0604030504040204" pitchFamily="34" charset="0"/>
+                <a:cs typeface="Verdana" panose="020B0604030504040204" pitchFamily="34" charset="0"/>
+              </a:rPr>
+              <a:t>atem</a:t>
+            </a:r>
+            <a:r>
+              <a:rPr lang="en-US" sz="2800" dirty="0">
+                <a:latin typeface="Verdana" panose="020B0604030504040204" pitchFamily="34" charset="0"/>
+                <a:ea typeface="Verdana" panose="020B0604030504040204" pitchFamily="34" charset="0"/>
+                <a:cs typeface="Verdana" panose="020B0604030504040204" pitchFamily="34" charset="0"/>
+              </a:rPr>
+              <a:t> </a:t>
+            </a:r>
+            <a:r>
+              <a:rPr lang="en-US" sz="2800" dirty="0" err="1">
+                <a:latin typeface="Verdana" panose="020B0604030504040204" pitchFamily="34" charset="0"/>
+                <a:ea typeface="Verdana" panose="020B0604030504040204" pitchFamily="34" charset="0"/>
+                <a:cs typeface="Verdana" panose="020B0604030504040204" pitchFamily="34" charset="0"/>
+              </a:rPr>
+              <a:t>lic</a:t>
+            </a:r>
+            <a:r>
+              <a:rPr lang="en-US" sz="2800" dirty="0">
+                <a:latin typeface="Verdana" panose="020B0604030504040204" pitchFamily="34" charset="0"/>
+                <a:ea typeface="Verdana" panose="020B0604030504040204" pitchFamily="34" charset="0"/>
+                <a:cs typeface="Verdana" panose="020B0604030504040204" pitchFamily="34" charset="0"/>
+              </a:rPr>
+              <a:t> </a:t>
+            </a:r>
+            <a:r>
+              <a:rPr lang="en-US" sz="2800" dirty="0" err="1">
+                <a:latin typeface="Verdana" panose="020B0604030504040204" pitchFamily="34" charset="0"/>
+                <a:ea typeface="Verdana" panose="020B0604030504040204" pitchFamily="34" charset="0"/>
+                <a:cs typeface="Verdana" panose="020B0604030504040204" pitchFamily="34" charset="0"/>
+              </a:rPr>
+              <a:t>te</a:t>
+            </a:r>
+            <a:r>
+              <a:rPr lang="en-US" sz="2800" dirty="0">
+                <a:latin typeface="Verdana" panose="020B0604030504040204" pitchFamily="34" charset="0"/>
+                <a:ea typeface="Verdana" panose="020B0604030504040204" pitchFamily="34" charset="0"/>
+                <a:cs typeface="Verdana" panose="020B0604030504040204" pitchFamily="34" charset="0"/>
+              </a:rPr>
+              <a:t> </a:t>
+            </a:r>
+            <a:r>
+              <a:rPr lang="en-US" sz="2800" dirty="0" err="1">
+                <a:latin typeface="Verdana" panose="020B0604030504040204" pitchFamily="34" charset="0"/>
+                <a:ea typeface="Verdana" panose="020B0604030504040204" pitchFamily="34" charset="0"/>
+                <a:cs typeface="Verdana" panose="020B0604030504040204" pitchFamily="34" charset="0"/>
+              </a:rPr>
+              <a:t>voloria</a:t>
+            </a:r>
+            <a:r>
+              <a:rPr lang="en-US" sz="2800" dirty="0">
+                <a:latin typeface="Verdana" panose="020B0604030504040204" pitchFamily="34" charset="0"/>
+                <a:ea typeface="Verdana" panose="020B0604030504040204" pitchFamily="34" charset="0"/>
+                <a:cs typeface="Verdana" panose="020B0604030504040204" pitchFamily="34" charset="0"/>
+              </a:rPr>
+              <a:t> qui </a:t>
+            </a:r>
+            <a:r>
+              <a:rPr lang="en-US" sz="2800" dirty="0" err="1">
+                <a:latin typeface="Verdana" panose="020B0604030504040204" pitchFamily="34" charset="0"/>
+                <a:ea typeface="Verdana" panose="020B0604030504040204" pitchFamily="34" charset="0"/>
+                <a:cs typeface="Verdana" panose="020B0604030504040204" pitchFamily="34" charset="0"/>
+              </a:rPr>
+              <a:t>simporest</a:t>
+            </a:r>
+            <a:r>
+              <a:rPr lang="en-US" sz="2800" dirty="0">
+                <a:latin typeface="Verdana" panose="020B0604030504040204" pitchFamily="34" charset="0"/>
+                <a:ea typeface="Verdana" panose="020B0604030504040204" pitchFamily="34" charset="0"/>
+                <a:cs typeface="Verdana" panose="020B0604030504040204" pitchFamily="34" charset="0"/>
+              </a:rPr>
+              <a:t> </a:t>
+            </a:r>
+            <a:r>
+              <a:rPr lang="en-US" sz="2800" dirty="0" err="1">
+                <a:latin typeface="Verdana" panose="020B0604030504040204" pitchFamily="34" charset="0"/>
+                <a:ea typeface="Verdana" panose="020B0604030504040204" pitchFamily="34" charset="0"/>
+                <a:cs typeface="Verdana" panose="020B0604030504040204" pitchFamily="34" charset="0"/>
+              </a:rPr>
+              <a:t>doluptat</a:t>
+            </a:r>
+            <a:r>
+              <a:rPr lang="en-US" sz="2800" dirty="0">
+                <a:latin typeface="Verdana" panose="020B0604030504040204" pitchFamily="34" charset="0"/>
+                <a:ea typeface="Verdana" panose="020B0604030504040204" pitchFamily="34" charset="0"/>
+                <a:cs typeface="Verdana" panose="020B0604030504040204" pitchFamily="34" charset="0"/>
+              </a:rPr>
+              <a:t> </a:t>
+            </a:r>
+            <a:r>
+              <a:rPr lang="en-US" sz="2800" dirty="0" err="1">
+                <a:latin typeface="Verdana" panose="020B0604030504040204" pitchFamily="34" charset="0"/>
+                <a:ea typeface="Verdana" panose="020B0604030504040204" pitchFamily="34" charset="0"/>
+                <a:cs typeface="Verdana" panose="020B0604030504040204" pitchFamily="34" charset="0"/>
+              </a:rPr>
+              <a:t>etur</a:t>
+            </a:r>
+            <a:r>
+              <a:rPr lang="en-US" sz="2800" dirty="0">
+                <a:latin typeface="Verdana" panose="020B0604030504040204" pitchFamily="34" charset="0"/>
+                <a:ea typeface="Verdana" panose="020B0604030504040204" pitchFamily="34" charset="0"/>
+                <a:cs typeface="Verdana" panose="020B0604030504040204" pitchFamily="34" charset="0"/>
+              </a:rPr>
+              <a:t>? </a:t>
+            </a:r>
+            <a:r>
+              <a:rPr lang="en-US" sz="2800" dirty="0" err="1">
+                <a:latin typeface="Verdana" panose="020B0604030504040204" pitchFamily="34" charset="0"/>
+                <a:ea typeface="Verdana" panose="020B0604030504040204" pitchFamily="34" charset="0"/>
+                <a:cs typeface="Verdana" panose="020B0604030504040204" pitchFamily="34" charset="0"/>
+              </a:rPr>
+              <a:t>Alignit</a:t>
+            </a:r>
+            <a:r>
+              <a:rPr lang="en-US" sz="2800" dirty="0">
+                <a:latin typeface="Verdana" panose="020B0604030504040204" pitchFamily="34" charset="0"/>
+                <a:ea typeface="Verdana" panose="020B0604030504040204" pitchFamily="34" charset="0"/>
+                <a:cs typeface="Verdana" panose="020B0604030504040204" pitchFamily="34" charset="0"/>
+              </a:rPr>
+              <a:t> </a:t>
+            </a:r>
+            <a:r>
+              <a:rPr lang="en-US" sz="2800" dirty="0" err="1">
+                <a:latin typeface="Verdana" panose="020B0604030504040204" pitchFamily="34" charset="0"/>
+                <a:ea typeface="Verdana" panose="020B0604030504040204" pitchFamily="34" charset="0"/>
+                <a:cs typeface="Verdana" panose="020B0604030504040204" pitchFamily="34" charset="0"/>
+              </a:rPr>
+              <a:t>volorae</a:t>
+            </a:r>
+            <a:r>
+              <a:rPr lang="en-US" sz="2800" dirty="0">
+                <a:latin typeface="Verdana" panose="020B0604030504040204" pitchFamily="34" charset="0"/>
+                <a:ea typeface="Verdana" panose="020B0604030504040204" pitchFamily="34" charset="0"/>
+                <a:cs typeface="Verdana" panose="020B0604030504040204" pitchFamily="34" charset="0"/>
+              </a:rPr>
+              <a:t> </a:t>
+            </a:r>
+            <a:r>
+              <a:rPr lang="en-US" sz="2800" dirty="0" err="1">
+                <a:latin typeface="Verdana" panose="020B0604030504040204" pitchFamily="34" charset="0"/>
+                <a:ea typeface="Verdana" panose="020B0604030504040204" pitchFamily="34" charset="0"/>
+                <a:cs typeface="Verdana" panose="020B0604030504040204" pitchFamily="34" charset="0"/>
+              </a:rPr>
+              <a:t>venimai</a:t>
+            </a:r>
+            <a:r>
+              <a:rPr lang="en-US" sz="2800" dirty="0">
+                <a:latin typeface="Verdana" panose="020B0604030504040204" pitchFamily="34" charset="0"/>
+                <a:ea typeface="Verdana" panose="020B0604030504040204" pitchFamily="34" charset="0"/>
+                <a:cs typeface="Verdana" panose="020B0604030504040204" pitchFamily="34" charset="0"/>
+              </a:rPr>
+              <a:t> </a:t>
+            </a:r>
+            <a:r>
+              <a:rPr lang="en-US" sz="2800" dirty="0" err="1">
+                <a:latin typeface="Verdana" panose="020B0604030504040204" pitchFamily="34" charset="0"/>
+                <a:ea typeface="Verdana" panose="020B0604030504040204" pitchFamily="34" charset="0"/>
+                <a:cs typeface="Verdana" panose="020B0604030504040204" pitchFamily="34" charset="0"/>
+              </a:rPr>
+              <a:t>onsequame</a:t>
+            </a:r>
+            <a:r>
+              <a:rPr lang="en-US" sz="2800" dirty="0">
+                <a:latin typeface="Verdana" panose="020B0604030504040204" pitchFamily="34" charset="0"/>
+                <a:ea typeface="Verdana" panose="020B0604030504040204" pitchFamily="34" charset="0"/>
+                <a:cs typeface="Verdana" panose="020B0604030504040204" pitchFamily="34" charset="0"/>
+              </a:rPr>
+              <a:t> </a:t>
+            </a:r>
+            <a:r>
+              <a:rPr lang="en-US" sz="2800" dirty="0" err="1">
+                <a:latin typeface="Verdana" panose="020B0604030504040204" pitchFamily="34" charset="0"/>
+                <a:ea typeface="Verdana" panose="020B0604030504040204" pitchFamily="34" charset="0"/>
+                <a:cs typeface="Verdana" panose="020B0604030504040204" pitchFamily="34" charset="0"/>
+              </a:rPr>
+              <a:t>odipitatur</a:t>
+            </a:r>
+            <a:r>
+              <a:rPr lang="en-US" sz="2800" dirty="0">
+                <a:latin typeface="Verdana" panose="020B0604030504040204" pitchFamily="34" charset="0"/>
+                <a:ea typeface="Verdana" panose="020B0604030504040204" pitchFamily="34" charset="0"/>
+                <a:cs typeface="Verdana" panose="020B0604030504040204" pitchFamily="34" charset="0"/>
+              </a:rPr>
+              <a:t> </a:t>
+            </a:r>
+            <a:r>
+              <a:rPr lang="en-US" sz="2800" dirty="0" err="1">
+                <a:latin typeface="Verdana" panose="020B0604030504040204" pitchFamily="34" charset="0"/>
+                <a:ea typeface="Verdana" panose="020B0604030504040204" pitchFamily="34" charset="0"/>
+                <a:cs typeface="Verdana" panose="020B0604030504040204" pitchFamily="34" charset="0"/>
+              </a:rPr>
+              <a:t>sequosa</a:t>
+            </a:r>
+            <a:r>
+              <a:rPr lang="en-US" sz="2800" dirty="0">
+                <a:latin typeface="Verdana" panose="020B0604030504040204" pitchFamily="34" charset="0"/>
+                <a:ea typeface="Verdana" panose="020B0604030504040204" pitchFamily="34" charset="0"/>
+                <a:cs typeface="Verdana" panose="020B0604030504040204" pitchFamily="34" charset="0"/>
+              </a:rPr>
+              <a:t> </a:t>
+            </a:r>
+            <a:r>
+              <a:rPr lang="en-US" sz="2800" dirty="0" err="1">
+                <a:latin typeface="Verdana" panose="020B0604030504040204" pitchFamily="34" charset="0"/>
+                <a:ea typeface="Verdana" panose="020B0604030504040204" pitchFamily="34" charset="0"/>
+                <a:cs typeface="Verdana" panose="020B0604030504040204" pitchFamily="34" charset="0"/>
+              </a:rPr>
+              <a:t>ntiste</a:t>
+            </a:r>
+            <a:r>
+              <a:rPr lang="en-US" sz="2800" dirty="0">
+                <a:latin typeface="Verdana" panose="020B0604030504040204" pitchFamily="34" charset="0"/>
+                <a:ea typeface="Verdana" panose="020B0604030504040204" pitchFamily="34" charset="0"/>
+                <a:cs typeface="Verdana" panose="020B0604030504040204" pitchFamily="34" charset="0"/>
+              </a:rPr>
+              <a:t> </a:t>
+            </a:r>
+            <a:r>
+              <a:rPr lang="en-US" sz="2800" dirty="0" err="1">
+                <a:latin typeface="Verdana" panose="020B0604030504040204" pitchFamily="34" charset="0"/>
+                <a:ea typeface="Verdana" panose="020B0604030504040204" pitchFamily="34" charset="0"/>
+                <a:cs typeface="Verdana" panose="020B0604030504040204" pitchFamily="34" charset="0"/>
+              </a:rPr>
+              <a:t>ea</a:t>
+            </a:r>
+            <a:r>
+              <a:rPr lang="en-US" sz="2800" dirty="0">
+                <a:latin typeface="Verdana" panose="020B0604030504040204" pitchFamily="34" charset="0"/>
+                <a:ea typeface="Verdana" panose="020B0604030504040204" pitchFamily="34" charset="0"/>
+                <a:cs typeface="Verdana" panose="020B0604030504040204" pitchFamily="34" charset="0"/>
+              </a:rPr>
+              <a:t> id que </a:t>
+            </a:r>
+            <a:r>
+              <a:rPr lang="en-US" sz="2800" dirty="0" err="1">
+                <a:latin typeface="Verdana" panose="020B0604030504040204" pitchFamily="34" charset="0"/>
+                <a:ea typeface="Verdana" panose="020B0604030504040204" pitchFamily="34" charset="0"/>
+                <a:cs typeface="Verdana" panose="020B0604030504040204" pitchFamily="34" charset="0"/>
+              </a:rPr>
+              <a:t>ipsam</a:t>
+            </a:r>
+            <a:r>
+              <a:rPr lang="en-US" sz="2800" dirty="0">
+                <a:latin typeface="Verdana" panose="020B0604030504040204" pitchFamily="34" charset="0"/>
+                <a:ea typeface="Verdana" panose="020B0604030504040204" pitchFamily="34" charset="0"/>
+                <a:cs typeface="Verdana" panose="020B0604030504040204" pitchFamily="34" charset="0"/>
+              </a:rPr>
+              <a:t>, </a:t>
+            </a:r>
+            <a:r>
+              <a:rPr lang="en-US" sz="2800" dirty="0" err="1">
+                <a:latin typeface="Verdana" panose="020B0604030504040204" pitchFamily="34" charset="0"/>
+                <a:ea typeface="Verdana" panose="020B0604030504040204" pitchFamily="34" charset="0"/>
+                <a:cs typeface="Verdana" panose="020B0604030504040204" pitchFamily="34" charset="0"/>
+              </a:rPr>
+              <a:t>omniaed</a:t>
+            </a:r>
+            <a:r>
+              <a:rPr lang="en-US" sz="2800" dirty="0">
+                <a:latin typeface="Verdana" panose="020B0604030504040204" pitchFamily="34" charset="0"/>
+                <a:ea typeface="Verdana" panose="020B0604030504040204" pitchFamily="34" charset="0"/>
+                <a:cs typeface="Verdana" panose="020B0604030504040204" pitchFamily="34" charset="0"/>
+              </a:rPr>
+              <a:t> et </a:t>
+            </a:r>
+            <a:r>
+              <a:rPr lang="en-US" sz="2800" dirty="0" err="1">
+                <a:latin typeface="Verdana" panose="020B0604030504040204" pitchFamily="34" charset="0"/>
+                <a:ea typeface="Verdana" panose="020B0604030504040204" pitchFamily="34" charset="0"/>
+                <a:cs typeface="Verdana" panose="020B0604030504040204" pitchFamily="34" charset="0"/>
+              </a:rPr>
+              <a:t>offictus</a:t>
+            </a:r>
+            <a:r>
+              <a:rPr lang="en-US" sz="2800" dirty="0">
+                <a:latin typeface="Verdana" panose="020B0604030504040204" pitchFamily="34" charset="0"/>
+                <a:ea typeface="Verdana" panose="020B0604030504040204" pitchFamily="34" charset="0"/>
+                <a:cs typeface="Verdana" panose="020B0604030504040204" pitchFamily="34" charset="0"/>
+              </a:rPr>
+              <a:t> </a:t>
+            </a:r>
+            <a:r>
+              <a:rPr lang="en-US" sz="2800" dirty="0" err="1">
+                <a:latin typeface="Verdana" panose="020B0604030504040204" pitchFamily="34" charset="0"/>
+                <a:ea typeface="Verdana" panose="020B0604030504040204" pitchFamily="34" charset="0"/>
+                <a:cs typeface="Verdana" panose="020B0604030504040204" pitchFamily="34" charset="0"/>
+              </a:rPr>
+              <a:t>moluptiis</a:t>
+            </a:r>
+            <a:r>
+              <a:rPr lang="en-US" sz="2800" dirty="0">
+                <a:latin typeface="Verdana" panose="020B0604030504040204" pitchFamily="34" charset="0"/>
+                <a:ea typeface="Verdana" panose="020B0604030504040204" pitchFamily="34" charset="0"/>
+                <a:cs typeface="Verdana" panose="020B0604030504040204" pitchFamily="34" charset="0"/>
+              </a:rPr>
+              <a:t> et </a:t>
+            </a:r>
+            <a:r>
+              <a:rPr lang="en-US" sz="2800" dirty="0" err="1">
+                <a:latin typeface="Verdana" panose="020B0604030504040204" pitchFamily="34" charset="0"/>
+                <a:ea typeface="Verdana" panose="020B0604030504040204" pitchFamily="34" charset="0"/>
+                <a:cs typeface="Verdana" panose="020B0604030504040204" pitchFamily="34" charset="0"/>
+              </a:rPr>
+              <a:t>ius</a:t>
+            </a:r>
+            <a:r>
+              <a:rPr lang="en-US" sz="2800" dirty="0">
+                <a:latin typeface="Verdana" panose="020B0604030504040204" pitchFamily="34" charset="0"/>
+                <a:ea typeface="Verdana" panose="020B0604030504040204" pitchFamily="34" charset="0"/>
+                <a:cs typeface="Verdana" panose="020B0604030504040204" pitchFamily="34" charset="0"/>
+              </a:rPr>
+              <a:t>.</a:t>
+            </a:r>
+          </a:p>
+          <a:p>
+            <a:pPr>
+              <a:spcAft>
+                <a:spcPts val="2600"/>
+              </a:spcAft>
+            </a:pPr>
+            <a:r>
+              <a:rPr lang="en-US" sz="2800" dirty="0">
+                <a:latin typeface="Verdana" panose="020B0604030504040204" pitchFamily="34" charset="0"/>
+                <a:ea typeface="Verdana" panose="020B0604030504040204" pitchFamily="34" charset="0"/>
+                <a:cs typeface="Verdana" panose="020B0604030504040204" pitchFamily="34" charset="0"/>
+              </a:rPr>
+              <a:t>Qui </a:t>
+            </a:r>
+            <a:r>
+              <a:rPr lang="en-US" sz="2800" dirty="0" err="1">
+                <a:latin typeface="Verdana" panose="020B0604030504040204" pitchFamily="34" charset="0"/>
+                <a:ea typeface="Verdana" panose="020B0604030504040204" pitchFamily="34" charset="0"/>
+                <a:cs typeface="Verdana" panose="020B0604030504040204" pitchFamily="34" charset="0"/>
+              </a:rPr>
+              <a:t>archili</a:t>
+            </a:r>
+            <a:r>
+              <a:rPr lang="en-US" sz="2800" dirty="0">
+                <a:latin typeface="Verdana" panose="020B0604030504040204" pitchFamily="34" charset="0"/>
+                <a:ea typeface="Verdana" panose="020B0604030504040204" pitchFamily="34" charset="0"/>
+                <a:cs typeface="Verdana" panose="020B0604030504040204" pitchFamily="34" charset="0"/>
+              </a:rPr>
+              <a:t> </a:t>
+            </a:r>
+            <a:r>
+              <a:rPr lang="en-US" sz="2800" dirty="0" err="1">
+                <a:latin typeface="Verdana" panose="020B0604030504040204" pitchFamily="34" charset="0"/>
+                <a:ea typeface="Verdana" panose="020B0604030504040204" pitchFamily="34" charset="0"/>
+                <a:cs typeface="Verdana" panose="020B0604030504040204" pitchFamily="34" charset="0"/>
+              </a:rPr>
+              <a:t>busdae</a:t>
+            </a:r>
+            <a:r>
+              <a:rPr lang="en-US" sz="2800" dirty="0">
+                <a:latin typeface="Verdana" panose="020B0604030504040204" pitchFamily="34" charset="0"/>
+                <a:ea typeface="Verdana" panose="020B0604030504040204" pitchFamily="34" charset="0"/>
+                <a:cs typeface="Verdana" panose="020B0604030504040204" pitchFamily="34" charset="0"/>
+              </a:rPr>
+              <a:t> </a:t>
+            </a:r>
+            <a:r>
+              <a:rPr lang="en-US" sz="2800" dirty="0" err="1">
+                <a:latin typeface="Verdana" panose="020B0604030504040204" pitchFamily="34" charset="0"/>
+                <a:ea typeface="Verdana" panose="020B0604030504040204" pitchFamily="34" charset="0"/>
+                <a:cs typeface="Verdana" panose="020B0604030504040204" pitchFamily="34" charset="0"/>
+              </a:rPr>
+              <a:t>exere</a:t>
+            </a:r>
+            <a:r>
+              <a:rPr lang="en-US" sz="2800" dirty="0">
+                <a:latin typeface="Verdana" panose="020B0604030504040204" pitchFamily="34" charset="0"/>
+                <a:ea typeface="Verdana" panose="020B0604030504040204" pitchFamily="34" charset="0"/>
+                <a:cs typeface="Verdana" panose="020B0604030504040204" pitchFamily="34" charset="0"/>
+              </a:rPr>
+              <a:t> </a:t>
+            </a:r>
+            <a:r>
+              <a:rPr lang="en-US" sz="2800" dirty="0" err="1">
+                <a:latin typeface="Verdana" panose="020B0604030504040204" pitchFamily="34" charset="0"/>
+                <a:ea typeface="Verdana" panose="020B0604030504040204" pitchFamily="34" charset="0"/>
+                <a:cs typeface="Verdana" panose="020B0604030504040204" pitchFamily="34" charset="0"/>
+              </a:rPr>
+              <a:t>quias</a:t>
+            </a:r>
+            <a:r>
+              <a:rPr lang="en-US" sz="2800" dirty="0">
+                <a:latin typeface="Verdana" panose="020B0604030504040204" pitchFamily="34" charset="0"/>
+                <a:ea typeface="Verdana" panose="020B0604030504040204" pitchFamily="34" charset="0"/>
+                <a:cs typeface="Verdana" panose="020B0604030504040204" pitchFamily="34" charset="0"/>
+              </a:rPr>
+              <a:t> </a:t>
+            </a:r>
+            <a:r>
+              <a:rPr lang="en-US" sz="2800" dirty="0" err="1">
+                <a:latin typeface="Verdana" panose="020B0604030504040204" pitchFamily="34" charset="0"/>
+                <a:ea typeface="Verdana" panose="020B0604030504040204" pitchFamily="34" charset="0"/>
+                <a:cs typeface="Verdana" panose="020B0604030504040204" pitchFamily="34" charset="0"/>
+              </a:rPr>
+              <a:t>essum</a:t>
+            </a:r>
+            <a:r>
+              <a:rPr lang="en-US" sz="2800" dirty="0">
+                <a:latin typeface="Verdana" panose="020B0604030504040204" pitchFamily="34" charset="0"/>
+                <a:ea typeface="Verdana" panose="020B0604030504040204" pitchFamily="34" charset="0"/>
+                <a:cs typeface="Verdana" panose="020B0604030504040204" pitchFamily="34" charset="0"/>
+              </a:rPr>
+              <a:t> </a:t>
+            </a:r>
+            <a:r>
+              <a:rPr lang="en-US" sz="2800" dirty="0" err="1">
+                <a:latin typeface="Verdana" panose="020B0604030504040204" pitchFamily="34" charset="0"/>
+                <a:ea typeface="Verdana" panose="020B0604030504040204" pitchFamily="34" charset="0"/>
+                <a:cs typeface="Verdana" panose="020B0604030504040204" pitchFamily="34" charset="0"/>
+              </a:rPr>
+              <a:t>fugiand</a:t>
+            </a:r>
+            <a:r>
+              <a:rPr lang="en-US" sz="2800" dirty="0">
+                <a:latin typeface="Verdana" panose="020B0604030504040204" pitchFamily="34" charset="0"/>
+                <a:ea typeface="Verdana" panose="020B0604030504040204" pitchFamily="34" charset="0"/>
+                <a:cs typeface="Verdana" panose="020B0604030504040204" pitchFamily="34" charset="0"/>
+              </a:rPr>
+              <a:t> </a:t>
+            </a:r>
+            <a:r>
+              <a:rPr lang="en-US" sz="2800" dirty="0" err="1">
+                <a:latin typeface="Verdana" panose="020B0604030504040204" pitchFamily="34" charset="0"/>
+                <a:ea typeface="Verdana" panose="020B0604030504040204" pitchFamily="34" charset="0"/>
+                <a:cs typeface="Verdana" panose="020B0604030504040204" pitchFamily="34" charset="0"/>
+              </a:rPr>
+              <a:t>itisquo</a:t>
+            </a:r>
+            <a:r>
+              <a:rPr lang="en-US" sz="2800" dirty="0">
+                <a:latin typeface="Verdana" panose="020B0604030504040204" pitchFamily="34" charset="0"/>
+                <a:ea typeface="Verdana" panose="020B0604030504040204" pitchFamily="34" charset="0"/>
+                <a:cs typeface="Verdana" panose="020B0604030504040204" pitchFamily="34" charset="0"/>
+              </a:rPr>
+              <a:t> </a:t>
+            </a:r>
+            <a:r>
+              <a:rPr lang="en-US" sz="2800" dirty="0" err="1">
+                <a:latin typeface="Verdana" panose="020B0604030504040204" pitchFamily="34" charset="0"/>
+                <a:ea typeface="Verdana" panose="020B0604030504040204" pitchFamily="34" charset="0"/>
+                <a:cs typeface="Verdana" panose="020B0604030504040204" pitchFamily="34" charset="0"/>
+              </a:rPr>
+              <a:t>occulla</a:t>
+            </a:r>
+            <a:r>
+              <a:rPr lang="en-US" sz="2800" dirty="0">
+                <a:latin typeface="Verdana" panose="020B0604030504040204" pitchFamily="34" charset="0"/>
+                <a:ea typeface="Verdana" panose="020B0604030504040204" pitchFamily="34" charset="0"/>
+                <a:cs typeface="Verdana" panose="020B0604030504040204" pitchFamily="34" charset="0"/>
+              </a:rPr>
+              <a:t> </a:t>
+            </a:r>
+            <a:r>
+              <a:rPr lang="en-US" sz="2800" dirty="0" err="1">
+                <a:latin typeface="Verdana" panose="020B0604030504040204" pitchFamily="34" charset="0"/>
+                <a:ea typeface="Verdana" panose="020B0604030504040204" pitchFamily="34" charset="0"/>
+                <a:cs typeface="Verdana" panose="020B0604030504040204" pitchFamily="34" charset="0"/>
+              </a:rPr>
+              <a:t>utendi</a:t>
+            </a:r>
+            <a:r>
+              <a:rPr lang="en-US" sz="2800" dirty="0">
+                <a:latin typeface="Verdana" panose="020B0604030504040204" pitchFamily="34" charset="0"/>
+                <a:ea typeface="Verdana" panose="020B0604030504040204" pitchFamily="34" charset="0"/>
+                <a:cs typeface="Verdana" panose="020B0604030504040204" pitchFamily="34" charset="0"/>
+              </a:rPr>
+              <a:t> </a:t>
+            </a:r>
+            <a:r>
+              <a:rPr lang="en-US" sz="2800" dirty="0" err="1">
+                <a:latin typeface="Verdana" panose="020B0604030504040204" pitchFamily="34" charset="0"/>
+                <a:ea typeface="Verdana" panose="020B0604030504040204" pitchFamily="34" charset="0"/>
+                <a:cs typeface="Verdana" panose="020B0604030504040204" pitchFamily="34" charset="0"/>
+              </a:rPr>
+              <a:t>autaquo</a:t>
+            </a:r>
+            <a:r>
+              <a:rPr lang="en-US" sz="2800" dirty="0">
+                <a:latin typeface="Verdana" panose="020B0604030504040204" pitchFamily="34" charset="0"/>
+                <a:ea typeface="Verdana" panose="020B0604030504040204" pitchFamily="34" charset="0"/>
+                <a:cs typeface="Verdana" panose="020B0604030504040204" pitchFamily="34" charset="0"/>
+              </a:rPr>
+              <a:t> </a:t>
+            </a:r>
+            <a:r>
+              <a:rPr lang="en-US" sz="2800" dirty="0" err="1">
+                <a:latin typeface="Verdana" panose="020B0604030504040204" pitchFamily="34" charset="0"/>
+                <a:ea typeface="Verdana" panose="020B0604030504040204" pitchFamily="34" charset="0"/>
+                <a:cs typeface="Verdana" panose="020B0604030504040204" pitchFamily="34" charset="0"/>
+              </a:rPr>
+              <a:t>doluptu</a:t>
+            </a:r>
+            <a:r>
+              <a:rPr lang="en-US" sz="2800" dirty="0">
+                <a:latin typeface="Verdana" panose="020B0604030504040204" pitchFamily="34" charset="0"/>
+                <a:ea typeface="Verdana" panose="020B0604030504040204" pitchFamily="34" charset="0"/>
+                <a:cs typeface="Verdana" panose="020B0604030504040204" pitchFamily="34" charset="0"/>
+              </a:rPr>
+              <a:t> </a:t>
+            </a:r>
+            <a:r>
+              <a:rPr lang="en-US" sz="2800" dirty="0" err="1">
+                <a:latin typeface="Verdana" panose="020B0604030504040204" pitchFamily="34" charset="0"/>
+                <a:ea typeface="Verdana" panose="020B0604030504040204" pitchFamily="34" charset="0"/>
+                <a:cs typeface="Verdana" panose="020B0604030504040204" pitchFamily="34" charset="0"/>
+              </a:rPr>
+              <a:t>stotate</a:t>
+            </a:r>
+            <a:r>
+              <a:rPr lang="en-US" sz="2800" dirty="0">
+                <a:latin typeface="Verdana" panose="020B0604030504040204" pitchFamily="34" charset="0"/>
+                <a:ea typeface="Verdana" panose="020B0604030504040204" pitchFamily="34" charset="0"/>
+                <a:cs typeface="Verdana" panose="020B0604030504040204" pitchFamily="34" charset="0"/>
+              </a:rPr>
+              <a:t> pre </a:t>
+            </a:r>
+            <a:r>
+              <a:rPr lang="en-US" sz="2800" dirty="0" err="1">
+                <a:latin typeface="Verdana" panose="020B0604030504040204" pitchFamily="34" charset="0"/>
+                <a:ea typeface="Verdana" panose="020B0604030504040204" pitchFamily="34" charset="0"/>
+                <a:cs typeface="Verdana" panose="020B0604030504040204" pitchFamily="34" charset="0"/>
+              </a:rPr>
+              <a:t>poris</a:t>
+            </a:r>
+            <a:r>
+              <a:rPr lang="en-US" sz="2800" dirty="0">
+                <a:latin typeface="Verdana" panose="020B0604030504040204" pitchFamily="34" charset="0"/>
+                <a:ea typeface="Verdana" panose="020B0604030504040204" pitchFamily="34" charset="0"/>
+                <a:cs typeface="Verdana" panose="020B0604030504040204" pitchFamily="34" charset="0"/>
+              </a:rPr>
+              <a:t> </a:t>
+            </a:r>
+            <a:r>
+              <a:rPr lang="en-US" sz="2800" dirty="0" err="1">
+                <a:latin typeface="Verdana" panose="020B0604030504040204" pitchFamily="34" charset="0"/>
+                <a:ea typeface="Verdana" panose="020B0604030504040204" pitchFamily="34" charset="0"/>
+                <a:cs typeface="Verdana" panose="020B0604030504040204" pitchFamily="34" charset="0"/>
+              </a:rPr>
+              <a:t>diciumqui</a:t>
+            </a:r>
+            <a:r>
+              <a:rPr lang="en-US" sz="2800" dirty="0">
+                <a:latin typeface="Verdana" panose="020B0604030504040204" pitchFamily="34" charset="0"/>
+                <a:ea typeface="Verdana" panose="020B0604030504040204" pitchFamily="34" charset="0"/>
+                <a:cs typeface="Verdana" panose="020B0604030504040204" pitchFamily="34" charset="0"/>
+              </a:rPr>
+              <a:t> </a:t>
+            </a:r>
+            <a:r>
+              <a:rPr lang="en-US" sz="2800" dirty="0" err="1">
+                <a:latin typeface="Verdana" panose="020B0604030504040204" pitchFamily="34" charset="0"/>
+                <a:ea typeface="Verdana" panose="020B0604030504040204" pitchFamily="34" charset="0"/>
+                <a:cs typeface="Verdana" panose="020B0604030504040204" pitchFamily="34" charset="0"/>
+              </a:rPr>
+              <a:t>officipsapic</a:t>
+            </a:r>
+            <a:r>
+              <a:rPr lang="en-US" sz="2800" dirty="0">
+                <a:latin typeface="Verdana" panose="020B0604030504040204" pitchFamily="34" charset="0"/>
+                <a:ea typeface="Verdana" panose="020B0604030504040204" pitchFamily="34" charset="0"/>
+                <a:cs typeface="Verdana" panose="020B0604030504040204" pitchFamily="34" charset="0"/>
+              </a:rPr>
+              <a:t> to </a:t>
+            </a:r>
+            <a:r>
+              <a:rPr lang="en-US" sz="2800" dirty="0" err="1">
+                <a:latin typeface="Verdana" panose="020B0604030504040204" pitchFamily="34" charset="0"/>
+                <a:ea typeface="Verdana" panose="020B0604030504040204" pitchFamily="34" charset="0"/>
+                <a:cs typeface="Verdana" panose="020B0604030504040204" pitchFamily="34" charset="0"/>
+              </a:rPr>
+              <a:t>modi</a:t>
+            </a:r>
+            <a:r>
+              <a:rPr lang="en-US" sz="2800" dirty="0">
+                <a:latin typeface="Verdana" panose="020B0604030504040204" pitchFamily="34" charset="0"/>
+                <a:ea typeface="Verdana" panose="020B0604030504040204" pitchFamily="34" charset="0"/>
+                <a:cs typeface="Verdana" panose="020B0604030504040204" pitchFamily="34" charset="0"/>
+              </a:rPr>
+              <a:t> quos </a:t>
+            </a:r>
+            <a:r>
+              <a:rPr lang="en-US" sz="2800" dirty="0" err="1">
+                <a:latin typeface="Verdana" panose="020B0604030504040204" pitchFamily="34" charset="0"/>
+                <a:ea typeface="Verdana" panose="020B0604030504040204" pitchFamily="34" charset="0"/>
+                <a:cs typeface="Verdana" panose="020B0604030504040204" pitchFamily="34" charset="0"/>
+              </a:rPr>
+              <a:t>eum</a:t>
+            </a:r>
+            <a:r>
+              <a:rPr lang="en-US" sz="2800" dirty="0">
+                <a:latin typeface="Verdana" panose="020B0604030504040204" pitchFamily="34" charset="0"/>
+                <a:ea typeface="Verdana" panose="020B0604030504040204" pitchFamily="34" charset="0"/>
+                <a:cs typeface="Verdana" panose="020B0604030504040204" pitchFamily="34" charset="0"/>
+              </a:rPr>
+              <a:t> rem sit </a:t>
+            </a:r>
+            <a:r>
+              <a:rPr lang="en-US" sz="2800" dirty="0" err="1">
+                <a:latin typeface="Verdana" panose="020B0604030504040204" pitchFamily="34" charset="0"/>
+                <a:ea typeface="Verdana" panose="020B0604030504040204" pitchFamily="34" charset="0"/>
+                <a:cs typeface="Verdana" panose="020B0604030504040204" pitchFamily="34" charset="0"/>
+              </a:rPr>
+              <a:t>quasse</a:t>
+            </a:r>
+            <a:r>
+              <a:rPr lang="en-US" sz="2800" dirty="0">
+                <a:latin typeface="Verdana" panose="020B0604030504040204" pitchFamily="34" charset="0"/>
+                <a:ea typeface="Verdana" panose="020B0604030504040204" pitchFamily="34" charset="0"/>
+                <a:cs typeface="Verdana" panose="020B0604030504040204" pitchFamily="34" charset="0"/>
+              </a:rPr>
+              <a:t> </a:t>
+            </a:r>
+            <a:r>
+              <a:rPr lang="en-US" sz="2800" dirty="0" err="1">
+                <a:latin typeface="Verdana" panose="020B0604030504040204" pitchFamily="34" charset="0"/>
+                <a:ea typeface="Verdana" panose="020B0604030504040204" pitchFamily="34" charset="0"/>
+                <a:cs typeface="Verdana" panose="020B0604030504040204" pitchFamily="34" charset="0"/>
+              </a:rPr>
+              <a:t>accatur</a:t>
+            </a:r>
+            <a:r>
+              <a:rPr lang="en-US" sz="2800" dirty="0">
+                <a:latin typeface="Verdana" panose="020B0604030504040204" pitchFamily="34" charset="0"/>
+                <a:ea typeface="Verdana" panose="020B0604030504040204" pitchFamily="34" charset="0"/>
+                <a:cs typeface="Verdana" panose="020B0604030504040204" pitchFamily="34" charset="0"/>
+              </a:rPr>
+              <a:t>?</a:t>
+            </a:r>
+          </a:p>
+          <a:p>
+            <a:pPr>
+              <a:spcAft>
+                <a:spcPts val="2600"/>
+              </a:spcAft>
+            </a:pPr>
+            <a:r>
+              <a:rPr lang="en-US" sz="2800" dirty="0">
+                <a:latin typeface="Verdana" panose="020B0604030504040204" pitchFamily="34" charset="0"/>
+                <a:ea typeface="Verdana" panose="020B0604030504040204" pitchFamily="34" charset="0"/>
+                <a:cs typeface="Verdana" panose="020B0604030504040204" pitchFamily="34" charset="0"/>
+              </a:rPr>
+              <a:t>Obis </a:t>
+            </a:r>
+            <a:r>
+              <a:rPr lang="en-US" sz="2800" dirty="0" err="1">
+                <a:latin typeface="Verdana" panose="020B0604030504040204" pitchFamily="34" charset="0"/>
+                <a:ea typeface="Verdana" panose="020B0604030504040204" pitchFamily="34" charset="0"/>
+                <a:cs typeface="Verdana" panose="020B0604030504040204" pitchFamily="34" charset="0"/>
+              </a:rPr>
+              <a:t>erit</a:t>
+            </a:r>
+            <a:r>
+              <a:rPr lang="en-US" sz="2800" dirty="0">
+                <a:latin typeface="Verdana" panose="020B0604030504040204" pitchFamily="34" charset="0"/>
+                <a:ea typeface="Verdana" panose="020B0604030504040204" pitchFamily="34" charset="0"/>
+                <a:cs typeface="Verdana" panose="020B0604030504040204" pitchFamily="34" charset="0"/>
+              </a:rPr>
+              <a:t> </a:t>
+            </a:r>
+            <a:r>
+              <a:rPr lang="en-US" sz="2800" dirty="0" err="1">
+                <a:latin typeface="Verdana" panose="020B0604030504040204" pitchFamily="34" charset="0"/>
+                <a:ea typeface="Verdana" panose="020B0604030504040204" pitchFamily="34" charset="0"/>
+                <a:cs typeface="Verdana" panose="020B0604030504040204" pitchFamily="34" charset="0"/>
+              </a:rPr>
+              <a:t>erianti</a:t>
+            </a:r>
+            <a:r>
+              <a:rPr lang="en-US" sz="2800" dirty="0">
+                <a:latin typeface="Verdana" panose="020B0604030504040204" pitchFamily="34" charset="0"/>
+                <a:ea typeface="Verdana" panose="020B0604030504040204" pitchFamily="34" charset="0"/>
+                <a:cs typeface="Verdana" panose="020B0604030504040204" pitchFamily="34" charset="0"/>
+              </a:rPr>
+              <a:t> debit, </a:t>
+            </a:r>
+            <a:r>
+              <a:rPr lang="en-US" sz="2800" dirty="0" err="1">
+                <a:latin typeface="Verdana" panose="020B0604030504040204" pitchFamily="34" charset="0"/>
+                <a:ea typeface="Verdana" panose="020B0604030504040204" pitchFamily="34" charset="0"/>
+                <a:cs typeface="Verdana" panose="020B0604030504040204" pitchFamily="34" charset="0"/>
+              </a:rPr>
+              <a:t>odi</a:t>
+            </a:r>
+            <a:r>
+              <a:rPr lang="en-US" sz="2800" dirty="0">
+                <a:latin typeface="Verdana" panose="020B0604030504040204" pitchFamily="34" charset="0"/>
+                <a:ea typeface="Verdana" panose="020B0604030504040204" pitchFamily="34" charset="0"/>
+                <a:cs typeface="Verdana" panose="020B0604030504040204" pitchFamily="34" charset="0"/>
+              </a:rPr>
+              <a:t> </a:t>
+            </a:r>
+            <a:r>
+              <a:rPr lang="en-US" sz="2800" dirty="0" err="1">
+                <a:latin typeface="Verdana" panose="020B0604030504040204" pitchFamily="34" charset="0"/>
+                <a:ea typeface="Verdana" panose="020B0604030504040204" pitchFamily="34" charset="0"/>
+                <a:cs typeface="Verdana" panose="020B0604030504040204" pitchFamily="34" charset="0"/>
+              </a:rPr>
+              <a:t>consequate</a:t>
+            </a:r>
+            <a:r>
+              <a:rPr lang="en-US" sz="2800" dirty="0">
+                <a:latin typeface="Verdana" panose="020B0604030504040204" pitchFamily="34" charset="0"/>
+                <a:ea typeface="Verdana" panose="020B0604030504040204" pitchFamily="34" charset="0"/>
+                <a:cs typeface="Verdana" panose="020B0604030504040204" pitchFamily="34" charset="0"/>
+              </a:rPr>
+              <a:t> </a:t>
+            </a:r>
+            <a:r>
+              <a:rPr lang="en-US" sz="2800" dirty="0" err="1">
+                <a:latin typeface="Verdana" panose="020B0604030504040204" pitchFamily="34" charset="0"/>
+                <a:ea typeface="Verdana" panose="020B0604030504040204" pitchFamily="34" charset="0"/>
+                <a:cs typeface="Verdana" panose="020B0604030504040204" pitchFamily="34" charset="0"/>
+              </a:rPr>
+              <a:t>dolupta</a:t>
+            </a:r>
+            <a:r>
+              <a:rPr lang="en-US" sz="2800" dirty="0">
+                <a:latin typeface="Verdana" panose="020B0604030504040204" pitchFamily="34" charset="0"/>
+                <a:ea typeface="Verdana" panose="020B0604030504040204" pitchFamily="34" charset="0"/>
+                <a:cs typeface="Verdana" panose="020B0604030504040204" pitchFamily="34" charset="0"/>
+              </a:rPr>
+              <a:t> </a:t>
+            </a:r>
+            <a:r>
+              <a:rPr lang="en-US" sz="2800" dirty="0" err="1">
+                <a:latin typeface="Verdana" panose="020B0604030504040204" pitchFamily="34" charset="0"/>
+                <a:ea typeface="Verdana" panose="020B0604030504040204" pitchFamily="34" charset="0"/>
+                <a:cs typeface="Verdana" panose="020B0604030504040204" pitchFamily="34" charset="0"/>
+              </a:rPr>
+              <a:t>epudit</a:t>
+            </a:r>
+            <a:r>
+              <a:rPr lang="en-US" sz="2800" dirty="0">
+                <a:latin typeface="Verdana" panose="020B0604030504040204" pitchFamily="34" charset="0"/>
+                <a:ea typeface="Verdana" panose="020B0604030504040204" pitchFamily="34" charset="0"/>
+                <a:cs typeface="Verdana" panose="020B0604030504040204" pitchFamily="34" charset="0"/>
+              </a:rPr>
+              <a:t> et </a:t>
+            </a:r>
+            <a:r>
+              <a:rPr lang="en-US" sz="2800" dirty="0" err="1">
+                <a:latin typeface="Verdana" panose="020B0604030504040204" pitchFamily="34" charset="0"/>
+                <a:ea typeface="Verdana" panose="020B0604030504040204" pitchFamily="34" charset="0"/>
+                <a:cs typeface="Verdana" panose="020B0604030504040204" pitchFamily="34" charset="0"/>
+              </a:rPr>
+              <a:t>etur</a:t>
+            </a:r>
+            <a:r>
+              <a:rPr lang="en-US" sz="2800" dirty="0">
+                <a:latin typeface="Verdana" panose="020B0604030504040204" pitchFamily="34" charset="0"/>
+                <a:ea typeface="Verdana" panose="020B0604030504040204" pitchFamily="34" charset="0"/>
+                <a:cs typeface="Verdana" panose="020B0604030504040204" pitchFamily="34" charset="0"/>
+              </a:rPr>
+              <a:t> </a:t>
+            </a:r>
+            <a:r>
+              <a:rPr lang="en-US" sz="2800" dirty="0" err="1">
+                <a:latin typeface="Verdana" panose="020B0604030504040204" pitchFamily="34" charset="0"/>
+                <a:ea typeface="Verdana" panose="020B0604030504040204" pitchFamily="34" charset="0"/>
+                <a:cs typeface="Verdana" panose="020B0604030504040204" pitchFamily="34" charset="0"/>
+              </a:rPr>
+              <a:t>rempore</a:t>
+            </a:r>
+            <a:r>
+              <a:rPr lang="en-US" sz="2800" dirty="0">
+                <a:latin typeface="Verdana" panose="020B0604030504040204" pitchFamily="34" charset="0"/>
+                <a:ea typeface="Verdana" panose="020B0604030504040204" pitchFamily="34" charset="0"/>
+                <a:cs typeface="Verdana" panose="020B0604030504040204" pitchFamily="34" charset="0"/>
+              </a:rPr>
+              <a:t>. Lam </a:t>
+            </a:r>
+            <a:r>
+              <a:rPr lang="en-US" sz="2800" dirty="0" err="1">
+                <a:latin typeface="Verdana" panose="020B0604030504040204" pitchFamily="34" charset="0"/>
+                <a:ea typeface="Verdana" panose="020B0604030504040204" pitchFamily="34" charset="0"/>
+                <a:cs typeface="Verdana" panose="020B0604030504040204" pitchFamily="34" charset="0"/>
+              </a:rPr>
+              <a:t>ariae</a:t>
+            </a:r>
+            <a:r>
+              <a:rPr lang="en-US" sz="2800" dirty="0">
+                <a:latin typeface="Verdana" panose="020B0604030504040204" pitchFamily="34" charset="0"/>
+                <a:ea typeface="Verdana" panose="020B0604030504040204" pitchFamily="34" charset="0"/>
+                <a:cs typeface="Verdana" panose="020B0604030504040204" pitchFamily="34" charset="0"/>
+              </a:rPr>
+              <a:t> </a:t>
+            </a:r>
+            <a:r>
+              <a:rPr lang="en-US" sz="2800" dirty="0" err="1">
+                <a:latin typeface="Verdana" panose="020B0604030504040204" pitchFamily="34" charset="0"/>
+                <a:ea typeface="Verdana" panose="020B0604030504040204" pitchFamily="34" charset="0"/>
+                <a:cs typeface="Verdana" panose="020B0604030504040204" pitchFamily="34" charset="0"/>
+              </a:rPr>
+              <a:t>aperit</a:t>
+            </a:r>
+            <a:r>
+              <a:rPr lang="en-US" sz="2800" dirty="0">
+                <a:latin typeface="Verdana" panose="020B0604030504040204" pitchFamily="34" charset="0"/>
+                <a:ea typeface="Verdana" panose="020B0604030504040204" pitchFamily="34" charset="0"/>
+                <a:cs typeface="Verdana" panose="020B0604030504040204" pitchFamily="34" charset="0"/>
+              </a:rPr>
+              <a:t>, </a:t>
+            </a:r>
+            <a:r>
+              <a:rPr lang="en-US" sz="2800" dirty="0" err="1">
+                <a:latin typeface="Verdana" panose="020B0604030504040204" pitchFamily="34" charset="0"/>
+                <a:ea typeface="Verdana" panose="020B0604030504040204" pitchFamily="34" charset="0"/>
+                <a:cs typeface="Verdana" panose="020B0604030504040204" pitchFamily="34" charset="0"/>
+              </a:rPr>
+              <a:t>officatio</a:t>
+            </a:r>
+            <a:r>
+              <a:rPr lang="en-US" sz="2800" dirty="0">
+                <a:latin typeface="Verdana" panose="020B0604030504040204" pitchFamily="34" charset="0"/>
+                <a:ea typeface="Verdana" panose="020B0604030504040204" pitchFamily="34" charset="0"/>
+                <a:cs typeface="Verdana" panose="020B0604030504040204" pitchFamily="34" charset="0"/>
+              </a:rPr>
+              <a:t> </a:t>
+            </a:r>
+            <a:r>
+              <a:rPr lang="en-US" sz="2800" dirty="0" err="1">
+                <a:latin typeface="Verdana" panose="020B0604030504040204" pitchFamily="34" charset="0"/>
+                <a:ea typeface="Verdana" panose="020B0604030504040204" pitchFamily="34" charset="0"/>
+                <a:cs typeface="Verdana" panose="020B0604030504040204" pitchFamily="34" charset="0"/>
+              </a:rPr>
+              <a:t>eos</a:t>
+            </a:r>
+            <a:r>
+              <a:rPr lang="en-US" sz="2800" dirty="0">
+                <a:latin typeface="Verdana" panose="020B0604030504040204" pitchFamily="34" charset="0"/>
+                <a:ea typeface="Verdana" panose="020B0604030504040204" pitchFamily="34" charset="0"/>
+                <a:cs typeface="Verdana" panose="020B0604030504040204" pitchFamily="34" charset="0"/>
+              </a:rPr>
+              <a:t> </a:t>
+            </a:r>
+            <a:r>
+              <a:rPr lang="en-US" sz="2800" dirty="0" err="1">
+                <a:latin typeface="Verdana" panose="020B0604030504040204" pitchFamily="34" charset="0"/>
+                <a:ea typeface="Verdana" panose="020B0604030504040204" pitchFamily="34" charset="0"/>
+                <a:cs typeface="Verdana" panose="020B0604030504040204" pitchFamily="34" charset="0"/>
+              </a:rPr>
+              <a:t>quia</a:t>
+            </a:r>
+            <a:r>
+              <a:rPr lang="en-US" sz="2800" dirty="0">
+                <a:latin typeface="Verdana" panose="020B0604030504040204" pitchFamily="34" charset="0"/>
+                <a:ea typeface="Verdana" panose="020B0604030504040204" pitchFamily="34" charset="0"/>
+                <a:cs typeface="Verdana" panose="020B0604030504040204" pitchFamily="34" charset="0"/>
+              </a:rPr>
+              <a:t> </a:t>
+            </a:r>
+            <a:r>
+              <a:rPr lang="en-US" sz="2800" dirty="0" err="1">
+                <a:latin typeface="Verdana" panose="020B0604030504040204" pitchFamily="34" charset="0"/>
+                <a:ea typeface="Verdana" panose="020B0604030504040204" pitchFamily="34" charset="0"/>
+                <a:cs typeface="Verdana" panose="020B0604030504040204" pitchFamily="34" charset="0"/>
+              </a:rPr>
+              <a:t>sandaectae</a:t>
+            </a:r>
+            <a:r>
+              <a:rPr lang="en-US" sz="2800" dirty="0">
+                <a:latin typeface="Verdana" panose="020B0604030504040204" pitchFamily="34" charset="0"/>
+                <a:ea typeface="Verdana" panose="020B0604030504040204" pitchFamily="34" charset="0"/>
+                <a:cs typeface="Verdana" panose="020B0604030504040204" pitchFamily="34" charset="0"/>
+              </a:rPr>
+              <a:t>. Ut </a:t>
+            </a:r>
+            <a:r>
+              <a:rPr lang="en-US" sz="2800" dirty="0" err="1">
+                <a:latin typeface="Verdana" panose="020B0604030504040204" pitchFamily="34" charset="0"/>
+                <a:ea typeface="Verdana" panose="020B0604030504040204" pitchFamily="34" charset="0"/>
+                <a:cs typeface="Verdana" panose="020B0604030504040204" pitchFamily="34" charset="0"/>
+              </a:rPr>
+              <a:t>aribuscimpor</a:t>
+            </a:r>
+            <a:r>
+              <a:rPr lang="en-US" sz="2800" dirty="0">
+                <a:latin typeface="Verdana" panose="020B0604030504040204" pitchFamily="34" charset="0"/>
+                <a:ea typeface="Verdana" panose="020B0604030504040204" pitchFamily="34" charset="0"/>
+                <a:cs typeface="Verdana" panose="020B0604030504040204" pitchFamily="34" charset="0"/>
+              </a:rPr>
+              <a:t> </a:t>
+            </a:r>
+            <a:r>
+              <a:rPr lang="en-US" sz="2800" dirty="0" err="1">
+                <a:latin typeface="Verdana" panose="020B0604030504040204" pitchFamily="34" charset="0"/>
+                <a:ea typeface="Verdana" panose="020B0604030504040204" pitchFamily="34" charset="0"/>
+                <a:cs typeface="Verdana" panose="020B0604030504040204" pitchFamily="34" charset="0"/>
+              </a:rPr>
+              <a:t>moloris</a:t>
+            </a:r>
+            <a:r>
+              <a:rPr lang="en-US" sz="2800" dirty="0">
+                <a:latin typeface="Verdana" panose="020B0604030504040204" pitchFamily="34" charset="0"/>
+                <a:ea typeface="Verdana" panose="020B0604030504040204" pitchFamily="34" charset="0"/>
+                <a:cs typeface="Verdana" panose="020B0604030504040204" pitchFamily="34" charset="0"/>
+              </a:rPr>
+              <a:t> non.. </a:t>
+            </a:r>
+          </a:p>
+          <a:p>
+            <a:pPr>
+              <a:spcAft>
+                <a:spcPts val="2600"/>
+              </a:spcAft>
+            </a:pPr>
+            <a:r>
+              <a:rPr lang="en-US" sz="2800" dirty="0" err="1">
+                <a:latin typeface="Verdana" panose="020B0604030504040204" pitchFamily="34" charset="0"/>
+                <a:ea typeface="Verdana" panose="020B0604030504040204" pitchFamily="34" charset="0"/>
+                <a:cs typeface="Verdana" panose="020B0604030504040204" pitchFamily="34" charset="0"/>
+              </a:rPr>
+              <a:t>odipsae</a:t>
+            </a:r>
+            <a:r>
+              <a:rPr lang="en-US" sz="2800" dirty="0">
+                <a:latin typeface="Verdana" panose="020B0604030504040204" pitchFamily="34" charset="0"/>
+                <a:ea typeface="Verdana" panose="020B0604030504040204" pitchFamily="34" charset="0"/>
+                <a:cs typeface="Verdana" panose="020B0604030504040204" pitchFamily="34" charset="0"/>
+              </a:rPr>
+              <a:t> id </a:t>
+            </a:r>
+            <a:r>
+              <a:rPr lang="en-US" sz="2800" dirty="0" err="1">
+                <a:latin typeface="Verdana" panose="020B0604030504040204" pitchFamily="34" charset="0"/>
+                <a:ea typeface="Verdana" panose="020B0604030504040204" pitchFamily="34" charset="0"/>
+                <a:cs typeface="Verdana" panose="020B0604030504040204" pitchFamily="34" charset="0"/>
+              </a:rPr>
+              <a:t>quaepe</a:t>
+            </a:r>
+            <a:r>
+              <a:rPr lang="en-US" sz="2800" dirty="0">
+                <a:latin typeface="Verdana" panose="020B0604030504040204" pitchFamily="34" charset="0"/>
+                <a:ea typeface="Verdana" panose="020B0604030504040204" pitchFamily="34" charset="0"/>
+                <a:cs typeface="Verdana" panose="020B0604030504040204" pitchFamily="34" charset="0"/>
+              </a:rPr>
+              <a:t> que </a:t>
+            </a:r>
+            <a:r>
+              <a:rPr lang="en-US" sz="2800" dirty="0" err="1">
+                <a:latin typeface="Verdana" panose="020B0604030504040204" pitchFamily="34" charset="0"/>
+                <a:ea typeface="Verdana" panose="020B0604030504040204" pitchFamily="34" charset="0"/>
+                <a:cs typeface="Verdana" panose="020B0604030504040204" pitchFamily="34" charset="0"/>
+              </a:rPr>
+              <a:t>doluptas</a:t>
+            </a:r>
+            <a:r>
+              <a:rPr lang="en-US" sz="2800" dirty="0">
+                <a:latin typeface="Verdana" panose="020B0604030504040204" pitchFamily="34" charset="0"/>
+                <a:ea typeface="Verdana" panose="020B0604030504040204" pitchFamily="34" charset="0"/>
+                <a:cs typeface="Verdana" panose="020B0604030504040204" pitchFamily="34" charset="0"/>
+              </a:rPr>
+              <a:t> et </a:t>
+            </a:r>
+            <a:r>
+              <a:rPr lang="en-US" sz="2800" dirty="0" err="1">
+                <a:latin typeface="Verdana" panose="020B0604030504040204" pitchFamily="34" charset="0"/>
+                <a:ea typeface="Verdana" panose="020B0604030504040204" pitchFamily="34" charset="0"/>
+                <a:cs typeface="Verdana" panose="020B0604030504040204" pitchFamily="34" charset="0"/>
+              </a:rPr>
+              <a:t>placcullias</a:t>
+            </a:r>
+            <a:r>
+              <a:rPr lang="en-US" sz="2800" dirty="0">
+                <a:latin typeface="Verdana" panose="020B0604030504040204" pitchFamily="34" charset="0"/>
+                <a:ea typeface="Verdana" panose="020B0604030504040204" pitchFamily="34" charset="0"/>
+                <a:cs typeface="Verdana" panose="020B0604030504040204" pitchFamily="34" charset="0"/>
+              </a:rPr>
+              <a:t> </a:t>
+            </a:r>
+            <a:r>
+              <a:rPr lang="en-US" sz="2800" dirty="0" err="1">
+                <a:latin typeface="Verdana" panose="020B0604030504040204" pitchFamily="34" charset="0"/>
+                <a:ea typeface="Verdana" panose="020B0604030504040204" pitchFamily="34" charset="0"/>
+                <a:cs typeface="Verdana" panose="020B0604030504040204" pitchFamily="34" charset="0"/>
+              </a:rPr>
+              <a:t>peditaturis</a:t>
+            </a:r>
+            <a:r>
+              <a:rPr lang="en-US" sz="2800" dirty="0">
+                <a:latin typeface="Verdana" panose="020B0604030504040204" pitchFamily="34" charset="0"/>
+                <a:ea typeface="Verdana" panose="020B0604030504040204" pitchFamily="34" charset="0"/>
+                <a:cs typeface="Verdana" panose="020B0604030504040204" pitchFamily="34" charset="0"/>
+              </a:rPr>
+              <a:t> </a:t>
+            </a:r>
+            <a:r>
+              <a:rPr lang="en-US" sz="2800" dirty="0" err="1">
+                <a:latin typeface="Verdana" panose="020B0604030504040204" pitchFamily="34" charset="0"/>
+                <a:ea typeface="Verdana" panose="020B0604030504040204" pitchFamily="34" charset="0"/>
+                <a:cs typeface="Verdana" panose="020B0604030504040204" pitchFamily="34" charset="0"/>
+              </a:rPr>
+              <a:t>dolorem</a:t>
+            </a:r>
+            <a:r>
+              <a:rPr lang="en-US" sz="2800" dirty="0">
+                <a:latin typeface="Verdana" panose="020B0604030504040204" pitchFamily="34" charset="0"/>
+                <a:ea typeface="Verdana" panose="020B0604030504040204" pitchFamily="34" charset="0"/>
+                <a:cs typeface="Verdana" panose="020B0604030504040204" pitchFamily="34" charset="0"/>
+              </a:rPr>
+              <a:t> et </a:t>
+            </a:r>
+            <a:r>
+              <a:rPr lang="en-US" sz="2800" dirty="0" err="1">
+                <a:latin typeface="Verdana" panose="020B0604030504040204" pitchFamily="34" charset="0"/>
+                <a:ea typeface="Verdana" panose="020B0604030504040204" pitchFamily="34" charset="0"/>
+                <a:cs typeface="Verdana" panose="020B0604030504040204" pitchFamily="34" charset="0"/>
+              </a:rPr>
+              <a:t>recusda</a:t>
+            </a:r>
+            <a:r>
+              <a:rPr lang="en-US" sz="2800" dirty="0">
+                <a:latin typeface="Verdana" panose="020B0604030504040204" pitchFamily="34" charset="0"/>
+                <a:ea typeface="Verdana" panose="020B0604030504040204" pitchFamily="34" charset="0"/>
+                <a:cs typeface="Verdana" panose="020B0604030504040204" pitchFamily="34" charset="0"/>
+              </a:rPr>
+              <a:t> </a:t>
+            </a:r>
+            <a:r>
+              <a:rPr lang="en-US" sz="2800" dirty="0" err="1">
+                <a:latin typeface="Verdana" panose="020B0604030504040204" pitchFamily="34" charset="0"/>
+                <a:ea typeface="Verdana" panose="020B0604030504040204" pitchFamily="34" charset="0"/>
+                <a:cs typeface="Verdana" panose="020B0604030504040204" pitchFamily="34" charset="0"/>
+              </a:rPr>
+              <a:t>ntiberum</a:t>
+            </a:r>
+            <a:r>
+              <a:rPr lang="en-US" sz="2800" dirty="0">
+                <a:latin typeface="Verdana" panose="020B0604030504040204" pitchFamily="34" charset="0"/>
+                <a:ea typeface="Verdana" panose="020B0604030504040204" pitchFamily="34" charset="0"/>
+                <a:cs typeface="Verdana" panose="020B0604030504040204" pitchFamily="34" charset="0"/>
+              </a:rPr>
+              <a:t> </a:t>
+            </a:r>
+            <a:r>
+              <a:rPr lang="en-US" sz="2800" dirty="0" err="1">
+                <a:latin typeface="Verdana" panose="020B0604030504040204" pitchFamily="34" charset="0"/>
+                <a:ea typeface="Verdana" panose="020B0604030504040204" pitchFamily="34" charset="0"/>
+                <a:cs typeface="Verdana" panose="020B0604030504040204" pitchFamily="34" charset="0"/>
+              </a:rPr>
+              <a:t>eos</a:t>
+            </a:r>
+            <a:r>
+              <a:rPr lang="en-US" sz="2800" dirty="0">
+                <a:latin typeface="Verdana" panose="020B0604030504040204" pitchFamily="34" charset="0"/>
+                <a:ea typeface="Verdana" panose="020B0604030504040204" pitchFamily="34" charset="0"/>
+                <a:cs typeface="Verdana" panose="020B0604030504040204" pitchFamily="34" charset="0"/>
+              </a:rPr>
+              <a:t> </a:t>
+            </a:r>
+            <a:r>
+              <a:rPr lang="en-US" sz="2800" dirty="0" err="1">
+                <a:latin typeface="Verdana" panose="020B0604030504040204" pitchFamily="34" charset="0"/>
+                <a:ea typeface="Verdana" panose="020B0604030504040204" pitchFamily="34" charset="0"/>
+                <a:cs typeface="Verdana" panose="020B0604030504040204" pitchFamily="34" charset="0"/>
+              </a:rPr>
+              <a:t>imi</a:t>
+            </a:r>
+            <a:r>
+              <a:rPr lang="en-US" sz="2800" dirty="0">
+                <a:latin typeface="Verdana" panose="020B0604030504040204" pitchFamily="34" charset="0"/>
+                <a:ea typeface="Verdana" panose="020B0604030504040204" pitchFamily="34" charset="0"/>
+                <a:cs typeface="Verdana" panose="020B0604030504040204" pitchFamily="34" charset="0"/>
+              </a:rPr>
+              <a:t> </a:t>
+            </a:r>
+            <a:r>
+              <a:rPr lang="en-US" sz="2800" dirty="0" err="1">
+                <a:latin typeface="Verdana" panose="020B0604030504040204" pitchFamily="34" charset="0"/>
+                <a:ea typeface="Verdana" panose="020B0604030504040204" pitchFamily="34" charset="0"/>
+                <a:cs typeface="Verdana" panose="020B0604030504040204" pitchFamily="34" charset="0"/>
+              </a:rPr>
+              <a:t>quaeperro</a:t>
+            </a:r>
+            <a:r>
+              <a:rPr lang="en-US" sz="2800" dirty="0">
+                <a:latin typeface="Verdana" panose="020B0604030504040204" pitchFamily="34" charset="0"/>
+                <a:ea typeface="Verdana" panose="020B0604030504040204" pitchFamily="34" charset="0"/>
+                <a:cs typeface="Verdana" panose="020B0604030504040204" pitchFamily="34" charset="0"/>
+              </a:rPr>
+              <a:t> </a:t>
+            </a:r>
+            <a:r>
+              <a:rPr lang="en-US" sz="2800" dirty="0" err="1">
+                <a:latin typeface="Verdana" panose="020B0604030504040204" pitchFamily="34" charset="0"/>
+                <a:ea typeface="Verdana" panose="020B0604030504040204" pitchFamily="34" charset="0"/>
+                <a:cs typeface="Verdana" panose="020B0604030504040204" pitchFamily="34" charset="0"/>
+              </a:rPr>
+              <a:t>ea</a:t>
+            </a:r>
+            <a:r>
+              <a:rPr lang="en-US" sz="2800" dirty="0">
+                <a:latin typeface="Verdana" panose="020B0604030504040204" pitchFamily="34" charset="0"/>
+                <a:ea typeface="Verdana" panose="020B0604030504040204" pitchFamily="34" charset="0"/>
+                <a:cs typeface="Verdana" panose="020B0604030504040204" pitchFamily="34" charset="0"/>
+              </a:rPr>
+              <a:t> </a:t>
+            </a:r>
+            <a:r>
+              <a:rPr lang="en-US" sz="2800" dirty="0" err="1">
+                <a:latin typeface="Verdana" panose="020B0604030504040204" pitchFamily="34" charset="0"/>
+                <a:ea typeface="Verdana" panose="020B0604030504040204" pitchFamily="34" charset="0"/>
+                <a:cs typeface="Verdana" panose="020B0604030504040204" pitchFamily="34" charset="0"/>
+              </a:rPr>
+              <a:t>ipiet</a:t>
+            </a:r>
+            <a:r>
+              <a:rPr lang="en-US" sz="2800" dirty="0">
+                <a:latin typeface="Verdana" panose="020B0604030504040204" pitchFamily="34" charset="0"/>
+                <a:ea typeface="Verdana" panose="020B0604030504040204" pitchFamily="34" charset="0"/>
+                <a:cs typeface="Verdana" panose="020B0604030504040204" pitchFamily="34" charset="0"/>
+              </a:rPr>
+              <a:t> est.</a:t>
+            </a:r>
+          </a:p>
+          <a:p>
+            <a:endParaRPr lang="en-US" sz="2800" dirty="0">
+              <a:latin typeface="Verdana" panose="020B0604030504040204" pitchFamily="34" charset="0"/>
+              <a:ea typeface="Verdana" panose="020B0604030504040204" pitchFamily="34" charset="0"/>
+              <a:cs typeface="Verdana" panose="020B0604030504040204" pitchFamily="34" charset="0"/>
+            </a:endParaRPr>
+          </a:p>
+        </p:txBody>
+      </p:sp>
+      <p:sp>
+        <p:nvSpPr>
+          <p:cNvPr id="17" name="Text Placeholder 16">
+            <a:extLst>
+              <a:ext uri="{FF2B5EF4-FFF2-40B4-BE49-F238E27FC236}">
+                <a16:creationId xmlns:a16="http://schemas.microsoft.com/office/drawing/2014/main" id="{B0499706-B276-4FE9-9822-CA05A1F89C4F}"/>
+              </a:ext>
+            </a:extLst>
+          </p:cNvPr>
+          <p:cNvSpPr txBox="1">
+            <a:spLocks/>
+          </p:cNvSpPr>
+          <p:nvPr/>
+        </p:nvSpPr>
+        <p:spPr>
+          <a:xfrm>
+            <a:off x="33952921" y="19991313"/>
+            <a:ext cx="8158690" cy="677108"/>
+          </a:xfrm>
+          <a:prstGeom prst="rect">
+            <a:avLst/>
+          </a:prstGeom>
+        </p:spPr>
+        <p:txBody>
+          <a:bodyPr wrap="square" lIns="0" tIns="0" rIns="0" bIns="0">
+            <a:spAutoFit/>
+          </a:bodyPr>
+          <a:lstStyle>
+            <a:lvl1pPr marL="0" indent="0" algn="l" defTabSz="4389120" rtl="0" eaLnBrk="1" latinLnBrk="0" hangingPunct="1">
+              <a:lnSpc>
+                <a:spcPct val="90000"/>
+              </a:lnSpc>
+              <a:spcBef>
+                <a:spcPts val="4800"/>
+              </a:spcBef>
+              <a:buFontTx/>
+              <a:buNone/>
+              <a:defRPr sz="4800" kern="1200" cap="all" baseline="0">
+                <a:solidFill>
+                  <a:schemeClr val="tx1"/>
+                </a:solidFill>
+                <a:latin typeface="KievitPro-Medium" charset="0"/>
+                <a:ea typeface="+mn-ea"/>
+                <a:cs typeface="+mn-cs"/>
+              </a:defRPr>
+            </a:lvl1pPr>
+            <a:lvl2pPr marL="2194560" indent="0" algn="l" defTabSz="4389120" rtl="0" eaLnBrk="1" latinLnBrk="0" hangingPunct="1">
+              <a:lnSpc>
+                <a:spcPct val="90000"/>
+              </a:lnSpc>
+              <a:spcBef>
+                <a:spcPts val="2400"/>
+              </a:spcBef>
+              <a:buFontTx/>
+              <a:buNone/>
+              <a:defRPr sz="4800" kern="1200" cap="all" baseline="0">
+                <a:solidFill>
+                  <a:schemeClr val="tx1"/>
+                </a:solidFill>
+                <a:latin typeface="KievitPro-Medium" charset="0"/>
+                <a:ea typeface="+mn-ea"/>
+                <a:cs typeface="+mn-cs"/>
+              </a:defRPr>
+            </a:lvl2pPr>
+            <a:lvl3pPr marL="4389120" indent="0" algn="l" defTabSz="4389120" rtl="0" eaLnBrk="1" latinLnBrk="0" hangingPunct="1">
+              <a:lnSpc>
+                <a:spcPct val="90000"/>
+              </a:lnSpc>
+              <a:spcBef>
+                <a:spcPts val="2400"/>
+              </a:spcBef>
+              <a:buFontTx/>
+              <a:buNone/>
+              <a:defRPr sz="4800" kern="1200" cap="all" baseline="0">
+                <a:solidFill>
+                  <a:schemeClr val="tx1"/>
+                </a:solidFill>
+                <a:latin typeface="KievitPro-Medium" charset="0"/>
+                <a:ea typeface="+mn-ea"/>
+                <a:cs typeface="+mn-cs"/>
+              </a:defRPr>
+            </a:lvl3pPr>
+            <a:lvl4pPr marL="6583680" indent="0" algn="l" defTabSz="4389120" rtl="0" eaLnBrk="1" latinLnBrk="0" hangingPunct="1">
+              <a:lnSpc>
+                <a:spcPct val="90000"/>
+              </a:lnSpc>
+              <a:spcBef>
+                <a:spcPts val="2400"/>
+              </a:spcBef>
+              <a:buFontTx/>
+              <a:buNone/>
+              <a:defRPr sz="4800" kern="1200" cap="all" baseline="0">
+                <a:solidFill>
+                  <a:schemeClr val="tx1"/>
+                </a:solidFill>
+                <a:latin typeface="KievitPro-Medium" charset="0"/>
+                <a:ea typeface="+mn-ea"/>
+                <a:cs typeface="+mn-cs"/>
+              </a:defRPr>
+            </a:lvl4pPr>
+            <a:lvl5pPr marL="8778240" indent="0" algn="l" defTabSz="4389120" rtl="0" eaLnBrk="1" latinLnBrk="0" hangingPunct="1">
+              <a:lnSpc>
+                <a:spcPct val="90000"/>
+              </a:lnSpc>
+              <a:spcBef>
+                <a:spcPts val="2400"/>
+              </a:spcBef>
+              <a:buFontTx/>
+              <a:buNone/>
+              <a:defRPr sz="4800" kern="1200" cap="all" baseline="0">
+                <a:solidFill>
+                  <a:schemeClr val="tx1"/>
+                </a:solidFill>
+                <a:latin typeface="KievitPro-Medium" charset="0"/>
+                <a:ea typeface="+mn-ea"/>
+                <a:cs typeface="+mn-cs"/>
+              </a:defRPr>
+            </a:lvl5pPr>
+            <a:lvl6pPr marL="12070080" indent="-1097280" algn="l" defTabSz="4389120" rtl="0" eaLnBrk="1" latinLnBrk="0" hangingPunct="1">
+              <a:lnSpc>
+                <a:spcPct val="90000"/>
+              </a:lnSpc>
+              <a:spcBef>
+                <a:spcPts val="2400"/>
+              </a:spcBef>
+              <a:buFont typeface="Arial" panose="020B0604020202020204" pitchFamily="34" charset="0"/>
+              <a:buChar char="•"/>
+              <a:defRPr sz="8640" kern="1200">
+                <a:solidFill>
+                  <a:schemeClr val="tx1"/>
+                </a:solidFill>
+                <a:latin typeface="+mn-lt"/>
+                <a:ea typeface="+mn-ea"/>
+                <a:cs typeface="+mn-cs"/>
+              </a:defRPr>
+            </a:lvl6pPr>
+            <a:lvl7pPr marL="14264640" indent="-1097280" algn="l" defTabSz="4389120" rtl="0" eaLnBrk="1" latinLnBrk="0" hangingPunct="1">
+              <a:lnSpc>
+                <a:spcPct val="90000"/>
+              </a:lnSpc>
+              <a:spcBef>
+                <a:spcPts val="2400"/>
+              </a:spcBef>
+              <a:buFont typeface="Arial" panose="020B0604020202020204" pitchFamily="34" charset="0"/>
+              <a:buChar char="•"/>
+              <a:defRPr sz="8640" kern="1200">
+                <a:solidFill>
+                  <a:schemeClr val="tx1"/>
+                </a:solidFill>
+                <a:latin typeface="+mn-lt"/>
+                <a:ea typeface="+mn-ea"/>
+                <a:cs typeface="+mn-cs"/>
+              </a:defRPr>
+            </a:lvl7pPr>
+            <a:lvl8pPr marL="16459200" indent="-1097280" algn="l" defTabSz="4389120" rtl="0" eaLnBrk="1" latinLnBrk="0" hangingPunct="1">
+              <a:lnSpc>
+                <a:spcPct val="90000"/>
+              </a:lnSpc>
+              <a:spcBef>
+                <a:spcPts val="2400"/>
+              </a:spcBef>
+              <a:buFont typeface="Arial" panose="020B0604020202020204" pitchFamily="34" charset="0"/>
+              <a:buChar char="•"/>
+              <a:defRPr sz="8640" kern="1200">
+                <a:solidFill>
+                  <a:schemeClr val="tx1"/>
+                </a:solidFill>
+                <a:latin typeface="+mn-lt"/>
+                <a:ea typeface="+mn-ea"/>
+                <a:cs typeface="+mn-cs"/>
+              </a:defRPr>
+            </a:lvl8pPr>
+            <a:lvl9pPr marL="18653760" indent="-1097280" algn="l" defTabSz="4389120" rtl="0" eaLnBrk="1" latinLnBrk="0" hangingPunct="1">
+              <a:lnSpc>
+                <a:spcPct val="90000"/>
+              </a:lnSpc>
+              <a:spcBef>
+                <a:spcPts val="2400"/>
+              </a:spcBef>
+              <a:buFont typeface="Arial" panose="020B0604020202020204" pitchFamily="34" charset="0"/>
+              <a:buChar char="•"/>
+              <a:defRPr sz="8640" kern="1200">
+                <a:solidFill>
+                  <a:schemeClr val="tx1"/>
+                </a:solidFill>
+                <a:latin typeface="+mn-lt"/>
+                <a:ea typeface="+mn-ea"/>
+                <a:cs typeface="+mn-cs"/>
+              </a:defRPr>
+            </a:lvl9pPr>
+          </a:lstStyle>
+          <a:p>
+            <a:r>
+              <a:rPr lang="en-US" dirty="0">
+                <a:solidFill>
+                  <a:srgbClr val="FFFFFF"/>
+                </a:solidFill>
+                <a:latin typeface="Verdana Regular" charset="0"/>
+              </a:rPr>
+              <a:t>Conclusion</a:t>
             </a:r>
           </a:p>
         </p:txBody>

--- a/Poster/poster_undergrad_expo_48x36_eecs.pptx
+++ b/Poster/poster_undergrad_expo_48x36_eecs.pptx
@@ -2513,7 +2513,7 @@
         <p:spPr>
           <a:xfrm>
             <a:off x="22417891" y="23944056"/>
-            <a:ext cx="9418320" cy="7873950"/>
+            <a:ext cx="9418320" cy="6197915"/>
           </a:xfrm>
           <a:prstGeom prst="rect">
             <a:avLst/>
@@ -2692,1009 +2692,17 @@
             </a:lvl9pPr>
           </a:lstStyle>
           <a:p>
-            <a:pPr>
+            <a:pPr marL="0" indent="0">
               <a:spcAft>
                 <a:spcPts val="2600"/>
               </a:spcAft>
+              <a:buNone/>
             </a:pPr>
             <a:r>
               <a:rPr lang="en-US" dirty="0">
                 <a:latin typeface="Verdana Regular" charset="0"/>
               </a:rPr>
-              <a:t>Bullet. </a:t>
-            </a:r>
-            <a:r>
-              <a:rPr lang="en-US" dirty="0" err="1">
-                <a:latin typeface="Verdana Regular" charset="0"/>
-              </a:rPr>
-              <a:t>lum</a:t>
-            </a:r>
-            <a:r>
-              <a:rPr lang="en-US" dirty="0">
-                <a:latin typeface="Verdana Regular" charset="0"/>
-              </a:rPr>
-              <a:t> </a:t>
-            </a:r>
-            <a:r>
-              <a:rPr lang="en-US" dirty="0" err="1">
-                <a:latin typeface="Verdana Regular" charset="0"/>
-              </a:rPr>
-              <a:t>exer</a:t>
-            </a:r>
-            <a:r>
-              <a:rPr lang="en-US" dirty="0">
-                <a:latin typeface="Verdana Regular" charset="0"/>
-              </a:rPr>
-              <a:t> </a:t>
-            </a:r>
-            <a:r>
-              <a:rPr lang="en-US" dirty="0" err="1">
-                <a:latin typeface="Verdana Regular" charset="0"/>
-              </a:rPr>
-              <a:t>adipsustrud</a:t>
-            </a:r>
-            <a:r>
-              <a:rPr lang="en-US" dirty="0">
-                <a:latin typeface="Verdana Regular" charset="0"/>
-              </a:rPr>
-              <a:t> </a:t>
-            </a:r>
-            <a:r>
-              <a:rPr lang="en-US" dirty="0" err="1">
-                <a:latin typeface="Verdana Regular" charset="0"/>
-              </a:rPr>
-              <a:t>doloree</a:t>
-            </a:r>
-            <a:r>
-              <a:rPr lang="en-US" dirty="0">
-                <a:latin typeface="Verdana Regular" charset="0"/>
-              </a:rPr>
-              <a:t> </a:t>
-            </a:r>
-            <a:r>
-              <a:rPr lang="en-US" dirty="0" err="1">
-                <a:latin typeface="Verdana Regular" charset="0"/>
-              </a:rPr>
-              <a:t>tuerat</a:t>
-            </a:r>
-            <a:r>
-              <a:rPr lang="en-US" dirty="0">
-                <a:latin typeface="Verdana Regular" charset="0"/>
-              </a:rPr>
-              <a:t> </a:t>
-            </a:r>
-            <a:r>
-              <a:rPr lang="en-US" dirty="0" err="1">
-                <a:latin typeface="Verdana Regular" charset="0"/>
-              </a:rPr>
-              <a:t>lorpera</a:t>
-            </a:r>
-            <a:r>
-              <a:rPr lang="en-US" dirty="0">
-                <a:latin typeface="Verdana Regular" charset="0"/>
-              </a:rPr>
-              <a:t> </a:t>
-            </a:r>
-            <a:r>
-              <a:rPr lang="en-US" dirty="0" err="1">
-                <a:latin typeface="Verdana Regular" charset="0"/>
-              </a:rPr>
-              <a:t>esenibh</a:t>
-            </a:r>
-            <a:r>
-              <a:rPr lang="en-US" dirty="0">
-                <a:latin typeface="Verdana Regular" charset="0"/>
-              </a:rPr>
-              <a:t> </a:t>
-            </a:r>
-            <a:r>
-              <a:rPr lang="en-US" dirty="0" err="1">
-                <a:latin typeface="Verdana Regular" charset="0"/>
-              </a:rPr>
-              <a:t>eu</a:t>
-            </a:r>
-            <a:r>
-              <a:rPr lang="en-US" dirty="0">
-                <a:latin typeface="Verdana Regular" charset="0"/>
-              </a:rPr>
-              <a:t> </a:t>
-            </a:r>
-            <a:r>
-              <a:rPr lang="en-US" dirty="0" err="1">
-                <a:latin typeface="Verdana Regular" charset="0"/>
-              </a:rPr>
-              <a:t>faccum</a:t>
-            </a:r>
-            <a:r>
-              <a:rPr lang="en-US" dirty="0">
-                <a:latin typeface="Verdana Regular" charset="0"/>
-              </a:rPr>
-              <a:t> </a:t>
-            </a:r>
-            <a:r>
-              <a:rPr lang="en-US" dirty="0" err="1">
-                <a:latin typeface="Verdana Regular" charset="0"/>
-              </a:rPr>
-              <a:t>eum</a:t>
-            </a:r>
-            <a:r>
-              <a:rPr lang="en-US" dirty="0">
-                <a:latin typeface="Verdana Regular" charset="0"/>
-              </a:rPr>
-              <a:t> </a:t>
-            </a:r>
-            <a:r>
-              <a:rPr lang="en-US" dirty="0" err="1">
-                <a:latin typeface="Verdana Regular" charset="0"/>
-              </a:rPr>
-              <a:t>iuscili</a:t>
-            </a:r>
-            <a:r>
-              <a:rPr lang="en-US" dirty="0">
-                <a:latin typeface="Verdana Regular" charset="0"/>
-              </a:rPr>
-              <a:t> </a:t>
-            </a:r>
-            <a:r>
-              <a:rPr lang="en-US" dirty="0" err="1">
-                <a:latin typeface="Verdana Regular" charset="0"/>
-              </a:rPr>
-              <a:t>quamcommy</a:t>
-            </a:r>
-            <a:r>
-              <a:rPr lang="en-US" dirty="0">
-                <a:latin typeface="Verdana Regular" charset="0"/>
-              </a:rPr>
-              <a:t> nit </a:t>
-            </a:r>
-            <a:r>
-              <a:rPr lang="en-US" dirty="0" err="1">
-                <a:latin typeface="Verdana Regular" charset="0"/>
-              </a:rPr>
-              <a:t>lorerillut</a:t>
-            </a:r>
-            <a:r>
-              <a:rPr lang="en-US" dirty="0">
-                <a:latin typeface="Verdana Regular" charset="0"/>
-              </a:rPr>
-              <a:t> </a:t>
-            </a:r>
-            <a:r>
-              <a:rPr lang="en-US" dirty="0" err="1">
-                <a:latin typeface="Verdana Regular" charset="0"/>
-              </a:rPr>
-              <a:t>ullam</a:t>
-            </a:r>
-            <a:r>
-              <a:rPr lang="en-US" dirty="0">
-                <a:latin typeface="Verdana Regular" charset="0"/>
-              </a:rPr>
-              <a:t> </a:t>
-            </a:r>
-            <a:r>
-              <a:rPr lang="en-US" dirty="0" err="1">
-                <a:latin typeface="Verdana Regular" charset="0"/>
-              </a:rPr>
-              <a:t>quat</a:t>
-            </a:r>
-            <a:r>
-              <a:rPr lang="en-US" dirty="0">
-                <a:latin typeface="Verdana Regular" charset="0"/>
-              </a:rPr>
-              <a:t> lore </a:t>
-            </a:r>
-            <a:r>
-              <a:rPr lang="en-US" dirty="0" err="1">
-                <a:latin typeface="Verdana Regular" charset="0"/>
-              </a:rPr>
-              <a:t>verostrud</a:t>
-            </a:r>
-            <a:r>
-              <a:rPr lang="en-US" dirty="0">
-                <a:latin typeface="Verdana Regular" charset="0"/>
-              </a:rPr>
-              <a:t> </a:t>
-            </a:r>
-            <a:r>
-              <a:rPr lang="en-US" dirty="0" err="1">
-                <a:latin typeface="Verdana Regular" charset="0"/>
-              </a:rPr>
-              <a:t>ming</a:t>
-            </a:r>
-            <a:r>
-              <a:rPr lang="en-US" dirty="0">
-                <a:latin typeface="Verdana Regular" charset="0"/>
-              </a:rPr>
-              <a:t> </a:t>
-            </a:r>
-            <a:r>
-              <a:rPr lang="en-US" dirty="0" err="1">
-                <a:latin typeface="Verdana Regular" charset="0"/>
-              </a:rPr>
-              <a:t>faciliquisse</a:t>
-            </a:r>
-            <a:r>
-              <a:rPr lang="en-US" dirty="0">
-                <a:latin typeface="Verdana Regular" charset="0"/>
-              </a:rPr>
-              <a:t> </a:t>
-            </a:r>
-            <a:r>
-              <a:rPr lang="en-US" dirty="0" err="1">
-                <a:latin typeface="Verdana Regular" charset="0"/>
-              </a:rPr>
-              <a:t>modolortin</a:t>
-            </a:r>
-            <a:r>
-              <a:rPr lang="en-US" dirty="0">
-                <a:latin typeface="Verdana Regular" charset="0"/>
-              </a:rPr>
-              <a:t> </a:t>
-            </a:r>
-            <a:r>
-              <a:rPr lang="en-US" dirty="0" err="1">
-                <a:latin typeface="Verdana Regular" charset="0"/>
-              </a:rPr>
-              <a:t>volore</a:t>
-            </a:r>
-            <a:r>
-              <a:rPr lang="en-US" dirty="0">
-                <a:latin typeface="Verdana Regular" charset="0"/>
-              </a:rPr>
-              <a:t> </a:t>
-            </a:r>
-          </a:p>
-          <a:p>
-            <a:pPr>
-              <a:spcAft>
-                <a:spcPts val="2600"/>
-              </a:spcAft>
-            </a:pPr>
-            <a:r>
-              <a:rPr lang="en-US" dirty="0" err="1">
-                <a:latin typeface="Verdana Regular" charset="0"/>
-              </a:rPr>
-              <a:t>Vel</a:t>
-            </a:r>
-            <a:r>
-              <a:rPr lang="en-US" dirty="0">
-                <a:latin typeface="Verdana Regular" charset="0"/>
-              </a:rPr>
-              <a:t> et </a:t>
-            </a:r>
-            <a:r>
-              <a:rPr lang="en-US" dirty="0" err="1">
-                <a:latin typeface="Verdana Regular" charset="0"/>
-              </a:rPr>
-              <a:t>vel</a:t>
-            </a:r>
-            <a:r>
-              <a:rPr lang="en-US" dirty="0">
-                <a:latin typeface="Verdana Regular" charset="0"/>
-              </a:rPr>
-              <a:t> </a:t>
-            </a:r>
-            <a:r>
-              <a:rPr lang="en-US" dirty="0" err="1">
-                <a:latin typeface="Verdana Regular" charset="0"/>
-              </a:rPr>
-              <a:t>dionsenit</a:t>
-            </a:r>
-            <a:r>
-              <a:rPr lang="en-US" dirty="0">
-                <a:latin typeface="Verdana Regular" charset="0"/>
-              </a:rPr>
-              <a:t> </a:t>
-            </a:r>
-            <a:r>
-              <a:rPr lang="en-US" dirty="0" err="1">
-                <a:latin typeface="Verdana Regular" charset="0"/>
-              </a:rPr>
-              <a:t>adit</a:t>
-            </a:r>
-            <a:r>
-              <a:rPr lang="en-US" dirty="0">
-                <a:latin typeface="Verdana Regular" charset="0"/>
-              </a:rPr>
-              <a:t>, </a:t>
-            </a:r>
-            <a:r>
-              <a:rPr lang="en-US" dirty="0" err="1">
-                <a:latin typeface="Verdana Regular" charset="0"/>
-              </a:rPr>
-              <a:t>consenim</a:t>
-            </a:r>
-            <a:r>
-              <a:rPr lang="en-US" dirty="0">
-                <a:latin typeface="Verdana Regular" charset="0"/>
-              </a:rPr>
-              <a:t> </a:t>
-            </a:r>
-            <a:r>
-              <a:rPr lang="en-US" dirty="0" err="1">
-                <a:latin typeface="Verdana Regular" charset="0"/>
-              </a:rPr>
-              <a:t>zzrillute</a:t>
-            </a:r>
-            <a:r>
-              <a:rPr lang="en-US" dirty="0">
-                <a:latin typeface="Verdana Regular" charset="0"/>
-              </a:rPr>
-              <a:t> el </a:t>
-            </a:r>
-            <a:r>
-              <a:rPr lang="en-US" dirty="0" err="1">
-                <a:latin typeface="Verdana Regular" charset="0"/>
-              </a:rPr>
-              <a:t>euguerostie</a:t>
-            </a:r>
-            <a:r>
-              <a:rPr lang="en-US" dirty="0">
-                <a:latin typeface="Verdana Regular" charset="0"/>
-              </a:rPr>
-              <a:t> </a:t>
-            </a:r>
-            <a:r>
-              <a:rPr lang="en-US" dirty="0" err="1">
-                <a:latin typeface="Verdana Regular" charset="0"/>
-              </a:rPr>
-              <a:t>faci</a:t>
-            </a:r>
-            <a:r>
-              <a:rPr lang="en-US" dirty="0">
-                <a:latin typeface="Verdana Regular" charset="0"/>
-              </a:rPr>
-              <a:t> </a:t>
-            </a:r>
-            <a:r>
-              <a:rPr lang="en-US" dirty="0" err="1">
-                <a:latin typeface="Verdana Regular" charset="0"/>
-              </a:rPr>
-              <a:t>bla</a:t>
-            </a:r>
-            <a:r>
-              <a:rPr lang="en-US" dirty="0">
-                <a:latin typeface="Verdana Regular" charset="0"/>
-              </a:rPr>
-              <a:t> </a:t>
-            </a:r>
-            <a:r>
-              <a:rPr lang="en-US" dirty="0" err="1">
-                <a:latin typeface="Verdana Regular" charset="0"/>
-              </a:rPr>
-              <a:t>conse</a:t>
-            </a:r>
-            <a:r>
-              <a:rPr lang="en-US" dirty="0">
-                <a:latin typeface="Verdana Regular" charset="0"/>
-              </a:rPr>
-              <a:t> ad </a:t>
-            </a:r>
-            <a:r>
-              <a:rPr lang="en-US" dirty="0" err="1">
-                <a:latin typeface="Verdana Regular" charset="0"/>
-              </a:rPr>
-              <a:t>essi</a:t>
-            </a:r>
-            <a:r>
-              <a:rPr lang="en-US" dirty="0">
-                <a:latin typeface="Verdana Regular" charset="0"/>
-              </a:rPr>
-              <a:t>. </a:t>
-            </a:r>
-            <a:r>
-              <a:rPr lang="en-US" dirty="0" err="1">
-                <a:latin typeface="Verdana Regular" charset="0"/>
-              </a:rPr>
-              <a:t>Vel</a:t>
-            </a:r>
-            <a:r>
-              <a:rPr lang="en-US" dirty="0">
-                <a:latin typeface="Verdana Regular" charset="0"/>
-              </a:rPr>
-              <a:t> et </a:t>
-            </a:r>
-            <a:r>
-              <a:rPr lang="en-US" dirty="0" err="1">
-                <a:latin typeface="Verdana Regular" charset="0"/>
-              </a:rPr>
-              <a:t>vel</a:t>
-            </a:r>
-            <a:r>
-              <a:rPr lang="en-US" dirty="0">
-                <a:latin typeface="Verdana Regular" charset="0"/>
-              </a:rPr>
-              <a:t> </a:t>
-            </a:r>
-            <a:r>
-              <a:rPr lang="en-US" dirty="0" err="1">
-                <a:latin typeface="Verdana Regular" charset="0"/>
-              </a:rPr>
-              <a:t>dionsenit</a:t>
-            </a:r>
-            <a:r>
-              <a:rPr lang="en-US" dirty="0">
-                <a:latin typeface="Verdana Regular" charset="0"/>
-              </a:rPr>
-              <a:t> </a:t>
-            </a:r>
-            <a:r>
-              <a:rPr lang="en-US" dirty="0" err="1">
-                <a:latin typeface="Verdana Regular" charset="0"/>
-              </a:rPr>
-              <a:t>adit</a:t>
-            </a:r>
-            <a:r>
-              <a:rPr lang="en-US" dirty="0">
-                <a:latin typeface="Verdana Regular" charset="0"/>
-              </a:rPr>
-              <a:t>, </a:t>
-            </a:r>
-            <a:r>
-              <a:rPr lang="en-US" dirty="0" err="1">
-                <a:latin typeface="Verdana Regular" charset="0"/>
-              </a:rPr>
-              <a:t>consenim</a:t>
-            </a:r>
-            <a:r>
-              <a:rPr lang="en-US" dirty="0">
-                <a:latin typeface="Verdana Regular" charset="0"/>
-              </a:rPr>
-              <a:t> </a:t>
-            </a:r>
-            <a:r>
-              <a:rPr lang="en-US" dirty="0" err="1">
-                <a:latin typeface="Verdana Regular" charset="0"/>
-              </a:rPr>
-              <a:t>zzrillute</a:t>
-            </a:r>
-            <a:r>
-              <a:rPr lang="en-US" dirty="0">
-                <a:latin typeface="Verdana Regular" charset="0"/>
-              </a:rPr>
-              <a:t> el </a:t>
-            </a:r>
-            <a:r>
-              <a:rPr lang="en-US" dirty="0" err="1">
-                <a:latin typeface="Verdana Regular" charset="0"/>
-              </a:rPr>
-              <a:t>euguerostie</a:t>
-            </a:r>
-            <a:r>
-              <a:rPr lang="en-US" dirty="0">
-                <a:latin typeface="Verdana Regular" charset="0"/>
-              </a:rPr>
-              <a:t> </a:t>
-            </a:r>
-            <a:r>
-              <a:rPr lang="en-US" dirty="0" err="1">
-                <a:latin typeface="Verdana Regular" charset="0"/>
-              </a:rPr>
-              <a:t>faci</a:t>
-            </a:r>
-            <a:r>
-              <a:rPr lang="en-US" dirty="0">
-                <a:latin typeface="Verdana Regular" charset="0"/>
-              </a:rPr>
-              <a:t> </a:t>
-            </a:r>
-            <a:r>
-              <a:rPr lang="en-US" dirty="0" err="1">
-                <a:latin typeface="Verdana Regular" charset="0"/>
-              </a:rPr>
-              <a:t>bla</a:t>
-            </a:r>
-            <a:r>
-              <a:rPr lang="en-US" dirty="0">
-                <a:latin typeface="Verdana Regular" charset="0"/>
-              </a:rPr>
-              <a:t> </a:t>
-            </a:r>
-            <a:r>
-              <a:rPr lang="en-US" dirty="0" err="1">
-                <a:latin typeface="Verdana Regular" charset="0"/>
-              </a:rPr>
-              <a:t>conse</a:t>
-            </a:r>
-            <a:r>
-              <a:rPr lang="en-US" dirty="0">
-                <a:latin typeface="Verdana Regular" charset="0"/>
-              </a:rPr>
-              <a:t> </a:t>
-            </a:r>
-            <a:r>
-              <a:rPr lang="en-US" dirty="0" err="1">
-                <a:latin typeface="Verdana Regular" charset="0"/>
-              </a:rPr>
-              <a:t>dolore</a:t>
-            </a:r>
-            <a:r>
-              <a:rPr lang="en-US" dirty="0">
-                <a:latin typeface="Verdana Regular" charset="0"/>
-              </a:rPr>
-              <a:t> </a:t>
-            </a:r>
-            <a:r>
-              <a:rPr lang="en-US" dirty="0" err="1">
-                <a:latin typeface="Verdana Regular" charset="0"/>
-              </a:rPr>
-              <a:t>tet</a:t>
-            </a:r>
-            <a:r>
-              <a:rPr lang="en-US" dirty="0">
-                <a:latin typeface="Verdana Regular" charset="0"/>
-              </a:rPr>
-              <a:t>, </a:t>
-            </a:r>
-            <a:r>
-              <a:rPr lang="en-US" dirty="0" err="1">
-                <a:latin typeface="Verdana Regular" charset="0"/>
-              </a:rPr>
-              <a:t>volobor</a:t>
-            </a:r>
-            <a:r>
-              <a:rPr lang="en-US" dirty="0">
-                <a:latin typeface="Verdana Regular" charset="0"/>
-              </a:rPr>
-              <a:t> </a:t>
-            </a:r>
-            <a:r>
-              <a:rPr lang="en-US" dirty="0" err="1">
-                <a:latin typeface="Verdana Regular" charset="0"/>
-              </a:rPr>
-              <a:t>si</a:t>
-            </a:r>
-            <a:r>
-              <a:rPr lang="en-US" dirty="0">
-                <a:latin typeface="Verdana Regular" charset="0"/>
-              </a:rPr>
-              <a:t>.</a:t>
-            </a:r>
-          </a:p>
-          <a:p>
-            <a:pPr>
-              <a:spcAft>
-                <a:spcPts val="2600"/>
-              </a:spcAft>
-            </a:pPr>
-            <a:r>
-              <a:rPr lang="en-US" dirty="0">
-                <a:latin typeface="Verdana Regular" charset="0"/>
-              </a:rPr>
-              <a:t>Lore del </a:t>
-            </a:r>
-            <a:r>
-              <a:rPr lang="en-US" dirty="0" err="1">
-                <a:latin typeface="Verdana Regular" charset="0"/>
-              </a:rPr>
-              <a:t>utatis</a:t>
-            </a:r>
-            <a:r>
-              <a:rPr lang="en-US" dirty="0">
-                <a:latin typeface="Verdana Regular" charset="0"/>
-              </a:rPr>
-              <a:t> </a:t>
-            </a:r>
-            <a:r>
-              <a:rPr lang="en-US" dirty="0" err="1">
-                <a:latin typeface="Verdana Regular" charset="0"/>
-              </a:rPr>
-              <a:t>amcorpercin</a:t>
-            </a:r>
-            <a:r>
-              <a:rPr lang="en-US" dirty="0">
-                <a:latin typeface="Verdana Regular" charset="0"/>
-              </a:rPr>
-              <a:t> </a:t>
-            </a:r>
-            <a:r>
-              <a:rPr lang="en-US" dirty="0" err="1">
-                <a:latin typeface="Verdana Regular" charset="0"/>
-              </a:rPr>
-              <a:t>henim</a:t>
-            </a:r>
-            <a:r>
-              <a:rPr lang="en-US" dirty="0">
-                <a:latin typeface="Verdana Regular" charset="0"/>
-              </a:rPr>
-              <a:t> </a:t>
-            </a:r>
-            <a:r>
-              <a:rPr lang="en-US" dirty="0" err="1">
-                <a:latin typeface="Verdana Regular" charset="0"/>
-              </a:rPr>
-              <a:t>riliq</a:t>
-            </a:r>
-            <a:r>
-              <a:rPr lang="en-US" dirty="0">
-                <a:latin typeface="Verdana Regular" charset="0"/>
-              </a:rPr>
-              <a:t> </a:t>
-            </a:r>
-            <a:r>
-              <a:rPr lang="en-US" dirty="0" err="1">
-                <a:latin typeface="Verdana Regular" charset="0"/>
-              </a:rPr>
-              <a:t>uismodo</a:t>
-            </a:r>
-            <a:r>
-              <a:rPr lang="en-US" dirty="0">
-                <a:latin typeface="Verdana Regular" charset="0"/>
-              </a:rPr>
-              <a:t> </a:t>
-            </a:r>
-            <a:r>
-              <a:rPr lang="en-US" dirty="0" err="1">
-                <a:latin typeface="Verdana Regular" charset="0"/>
-              </a:rPr>
-              <a:t>leniat</a:t>
-            </a:r>
-            <a:r>
-              <a:rPr lang="en-US" dirty="0">
-                <a:latin typeface="Verdana Regular" charset="0"/>
-              </a:rPr>
-              <a:t> </a:t>
-            </a:r>
-            <a:r>
-              <a:rPr lang="en-US" dirty="0" err="1">
-                <a:latin typeface="Verdana Regular" charset="0"/>
-              </a:rPr>
-              <a:t>aciduisl</a:t>
-            </a:r>
-            <a:r>
-              <a:rPr lang="en-US" dirty="0">
-                <a:latin typeface="Verdana Regular" charset="0"/>
-              </a:rPr>
-              <a:t> </a:t>
-            </a:r>
-            <a:r>
-              <a:rPr lang="en-US" dirty="0" err="1">
-                <a:latin typeface="Verdana Regular" charset="0"/>
-              </a:rPr>
-              <a:t>il</a:t>
-            </a:r>
-            <a:r>
-              <a:rPr lang="en-US" dirty="0">
-                <a:latin typeface="Verdana Regular" charset="0"/>
-              </a:rPr>
-              <a:t> </a:t>
-            </a:r>
-            <a:r>
-              <a:rPr lang="en-US" dirty="0" err="1">
-                <a:latin typeface="Verdana Regular" charset="0"/>
-              </a:rPr>
-              <a:t>eugait</a:t>
-            </a:r>
-            <a:r>
-              <a:rPr lang="en-US" dirty="0">
-                <a:latin typeface="Verdana Regular" charset="0"/>
-              </a:rPr>
-              <a:t> </a:t>
-            </a:r>
-            <a:r>
-              <a:rPr lang="en-US" dirty="0" err="1">
-                <a:latin typeface="Verdana Regular" charset="0"/>
-              </a:rPr>
-              <a:t>velis</a:t>
-            </a:r>
-            <a:r>
-              <a:rPr lang="en-US" dirty="0">
-                <a:latin typeface="Verdana Regular" charset="0"/>
-              </a:rPr>
-              <a:t> </a:t>
-            </a:r>
-            <a:r>
-              <a:rPr lang="en-US" dirty="0" err="1">
-                <a:latin typeface="Verdana Regular" charset="0"/>
-              </a:rPr>
-              <a:t>nos</a:t>
-            </a:r>
-            <a:r>
-              <a:rPr lang="en-US" dirty="0">
-                <a:latin typeface="Verdana Regular" charset="0"/>
-              </a:rPr>
-              <a:t> alit prat ad </a:t>
-            </a:r>
-            <a:r>
-              <a:rPr lang="en-US" dirty="0" err="1">
-                <a:latin typeface="Verdana Regular" charset="0"/>
-              </a:rPr>
-              <a:t>tions</a:t>
-            </a:r>
-            <a:r>
-              <a:rPr lang="en-US" dirty="0">
-                <a:latin typeface="Verdana Regular" charset="0"/>
-              </a:rPr>
-              <a:t> et </a:t>
-            </a:r>
-            <a:r>
-              <a:rPr lang="en-US" dirty="0" err="1">
-                <a:latin typeface="Verdana Regular" charset="0"/>
-              </a:rPr>
-              <a:t>vel</a:t>
-            </a:r>
-            <a:r>
-              <a:rPr lang="en-US" dirty="0">
-                <a:latin typeface="Verdana Regular" charset="0"/>
-              </a:rPr>
-              <a:t> </a:t>
-            </a:r>
-            <a:r>
-              <a:rPr lang="en-US" dirty="0" err="1">
-                <a:latin typeface="Verdana Regular" charset="0"/>
-              </a:rPr>
-              <a:t>euguerostie</a:t>
-            </a:r>
-            <a:r>
-              <a:rPr lang="en-US" dirty="0">
-                <a:latin typeface="Verdana Regular" charset="0"/>
-              </a:rPr>
-              <a:t> </a:t>
-            </a:r>
-            <a:r>
-              <a:rPr lang="en-US" dirty="0" err="1">
-                <a:latin typeface="Verdana Regular" charset="0"/>
-              </a:rPr>
-              <a:t>dolore</a:t>
-            </a:r>
-            <a:r>
-              <a:rPr lang="en-US" dirty="0">
-                <a:latin typeface="Verdana Regular" charset="0"/>
-              </a:rPr>
-              <a:t> </a:t>
-            </a:r>
-            <a:r>
-              <a:rPr lang="en-US" dirty="0" err="1">
-                <a:latin typeface="Verdana Regular" charset="0"/>
-              </a:rPr>
-              <a:t>tet</a:t>
-            </a:r>
-            <a:r>
-              <a:rPr lang="en-US" dirty="0">
-                <a:latin typeface="Verdana Regular" charset="0"/>
-              </a:rPr>
-              <a:t>, </a:t>
-            </a:r>
-            <a:r>
-              <a:rPr lang="en-US" dirty="0" err="1">
-                <a:latin typeface="Verdana Regular" charset="0"/>
-              </a:rPr>
-              <a:t>volobor</a:t>
-            </a:r>
-            <a:r>
-              <a:rPr lang="en-US" dirty="0">
-                <a:latin typeface="Verdana Regular" charset="0"/>
-              </a:rPr>
-              <a:t> </a:t>
-            </a:r>
-            <a:r>
-              <a:rPr lang="en-US" dirty="0" err="1">
-                <a:latin typeface="Verdana Regular" charset="0"/>
-              </a:rPr>
-              <a:t>si</a:t>
-            </a:r>
-            <a:r>
-              <a:rPr lang="en-US" dirty="0">
-                <a:latin typeface="Verdana Regular" charset="0"/>
-              </a:rPr>
-              <a:t>.</a:t>
-            </a:r>
-          </a:p>
-          <a:p>
-            <a:pPr>
-              <a:spcAft>
-                <a:spcPts val="2600"/>
-              </a:spcAft>
-            </a:pPr>
-            <a:r>
-              <a:rPr lang="en-US" dirty="0">
-                <a:latin typeface="Verdana Regular" charset="0"/>
-              </a:rPr>
-              <a:t>Sim ipsum </a:t>
-            </a:r>
-            <a:r>
-              <a:rPr lang="en-US" dirty="0" err="1">
-                <a:latin typeface="Verdana Regular" charset="0"/>
-              </a:rPr>
-              <a:t>dolorem</a:t>
-            </a:r>
-            <a:r>
-              <a:rPr lang="en-US" dirty="0">
-                <a:latin typeface="Verdana Regular" charset="0"/>
-              </a:rPr>
-              <a:t> </a:t>
-            </a:r>
-            <a:r>
-              <a:rPr lang="en-US" dirty="0" err="1">
-                <a:latin typeface="Verdana Regular" charset="0"/>
-              </a:rPr>
-              <a:t>velis</a:t>
-            </a:r>
-            <a:r>
-              <a:rPr lang="en-US" dirty="0">
-                <a:latin typeface="Verdana Regular" charset="0"/>
-              </a:rPr>
-              <a:t> </a:t>
-            </a:r>
-            <a:r>
-              <a:rPr lang="en-US" dirty="0" err="1">
-                <a:latin typeface="Verdana Regular" charset="0"/>
-              </a:rPr>
-              <a:t>aut</a:t>
-            </a:r>
-            <a:r>
-              <a:rPr lang="en-US" dirty="0">
-                <a:latin typeface="Verdana Regular" charset="0"/>
-              </a:rPr>
-              <a:t> </a:t>
-            </a:r>
-            <a:r>
-              <a:rPr lang="en-US" dirty="0" err="1">
-                <a:latin typeface="Verdana Regular" charset="0"/>
-              </a:rPr>
-              <a:t>vulputpat</a:t>
-            </a:r>
-            <a:r>
-              <a:rPr lang="en-US" dirty="0">
-                <a:latin typeface="Verdana Regular" charset="0"/>
-              </a:rPr>
-              <a:t> </a:t>
-            </a:r>
-            <a:r>
-              <a:rPr lang="en-US" dirty="0" err="1">
-                <a:latin typeface="Verdana Regular" charset="0"/>
-              </a:rPr>
-              <a:t>eu</a:t>
-            </a:r>
-            <a:r>
-              <a:rPr lang="en-US" dirty="0">
-                <a:latin typeface="Verdana Regular" charset="0"/>
-              </a:rPr>
-              <a:t> </a:t>
-            </a:r>
-            <a:r>
-              <a:rPr lang="en-US" dirty="0" err="1">
-                <a:latin typeface="Verdana Regular" charset="0"/>
-              </a:rPr>
-              <a:t>facilit</a:t>
-            </a:r>
-            <a:r>
-              <a:rPr lang="en-US" dirty="0">
-                <a:latin typeface="Verdana Regular" charset="0"/>
-              </a:rPr>
-              <a:t> am </a:t>
-            </a:r>
-            <a:r>
-              <a:rPr lang="en-US" dirty="0" err="1">
-                <a:latin typeface="Verdana Regular" charset="0"/>
-              </a:rPr>
-              <a:t>delestrud</a:t>
-            </a:r>
-            <a:r>
-              <a:rPr lang="en-US" dirty="0">
-                <a:latin typeface="Verdana Regular" charset="0"/>
-              </a:rPr>
-              <a:t> </a:t>
-            </a:r>
-            <a:r>
-              <a:rPr lang="en-US" dirty="0" err="1">
-                <a:latin typeface="Verdana Regular" charset="0"/>
-              </a:rPr>
-              <a:t>eui</a:t>
-            </a:r>
-            <a:r>
-              <a:rPr lang="en-US" dirty="0">
-                <a:latin typeface="Verdana Regular" charset="0"/>
-              </a:rPr>
-              <a:t> </a:t>
-            </a:r>
-            <a:r>
-              <a:rPr lang="en-US" dirty="0" err="1">
-                <a:latin typeface="Verdana Regular" charset="0"/>
-              </a:rPr>
-              <a:t>blan</a:t>
-            </a:r>
-            <a:r>
-              <a:rPr lang="en-US" dirty="0">
-                <a:latin typeface="Verdana Regular" charset="0"/>
-              </a:rPr>
-              <a:t> </a:t>
-            </a:r>
-            <a:r>
-              <a:rPr lang="en-US" dirty="0" err="1">
-                <a:latin typeface="Verdana Regular" charset="0"/>
-              </a:rPr>
-              <a:t>vendre</a:t>
-            </a:r>
-            <a:r>
-              <a:rPr lang="en-US" dirty="0">
-                <a:latin typeface="Verdana Regular" charset="0"/>
-              </a:rPr>
-              <a:t> </a:t>
-            </a:r>
-            <a:r>
-              <a:rPr lang="en-US" dirty="0" err="1">
-                <a:latin typeface="Verdana Regular" charset="0"/>
-              </a:rPr>
-              <a:t>elisisc</a:t>
-            </a:r>
-            <a:r>
-              <a:rPr lang="en-US" dirty="0">
-                <a:latin typeface="Verdana Regular" charset="0"/>
-              </a:rPr>
-              <a:t> </a:t>
-            </a:r>
-            <a:r>
-              <a:rPr lang="en-US" dirty="0" err="1">
-                <a:latin typeface="Verdana Regular" charset="0"/>
-              </a:rPr>
-              <a:t>illaorp</a:t>
-            </a:r>
-            <a:r>
-              <a:rPr lang="en-US" dirty="0">
-                <a:latin typeface="Verdana Regular" charset="0"/>
-              </a:rPr>
-              <a:t> </a:t>
-            </a:r>
-            <a:r>
-              <a:rPr lang="en-US" dirty="0" err="1">
-                <a:latin typeface="Verdana Regular" charset="0"/>
-              </a:rPr>
-              <a:t>ercilisi</a:t>
-            </a:r>
-            <a:r>
-              <a:rPr lang="en-US" dirty="0">
-                <a:latin typeface="Verdana Regular" charset="0"/>
-              </a:rPr>
-              <a:t> </a:t>
-            </a:r>
-            <a:r>
-              <a:rPr lang="en-US" dirty="0" err="1">
-                <a:latin typeface="Verdana Regular" charset="0"/>
-              </a:rPr>
-              <a:t>blan</a:t>
-            </a:r>
-            <a:r>
-              <a:rPr lang="en-US" dirty="0">
-                <a:latin typeface="Verdana Regular" charset="0"/>
-              </a:rPr>
-              <a:t> </a:t>
-            </a:r>
-            <a:r>
-              <a:rPr lang="en-US" dirty="0" err="1">
-                <a:latin typeface="Verdana Regular" charset="0"/>
-              </a:rPr>
-              <a:t>eu</a:t>
-            </a:r>
-            <a:r>
-              <a:rPr lang="en-US" dirty="0">
-                <a:latin typeface="Verdana Regular" charset="0"/>
-              </a:rPr>
-              <a:t> </a:t>
-            </a:r>
-            <a:r>
-              <a:rPr lang="en-US" dirty="0" err="1">
-                <a:latin typeface="Verdana Regular" charset="0"/>
-              </a:rPr>
-              <a:t>amconsequat</a:t>
-            </a:r>
-            <a:r>
-              <a:rPr lang="en-US" dirty="0">
-                <a:latin typeface="Verdana Regular" charset="0"/>
-              </a:rPr>
-              <a:t>, </a:t>
-            </a:r>
-            <a:r>
-              <a:rPr lang="en-US" dirty="0" err="1">
-                <a:latin typeface="Verdana Regular" charset="0"/>
-              </a:rPr>
-              <a:t>senisi</a:t>
-            </a:r>
-            <a:r>
-              <a:rPr lang="en-US" dirty="0">
-                <a:latin typeface="Verdana Regular" charset="0"/>
-              </a:rPr>
-              <a:t>.</a:t>
+              <a:t>The outcomes that were worked towards did not stray far to the actual results. Though many attempts were made to get accurate horizon detection and color analysis, the decided method was chosen for its accuracy, while sacrificing execution time. The execution times can be seen here:</a:t>
             </a:r>
           </a:p>
           <a:p>
@@ -3704,9 +2712,49 @@
               </a:spcAft>
               <a:buNone/>
             </a:pPr>
+            <a:r>
+              <a:rPr lang="en-US" dirty="0">
+                <a:latin typeface="Verdana Regular" charset="0"/>
+              </a:rPr>
+              <a:t>FIGURE W/ TIME STATS</a:t>
+            </a:r>
+          </a:p>
+          <a:p>
+            <a:pPr marL="0" indent="0">
+              <a:spcAft>
+                <a:spcPts val="2600"/>
+              </a:spcAft>
+              <a:buNone/>
+            </a:pPr>
             <a:endParaRPr lang="en-US" dirty="0">
               <a:latin typeface="Verdana Regular" charset="0"/>
             </a:endParaRPr>
+          </a:p>
+          <a:p>
+            <a:pPr marL="0" indent="0">
+              <a:spcAft>
+                <a:spcPts val="2600"/>
+              </a:spcAft>
+              <a:buNone/>
+            </a:pPr>
+            <a:r>
+              <a:rPr lang="en-US" dirty="0">
+                <a:latin typeface="Verdana Regular" charset="0"/>
+              </a:rPr>
+              <a:t>The accuracy of the image classifier function was ""% accurate, which is (only) ""% </a:t>
+            </a:r>
+            <a:r>
+              <a:rPr lang="en-US" dirty="0" err="1">
+                <a:latin typeface="Verdana Regular" charset="0"/>
+              </a:rPr>
+              <a:t>lower|higher</a:t>
+            </a:r>
+            <a:r>
+              <a:rPr lang="en-US" dirty="0">
+                <a:latin typeface="Verdana Regular" charset="0"/>
+              </a:rPr>
+              <a:t> than the goal accuracy of 66%.</a:t>
+            </a:r>
           </a:p>
         </p:txBody>
       </p:sp>
@@ -4803,7 +3851,7 @@
         <p:spPr>
           <a:xfrm>
             <a:off x="33716912" y="14141317"/>
-            <a:ext cx="8126412" cy="5129609"/>
+            <a:ext cx="8126412" cy="5052665"/>
           </a:xfrm>
           <a:prstGeom prst="rect">
             <a:avLst/>
@@ -4985,630 +4033,120 @@
             </a:lvl9pPr>
           </a:lstStyle>
           <a:p>
-            <a:pPr>
+            <a:pPr marL="0" indent="0">
               <a:spcAft>
                 <a:spcPts val="2600"/>
               </a:spcAft>
+              <a:buNone/>
             </a:pPr>
-            <a:r>
-              <a:rPr lang="en-US" dirty="0" err="1">
-                <a:latin typeface="Verdana Regular" charset="0"/>
-              </a:rPr>
-              <a:t>Loribus</a:t>
-            </a:r>
             <a:r>
               <a:rPr lang="en-US" dirty="0">
                 <a:latin typeface="Verdana Regular" charset="0"/>
               </a:rPr>
-              <a:t> </a:t>
-            </a:r>
-            <a:r>
-              <a:rPr lang="en-US" dirty="0" err="1">
-                <a:latin typeface="Verdana Regular" charset="0"/>
-              </a:rPr>
-              <a:t>eum</a:t>
-            </a:r>
-            <a:r>
-              <a:rPr lang="en-US" dirty="0">
-                <a:latin typeface="Verdana Regular" charset="0"/>
-              </a:rPr>
-              <a:t> </a:t>
-            </a:r>
-            <a:r>
-              <a:rPr lang="en-US" dirty="0" err="1">
-                <a:latin typeface="Verdana Regular" charset="0"/>
-              </a:rPr>
-              <a:t>labo</a:t>
-            </a:r>
-            <a:r>
-              <a:rPr lang="en-US" dirty="0">
-                <a:latin typeface="Verdana Regular" charset="0"/>
-              </a:rPr>
-              <a:t>. </a:t>
-            </a:r>
-            <a:r>
-              <a:rPr lang="en-US" dirty="0" err="1">
-                <a:latin typeface="Verdana Regular" charset="0"/>
-              </a:rPr>
-              <a:t>Essit</a:t>
-            </a:r>
-            <a:r>
-              <a:rPr lang="en-US" dirty="0">
-                <a:latin typeface="Verdana Regular" charset="0"/>
-              </a:rPr>
-              <a:t> </a:t>
-            </a:r>
-            <a:r>
-              <a:rPr lang="en-US" dirty="0" err="1">
-                <a:latin typeface="Verdana Regular" charset="0"/>
-              </a:rPr>
-              <a:t>ipsundunt</a:t>
-            </a:r>
-            <a:r>
-              <a:rPr lang="en-US" dirty="0">
-                <a:latin typeface="Verdana Regular" charset="0"/>
-              </a:rPr>
-              <a:t> </a:t>
-            </a:r>
-            <a:r>
-              <a:rPr lang="en-US" dirty="0" err="1">
-                <a:latin typeface="Verdana Regular" charset="0"/>
-              </a:rPr>
-              <a:t>volore</a:t>
-            </a:r>
-            <a:r>
-              <a:rPr lang="en-US" dirty="0">
-                <a:latin typeface="Verdana Regular" charset="0"/>
-              </a:rPr>
-              <a:t> </a:t>
-            </a:r>
-            <a:r>
-              <a:rPr lang="en-US" dirty="0" err="1">
-                <a:latin typeface="Verdana Regular" charset="0"/>
-              </a:rPr>
-              <a:t>arupid</a:t>
-            </a:r>
-            <a:r>
-              <a:rPr lang="en-US" dirty="0">
-                <a:latin typeface="Verdana Regular" charset="0"/>
-              </a:rPr>
-              <a:t> qui </a:t>
-            </a:r>
-            <a:r>
-              <a:rPr lang="en-US" dirty="0" err="1">
-                <a:latin typeface="Verdana Regular" charset="0"/>
-              </a:rPr>
-              <a:t>isquunt</a:t>
-            </a:r>
-            <a:r>
-              <a:rPr lang="en-US" dirty="0">
-                <a:latin typeface="Verdana Regular" charset="0"/>
-              </a:rPr>
-              <a:t> as doles </a:t>
-            </a:r>
-            <a:r>
-              <a:rPr lang="en-US" dirty="0" err="1">
-                <a:latin typeface="Verdana Regular" charset="0"/>
-              </a:rPr>
-              <a:t>ipsunt</a:t>
-            </a:r>
-            <a:r>
-              <a:rPr lang="en-US" dirty="0">
-                <a:latin typeface="Verdana Regular" charset="0"/>
-              </a:rPr>
-              <a:t>.</a:t>
+              <a:t>Team members pictured from left to right:</a:t>
             </a:r>
           </a:p>
           <a:p>
-            <a:pPr>
+            <a:pPr marL="0" indent="0">
               <a:spcAft>
                 <a:spcPts val="2600"/>
               </a:spcAft>
+              <a:buNone/>
             </a:pPr>
+            <a:r>
+              <a:rPr lang="en-US" dirty="0">
+                <a:latin typeface="Verdana Regular" charset="0"/>
+              </a:rPr>
+              <a:t>Logan Wingard | wingarlo@oregonstate.edu</a:t>
+            </a:r>
+          </a:p>
+          <a:p>
+            <a:pPr marL="0" indent="0">
+              <a:spcAft>
+                <a:spcPts val="2600"/>
+              </a:spcAft>
+              <a:buNone/>
+            </a:pPr>
+            <a:r>
+              <a:rPr lang="en-US" dirty="0">
+                <a:latin typeface="Verdana Regular" charset="0"/>
+              </a:rPr>
+              <a:t>Daniel Ross | rossda@oregonstate.edu</a:t>
+            </a:r>
+          </a:p>
+          <a:p>
+            <a:pPr marL="0" indent="0">
+              <a:spcAft>
+                <a:spcPts val="2600"/>
+              </a:spcAft>
+              <a:buNone/>
+            </a:pPr>
+            <a:endParaRPr lang="en-US" dirty="0">
+              <a:latin typeface="Verdana Regular" charset="0"/>
+            </a:endParaRPr>
+          </a:p>
+          <a:p>
+            <a:pPr marL="0" indent="0">
+              <a:spcAft>
+                <a:spcPts val="2600"/>
+              </a:spcAft>
+              <a:buNone/>
+            </a:pPr>
+            <a:r>
+              <a:rPr lang="en-US" dirty="0">
+                <a:latin typeface="Verdana Regular" charset="0"/>
+              </a:rPr>
+              <a:t>Client(s):</a:t>
+            </a:r>
+          </a:p>
+          <a:p>
+            <a:pPr marL="0" indent="0">
+              <a:spcAft>
+                <a:spcPts val="2600"/>
+              </a:spcAft>
+              <a:buNone/>
+            </a:pPr>
+            <a:r>
+              <a:rPr lang="en-US" dirty="0">
+                <a:latin typeface="Verdana Regular" charset="0"/>
+              </a:rPr>
+              <a:t>Kim Whitehall, Nasa JPL</a:t>
+            </a:r>
+          </a:p>
+          <a:p>
+            <a:pPr marL="0" indent="0">
+              <a:spcAft>
+                <a:spcPts val="2600"/>
+              </a:spcAft>
+              <a:buNone/>
+            </a:pPr>
+            <a:r>
+              <a:rPr lang="en-US" dirty="0">
+                <a:latin typeface="Verdana Regular" charset="0"/>
+              </a:rPr>
+              <a:t>? Lewis </a:t>
+            </a:r>
             <a:r>
               <a:rPr lang="en-US" dirty="0" err="1">
                 <a:latin typeface="Verdana Regular" charset="0"/>
               </a:rPr>
-              <a:t>Hicid</a:t>
+              <a:t>McGibbney</a:t>
             </a:r>
             <a:r>
               <a:rPr lang="en-US" dirty="0">
                 <a:latin typeface="Verdana Regular" charset="0"/>
               </a:rPr>
-              <a:t> </a:t>
-            </a:r>
-            <a:r>
-              <a:rPr lang="en-US" dirty="0" err="1">
+              <a:t>, </a:t>
+            </a:r>
+            <a:r>
+              <a:rPr lang="en-US">
                 <a:latin typeface="Verdana Regular" charset="0"/>
               </a:rPr>
-              <a:t>modit</a:t>
-            </a:r>
-            <a:r>
-              <a:rPr lang="en-US" dirty="0">
-                <a:latin typeface="Verdana Regular" charset="0"/>
-              </a:rPr>
-              <a:t> ex </a:t>
-            </a:r>
-            <a:r>
-              <a:rPr lang="en-US" dirty="0" err="1">
-                <a:latin typeface="Verdana Regular" charset="0"/>
-              </a:rPr>
-              <a:t>estinienit</a:t>
-            </a:r>
-            <a:r>
-              <a:rPr lang="en-US" dirty="0">
-                <a:latin typeface="Verdana Regular" charset="0"/>
-              </a:rPr>
-              <a:t> et </a:t>
-            </a:r>
-            <a:r>
-              <a:rPr lang="en-US" dirty="0" err="1">
-                <a:latin typeface="Verdana Regular" charset="0"/>
-              </a:rPr>
-              <a:t>audae</a:t>
-            </a:r>
-            <a:r>
-              <a:rPr lang="en-US" dirty="0">
-                <a:latin typeface="Verdana Regular" charset="0"/>
-              </a:rPr>
-              <a:t> </a:t>
-            </a:r>
-            <a:r>
-              <a:rPr lang="en-US" dirty="0" err="1">
-                <a:latin typeface="Verdana Regular" charset="0"/>
-              </a:rPr>
-              <a:t>usted</a:t>
-            </a:r>
-            <a:r>
-              <a:rPr lang="en-US" dirty="0">
-                <a:latin typeface="Verdana Regular" charset="0"/>
-              </a:rPr>
-              <a:t> </a:t>
-            </a:r>
-            <a:r>
-              <a:rPr lang="en-US" dirty="0" err="1">
-                <a:latin typeface="Verdana Regular" charset="0"/>
-              </a:rPr>
-              <a:t>est</a:t>
-            </a:r>
-            <a:r>
-              <a:rPr lang="en-US" dirty="0">
-                <a:latin typeface="Verdana Regular" charset="0"/>
-              </a:rPr>
-              <a:t> qui </a:t>
-            </a:r>
-            <a:r>
-              <a:rPr lang="en-US" dirty="0" err="1">
-                <a:latin typeface="Verdana Regular" charset="0"/>
-              </a:rPr>
-              <a:t>occullorio</a:t>
-            </a:r>
-            <a:r>
-              <a:rPr lang="en-US" dirty="0">
-                <a:latin typeface="Verdana Regular" charset="0"/>
-              </a:rPr>
-              <a:t> </a:t>
-            </a:r>
-            <a:r>
-              <a:rPr lang="en-US" dirty="0" err="1">
-                <a:latin typeface="Verdana Regular" charset="0"/>
-              </a:rPr>
-              <a:t>molupit</a:t>
-            </a:r>
-            <a:r>
-              <a:rPr lang="en-US" dirty="0">
-                <a:latin typeface="Verdana Regular" charset="0"/>
-              </a:rPr>
-              <a:t> </a:t>
-            </a:r>
-            <a:r>
-              <a:rPr lang="en-US" dirty="0" err="1">
-                <a:latin typeface="Verdana Regular" charset="0"/>
-              </a:rPr>
-              <a:t>vollaut</a:t>
-            </a:r>
-            <a:r>
-              <a:rPr lang="en-US" dirty="0">
-                <a:latin typeface="Verdana Regular" charset="0"/>
-              </a:rPr>
-              <a:t> </a:t>
-            </a:r>
-            <a:r>
-              <a:rPr lang="en-US" dirty="0" err="1">
-                <a:latin typeface="Verdana Regular" charset="0"/>
-              </a:rPr>
-              <a:t>volumpt</a:t>
-            </a:r>
-            <a:r>
-              <a:rPr lang="en-US" dirty="0">
-                <a:latin typeface="Verdana Regular" charset="0"/>
-              </a:rPr>
-              <a:t> </a:t>
-            </a:r>
-            <a:r>
-              <a:rPr lang="en-US" dirty="0" err="1">
-                <a:latin typeface="Verdana Regular" charset="0"/>
-              </a:rPr>
-              <a:t>molorestio</a:t>
-            </a:r>
-            <a:r>
-              <a:rPr lang="en-US" dirty="0">
-                <a:latin typeface="Verdana Regular" charset="0"/>
-              </a:rPr>
-              <a:t> </a:t>
-            </a:r>
-            <a:r>
-              <a:rPr lang="en-US" dirty="0" err="1">
-                <a:latin typeface="Verdana Regular" charset="0"/>
-              </a:rPr>
-              <a:t>blaborionet</a:t>
-            </a:r>
-            <a:r>
-              <a:rPr lang="en-US" dirty="0">
-                <a:latin typeface="Verdana Regular" charset="0"/>
-              </a:rPr>
-              <a:t> </a:t>
-            </a:r>
-            <a:r>
-              <a:rPr lang="en-US" dirty="0" err="1">
-                <a:latin typeface="Verdana Regular" charset="0"/>
-              </a:rPr>
-              <a:t>elictem</a:t>
-            </a:r>
-            <a:r>
-              <a:rPr lang="en-US" dirty="0">
-                <a:latin typeface="Verdana Regular" charset="0"/>
-              </a:rPr>
-              <a:t> </a:t>
-            </a:r>
-            <a:r>
-              <a:rPr lang="en-US" dirty="0" err="1">
-                <a:latin typeface="Verdana Regular" charset="0"/>
-              </a:rPr>
-              <a:t>est</a:t>
-            </a:r>
-            <a:r>
-              <a:rPr lang="en-US" dirty="0">
-                <a:latin typeface="Verdana Regular" charset="0"/>
-              </a:rPr>
-              <a:t>, </a:t>
-            </a:r>
-            <a:r>
-              <a:rPr lang="en-US" dirty="0" err="1">
-                <a:latin typeface="Verdana Regular" charset="0"/>
-              </a:rPr>
-              <a:t>ius</a:t>
-            </a:r>
-            <a:r>
-              <a:rPr lang="en-US" dirty="0">
-                <a:latin typeface="Verdana Regular" charset="0"/>
-              </a:rPr>
-              <a:t> </a:t>
-            </a:r>
-            <a:r>
-              <a:rPr lang="en-US" dirty="0" err="1">
-                <a:latin typeface="Verdana Regular" charset="0"/>
-              </a:rPr>
-              <a:t>accatiur</a:t>
-            </a:r>
-            <a:r>
-              <a:rPr lang="en-US" dirty="0">
-                <a:latin typeface="Verdana Regular" charset="0"/>
-              </a:rPr>
-              <a:t> </a:t>
-            </a:r>
-            <a:r>
-              <a:rPr lang="en-US" dirty="0" err="1">
-                <a:latin typeface="Verdana Regular" charset="0"/>
-              </a:rPr>
-              <a:t>sam</a:t>
-            </a:r>
-            <a:r>
-              <a:rPr lang="en-US" dirty="0">
-                <a:latin typeface="Verdana Regular" charset="0"/>
-              </a:rPr>
-              <a:t> </a:t>
-            </a:r>
-            <a:r>
-              <a:rPr lang="en-US" dirty="0" err="1">
-                <a:latin typeface="Verdana Regular" charset="0"/>
-              </a:rPr>
-              <a:t>eum</a:t>
-            </a:r>
-            <a:r>
-              <a:rPr lang="en-US" dirty="0">
-                <a:latin typeface="Verdana Regular" charset="0"/>
-              </a:rPr>
-              <a:t> </a:t>
-            </a:r>
-            <a:r>
-              <a:rPr lang="en-US" dirty="0" err="1">
-                <a:latin typeface="Verdana Regular" charset="0"/>
-              </a:rPr>
-              <a:t>lamus</a:t>
-            </a:r>
-            <a:r>
-              <a:rPr lang="en-US" dirty="0">
-                <a:latin typeface="Verdana Regular" charset="0"/>
-              </a:rPr>
-              <a:t> </a:t>
-            </a:r>
-            <a:r>
-              <a:rPr lang="en-US" dirty="0" err="1">
-                <a:latin typeface="Verdana Regular" charset="0"/>
-              </a:rPr>
-              <a:t>doloresti</a:t>
-            </a:r>
-            <a:r>
-              <a:rPr lang="en-US" dirty="0">
-                <a:latin typeface="Verdana Regular" charset="0"/>
-              </a:rPr>
-              <a:t> </a:t>
-            </a:r>
-            <a:r>
-              <a:rPr lang="en-US" dirty="0" err="1">
-                <a:latin typeface="Verdana Regular" charset="0"/>
-              </a:rPr>
-              <a:t>ipsam</a:t>
-            </a:r>
-            <a:r>
-              <a:rPr lang="en-US" dirty="0">
-                <a:latin typeface="Verdana Regular" charset="0"/>
-              </a:rPr>
-              <a:t> </a:t>
-            </a:r>
-            <a:r>
-              <a:rPr lang="en-US" dirty="0" err="1">
-                <a:latin typeface="Verdana Regular" charset="0"/>
-              </a:rPr>
-              <a:t>inverum</a:t>
-            </a:r>
-            <a:r>
-              <a:rPr lang="en-US" dirty="0">
-                <a:latin typeface="Verdana Regular" charset="0"/>
-              </a:rPr>
-              <a:t> </a:t>
-            </a:r>
-            <a:r>
-              <a:rPr lang="en-US" dirty="0" err="1">
-                <a:latin typeface="Verdana Regular" charset="0"/>
-              </a:rPr>
-              <a:t>utecum</a:t>
-            </a:r>
-            <a:r>
-              <a:rPr lang="en-US" dirty="0">
-                <a:latin typeface="Verdana Regular" charset="0"/>
-              </a:rPr>
-              <a:t> </a:t>
-            </a:r>
-            <a:r>
-              <a:rPr lang="en-US" dirty="0" err="1">
-                <a:latin typeface="Verdana Regular" charset="0"/>
-              </a:rPr>
-              <a:t>iustia</a:t>
-            </a:r>
-            <a:r>
-              <a:rPr lang="en-US" dirty="0">
-                <a:latin typeface="Verdana Regular" charset="0"/>
-              </a:rPr>
-              <a:t> </a:t>
-            </a:r>
-            <a:r>
-              <a:rPr lang="en-US" dirty="0" err="1">
-                <a:latin typeface="Verdana Regular" charset="0"/>
-              </a:rPr>
-              <a:t>doluptur</a:t>
-            </a:r>
-            <a:r>
-              <a:rPr lang="en-US" dirty="0">
-                <a:latin typeface="Verdana Regular" charset="0"/>
-              </a:rPr>
-              <a:t>, que </a:t>
-            </a:r>
-            <a:r>
-              <a:rPr lang="en-US" dirty="0" err="1">
-                <a:latin typeface="Verdana Regular" charset="0"/>
-              </a:rPr>
-              <a:t>nimi</a:t>
-            </a:r>
-            <a:r>
-              <a:rPr lang="en-US" dirty="0">
-                <a:latin typeface="Verdana Regular" charset="0"/>
-              </a:rPr>
-              <a:t> </a:t>
-            </a:r>
-            <a:r>
-              <a:rPr lang="en-US" dirty="0" err="1">
-                <a:latin typeface="Verdana Regular" charset="0"/>
-              </a:rPr>
-              <a:t>ncima</a:t>
-            </a:r>
-            <a:r>
-              <a:rPr lang="en-US" dirty="0">
-                <a:latin typeface="Verdana Regular" charset="0"/>
-              </a:rPr>
-              <a:t> </a:t>
-            </a:r>
-            <a:r>
-              <a:rPr lang="en-US" dirty="0" err="1">
-                <a:latin typeface="Verdana Regular" charset="0"/>
-              </a:rPr>
-              <a:t>nimus</a:t>
-            </a:r>
-            <a:r>
-              <a:rPr lang="en-US" dirty="0">
-                <a:latin typeface="Verdana Regular" charset="0"/>
-              </a:rPr>
-              <a:t> </a:t>
-            </a:r>
-            <a:r>
-              <a:rPr lang="en-US" dirty="0" err="1">
-                <a:latin typeface="Verdana Regular" charset="0"/>
-              </a:rPr>
-              <a:t>est</a:t>
-            </a:r>
-            <a:r>
-              <a:rPr lang="en-US" dirty="0">
-                <a:latin typeface="Verdana Regular" charset="0"/>
-              </a:rPr>
-              <a:t> </a:t>
-            </a:r>
-            <a:r>
-              <a:rPr lang="en-US" dirty="0" err="1">
-                <a:latin typeface="Verdana Regular" charset="0"/>
-              </a:rPr>
-              <a:t>ut</a:t>
-            </a:r>
-            <a:r>
-              <a:rPr lang="en-US" dirty="0">
-                <a:latin typeface="Verdana Regular" charset="0"/>
-              </a:rPr>
-              <a:t> </a:t>
-            </a:r>
-            <a:r>
-              <a:rPr lang="en-US" dirty="0" err="1">
-                <a:latin typeface="Verdana Regular" charset="0"/>
-              </a:rPr>
-              <a:t>latium</a:t>
-            </a:r>
-            <a:r>
-              <a:rPr lang="en-US" dirty="0">
-                <a:latin typeface="Verdana Regular" charset="0"/>
-              </a:rPr>
-              <a:t> qui </a:t>
-            </a:r>
-            <a:r>
-              <a:rPr lang="en-US" dirty="0" err="1">
-                <a:latin typeface="Verdana Regular" charset="0"/>
-              </a:rPr>
-              <a:t>nempore</a:t>
-            </a:r>
-            <a:r>
-              <a:rPr lang="en-US" dirty="0">
-                <a:latin typeface="Verdana Regular" charset="0"/>
-              </a:rPr>
-              <a:t> </a:t>
-            </a:r>
-            <a:r>
-              <a:rPr lang="en-US" dirty="0" err="1">
-                <a:latin typeface="Verdana Regular" charset="0"/>
-              </a:rPr>
-              <a:t>odisqui</a:t>
-            </a:r>
-            <a:r>
-              <a:rPr lang="en-US" dirty="0">
-                <a:latin typeface="Verdana Regular" charset="0"/>
-              </a:rPr>
-              <a:t> </a:t>
-            </a:r>
-            <a:r>
-              <a:rPr lang="en-US" dirty="0" err="1">
-                <a:latin typeface="Verdana Regular" charset="0"/>
-              </a:rPr>
-              <a:t>cuptae</a:t>
-            </a:r>
-            <a:r>
-              <a:rPr lang="en-US" dirty="0">
-                <a:latin typeface="Verdana Regular" charset="0"/>
-              </a:rPr>
-              <a:t> </a:t>
-            </a:r>
-            <a:r>
-              <a:rPr lang="en-US" dirty="0" err="1">
-                <a:latin typeface="Verdana Regular" charset="0"/>
-              </a:rPr>
-              <a:t>occus</a:t>
-            </a:r>
-            <a:r>
-              <a:rPr lang="en-US" dirty="0">
-                <a:latin typeface="Verdana Regular" charset="0"/>
-              </a:rPr>
-              <a:t> que </a:t>
-            </a:r>
-            <a:r>
-              <a:rPr lang="en-US" dirty="0" err="1">
-                <a:latin typeface="Verdana Regular" charset="0"/>
-              </a:rPr>
-              <a:t>opta</a:t>
-            </a:r>
-            <a:r>
-              <a:rPr lang="en-US" dirty="0">
-                <a:latin typeface="Verdana Regular" charset="0"/>
-              </a:rPr>
-              <a:t> dis non </a:t>
-            </a:r>
-            <a:r>
-              <a:rPr lang="en-US" dirty="0" err="1">
-                <a:latin typeface="Verdana Regular" charset="0"/>
-              </a:rPr>
-              <a:t>sequi</a:t>
-            </a:r>
-            <a:r>
-              <a:rPr lang="en-US" dirty="0">
-                <a:latin typeface="Verdana Regular" charset="0"/>
-              </a:rPr>
-              <a:t> </a:t>
-            </a:r>
-            <a:r>
-              <a:rPr lang="en-US" dirty="0" err="1">
-                <a:latin typeface="Verdana Regular" charset="0"/>
-              </a:rPr>
-              <a:t>autemque</a:t>
-            </a:r>
-            <a:r>
-              <a:rPr lang="en-US" dirty="0">
-                <a:latin typeface="Verdana Regular" charset="0"/>
-              </a:rPr>
-              <a:t> most, vent </a:t>
-            </a:r>
-            <a:r>
-              <a:rPr lang="en-US" dirty="0" err="1">
-                <a:latin typeface="Verdana Regular" charset="0"/>
-              </a:rPr>
-              <a:t>ullam</a:t>
-            </a:r>
-            <a:r>
-              <a:rPr lang="en-US" dirty="0">
-                <a:latin typeface="Verdana Regular" charset="0"/>
-              </a:rPr>
-              <a:t> </a:t>
-            </a:r>
-            <a:r>
-              <a:rPr lang="en-US" dirty="0" err="1">
-                <a:latin typeface="Verdana Regular" charset="0"/>
-              </a:rPr>
-              <a:t>asit</a:t>
-            </a:r>
-            <a:r>
-              <a:rPr lang="en-US" dirty="0">
-                <a:latin typeface="Verdana Regular" charset="0"/>
-              </a:rPr>
-              <a:t> </a:t>
-            </a:r>
-            <a:r>
-              <a:rPr lang="en-US" dirty="0" err="1">
-                <a:latin typeface="Verdana Regular" charset="0"/>
-              </a:rPr>
-              <a:t>modite</a:t>
-            </a:r>
-            <a:r>
-              <a:rPr lang="en-US" dirty="0">
-                <a:latin typeface="Verdana Regular" charset="0"/>
-              </a:rPr>
-              <a:t> lab </a:t>
-            </a:r>
-            <a:r>
-              <a:rPr lang="en-US" dirty="0" err="1">
-                <a:latin typeface="Verdana Regular" charset="0"/>
-              </a:rPr>
-              <a:t>ipsamusant</a:t>
-            </a:r>
-            <a:r>
-              <a:rPr lang="en-US" dirty="0">
-                <a:latin typeface="Verdana Regular" charset="0"/>
-              </a:rPr>
-              <a:t>.</a:t>
-            </a:r>
+              <a:t>Nasa JPL</a:t>
+            </a:r>
+            <a:endParaRPr lang="en-US" dirty="0">
+              <a:latin typeface="Verdana Regular" charset="0"/>
+            </a:endParaRPr>
           </a:p>
         </p:txBody>
       </p:sp>

--- a/Poster/poster_undergrad_expo_48x36_eecs.pptx
+++ b/Poster/poster_undergrad_expo_48x36_eecs.pptx
@@ -3919,7 +3919,7 @@
         <p:spPr>
           <a:xfrm>
             <a:off x="1964266" y="6422030"/>
-            <a:ext cx="8126412" cy="12532983"/>
+            <a:ext cx="8126412" cy="17662592"/>
           </a:xfrm>
           <a:prstGeom prst="rect">
             <a:avLst/>
@@ -4106,23 +4106,8 @@
                 <a:spcPts val="2600"/>
               </a:spcAft>
             </a:pPr>
-            <a:endParaRPr lang="en-US" dirty="0">
-              <a:solidFill>
-                <a:schemeClr val="bg1"/>
-              </a:solidFill>
-              <a:latin typeface="Verdana" charset="0"/>
-              <a:ea typeface="Verdana" charset="0"/>
-              <a:cs typeface="Verdana" charset="0"/>
-            </a:endParaRPr>
-          </a:p>
-          <a:p>
-            <a:pPr>
-              <a:spcAft>
-                <a:spcPts val="2600"/>
-              </a:spcAft>
-            </a:pPr>
-            <a:r>
-              <a:rPr lang="en-US" dirty="0">
+            <a:r>
+              <a:rPr lang="en-US" dirty="0" err="1">
                 <a:solidFill>
                   <a:schemeClr val="bg1"/>
                 </a:solidFill>
@@ -4130,7 +4115,18 @@
                 <a:ea typeface="Verdana" charset="0"/>
                 <a:cs typeface="Verdana" charset="0"/>
               </a:rPr>
-              <a:t>We created a mobile application that takes user submitted images, and through computer vision software, analyzes the colors of a sunset or sunrise in order to present information on air quality and aerosols in the atmosphere.</a:t>
+              <a:t>Aerolyzer</a:t>
+            </a:r>
+            <a:r>
+              <a:rPr lang="en-US" dirty="0">
+                <a:solidFill>
+                  <a:schemeClr val="bg1"/>
+                </a:solidFill>
+                <a:latin typeface="Verdana" charset="0"/>
+                <a:ea typeface="Verdana" charset="0"/>
+                <a:cs typeface="Verdana" charset="0"/>
+              </a:rPr>
+              <a:t> is a mobile application that takes user submitted images, and through computer vision software, analyzes the colors of a sunset or sunrise in order to present information on air quality and aerosols in the atmosphere.</a:t>
             </a:r>
           </a:p>
           <a:p>
@@ -4328,8 +4324,82 @@
                 <a:ea typeface="Verdana" charset="0"/>
                 <a:cs typeface="Verdana" charset="0"/>
               </a:rPr>
-              <a:t> offers. OpenCV is a simple enough library to complete the task assigned. .</a:t>
-            </a:r>
+              <a:t> offers. OpenCV is a simple enough library to complete the task assigned.</a:t>
+            </a:r>
+          </a:p>
+          <a:p>
+            <a:pPr>
+              <a:spcAft>
+                <a:spcPts val="2600"/>
+              </a:spcAft>
+            </a:pPr>
+            <a:endParaRPr lang="en-US" dirty="0">
+              <a:solidFill>
+                <a:schemeClr val="bg1"/>
+              </a:solidFill>
+              <a:latin typeface="Verdana" charset="0"/>
+              <a:ea typeface="Verdana" charset="0"/>
+              <a:cs typeface="Verdana" charset="0"/>
+            </a:endParaRPr>
+          </a:p>
+          <a:p>
+            <a:pPr>
+              <a:spcAft>
+                <a:spcPts val="2600"/>
+              </a:spcAft>
+            </a:pPr>
+            <a:r>
+              <a:rPr lang="en-US" dirty="0">
+                <a:solidFill>
+                  <a:schemeClr val="bg1"/>
+                </a:solidFill>
+                <a:latin typeface="Verdana" charset="0"/>
+                <a:ea typeface="Verdana" charset="0"/>
+                <a:cs typeface="Verdana" charset="0"/>
+              </a:rPr>
+              <a:t>The </a:t>
+            </a:r>
+            <a:r>
+              <a:rPr lang="en-US" dirty="0" err="1">
+                <a:solidFill>
+                  <a:schemeClr val="bg1"/>
+                </a:solidFill>
+                <a:latin typeface="Verdana" charset="0"/>
+                <a:ea typeface="Verdana" charset="0"/>
+                <a:cs typeface="Verdana" charset="0"/>
+              </a:rPr>
+              <a:t>Aerolyzer</a:t>
+            </a:r>
+            <a:r>
+              <a:rPr lang="en-US" dirty="0">
+                <a:solidFill>
+                  <a:schemeClr val="bg1"/>
+                </a:solidFill>
+                <a:latin typeface="Verdana" charset="0"/>
+                <a:ea typeface="Verdana" charset="0"/>
+                <a:cs typeface="Verdana" charset="0"/>
+              </a:rPr>
+              <a:t> Python library uses the EXIF data attached to an image when it's taken on a smart device. The EXIF data tells the library whether an image was taken during sunrise or sunset, where the image was taken, what the size of the image is, and whether the image has been changed since it was taken. </a:t>
+            </a:r>
+            <a:r>
+              <a:rPr lang="en-US">
+                <a:solidFill>
+                  <a:schemeClr val="bg1"/>
+                </a:solidFill>
+                <a:latin typeface="Verdana" charset="0"/>
+                <a:ea typeface="Verdana" charset="0"/>
+                <a:cs typeface="Verdana" charset="0"/>
+              </a:rPr>
+              <a:t>Only after confirming that an image's EXIF data is valid the computer vison functions receive the image.</a:t>
+            </a:r>
+            <a:endParaRPr lang="en-US" dirty="0">
+              <a:solidFill>
+                <a:schemeClr val="bg1"/>
+              </a:solidFill>
+              <a:latin typeface="Verdana" charset="0"/>
+              <a:ea typeface="Verdana" charset="0"/>
+              <a:cs typeface="Verdana" charset="0"/>
+            </a:endParaRPr>
           </a:p>
         </p:txBody>
       </p:sp>

--- a/Poster/poster_undergrad_expo_48x36_eecs.pptx
+++ b/Poster/poster_undergrad_expo_48x36_eecs.pptx
@@ -2513,7 +2513,7 @@
         <p:spPr>
           <a:xfrm>
             <a:off x="22417891" y="23944056"/>
-            <a:ext cx="9418320" cy="6197915"/>
+            <a:ext cx="9418320" cy="7873950"/>
           </a:xfrm>
           <a:prstGeom prst="rect">
             <a:avLst/>
@@ -2692,31 +2692,1009 @@
             </a:lvl9pPr>
           </a:lstStyle>
           <a:p>
-            <a:pPr marL="0" indent="0">
+            <a:pPr>
               <a:spcAft>
                 <a:spcPts val="2600"/>
               </a:spcAft>
-              <a:buNone/>
             </a:pPr>
             <a:r>
               <a:rPr lang="en-US" dirty="0">
                 <a:latin typeface="Verdana Regular" charset="0"/>
               </a:rPr>
-              <a:t>The outcomes that were worked towards did not stray far to the actual results. Though many attempts were made to get accurate horizon detection and color analysis, the decided method was chosen for its accuracy, while sacrificing execution time. The execution times can be seen here:</a:t>
+              <a:t>Bullet. </a:t>
+            </a:r>
+            <a:r>
+              <a:rPr lang="en-US" dirty="0" err="1">
+                <a:latin typeface="Verdana Regular" charset="0"/>
+              </a:rPr>
+              <a:t>lum</a:t>
+            </a:r>
+            <a:r>
+              <a:rPr lang="en-US" dirty="0">
+                <a:latin typeface="Verdana Regular" charset="0"/>
+              </a:rPr>
+              <a:t> </a:t>
+            </a:r>
+            <a:r>
+              <a:rPr lang="en-US" dirty="0" err="1">
+                <a:latin typeface="Verdana Regular" charset="0"/>
+              </a:rPr>
+              <a:t>exer</a:t>
+            </a:r>
+            <a:r>
+              <a:rPr lang="en-US" dirty="0">
+                <a:latin typeface="Verdana Regular" charset="0"/>
+              </a:rPr>
+              <a:t> </a:t>
+            </a:r>
+            <a:r>
+              <a:rPr lang="en-US" dirty="0" err="1">
+                <a:latin typeface="Verdana Regular" charset="0"/>
+              </a:rPr>
+              <a:t>adipsustrud</a:t>
+            </a:r>
+            <a:r>
+              <a:rPr lang="en-US" dirty="0">
+                <a:latin typeface="Verdana Regular" charset="0"/>
+              </a:rPr>
+              <a:t> </a:t>
+            </a:r>
+            <a:r>
+              <a:rPr lang="en-US" dirty="0" err="1">
+                <a:latin typeface="Verdana Regular" charset="0"/>
+              </a:rPr>
+              <a:t>doloree</a:t>
+            </a:r>
+            <a:r>
+              <a:rPr lang="en-US" dirty="0">
+                <a:latin typeface="Verdana Regular" charset="0"/>
+              </a:rPr>
+              <a:t> </a:t>
+            </a:r>
+            <a:r>
+              <a:rPr lang="en-US" dirty="0" err="1">
+                <a:latin typeface="Verdana Regular" charset="0"/>
+              </a:rPr>
+              <a:t>tuerat</a:t>
+            </a:r>
+            <a:r>
+              <a:rPr lang="en-US" dirty="0">
+                <a:latin typeface="Verdana Regular" charset="0"/>
+              </a:rPr>
+              <a:t> </a:t>
+            </a:r>
+            <a:r>
+              <a:rPr lang="en-US" dirty="0" err="1">
+                <a:latin typeface="Verdana Regular" charset="0"/>
+              </a:rPr>
+              <a:t>lorpera</a:t>
+            </a:r>
+            <a:r>
+              <a:rPr lang="en-US" dirty="0">
+                <a:latin typeface="Verdana Regular" charset="0"/>
+              </a:rPr>
+              <a:t> </a:t>
+            </a:r>
+            <a:r>
+              <a:rPr lang="en-US" dirty="0" err="1">
+                <a:latin typeface="Verdana Regular" charset="0"/>
+              </a:rPr>
+              <a:t>esenibh</a:t>
+            </a:r>
+            <a:r>
+              <a:rPr lang="en-US" dirty="0">
+                <a:latin typeface="Verdana Regular" charset="0"/>
+              </a:rPr>
+              <a:t> </a:t>
+            </a:r>
+            <a:r>
+              <a:rPr lang="en-US" dirty="0" err="1">
+                <a:latin typeface="Verdana Regular" charset="0"/>
+              </a:rPr>
+              <a:t>eu</a:t>
+            </a:r>
+            <a:r>
+              <a:rPr lang="en-US" dirty="0">
+                <a:latin typeface="Verdana Regular" charset="0"/>
+              </a:rPr>
+              <a:t> </a:t>
+            </a:r>
+            <a:r>
+              <a:rPr lang="en-US" dirty="0" err="1">
+                <a:latin typeface="Verdana Regular" charset="0"/>
+              </a:rPr>
+              <a:t>faccum</a:t>
+            </a:r>
+            <a:r>
+              <a:rPr lang="en-US" dirty="0">
+                <a:latin typeface="Verdana Regular" charset="0"/>
+              </a:rPr>
+              <a:t> </a:t>
+            </a:r>
+            <a:r>
+              <a:rPr lang="en-US" dirty="0" err="1">
+                <a:latin typeface="Verdana Regular" charset="0"/>
+              </a:rPr>
+              <a:t>eum</a:t>
+            </a:r>
+            <a:r>
+              <a:rPr lang="en-US" dirty="0">
+                <a:latin typeface="Verdana Regular" charset="0"/>
+              </a:rPr>
+              <a:t> </a:t>
+            </a:r>
+            <a:r>
+              <a:rPr lang="en-US" dirty="0" err="1">
+                <a:latin typeface="Verdana Regular" charset="0"/>
+              </a:rPr>
+              <a:t>iuscili</a:t>
+            </a:r>
+            <a:r>
+              <a:rPr lang="en-US" dirty="0">
+                <a:latin typeface="Verdana Regular" charset="0"/>
+              </a:rPr>
+              <a:t> </a:t>
+            </a:r>
+            <a:r>
+              <a:rPr lang="en-US" dirty="0" err="1">
+                <a:latin typeface="Verdana Regular" charset="0"/>
+              </a:rPr>
+              <a:t>quamcommy</a:t>
+            </a:r>
+            <a:r>
+              <a:rPr lang="en-US" dirty="0">
+                <a:latin typeface="Verdana Regular" charset="0"/>
+              </a:rPr>
+              <a:t> nit </a:t>
+            </a:r>
+            <a:r>
+              <a:rPr lang="en-US" dirty="0" err="1">
+                <a:latin typeface="Verdana Regular" charset="0"/>
+              </a:rPr>
+              <a:t>lorerillut</a:t>
+            </a:r>
+            <a:r>
+              <a:rPr lang="en-US" dirty="0">
+                <a:latin typeface="Verdana Regular" charset="0"/>
+              </a:rPr>
+              <a:t> </a:t>
+            </a:r>
+            <a:r>
+              <a:rPr lang="en-US" dirty="0" err="1">
+                <a:latin typeface="Verdana Regular" charset="0"/>
+              </a:rPr>
+              <a:t>ullam</a:t>
+            </a:r>
+            <a:r>
+              <a:rPr lang="en-US" dirty="0">
+                <a:latin typeface="Verdana Regular" charset="0"/>
+              </a:rPr>
+              <a:t> </a:t>
+            </a:r>
+            <a:r>
+              <a:rPr lang="en-US" dirty="0" err="1">
+                <a:latin typeface="Verdana Regular" charset="0"/>
+              </a:rPr>
+              <a:t>quat</a:t>
+            </a:r>
+            <a:r>
+              <a:rPr lang="en-US" dirty="0">
+                <a:latin typeface="Verdana Regular" charset="0"/>
+              </a:rPr>
+              <a:t> lore </a:t>
+            </a:r>
+            <a:r>
+              <a:rPr lang="en-US" dirty="0" err="1">
+                <a:latin typeface="Verdana Regular" charset="0"/>
+              </a:rPr>
+              <a:t>verostrud</a:t>
+            </a:r>
+            <a:r>
+              <a:rPr lang="en-US" dirty="0">
+                <a:latin typeface="Verdana Regular" charset="0"/>
+              </a:rPr>
+              <a:t> </a:t>
+            </a:r>
+            <a:r>
+              <a:rPr lang="en-US" dirty="0" err="1">
+                <a:latin typeface="Verdana Regular" charset="0"/>
+              </a:rPr>
+              <a:t>ming</a:t>
+            </a:r>
+            <a:r>
+              <a:rPr lang="en-US" dirty="0">
+                <a:latin typeface="Verdana Regular" charset="0"/>
+              </a:rPr>
+              <a:t> </a:t>
+            </a:r>
+            <a:r>
+              <a:rPr lang="en-US" dirty="0" err="1">
+                <a:latin typeface="Verdana Regular" charset="0"/>
+              </a:rPr>
+              <a:t>faciliquisse</a:t>
+            </a:r>
+            <a:r>
+              <a:rPr lang="en-US" dirty="0">
+                <a:latin typeface="Verdana Regular" charset="0"/>
+              </a:rPr>
+              <a:t> </a:t>
+            </a:r>
+            <a:r>
+              <a:rPr lang="en-US" dirty="0" err="1">
+                <a:latin typeface="Verdana Regular" charset="0"/>
+              </a:rPr>
+              <a:t>modolortin</a:t>
+            </a:r>
+            <a:r>
+              <a:rPr lang="en-US" dirty="0">
+                <a:latin typeface="Verdana Regular" charset="0"/>
+              </a:rPr>
+              <a:t> </a:t>
+            </a:r>
+            <a:r>
+              <a:rPr lang="en-US" dirty="0" err="1">
+                <a:latin typeface="Verdana Regular" charset="0"/>
+              </a:rPr>
+              <a:t>volore</a:t>
+            </a:r>
+            <a:r>
+              <a:rPr lang="en-US" dirty="0">
+                <a:latin typeface="Verdana Regular" charset="0"/>
+              </a:rPr>
+              <a:t> </a:t>
             </a:r>
           </a:p>
           <a:p>
-            <a:pPr marL="0" indent="0">
+            <a:pPr>
               <a:spcAft>
                 <a:spcPts val="2600"/>
               </a:spcAft>
-              <a:buNone/>
             </a:pPr>
             <a:r>
-              <a:rPr lang="en-US" dirty="0">
-                <a:latin typeface="Verdana Regular" charset="0"/>
-              </a:rPr>
-              <a:t>FIGURE W/ TIME STATS</a:t>
+              <a:rPr lang="en-US" dirty="0" err="1">
+                <a:latin typeface="Verdana Regular" charset="0"/>
+              </a:rPr>
+              <a:t>Vel</a:t>
+            </a:r>
+            <a:r>
+              <a:rPr lang="en-US" dirty="0">
+                <a:latin typeface="Verdana Regular" charset="0"/>
+              </a:rPr>
+              <a:t> et </a:t>
+            </a:r>
+            <a:r>
+              <a:rPr lang="en-US" dirty="0" err="1">
+                <a:latin typeface="Verdana Regular" charset="0"/>
+              </a:rPr>
+              <a:t>vel</a:t>
+            </a:r>
+            <a:r>
+              <a:rPr lang="en-US" dirty="0">
+                <a:latin typeface="Verdana Regular" charset="0"/>
+              </a:rPr>
+              <a:t> </a:t>
+            </a:r>
+            <a:r>
+              <a:rPr lang="en-US" dirty="0" err="1">
+                <a:latin typeface="Verdana Regular" charset="0"/>
+              </a:rPr>
+              <a:t>dionsenit</a:t>
+            </a:r>
+            <a:r>
+              <a:rPr lang="en-US" dirty="0">
+                <a:latin typeface="Verdana Regular" charset="0"/>
+              </a:rPr>
+              <a:t> </a:t>
+            </a:r>
+            <a:r>
+              <a:rPr lang="en-US" dirty="0" err="1">
+                <a:latin typeface="Verdana Regular" charset="0"/>
+              </a:rPr>
+              <a:t>adit</a:t>
+            </a:r>
+            <a:r>
+              <a:rPr lang="en-US" dirty="0">
+                <a:latin typeface="Verdana Regular" charset="0"/>
+              </a:rPr>
+              <a:t>, </a:t>
+            </a:r>
+            <a:r>
+              <a:rPr lang="en-US" dirty="0" err="1">
+                <a:latin typeface="Verdana Regular" charset="0"/>
+              </a:rPr>
+              <a:t>consenim</a:t>
+            </a:r>
+            <a:r>
+              <a:rPr lang="en-US" dirty="0">
+                <a:latin typeface="Verdana Regular" charset="0"/>
+              </a:rPr>
+              <a:t> </a:t>
+            </a:r>
+            <a:r>
+              <a:rPr lang="en-US" dirty="0" err="1">
+                <a:latin typeface="Verdana Regular" charset="0"/>
+              </a:rPr>
+              <a:t>zzrillute</a:t>
+            </a:r>
+            <a:r>
+              <a:rPr lang="en-US" dirty="0">
+                <a:latin typeface="Verdana Regular" charset="0"/>
+              </a:rPr>
+              <a:t> el </a:t>
+            </a:r>
+            <a:r>
+              <a:rPr lang="en-US" dirty="0" err="1">
+                <a:latin typeface="Verdana Regular" charset="0"/>
+              </a:rPr>
+              <a:t>euguerostie</a:t>
+            </a:r>
+            <a:r>
+              <a:rPr lang="en-US" dirty="0">
+                <a:latin typeface="Verdana Regular" charset="0"/>
+              </a:rPr>
+              <a:t> </a:t>
+            </a:r>
+            <a:r>
+              <a:rPr lang="en-US" dirty="0" err="1">
+                <a:latin typeface="Verdana Regular" charset="0"/>
+              </a:rPr>
+              <a:t>faci</a:t>
+            </a:r>
+            <a:r>
+              <a:rPr lang="en-US" dirty="0">
+                <a:latin typeface="Verdana Regular" charset="0"/>
+              </a:rPr>
+              <a:t> </a:t>
+            </a:r>
+            <a:r>
+              <a:rPr lang="en-US" dirty="0" err="1">
+                <a:latin typeface="Verdana Regular" charset="0"/>
+              </a:rPr>
+              <a:t>bla</a:t>
+            </a:r>
+            <a:r>
+              <a:rPr lang="en-US" dirty="0">
+                <a:latin typeface="Verdana Regular" charset="0"/>
+              </a:rPr>
+              <a:t> </a:t>
+            </a:r>
+            <a:r>
+              <a:rPr lang="en-US" dirty="0" err="1">
+                <a:latin typeface="Verdana Regular" charset="0"/>
+              </a:rPr>
+              <a:t>conse</a:t>
+            </a:r>
+            <a:r>
+              <a:rPr lang="en-US" dirty="0">
+                <a:latin typeface="Verdana Regular" charset="0"/>
+              </a:rPr>
+              <a:t> ad </a:t>
+            </a:r>
+            <a:r>
+              <a:rPr lang="en-US" dirty="0" err="1">
+                <a:latin typeface="Verdana Regular" charset="0"/>
+              </a:rPr>
+              <a:t>essi</a:t>
+            </a:r>
+            <a:r>
+              <a:rPr lang="en-US" dirty="0">
+                <a:latin typeface="Verdana Regular" charset="0"/>
+              </a:rPr>
+              <a:t>. </a:t>
+            </a:r>
+            <a:r>
+              <a:rPr lang="en-US" dirty="0" err="1">
+                <a:latin typeface="Verdana Regular" charset="0"/>
+              </a:rPr>
+              <a:t>Vel</a:t>
+            </a:r>
+            <a:r>
+              <a:rPr lang="en-US" dirty="0">
+                <a:latin typeface="Verdana Regular" charset="0"/>
+              </a:rPr>
+              <a:t> et </a:t>
+            </a:r>
+            <a:r>
+              <a:rPr lang="en-US" dirty="0" err="1">
+                <a:latin typeface="Verdana Regular" charset="0"/>
+              </a:rPr>
+              <a:t>vel</a:t>
+            </a:r>
+            <a:r>
+              <a:rPr lang="en-US" dirty="0">
+                <a:latin typeface="Verdana Regular" charset="0"/>
+              </a:rPr>
+              <a:t> </a:t>
+            </a:r>
+            <a:r>
+              <a:rPr lang="en-US" dirty="0" err="1">
+                <a:latin typeface="Verdana Regular" charset="0"/>
+              </a:rPr>
+              <a:t>dionsenit</a:t>
+            </a:r>
+            <a:r>
+              <a:rPr lang="en-US" dirty="0">
+                <a:latin typeface="Verdana Regular" charset="0"/>
+              </a:rPr>
+              <a:t> </a:t>
+            </a:r>
+            <a:r>
+              <a:rPr lang="en-US" dirty="0" err="1">
+                <a:latin typeface="Verdana Regular" charset="0"/>
+              </a:rPr>
+              <a:t>adit</a:t>
+            </a:r>
+            <a:r>
+              <a:rPr lang="en-US" dirty="0">
+                <a:latin typeface="Verdana Regular" charset="0"/>
+              </a:rPr>
+              <a:t>, </a:t>
+            </a:r>
+            <a:r>
+              <a:rPr lang="en-US" dirty="0" err="1">
+                <a:latin typeface="Verdana Regular" charset="0"/>
+              </a:rPr>
+              <a:t>consenim</a:t>
+            </a:r>
+            <a:r>
+              <a:rPr lang="en-US" dirty="0">
+                <a:latin typeface="Verdana Regular" charset="0"/>
+              </a:rPr>
+              <a:t> </a:t>
+            </a:r>
+            <a:r>
+              <a:rPr lang="en-US" dirty="0" err="1">
+                <a:latin typeface="Verdana Regular" charset="0"/>
+              </a:rPr>
+              <a:t>zzrillute</a:t>
+            </a:r>
+            <a:r>
+              <a:rPr lang="en-US" dirty="0">
+                <a:latin typeface="Verdana Regular" charset="0"/>
+              </a:rPr>
+              <a:t> el </a:t>
+            </a:r>
+            <a:r>
+              <a:rPr lang="en-US" dirty="0" err="1">
+                <a:latin typeface="Verdana Regular" charset="0"/>
+              </a:rPr>
+              <a:t>euguerostie</a:t>
+            </a:r>
+            <a:r>
+              <a:rPr lang="en-US" dirty="0">
+                <a:latin typeface="Verdana Regular" charset="0"/>
+              </a:rPr>
+              <a:t> </a:t>
+            </a:r>
+            <a:r>
+              <a:rPr lang="en-US" dirty="0" err="1">
+                <a:latin typeface="Verdana Regular" charset="0"/>
+              </a:rPr>
+              <a:t>faci</a:t>
+            </a:r>
+            <a:r>
+              <a:rPr lang="en-US" dirty="0">
+                <a:latin typeface="Verdana Regular" charset="0"/>
+              </a:rPr>
+              <a:t> </a:t>
+            </a:r>
+            <a:r>
+              <a:rPr lang="en-US" dirty="0" err="1">
+                <a:latin typeface="Verdana Regular" charset="0"/>
+              </a:rPr>
+              <a:t>bla</a:t>
+            </a:r>
+            <a:r>
+              <a:rPr lang="en-US" dirty="0">
+                <a:latin typeface="Verdana Regular" charset="0"/>
+              </a:rPr>
+              <a:t> </a:t>
+            </a:r>
+            <a:r>
+              <a:rPr lang="en-US" dirty="0" err="1">
+                <a:latin typeface="Verdana Regular" charset="0"/>
+              </a:rPr>
+              <a:t>conse</a:t>
+            </a:r>
+            <a:r>
+              <a:rPr lang="en-US" dirty="0">
+                <a:latin typeface="Verdana Regular" charset="0"/>
+              </a:rPr>
+              <a:t> </a:t>
+            </a:r>
+            <a:r>
+              <a:rPr lang="en-US" dirty="0" err="1">
+                <a:latin typeface="Verdana Regular" charset="0"/>
+              </a:rPr>
+              <a:t>dolore</a:t>
+            </a:r>
+            <a:r>
+              <a:rPr lang="en-US" dirty="0">
+                <a:latin typeface="Verdana Regular" charset="0"/>
+              </a:rPr>
+              <a:t> </a:t>
+            </a:r>
+            <a:r>
+              <a:rPr lang="en-US" dirty="0" err="1">
+                <a:latin typeface="Verdana Regular" charset="0"/>
+              </a:rPr>
+              <a:t>tet</a:t>
+            </a:r>
+            <a:r>
+              <a:rPr lang="en-US" dirty="0">
+                <a:latin typeface="Verdana Regular" charset="0"/>
+              </a:rPr>
+              <a:t>, </a:t>
+            </a:r>
+            <a:r>
+              <a:rPr lang="en-US" dirty="0" err="1">
+                <a:latin typeface="Verdana Regular" charset="0"/>
+              </a:rPr>
+              <a:t>volobor</a:t>
+            </a:r>
+            <a:r>
+              <a:rPr lang="en-US" dirty="0">
+                <a:latin typeface="Verdana Regular" charset="0"/>
+              </a:rPr>
+              <a:t> </a:t>
+            </a:r>
+            <a:r>
+              <a:rPr lang="en-US" dirty="0" err="1">
+                <a:latin typeface="Verdana Regular" charset="0"/>
+              </a:rPr>
+              <a:t>si</a:t>
+            </a:r>
+            <a:r>
+              <a:rPr lang="en-US" dirty="0">
+                <a:latin typeface="Verdana Regular" charset="0"/>
+              </a:rPr>
+              <a:t>.</a:t>
+            </a:r>
+          </a:p>
+          <a:p>
+            <a:pPr>
+              <a:spcAft>
+                <a:spcPts val="2600"/>
+              </a:spcAft>
+            </a:pPr>
+            <a:r>
+              <a:rPr lang="en-US" dirty="0">
+                <a:latin typeface="Verdana Regular" charset="0"/>
+              </a:rPr>
+              <a:t>Lore del </a:t>
+            </a:r>
+            <a:r>
+              <a:rPr lang="en-US" dirty="0" err="1">
+                <a:latin typeface="Verdana Regular" charset="0"/>
+              </a:rPr>
+              <a:t>utatis</a:t>
+            </a:r>
+            <a:r>
+              <a:rPr lang="en-US" dirty="0">
+                <a:latin typeface="Verdana Regular" charset="0"/>
+              </a:rPr>
+              <a:t> </a:t>
+            </a:r>
+            <a:r>
+              <a:rPr lang="en-US" dirty="0" err="1">
+                <a:latin typeface="Verdana Regular" charset="0"/>
+              </a:rPr>
+              <a:t>amcorpercin</a:t>
+            </a:r>
+            <a:r>
+              <a:rPr lang="en-US" dirty="0">
+                <a:latin typeface="Verdana Regular" charset="0"/>
+              </a:rPr>
+              <a:t> </a:t>
+            </a:r>
+            <a:r>
+              <a:rPr lang="en-US" dirty="0" err="1">
+                <a:latin typeface="Verdana Regular" charset="0"/>
+              </a:rPr>
+              <a:t>henim</a:t>
+            </a:r>
+            <a:r>
+              <a:rPr lang="en-US" dirty="0">
+                <a:latin typeface="Verdana Regular" charset="0"/>
+              </a:rPr>
+              <a:t> </a:t>
+            </a:r>
+            <a:r>
+              <a:rPr lang="en-US" dirty="0" err="1">
+                <a:latin typeface="Verdana Regular" charset="0"/>
+              </a:rPr>
+              <a:t>riliq</a:t>
+            </a:r>
+            <a:r>
+              <a:rPr lang="en-US" dirty="0">
+                <a:latin typeface="Verdana Regular" charset="0"/>
+              </a:rPr>
+              <a:t> </a:t>
+            </a:r>
+            <a:r>
+              <a:rPr lang="en-US" dirty="0" err="1">
+                <a:latin typeface="Verdana Regular" charset="0"/>
+              </a:rPr>
+              <a:t>uismodo</a:t>
+            </a:r>
+            <a:r>
+              <a:rPr lang="en-US" dirty="0">
+                <a:latin typeface="Verdana Regular" charset="0"/>
+              </a:rPr>
+              <a:t> </a:t>
+            </a:r>
+            <a:r>
+              <a:rPr lang="en-US" dirty="0" err="1">
+                <a:latin typeface="Verdana Regular" charset="0"/>
+              </a:rPr>
+              <a:t>leniat</a:t>
+            </a:r>
+            <a:r>
+              <a:rPr lang="en-US" dirty="0">
+                <a:latin typeface="Verdana Regular" charset="0"/>
+              </a:rPr>
+              <a:t> </a:t>
+            </a:r>
+            <a:r>
+              <a:rPr lang="en-US" dirty="0" err="1">
+                <a:latin typeface="Verdana Regular" charset="0"/>
+              </a:rPr>
+              <a:t>aciduisl</a:t>
+            </a:r>
+            <a:r>
+              <a:rPr lang="en-US" dirty="0">
+                <a:latin typeface="Verdana Regular" charset="0"/>
+              </a:rPr>
+              <a:t> </a:t>
+            </a:r>
+            <a:r>
+              <a:rPr lang="en-US" dirty="0" err="1">
+                <a:latin typeface="Verdana Regular" charset="0"/>
+              </a:rPr>
+              <a:t>il</a:t>
+            </a:r>
+            <a:r>
+              <a:rPr lang="en-US" dirty="0">
+                <a:latin typeface="Verdana Regular" charset="0"/>
+              </a:rPr>
+              <a:t> </a:t>
+            </a:r>
+            <a:r>
+              <a:rPr lang="en-US" dirty="0" err="1">
+                <a:latin typeface="Verdana Regular" charset="0"/>
+              </a:rPr>
+              <a:t>eugait</a:t>
+            </a:r>
+            <a:r>
+              <a:rPr lang="en-US" dirty="0">
+                <a:latin typeface="Verdana Regular" charset="0"/>
+              </a:rPr>
+              <a:t> </a:t>
+            </a:r>
+            <a:r>
+              <a:rPr lang="en-US" dirty="0" err="1">
+                <a:latin typeface="Verdana Regular" charset="0"/>
+              </a:rPr>
+              <a:t>velis</a:t>
+            </a:r>
+            <a:r>
+              <a:rPr lang="en-US" dirty="0">
+                <a:latin typeface="Verdana Regular" charset="0"/>
+              </a:rPr>
+              <a:t> </a:t>
+            </a:r>
+            <a:r>
+              <a:rPr lang="en-US" dirty="0" err="1">
+                <a:latin typeface="Verdana Regular" charset="0"/>
+              </a:rPr>
+              <a:t>nos</a:t>
+            </a:r>
+            <a:r>
+              <a:rPr lang="en-US" dirty="0">
+                <a:latin typeface="Verdana Regular" charset="0"/>
+              </a:rPr>
+              <a:t> alit prat ad </a:t>
+            </a:r>
+            <a:r>
+              <a:rPr lang="en-US" dirty="0" err="1">
+                <a:latin typeface="Verdana Regular" charset="0"/>
+              </a:rPr>
+              <a:t>tions</a:t>
+            </a:r>
+            <a:r>
+              <a:rPr lang="en-US" dirty="0">
+                <a:latin typeface="Verdana Regular" charset="0"/>
+              </a:rPr>
+              <a:t> et </a:t>
+            </a:r>
+            <a:r>
+              <a:rPr lang="en-US" dirty="0" err="1">
+                <a:latin typeface="Verdana Regular" charset="0"/>
+              </a:rPr>
+              <a:t>vel</a:t>
+            </a:r>
+            <a:r>
+              <a:rPr lang="en-US" dirty="0">
+                <a:latin typeface="Verdana Regular" charset="0"/>
+              </a:rPr>
+              <a:t> </a:t>
+            </a:r>
+            <a:r>
+              <a:rPr lang="en-US" dirty="0" err="1">
+                <a:latin typeface="Verdana Regular" charset="0"/>
+              </a:rPr>
+              <a:t>euguerostie</a:t>
+            </a:r>
+            <a:r>
+              <a:rPr lang="en-US" dirty="0">
+                <a:latin typeface="Verdana Regular" charset="0"/>
+              </a:rPr>
+              <a:t> </a:t>
+            </a:r>
+            <a:r>
+              <a:rPr lang="en-US" dirty="0" err="1">
+                <a:latin typeface="Verdana Regular" charset="0"/>
+              </a:rPr>
+              <a:t>dolore</a:t>
+            </a:r>
+            <a:r>
+              <a:rPr lang="en-US" dirty="0">
+                <a:latin typeface="Verdana Regular" charset="0"/>
+              </a:rPr>
+              <a:t> </a:t>
+            </a:r>
+            <a:r>
+              <a:rPr lang="en-US" dirty="0" err="1">
+                <a:latin typeface="Verdana Regular" charset="0"/>
+              </a:rPr>
+              <a:t>tet</a:t>
+            </a:r>
+            <a:r>
+              <a:rPr lang="en-US" dirty="0">
+                <a:latin typeface="Verdana Regular" charset="0"/>
+              </a:rPr>
+              <a:t>, </a:t>
+            </a:r>
+            <a:r>
+              <a:rPr lang="en-US" dirty="0" err="1">
+                <a:latin typeface="Verdana Regular" charset="0"/>
+              </a:rPr>
+              <a:t>volobor</a:t>
+            </a:r>
+            <a:r>
+              <a:rPr lang="en-US" dirty="0">
+                <a:latin typeface="Verdana Regular" charset="0"/>
+              </a:rPr>
+              <a:t> </a:t>
+            </a:r>
+            <a:r>
+              <a:rPr lang="en-US" dirty="0" err="1">
+                <a:latin typeface="Verdana Regular" charset="0"/>
+              </a:rPr>
+              <a:t>si</a:t>
+            </a:r>
+            <a:r>
+              <a:rPr lang="en-US" dirty="0">
+                <a:latin typeface="Verdana Regular" charset="0"/>
+              </a:rPr>
+              <a:t>.</a:t>
+            </a:r>
+          </a:p>
+          <a:p>
+            <a:pPr>
+              <a:spcAft>
+                <a:spcPts val="2600"/>
+              </a:spcAft>
+            </a:pPr>
+            <a:r>
+              <a:rPr lang="en-US" dirty="0">
+                <a:latin typeface="Verdana Regular" charset="0"/>
+              </a:rPr>
+              <a:t>Sim ipsum </a:t>
+            </a:r>
+            <a:r>
+              <a:rPr lang="en-US" dirty="0" err="1">
+                <a:latin typeface="Verdana Regular" charset="0"/>
+              </a:rPr>
+              <a:t>dolorem</a:t>
+            </a:r>
+            <a:r>
+              <a:rPr lang="en-US" dirty="0">
+                <a:latin typeface="Verdana Regular" charset="0"/>
+              </a:rPr>
+              <a:t> </a:t>
+            </a:r>
+            <a:r>
+              <a:rPr lang="en-US" dirty="0" err="1">
+                <a:latin typeface="Verdana Regular" charset="0"/>
+              </a:rPr>
+              <a:t>velis</a:t>
+            </a:r>
+            <a:r>
+              <a:rPr lang="en-US" dirty="0">
+                <a:latin typeface="Verdana Regular" charset="0"/>
+              </a:rPr>
+              <a:t> </a:t>
+            </a:r>
+            <a:r>
+              <a:rPr lang="en-US" dirty="0" err="1">
+                <a:latin typeface="Verdana Regular" charset="0"/>
+              </a:rPr>
+              <a:t>aut</a:t>
+            </a:r>
+            <a:r>
+              <a:rPr lang="en-US" dirty="0">
+                <a:latin typeface="Verdana Regular" charset="0"/>
+              </a:rPr>
+              <a:t> </a:t>
+            </a:r>
+            <a:r>
+              <a:rPr lang="en-US" dirty="0" err="1">
+                <a:latin typeface="Verdana Regular" charset="0"/>
+              </a:rPr>
+              <a:t>vulputpat</a:t>
+            </a:r>
+            <a:r>
+              <a:rPr lang="en-US" dirty="0">
+                <a:latin typeface="Verdana Regular" charset="0"/>
+              </a:rPr>
+              <a:t> </a:t>
+            </a:r>
+            <a:r>
+              <a:rPr lang="en-US" dirty="0" err="1">
+                <a:latin typeface="Verdana Regular" charset="0"/>
+              </a:rPr>
+              <a:t>eu</a:t>
+            </a:r>
+            <a:r>
+              <a:rPr lang="en-US" dirty="0">
+                <a:latin typeface="Verdana Regular" charset="0"/>
+              </a:rPr>
+              <a:t> </a:t>
+            </a:r>
+            <a:r>
+              <a:rPr lang="en-US" dirty="0" err="1">
+                <a:latin typeface="Verdana Regular" charset="0"/>
+              </a:rPr>
+              <a:t>facilit</a:t>
+            </a:r>
+            <a:r>
+              <a:rPr lang="en-US" dirty="0">
+                <a:latin typeface="Verdana Regular" charset="0"/>
+              </a:rPr>
+              <a:t> am </a:t>
+            </a:r>
+            <a:r>
+              <a:rPr lang="en-US" dirty="0" err="1">
+                <a:latin typeface="Verdana Regular" charset="0"/>
+              </a:rPr>
+              <a:t>delestrud</a:t>
+            </a:r>
+            <a:r>
+              <a:rPr lang="en-US" dirty="0">
+                <a:latin typeface="Verdana Regular" charset="0"/>
+              </a:rPr>
+              <a:t> </a:t>
+            </a:r>
+            <a:r>
+              <a:rPr lang="en-US" dirty="0" err="1">
+                <a:latin typeface="Verdana Regular" charset="0"/>
+              </a:rPr>
+              <a:t>eui</a:t>
+            </a:r>
+            <a:r>
+              <a:rPr lang="en-US" dirty="0">
+                <a:latin typeface="Verdana Regular" charset="0"/>
+              </a:rPr>
+              <a:t> </a:t>
+            </a:r>
+            <a:r>
+              <a:rPr lang="en-US" dirty="0" err="1">
+                <a:latin typeface="Verdana Regular" charset="0"/>
+              </a:rPr>
+              <a:t>blan</a:t>
+            </a:r>
+            <a:r>
+              <a:rPr lang="en-US" dirty="0">
+                <a:latin typeface="Verdana Regular" charset="0"/>
+              </a:rPr>
+              <a:t> </a:t>
+            </a:r>
+            <a:r>
+              <a:rPr lang="en-US" dirty="0" err="1">
+                <a:latin typeface="Verdana Regular" charset="0"/>
+              </a:rPr>
+              <a:t>vendre</a:t>
+            </a:r>
+            <a:r>
+              <a:rPr lang="en-US" dirty="0">
+                <a:latin typeface="Verdana Regular" charset="0"/>
+              </a:rPr>
+              <a:t> </a:t>
+            </a:r>
+            <a:r>
+              <a:rPr lang="en-US" dirty="0" err="1">
+                <a:latin typeface="Verdana Regular" charset="0"/>
+              </a:rPr>
+              <a:t>elisisc</a:t>
+            </a:r>
+            <a:r>
+              <a:rPr lang="en-US" dirty="0">
+                <a:latin typeface="Verdana Regular" charset="0"/>
+              </a:rPr>
+              <a:t> </a:t>
+            </a:r>
+            <a:r>
+              <a:rPr lang="en-US" dirty="0" err="1">
+                <a:latin typeface="Verdana Regular" charset="0"/>
+              </a:rPr>
+              <a:t>illaorp</a:t>
+            </a:r>
+            <a:r>
+              <a:rPr lang="en-US" dirty="0">
+                <a:latin typeface="Verdana Regular" charset="0"/>
+              </a:rPr>
+              <a:t> </a:t>
+            </a:r>
+            <a:r>
+              <a:rPr lang="en-US" dirty="0" err="1">
+                <a:latin typeface="Verdana Regular" charset="0"/>
+              </a:rPr>
+              <a:t>ercilisi</a:t>
+            </a:r>
+            <a:r>
+              <a:rPr lang="en-US" dirty="0">
+                <a:latin typeface="Verdana Regular" charset="0"/>
+              </a:rPr>
+              <a:t> </a:t>
+            </a:r>
+            <a:r>
+              <a:rPr lang="en-US" dirty="0" err="1">
+                <a:latin typeface="Verdana Regular" charset="0"/>
+              </a:rPr>
+              <a:t>blan</a:t>
+            </a:r>
+            <a:r>
+              <a:rPr lang="en-US" dirty="0">
+                <a:latin typeface="Verdana Regular" charset="0"/>
+              </a:rPr>
+              <a:t> </a:t>
+            </a:r>
+            <a:r>
+              <a:rPr lang="en-US" dirty="0" err="1">
+                <a:latin typeface="Verdana Regular" charset="0"/>
+              </a:rPr>
+              <a:t>eu</a:t>
+            </a:r>
+            <a:r>
+              <a:rPr lang="en-US" dirty="0">
+                <a:latin typeface="Verdana Regular" charset="0"/>
+              </a:rPr>
+              <a:t> </a:t>
+            </a:r>
+            <a:r>
+              <a:rPr lang="en-US" dirty="0" err="1">
+                <a:latin typeface="Verdana Regular" charset="0"/>
+              </a:rPr>
+              <a:t>amconsequat</a:t>
+            </a:r>
+            <a:r>
+              <a:rPr lang="en-US" dirty="0">
+                <a:latin typeface="Verdana Regular" charset="0"/>
+              </a:rPr>
+              <a:t>, </a:t>
+            </a:r>
+            <a:r>
+              <a:rPr lang="en-US" dirty="0" err="1">
+                <a:latin typeface="Verdana Regular" charset="0"/>
+              </a:rPr>
+              <a:t>senisi</a:t>
+            </a:r>
+            <a:r>
+              <a:rPr lang="en-US" dirty="0">
+                <a:latin typeface="Verdana Regular" charset="0"/>
+              </a:rPr>
+              <a:t>.</a:t>
             </a:r>
           </a:p>
           <a:p>
@@ -2729,32 +3707,6 @@
             <a:endParaRPr lang="en-US" dirty="0">
               <a:latin typeface="Verdana Regular" charset="0"/>
             </a:endParaRPr>
-          </a:p>
-          <a:p>
-            <a:pPr marL="0" indent="0">
-              <a:spcAft>
-                <a:spcPts val="2600"/>
-              </a:spcAft>
-              <a:buNone/>
-            </a:pPr>
-            <a:r>
-              <a:rPr lang="en-US" dirty="0">
-                <a:latin typeface="Verdana Regular" charset="0"/>
-              </a:rPr>
-              <a:t>The accuracy of the image classifier function was ""% accurate, which is (only) ""% </a:t>
-            </a:r>
-            <a:r>
-              <a:rPr lang="en-US" dirty="0" err="1">
-                <a:latin typeface="Verdana Regular" charset="0"/>
-              </a:rPr>
-              <a:t>lower|higher</a:t>
-            </a:r>
-            <a:r>
-              <a:rPr lang="en-US" dirty="0">
-                <a:latin typeface="Verdana Regular" charset="0"/>
-              </a:rPr>
-              <a:t> than the goal accuracy of 66%.</a:t>
-            </a:r>
           </a:p>
         </p:txBody>
       </p:sp>
@@ -2967,7 +3919,7 @@
         <p:spPr>
           <a:xfrm>
             <a:off x="1964266" y="6422030"/>
-            <a:ext cx="8126412" cy="12532983"/>
+            <a:ext cx="8126412" cy="17662592"/>
           </a:xfrm>
           <a:prstGeom prst="rect">
             <a:avLst/>
@@ -3154,23 +4106,8 @@
                 <a:spcPts val="2600"/>
               </a:spcAft>
             </a:pPr>
-            <a:endParaRPr lang="en-US" dirty="0">
-              <a:solidFill>
-                <a:schemeClr val="bg1"/>
-              </a:solidFill>
-              <a:latin typeface="Verdana" charset="0"/>
-              <a:ea typeface="Verdana" charset="0"/>
-              <a:cs typeface="Verdana" charset="0"/>
-            </a:endParaRPr>
-          </a:p>
-          <a:p>
-            <a:pPr>
-              <a:spcAft>
-                <a:spcPts val="2600"/>
-              </a:spcAft>
-            </a:pPr>
-            <a:r>
-              <a:rPr lang="en-US" dirty="0">
+            <a:r>
+              <a:rPr lang="en-US" dirty="0" err="1">
                 <a:solidFill>
                   <a:schemeClr val="bg1"/>
                 </a:solidFill>
@@ -3178,7 +4115,18 @@
                 <a:ea typeface="Verdana" charset="0"/>
                 <a:cs typeface="Verdana" charset="0"/>
               </a:rPr>
-              <a:t>We created a mobile application that takes user submitted images, and through computer vision software, analyzes the colors of a sunset or sunrise in order to present information on air quality and aerosols in the atmosphere.</a:t>
+              <a:t>Aerolyzer</a:t>
+            </a:r>
+            <a:r>
+              <a:rPr lang="en-US" dirty="0">
+                <a:solidFill>
+                  <a:schemeClr val="bg1"/>
+                </a:solidFill>
+                <a:latin typeface="Verdana" charset="0"/>
+                <a:ea typeface="Verdana" charset="0"/>
+                <a:cs typeface="Verdana" charset="0"/>
+              </a:rPr>
+              <a:t> is a mobile application that takes user submitted images, and through computer vision software, analyzes the colors of a sunset or sunrise in order to present information on air quality and aerosols in the atmosphere.</a:t>
             </a:r>
           </a:p>
           <a:p>
@@ -3376,8 +4324,82 @@
                 <a:ea typeface="Verdana" charset="0"/>
                 <a:cs typeface="Verdana" charset="0"/>
               </a:rPr>
-              <a:t> offers. OpenCV is a simple enough library to complete the task assigned. .</a:t>
-            </a:r>
+              <a:t> offers. OpenCV is a simple enough library to complete the task assigned.</a:t>
+            </a:r>
+          </a:p>
+          <a:p>
+            <a:pPr>
+              <a:spcAft>
+                <a:spcPts val="2600"/>
+              </a:spcAft>
+            </a:pPr>
+            <a:endParaRPr lang="en-US" dirty="0">
+              <a:solidFill>
+                <a:schemeClr val="bg1"/>
+              </a:solidFill>
+              <a:latin typeface="Verdana" charset="0"/>
+              <a:ea typeface="Verdana" charset="0"/>
+              <a:cs typeface="Verdana" charset="0"/>
+            </a:endParaRPr>
+          </a:p>
+          <a:p>
+            <a:pPr>
+              <a:spcAft>
+                <a:spcPts val="2600"/>
+              </a:spcAft>
+            </a:pPr>
+            <a:r>
+              <a:rPr lang="en-US" dirty="0">
+                <a:solidFill>
+                  <a:schemeClr val="bg1"/>
+                </a:solidFill>
+                <a:latin typeface="Verdana" charset="0"/>
+                <a:ea typeface="Verdana" charset="0"/>
+                <a:cs typeface="Verdana" charset="0"/>
+              </a:rPr>
+              <a:t>The </a:t>
+            </a:r>
+            <a:r>
+              <a:rPr lang="en-US" dirty="0" err="1">
+                <a:solidFill>
+                  <a:schemeClr val="bg1"/>
+                </a:solidFill>
+                <a:latin typeface="Verdana" charset="0"/>
+                <a:ea typeface="Verdana" charset="0"/>
+                <a:cs typeface="Verdana" charset="0"/>
+              </a:rPr>
+              <a:t>Aerolyzer</a:t>
+            </a:r>
+            <a:r>
+              <a:rPr lang="en-US" dirty="0">
+                <a:solidFill>
+                  <a:schemeClr val="bg1"/>
+                </a:solidFill>
+                <a:latin typeface="Verdana" charset="0"/>
+                <a:ea typeface="Verdana" charset="0"/>
+                <a:cs typeface="Verdana" charset="0"/>
+              </a:rPr>
+              <a:t> Python library uses the EXIF data attached to an image when it's taken on a smart device. The EXIF data tells the library whether an image was taken during sunrise or sunset, where the image was taken, what the size of the image is, and whether the image has been changed since it was taken. </a:t>
+            </a:r>
+            <a:r>
+              <a:rPr lang="en-US">
+                <a:solidFill>
+                  <a:schemeClr val="bg1"/>
+                </a:solidFill>
+                <a:latin typeface="Verdana" charset="0"/>
+                <a:ea typeface="Verdana" charset="0"/>
+                <a:cs typeface="Verdana" charset="0"/>
+              </a:rPr>
+              <a:t>Only after confirming that an image's EXIF data is valid the computer vison functions receive the image.</a:t>
+            </a:r>
+            <a:endParaRPr lang="en-US" dirty="0">
+              <a:solidFill>
+                <a:schemeClr val="bg1"/>
+              </a:solidFill>
+              <a:latin typeface="Verdana" charset="0"/>
+              <a:ea typeface="Verdana" charset="0"/>
+              <a:cs typeface="Verdana" charset="0"/>
+            </a:endParaRPr>
           </a:p>
         </p:txBody>
       </p:sp>
@@ -3851,7 +4873,7 @@
         <p:spPr>
           <a:xfrm>
             <a:off x="33716912" y="14141317"/>
-            <a:ext cx="8126412" cy="5052665"/>
+            <a:ext cx="8126412" cy="5129609"/>
           </a:xfrm>
           <a:prstGeom prst="rect">
             <a:avLst/>
@@ -4033,104 +5055,287 @@
             </a:lvl9pPr>
           </a:lstStyle>
           <a:p>
-            <a:pPr marL="0" indent="0">
+            <a:pPr>
               <a:spcAft>
                 <a:spcPts val="2600"/>
               </a:spcAft>
-              <a:buNone/>
             </a:pPr>
             <a:r>
-              <a:rPr lang="en-US" dirty="0">
-                <a:latin typeface="Verdana Regular" charset="0"/>
-              </a:rPr>
-              <a:t>Team members pictured from left to right:</a:t>
+              <a:rPr lang="en-US" dirty="0" err="1">
+                <a:latin typeface="Verdana Regular" charset="0"/>
+              </a:rPr>
+              <a:t>Loribus</a:t>
+            </a:r>
+            <a:r>
+              <a:rPr lang="en-US" dirty="0">
+                <a:latin typeface="Verdana Regular" charset="0"/>
+              </a:rPr>
+              <a:t> </a:t>
+            </a:r>
+            <a:r>
+              <a:rPr lang="en-US" dirty="0" err="1">
+                <a:latin typeface="Verdana Regular" charset="0"/>
+              </a:rPr>
+              <a:t>eum</a:t>
+            </a:r>
+            <a:r>
+              <a:rPr lang="en-US" dirty="0">
+                <a:latin typeface="Verdana Regular" charset="0"/>
+              </a:rPr>
+              <a:t> </a:t>
+            </a:r>
+            <a:r>
+              <a:rPr lang="en-US" dirty="0" err="1">
+                <a:latin typeface="Verdana Regular" charset="0"/>
+              </a:rPr>
+              <a:t>labo</a:t>
+            </a:r>
+            <a:r>
+              <a:rPr lang="en-US" dirty="0">
+                <a:latin typeface="Verdana Regular" charset="0"/>
+              </a:rPr>
+              <a:t>. </a:t>
+            </a:r>
+            <a:r>
+              <a:rPr lang="en-US" dirty="0" err="1">
+                <a:latin typeface="Verdana Regular" charset="0"/>
+              </a:rPr>
+              <a:t>Essit</a:t>
+            </a:r>
+            <a:r>
+              <a:rPr lang="en-US" dirty="0">
+                <a:latin typeface="Verdana Regular" charset="0"/>
+              </a:rPr>
+              <a:t> </a:t>
+            </a:r>
+            <a:r>
+              <a:rPr lang="en-US" dirty="0" err="1">
+                <a:latin typeface="Verdana Regular" charset="0"/>
+              </a:rPr>
+              <a:t>ipsundunt</a:t>
+            </a:r>
+            <a:r>
+              <a:rPr lang="en-US" dirty="0">
+                <a:latin typeface="Verdana Regular" charset="0"/>
+              </a:rPr>
+              <a:t> </a:t>
+            </a:r>
+            <a:r>
+              <a:rPr lang="en-US" dirty="0" err="1">
+                <a:latin typeface="Verdana Regular" charset="0"/>
+              </a:rPr>
+              <a:t>volore</a:t>
+            </a:r>
+            <a:r>
+              <a:rPr lang="en-US" dirty="0">
+                <a:latin typeface="Verdana Regular" charset="0"/>
+              </a:rPr>
+              <a:t> </a:t>
+            </a:r>
+            <a:r>
+              <a:rPr lang="en-US" dirty="0" err="1">
+                <a:latin typeface="Verdana Regular" charset="0"/>
+              </a:rPr>
+              <a:t>arupid</a:t>
+            </a:r>
+            <a:r>
+              <a:rPr lang="en-US" dirty="0">
+                <a:latin typeface="Verdana Regular" charset="0"/>
+              </a:rPr>
+              <a:t> qui </a:t>
+            </a:r>
+            <a:r>
+              <a:rPr lang="en-US" dirty="0" err="1">
+                <a:latin typeface="Verdana Regular" charset="0"/>
+              </a:rPr>
+              <a:t>isquunt</a:t>
+            </a:r>
+            <a:r>
+              <a:rPr lang="en-US" dirty="0">
+                <a:latin typeface="Verdana Regular" charset="0"/>
+              </a:rPr>
+              <a:t> as doles </a:t>
+            </a:r>
+            <a:r>
+              <a:rPr lang="en-US" dirty="0" err="1">
+                <a:latin typeface="Verdana Regular" charset="0"/>
+              </a:rPr>
+              <a:t>ipsunt</a:t>
+            </a:r>
+            <a:r>
+              <a:rPr lang="en-US" dirty="0">
+                <a:latin typeface="Verdana Regular" charset="0"/>
+              </a:rPr>
+              <a:t>.</a:t>
             </a:r>
           </a:p>
           <a:p>
-            <a:pPr marL="0" indent="0">
+            <a:pPr>
               <a:spcAft>
                 <a:spcPts val="2600"/>
               </a:spcAft>
-              <a:buNone/>
             </a:pPr>
             <a:r>
-              <a:rPr lang="en-US" dirty="0">
-                <a:latin typeface="Verdana Regular" charset="0"/>
-              </a:rPr>
-              <a:t>Logan Wingard | wingarlo@oregonstate.edu</a:t>
-            </a:r>
-          </a:p>
-          <a:p>
-            <a:pPr marL="0" indent="0">
-              <a:spcAft>
-                <a:spcPts val="2600"/>
-              </a:spcAft>
-              <a:buNone/>
-            </a:pPr>
-            <a:r>
-              <a:rPr lang="en-US" dirty="0">
-                <a:latin typeface="Verdana Regular" charset="0"/>
-              </a:rPr>
-              <a:t>Daniel Ross | rossda@oregonstate.edu</a:t>
-            </a:r>
-          </a:p>
-          <a:p>
-            <a:pPr marL="0" indent="0">
-              <a:spcAft>
-                <a:spcPts val="2600"/>
-              </a:spcAft>
-              <a:buNone/>
-            </a:pPr>
-            <a:endParaRPr lang="en-US" dirty="0">
-              <a:latin typeface="Verdana Regular" charset="0"/>
-            </a:endParaRPr>
-          </a:p>
-          <a:p>
-            <a:pPr marL="0" indent="0">
-              <a:spcAft>
-                <a:spcPts val="2600"/>
-              </a:spcAft>
-              <a:buNone/>
-            </a:pPr>
-            <a:r>
-              <a:rPr lang="en-US" dirty="0">
-                <a:latin typeface="Verdana Regular" charset="0"/>
-              </a:rPr>
-              <a:t>Client(s):</a:t>
-            </a:r>
-          </a:p>
-          <a:p>
-            <a:pPr marL="0" indent="0">
-              <a:spcAft>
-                <a:spcPts val="2600"/>
-              </a:spcAft>
-              <a:buNone/>
-            </a:pPr>
-            <a:r>
-              <a:rPr lang="en-US" dirty="0">
-                <a:latin typeface="Verdana Regular" charset="0"/>
-              </a:rPr>
-              <a:t>Kim Whitehall, Nasa JPL</a:t>
-            </a:r>
-          </a:p>
-          <a:p>
-            <a:pPr marL="0" indent="0">
-              <a:spcAft>
-                <a:spcPts val="2600"/>
-              </a:spcAft>
-              <a:buNone/>
-            </a:pPr>
-            <a:r>
-              <a:rPr lang="en-US" dirty="0">
-                <a:latin typeface="Verdana Regular" charset="0"/>
-              </a:rPr>
-              <a:t>? Lewis </a:t>
-            </a:r>
-            <a:r>
-              <a:rPr lang="en-US" dirty="0" err="1">
-                <a:latin typeface="Verdana Regular" charset="0"/>
-              </a:rPr>
-              <a:t>McGibbney</a:t>
+              <a:rPr lang="en-US" dirty="0" err="1">
+                <a:latin typeface="Verdana Regular" charset="0"/>
+              </a:rPr>
+              <a:t>Hicid</a:t>
+            </a:r>
+            <a:r>
+              <a:rPr lang="en-US" dirty="0">
+                <a:latin typeface="Verdana Regular" charset="0"/>
+              </a:rPr>
+              <a:t> </a:t>
+            </a:r>
+            <a:r>
+              <a:rPr lang="en-US" dirty="0" err="1">
+                <a:latin typeface="Verdana Regular" charset="0"/>
+              </a:rPr>
+              <a:t>modit</a:t>
+            </a:r>
+            <a:r>
+              <a:rPr lang="en-US" dirty="0">
+                <a:latin typeface="Verdana Regular" charset="0"/>
+              </a:rPr>
+              <a:t> ex </a:t>
+            </a:r>
+            <a:r>
+              <a:rPr lang="en-US" dirty="0" err="1">
+                <a:latin typeface="Verdana Regular" charset="0"/>
+              </a:rPr>
+              <a:t>estinienit</a:t>
+            </a:r>
+            <a:r>
+              <a:rPr lang="en-US" dirty="0">
+                <a:latin typeface="Verdana Regular" charset="0"/>
+              </a:rPr>
+              <a:t> et </a:t>
+            </a:r>
+            <a:r>
+              <a:rPr lang="en-US" dirty="0" err="1">
+                <a:latin typeface="Verdana Regular" charset="0"/>
+              </a:rPr>
+              <a:t>audae</a:t>
+            </a:r>
+            <a:r>
+              <a:rPr lang="en-US" dirty="0">
+                <a:latin typeface="Verdana Regular" charset="0"/>
+              </a:rPr>
+              <a:t> </a:t>
+            </a:r>
+            <a:r>
+              <a:rPr lang="en-US" dirty="0" err="1">
+                <a:latin typeface="Verdana Regular" charset="0"/>
+              </a:rPr>
+              <a:t>usted</a:t>
+            </a:r>
+            <a:r>
+              <a:rPr lang="en-US" dirty="0">
+                <a:latin typeface="Verdana Regular" charset="0"/>
+              </a:rPr>
+              <a:t> </a:t>
+            </a:r>
+            <a:r>
+              <a:rPr lang="en-US" dirty="0" err="1">
+                <a:latin typeface="Verdana Regular" charset="0"/>
+              </a:rPr>
+              <a:t>est</a:t>
+            </a:r>
+            <a:r>
+              <a:rPr lang="en-US" dirty="0">
+                <a:latin typeface="Verdana Regular" charset="0"/>
+              </a:rPr>
+              <a:t> qui </a:t>
+            </a:r>
+            <a:r>
+              <a:rPr lang="en-US" dirty="0" err="1">
+                <a:latin typeface="Verdana Regular" charset="0"/>
+              </a:rPr>
+              <a:t>occullorio</a:t>
+            </a:r>
+            <a:r>
+              <a:rPr lang="en-US" dirty="0">
+                <a:latin typeface="Verdana Regular" charset="0"/>
+              </a:rPr>
+              <a:t> </a:t>
+            </a:r>
+            <a:r>
+              <a:rPr lang="en-US" dirty="0" err="1">
+                <a:latin typeface="Verdana Regular" charset="0"/>
+              </a:rPr>
+              <a:t>molupit</a:t>
+            </a:r>
+            <a:r>
+              <a:rPr lang="en-US" dirty="0">
+                <a:latin typeface="Verdana Regular" charset="0"/>
+              </a:rPr>
+              <a:t> </a:t>
+            </a:r>
+            <a:r>
+              <a:rPr lang="en-US" dirty="0" err="1">
+                <a:latin typeface="Verdana Regular" charset="0"/>
+              </a:rPr>
+              <a:t>vollaut</a:t>
+            </a:r>
+            <a:r>
+              <a:rPr lang="en-US" dirty="0">
+                <a:latin typeface="Verdana Regular" charset="0"/>
+              </a:rPr>
+              <a:t> </a:t>
+            </a:r>
+            <a:r>
+              <a:rPr lang="en-US" dirty="0" err="1">
+                <a:latin typeface="Verdana Regular" charset="0"/>
+              </a:rPr>
+              <a:t>volumpt</a:t>
+            </a:r>
+            <a:r>
+              <a:rPr lang="en-US" dirty="0">
+                <a:latin typeface="Verdana Regular" charset="0"/>
+              </a:rPr>
+              <a:t> </a:t>
+            </a:r>
+            <a:r>
+              <a:rPr lang="en-US" dirty="0" err="1">
+                <a:latin typeface="Verdana Regular" charset="0"/>
+              </a:rPr>
+              <a:t>molorestio</a:t>
+            </a:r>
+            <a:r>
+              <a:rPr lang="en-US" dirty="0">
+                <a:latin typeface="Verdana Regular" charset="0"/>
+              </a:rPr>
+              <a:t> </a:t>
+            </a:r>
+            <a:r>
+              <a:rPr lang="en-US" dirty="0" err="1">
+                <a:latin typeface="Verdana Regular" charset="0"/>
+              </a:rPr>
+              <a:t>blaborionet</a:t>
+            </a:r>
+            <a:r>
+              <a:rPr lang="en-US" dirty="0">
+                <a:latin typeface="Verdana Regular" charset="0"/>
+              </a:rPr>
+              <a:t> </a:t>
+            </a:r>
+            <a:r>
+              <a:rPr lang="en-US" dirty="0" err="1">
+                <a:latin typeface="Verdana Regular" charset="0"/>
+              </a:rPr>
+              <a:t>elictem</a:t>
+            </a:r>
+            <a:r>
+              <a:rPr lang="en-US" dirty="0">
+                <a:latin typeface="Verdana Regular" charset="0"/>
+              </a:rPr>
+              <a:t> </a:t>
+            </a:r>
+            <a:r>
+              <a:rPr lang="en-US" dirty="0" err="1">
+                <a:latin typeface="Verdana Regular" charset="0"/>
+              </a:rPr>
+              <a:t>est</a:t>
             </a:r>
             <a:r>
               <a:rPr lang="en-US" dirty="0">
@@ -4139,14 +5344,341 @@
               <a:t>, </a:t>
             </a:r>
             <a:r>
-              <a:rPr lang="en-US">
-                <a:latin typeface="Verdana Regular" charset="0"/>
-              </a:rPr>
-              <a:t>Nasa JPL</a:t>
-            </a:r>
-            <a:endParaRPr lang="en-US" dirty="0">
-              <a:latin typeface="Verdana Regular" charset="0"/>
-            </a:endParaRPr>
+              <a:rPr lang="en-US" dirty="0" err="1">
+                <a:latin typeface="Verdana Regular" charset="0"/>
+              </a:rPr>
+              <a:t>ius</a:t>
+            </a:r>
+            <a:r>
+              <a:rPr lang="en-US" dirty="0">
+                <a:latin typeface="Verdana Regular" charset="0"/>
+              </a:rPr>
+              <a:t> </a:t>
+            </a:r>
+            <a:r>
+              <a:rPr lang="en-US" dirty="0" err="1">
+                <a:latin typeface="Verdana Regular" charset="0"/>
+              </a:rPr>
+              <a:t>accatiur</a:t>
+            </a:r>
+            <a:r>
+              <a:rPr lang="en-US" dirty="0">
+                <a:latin typeface="Verdana Regular" charset="0"/>
+              </a:rPr>
+              <a:t> </a:t>
+            </a:r>
+            <a:r>
+              <a:rPr lang="en-US" dirty="0" err="1">
+                <a:latin typeface="Verdana Regular" charset="0"/>
+              </a:rPr>
+              <a:t>sam</a:t>
+            </a:r>
+            <a:r>
+              <a:rPr lang="en-US" dirty="0">
+                <a:latin typeface="Verdana Regular" charset="0"/>
+              </a:rPr>
+              <a:t> </a:t>
+            </a:r>
+            <a:r>
+              <a:rPr lang="en-US" dirty="0" err="1">
+                <a:latin typeface="Verdana Regular" charset="0"/>
+              </a:rPr>
+              <a:t>eum</a:t>
+            </a:r>
+            <a:r>
+              <a:rPr lang="en-US" dirty="0">
+                <a:latin typeface="Verdana Regular" charset="0"/>
+              </a:rPr>
+              <a:t> </a:t>
+            </a:r>
+            <a:r>
+              <a:rPr lang="en-US" dirty="0" err="1">
+                <a:latin typeface="Verdana Regular" charset="0"/>
+              </a:rPr>
+              <a:t>lamus</a:t>
+            </a:r>
+            <a:r>
+              <a:rPr lang="en-US" dirty="0">
+                <a:latin typeface="Verdana Regular" charset="0"/>
+              </a:rPr>
+              <a:t> </a:t>
+            </a:r>
+            <a:r>
+              <a:rPr lang="en-US" dirty="0" err="1">
+                <a:latin typeface="Verdana Regular" charset="0"/>
+              </a:rPr>
+              <a:t>doloresti</a:t>
+            </a:r>
+            <a:r>
+              <a:rPr lang="en-US" dirty="0">
+                <a:latin typeface="Verdana Regular" charset="0"/>
+              </a:rPr>
+              <a:t> </a:t>
+            </a:r>
+            <a:r>
+              <a:rPr lang="en-US" dirty="0" err="1">
+                <a:latin typeface="Verdana Regular" charset="0"/>
+              </a:rPr>
+              <a:t>ipsam</a:t>
+            </a:r>
+            <a:r>
+              <a:rPr lang="en-US" dirty="0">
+                <a:latin typeface="Verdana Regular" charset="0"/>
+              </a:rPr>
+              <a:t> </a:t>
+            </a:r>
+            <a:r>
+              <a:rPr lang="en-US" dirty="0" err="1">
+                <a:latin typeface="Verdana Regular" charset="0"/>
+              </a:rPr>
+              <a:t>inverum</a:t>
+            </a:r>
+            <a:r>
+              <a:rPr lang="en-US" dirty="0">
+                <a:latin typeface="Verdana Regular" charset="0"/>
+              </a:rPr>
+              <a:t> </a:t>
+            </a:r>
+            <a:r>
+              <a:rPr lang="en-US" dirty="0" err="1">
+                <a:latin typeface="Verdana Regular" charset="0"/>
+              </a:rPr>
+              <a:t>utecum</a:t>
+            </a:r>
+            <a:r>
+              <a:rPr lang="en-US" dirty="0">
+                <a:latin typeface="Verdana Regular" charset="0"/>
+              </a:rPr>
+              <a:t> </a:t>
+            </a:r>
+            <a:r>
+              <a:rPr lang="en-US" dirty="0" err="1">
+                <a:latin typeface="Verdana Regular" charset="0"/>
+              </a:rPr>
+              <a:t>iustia</a:t>
+            </a:r>
+            <a:r>
+              <a:rPr lang="en-US" dirty="0">
+                <a:latin typeface="Verdana Regular" charset="0"/>
+              </a:rPr>
+              <a:t> </a:t>
+            </a:r>
+            <a:r>
+              <a:rPr lang="en-US" dirty="0" err="1">
+                <a:latin typeface="Verdana Regular" charset="0"/>
+              </a:rPr>
+              <a:t>doluptur</a:t>
+            </a:r>
+            <a:r>
+              <a:rPr lang="en-US" dirty="0">
+                <a:latin typeface="Verdana Regular" charset="0"/>
+              </a:rPr>
+              <a:t>, que </a:t>
+            </a:r>
+            <a:r>
+              <a:rPr lang="en-US" dirty="0" err="1">
+                <a:latin typeface="Verdana Regular" charset="0"/>
+              </a:rPr>
+              <a:t>nimi</a:t>
+            </a:r>
+            <a:r>
+              <a:rPr lang="en-US" dirty="0">
+                <a:latin typeface="Verdana Regular" charset="0"/>
+              </a:rPr>
+              <a:t> </a:t>
+            </a:r>
+            <a:r>
+              <a:rPr lang="en-US" dirty="0" err="1">
+                <a:latin typeface="Verdana Regular" charset="0"/>
+              </a:rPr>
+              <a:t>ncima</a:t>
+            </a:r>
+            <a:r>
+              <a:rPr lang="en-US" dirty="0">
+                <a:latin typeface="Verdana Regular" charset="0"/>
+              </a:rPr>
+              <a:t> </a:t>
+            </a:r>
+            <a:r>
+              <a:rPr lang="en-US" dirty="0" err="1">
+                <a:latin typeface="Verdana Regular" charset="0"/>
+              </a:rPr>
+              <a:t>nimus</a:t>
+            </a:r>
+            <a:r>
+              <a:rPr lang="en-US" dirty="0">
+                <a:latin typeface="Verdana Regular" charset="0"/>
+              </a:rPr>
+              <a:t> </a:t>
+            </a:r>
+            <a:r>
+              <a:rPr lang="en-US" dirty="0" err="1">
+                <a:latin typeface="Verdana Regular" charset="0"/>
+              </a:rPr>
+              <a:t>est</a:t>
+            </a:r>
+            <a:r>
+              <a:rPr lang="en-US" dirty="0">
+                <a:latin typeface="Verdana Regular" charset="0"/>
+              </a:rPr>
+              <a:t> </a:t>
+            </a:r>
+            <a:r>
+              <a:rPr lang="en-US" dirty="0" err="1">
+                <a:latin typeface="Verdana Regular" charset="0"/>
+              </a:rPr>
+              <a:t>ut</a:t>
+            </a:r>
+            <a:r>
+              <a:rPr lang="en-US" dirty="0">
+                <a:latin typeface="Verdana Regular" charset="0"/>
+              </a:rPr>
+              <a:t> </a:t>
+            </a:r>
+            <a:r>
+              <a:rPr lang="en-US" dirty="0" err="1">
+                <a:latin typeface="Verdana Regular" charset="0"/>
+              </a:rPr>
+              <a:t>latium</a:t>
+            </a:r>
+            <a:r>
+              <a:rPr lang="en-US" dirty="0">
+                <a:latin typeface="Verdana Regular" charset="0"/>
+              </a:rPr>
+              <a:t> qui </a:t>
+            </a:r>
+            <a:r>
+              <a:rPr lang="en-US" dirty="0" err="1">
+                <a:latin typeface="Verdana Regular" charset="0"/>
+              </a:rPr>
+              <a:t>nempore</a:t>
+            </a:r>
+            <a:r>
+              <a:rPr lang="en-US" dirty="0">
+                <a:latin typeface="Verdana Regular" charset="0"/>
+              </a:rPr>
+              <a:t> </a:t>
+            </a:r>
+            <a:r>
+              <a:rPr lang="en-US" dirty="0" err="1">
+                <a:latin typeface="Verdana Regular" charset="0"/>
+              </a:rPr>
+              <a:t>odisqui</a:t>
+            </a:r>
+            <a:r>
+              <a:rPr lang="en-US" dirty="0">
+                <a:latin typeface="Verdana Regular" charset="0"/>
+              </a:rPr>
+              <a:t> </a:t>
+            </a:r>
+            <a:r>
+              <a:rPr lang="en-US" dirty="0" err="1">
+                <a:latin typeface="Verdana Regular" charset="0"/>
+              </a:rPr>
+              <a:t>cuptae</a:t>
+            </a:r>
+            <a:r>
+              <a:rPr lang="en-US" dirty="0">
+                <a:latin typeface="Verdana Regular" charset="0"/>
+              </a:rPr>
+              <a:t> </a:t>
+            </a:r>
+            <a:r>
+              <a:rPr lang="en-US" dirty="0" err="1">
+                <a:latin typeface="Verdana Regular" charset="0"/>
+              </a:rPr>
+              <a:t>occus</a:t>
+            </a:r>
+            <a:r>
+              <a:rPr lang="en-US" dirty="0">
+                <a:latin typeface="Verdana Regular" charset="0"/>
+              </a:rPr>
+              <a:t> que </a:t>
+            </a:r>
+            <a:r>
+              <a:rPr lang="en-US" dirty="0" err="1">
+                <a:latin typeface="Verdana Regular" charset="0"/>
+              </a:rPr>
+              <a:t>opta</a:t>
+            </a:r>
+            <a:r>
+              <a:rPr lang="en-US" dirty="0">
+                <a:latin typeface="Verdana Regular" charset="0"/>
+              </a:rPr>
+              <a:t> dis non </a:t>
+            </a:r>
+            <a:r>
+              <a:rPr lang="en-US" dirty="0" err="1">
+                <a:latin typeface="Verdana Regular" charset="0"/>
+              </a:rPr>
+              <a:t>sequi</a:t>
+            </a:r>
+            <a:r>
+              <a:rPr lang="en-US" dirty="0">
+                <a:latin typeface="Verdana Regular" charset="0"/>
+              </a:rPr>
+              <a:t> </a:t>
+            </a:r>
+            <a:r>
+              <a:rPr lang="en-US" dirty="0" err="1">
+                <a:latin typeface="Verdana Regular" charset="0"/>
+              </a:rPr>
+              <a:t>autemque</a:t>
+            </a:r>
+            <a:r>
+              <a:rPr lang="en-US" dirty="0">
+                <a:latin typeface="Verdana Regular" charset="0"/>
+              </a:rPr>
+              <a:t> most, vent </a:t>
+            </a:r>
+            <a:r>
+              <a:rPr lang="en-US" dirty="0" err="1">
+                <a:latin typeface="Verdana Regular" charset="0"/>
+              </a:rPr>
+              <a:t>ullam</a:t>
+            </a:r>
+            <a:r>
+              <a:rPr lang="en-US" dirty="0">
+                <a:latin typeface="Verdana Regular" charset="0"/>
+              </a:rPr>
+              <a:t> </a:t>
+            </a:r>
+            <a:r>
+              <a:rPr lang="en-US" dirty="0" err="1">
+                <a:latin typeface="Verdana Regular" charset="0"/>
+              </a:rPr>
+              <a:t>asit</a:t>
+            </a:r>
+            <a:r>
+              <a:rPr lang="en-US" dirty="0">
+                <a:latin typeface="Verdana Regular" charset="0"/>
+              </a:rPr>
+              <a:t> </a:t>
+            </a:r>
+            <a:r>
+              <a:rPr lang="en-US" dirty="0" err="1">
+                <a:latin typeface="Verdana Regular" charset="0"/>
+              </a:rPr>
+              <a:t>modite</a:t>
+            </a:r>
+            <a:r>
+              <a:rPr lang="en-US" dirty="0">
+                <a:latin typeface="Verdana Regular" charset="0"/>
+              </a:rPr>
+              <a:t> lab </a:t>
+            </a:r>
+            <a:r>
+              <a:rPr lang="en-US" dirty="0" err="1">
+                <a:latin typeface="Verdana Regular" charset="0"/>
+              </a:rPr>
+              <a:t>ipsamusant</a:t>
+            </a:r>
+            <a:r>
+              <a:rPr lang="en-US" dirty="0">
+                <a:latin typeface="Verdana Regular" charset="0"/>
+              </a:rPr>
+              <a:t>.</a:t>
+            </a:r>
           </a:p>
         </p:txBody>
       </p:sp>

--- a/Poster/poster_undergrad_expo_48x36_eecs.pptx
+++ b/Poster/poster_undergrad_expo_48x36_eecs.pptx
@@ -2513,7 +2513,7 @@
         <p:spPr>
           <a:xfrm>
             <a:off x="22417891" y="23944056"/>
-            <a:ext cx="9418320" cy="7873950"/>
+            <a:ext cx="9418320" cy="6197915"/>
           </a:xfrm>
           <a:prstGeom prst="rect">
             <a:avLst/>
@@ -2692,1009 +2692,17 @@
             </a:lvl9pPr>
           </a:lstStyle>
           <a:p>
-            <a:pPr>
+            <a:pPr marL="0" indent="0">
               <a:spcAft>
                 <a:spcPts val="2600"/>
               </a:spcAft>
+              <a:buNone/>
             </a:pPr>
             <a:r>
               <a:rPr lang="en-US" dirty="0">
                 <a:latin typeface="Verdana Regular" charset="0"/>
               </a:rPr>
-              <a:t>Bullet. </a:t>
-            </a:r>
-            <a:r>
-              <a:rPr lang="en-US" dirty="0" err="1">
-                <a:latin typeface="Verdana Regular" charset="0"/>
-              </a:rPr>
-              <a:t>lum</a:t>
-            </a:r>
-            <a:r>
-              <a:rPr lang="en-US" dirty="0">
-                <a:latin typeface="Verdana Regular" charset="0"/>
-              </a:rPr>
-              <a:t> </a:t>
-            </a:r>
-            <a:r>
-              <a:rPr lang="en-US" dirty="0" err="1">
-                <a:latin typeface="Verdana Regular" charset="0"/>
-              </a:rPr>
-              <a:t>exer</a:t>
-            </a:r>
-            <a:r>
-              <a:rPr lang="en-US" dirty="0">
-                <a:latin typeface="Verdana Regular" charset="0"/>
-              </a:rPr>
-              <a:t> </a:t>
-            </a:r>
-            <a:r>
-              <a:rPr lang="en-US" dirty="0" err="1">
-                <a:latin typeface="Verdana Regular" charset="0"/>
-              </a:rPr>
-              <a:t>adipsustrud</a:t>
-            </a:r>
-            <a:r>
-              <a:rPr lang="en-US" dirty="0">
-                <a:latin typeface="Verdana Regular" charset="0"/>
-              </a:rPr>
-              <a:t> </a:t>
-            </a:r>
-            <a:r>
-              <a:rPr lang="en-US" dirty="0" err="1">
-                <a:latin typeface="Verdana Regular" charset="0"/>
-              </a:rPr>
-              <a:t>doloree</a:t>
-            </a:r>
-            <a:r>
-              <a:rPr lang="en-US" dirty="0">
-                <a:latin typeface="Verdana Regular" charset="0"/>
-              </a:rPr>
-              <a:t> </a:t>
-            </a:r>
-            <a:r>
-              <a:rPr lang="en-US" dirty="0" err="1">
-                <a:latin typeface="Verdana Regular" charset="0"/>
-              </a:rPr>
-              <a:t>tuerat</a:t>
-            </a:r>
-            <a:r>
-              <a:rPr lang="en-US" dirty="0">
-                <a:latin typeface="Verdana Regular" charset="0"/>
-              </a:rPr>
-              <a:t> </a:t>
-            </a:r>
-            <a:r>
-              <a:rPr lang="en-US" dirty="0" err="1">
-                <a:latin typeface="Verdana Regular" charset="0"/>
-              </a:rPr>
-              <a:t>lorpera</a:t>
-            </a:r>
-            <a:r>
-              <a:rPr lang="en-US" dirty="0">
-                <a:latin typeface="Verdana Regular" charset="0"/>
-              </a:rPr>
-              <a:t> </a:t>
-            </a:r>
-            <a:r>
-              <a:rPr lang="en-US" dirty="0" err="1">
-                <a:latin typeface="Verdana Regular" charset="0"/>
-              </a:rPr>
-              <a:t>esenibh</a:t>
-            </a:r>
-            <a:r>
-              <a:rPr lang="en-US" dirty="0">
-                <a:latin typeface="Verdana Regular" charset="0"/>
-              </a:rPr>
-              <a:t> </a:t>
-            </a:r>
-            <a:r>
-              <a:rPr lang="en-US" dirty="0" err="1">
-                <a:latin typeface="Verdana Regular" charset="0"/>
-              </a:rPr>
-              <a:t>eu</a:t>
-            </a:r>
-            <a:r>
-              <a:rPr lang="en-US" dirty="0">
-                <a:latin typeface="Verdana Regular" charset="0"/>
-              </a:rPr>
-              <a:t> </a:t>
-            </a:r>
-            <a:r>
-              <a:rPr lang="en-US" dirty="0" err="1">
-                <a:latin typeface="Verdana Regular" charset="0"/>
-              </a:rPr>
-              <a:t>faccum</a:t>
-            </a:r>
-            <a:r>
-              <a:rPr lang="en-US" dirty="0">
-                <a:latin typeface="Verdana Regular" charset="0"/>
-              </a:rPr>
-              <a:t> </a:t>
-            </a:r>
-            <a:r>
-              <a:rPr lang="en-US" dirty="0" err="1">
-                <a:latin typeface="Verdana Regular" charset="0"/>
-              </a:rPr>
-              <a:t>eum</a:t>
-            </a:r>
-            <a:r>
-              <a:rPr lang="en-US" dirty="0">
-                <a:latin typeface="Verdana Regular" charset="0"/>
-              </a:rPr>
-              <a:t> </a:t>
-            </a:r>
-            <a:r>
-              <a:rPr lang="en-US" dirty="0" err="1">
-                <a:latin typeface="Verdana Regular" charset="0"/>
-              </a:rPr>
-              <a:t>iuscili</a:t>
-            </a:r>
-            <a:r>
-              <a:rPr lang="en-US" dirty="0">
-                <a:latin typeface="Verdana Regular" charset="0"/>
-              </a:rPr>
-              <a:t> </a:t>
-            </a:r>
-            <a:r>
-              <a:rPr lang="en-US" dirty="0" err="1">
-                <a:latin typeface="Verdana Regular" charset="0"/>
-              </a:rPr>
-              <a:t>quamcommy</a:t>
-            </a:r>
-            <a:r>
-              <a:rPr lang="en-US" dirty="0">
-                <a:latin typeface="Verdana Regular" charset="0"/>
-              </a:rPr>
-              <a:t> nit </a:t>
-            </a:r>
-            <a:r>
-              <a:rPr lang="en-US" dirty="0" err="1">
-                <a:latin typeface="Verdana Regular" charset="0"/>
-              </a:rPr>
-              <a:t>lorerillut</a:t>
-            </a:r>
-            <a:r>
-              <a:rPr lang="en-US" dirty="0">
-                <a:latin typeface="Verdana Regular" charset="0"/>
-              </a:rPr>
-              <a:t> </a:t>
-            </a:r>
-            <a:r>
-              <a:rPr lang="en-US" dirty="0" err="1">
-                <a:latin typeface="Verdana Regular" charset="0"/>
-              </a:rPr>
-              <a:t>ullam</a:t>
-            </a:r>
-            <a:r>
-              <a:rPr lang="en-US" dirty="0">
-                <a:latin typeface="Verdana Regular" charset="0"/>
-              </a:rPr>
-              <a:t> </a:t>
-            </a:r>
-            <a:r>
-              <a:rPr lang="en-US" dirty="0" err="1">
-                <a:latin typeface="Verdana Regular" charset="0"/>
-              </a:rPr>
-              <a:t>quat</a:t>
-            </a:r>
-            <a:r>
-              <a:rPr lang="en-US" dirty="0">
-                <a:latin typeface="Verdana Regular" charset="0"/>
-              </a:rPr>
-              <a:t> lore </a:t>
-            </a:r>
-            <a:r>
-              <a:rPr lang="en-US" dirty="0" err="1">
-                <a:latin typeface="Verdana Regular" charset="0"/>
-              </a:rPr>
-              <a:t>verostrud</a:t>
-            </a:r>
-            <a:r>
-              <a:rPr lang="en-US" dirty="0">
-                <a:latin typeface="Verdana Regular" charset="0"/>
-              </a:rPr>
-              <a:t> </a:t>
-            </a:r>
-            <a:r>
-              <a:rPr lang="en-US" dirty="0" err="1">
-                <a:latin typeface="Verdana Regular" charset="0"/>
-              </a:rPr>
-              <a:t>ming</a:t>
-            </a:r>
-            <a:r>
-              <a:rPr lang="en-US" dirty="0">
-                <a:latin typeface="Verdana Regular" charset="0"/>
-              </a:rPr>
-              <a:t> </a:t>
-            </a:r>
-            <a:r>
-              <a:rPr lang="en-US" dirty="0" err="1">
-                <a:latin typeface="Verdana Regular" charset="0"/>
-              </a:rPr>
-              <a:t>faciliquisse</a:t>
-            </a:r>
-            <a:r>
-              <a:rPr lang="en-US" dirty="0">
-                <a:latin typeface="Verdana Regular" charset="0"/>
-              </a:rPr>
-              <a:t> </a:t>
-            </a:r>
-            <a:r>
-              <a:rPr lang="en-US" dirty="0" err="1">
-                <a:latin typeface="Verdana Regular" charset="0"/>
-              </a:rPr>
-              <a:t>modolortin</a:t>
-            </a:r>
-            <a:r>
-              <a:rPr lang="en-US" dirty="0">
-                <a:latin typeface="Verdana Regular" charset="0"/>
-              </a:rPr>
-              <a:t> </a:t>
-            </a:r>
-            <a:r>
-              <a:rPr lang="en-US" dirty="0" err="1">
-                <a:latin typeface="Verdana Regular" charset="0"/>
-              </a:rPr>
-              <a:t>volore</a:t>
-            </a:r>
-            <a:r>
-              <a:rPr lang="en-US" dirty="0">
-                <a:latin typeface="Verdana Regular" charset="0"/>
-              </a:rPr>
-              <a:t> </a:t>
-            </a:r>
-          </a:p>
-          <a:p>
-            <a:pPr>
-              <a:spcAft>
-                <a:spcPts val="2600"/>
-              </a:spcAft>
-            </a:pPr>
-            <a:r>
-              <a:rPr lang="en-US" dirty="0" err="1">
-                <a:latin typeface="Verdana Regular" charset="0"/>
-              </a:rPr>
-              <a:t>Vel</a:t>
-            </a:r>
-            <a:r>
-              <a:rPr lang="en-US" dirty="0">
-                <a:latin typeface="Verdana Regular" charset="0"/>
-              </a:rPr>
-              <a:t> et </a:t>
-            </a:r>
-            <a:r>
-              <a:rPr lang="en-US" dirty="0" err="1">
-                <a:latin typeface="Verdana Regular" charset="0"/>
-              </a:rPr>
-              <a:t>vel</a:t>
-            </a:r>
-            <a:r>
-              <a:rPr lang="en-US" dirty="0">
-                <a:latin typeface="Verdana Regular" charset="0"/>
-              </a:rPr>
-              <a:t> </a:t>
-            </a:r>
-            <a:r>
-              <a:rPr lang="en-US" dirty="0" err="1">
-                <a:latin typeface="Verdana Regular" charset="0"/>
-              </a:rPr>
-              <a:t>dionsenit</a:t>
-            </a:r>
-            <a:r>
-              <a:rPr lang="en-US" dirty="0">
-                <a:latin typeface="Verdana Regular" charset="0"/>
-              </a:rPr>
-              <a:t> </a:t>
-            </a:r>
-            <a:r>
-              <a:rPr lang="en-US" dirty="0" err="1">
-                <a:latin typeface="Verdana Regular" charset="0"/>
-              </a:rPr>
-              <a:t>adit</a:t>
-            </a:r>
-            <a:r>
-              <a:rPr lang="en-US" dirty="0">
-                <a:latin typeface="Verdana Regular" charset="0"/>
-              </a:rPr>
-              <a:t>, </a:t>
-            </a:r>
-            <a:r>
-              <a:rPr lang="en-US" dirty="0" err="1">
-                <a:latin typeface="Verdana Regular" charset="0"/>
-              </a:rPr>
-              <a:t>consenim</a:t>
-            </a:r>
-            <a:r>
-              <a:rPr lang="en-US" dirty="0">
-                <a:latin typeface="Verdana Regular" charset="0"/>
-              </a:rPr>
-              <a:t> </a:t>
-            </a:r>
-            <a:r>
-              <a:rPr lang="en-US" dirty="0" err="1">
-                <a:latin typeface="Verdana Regular" charset="0"/>
-              </a:rPr>
-              <a:t>zzrillute</a:t>
-            </a:r>
-            <a:r>
-              <a:rPr lang="en-US" dirty="0">
-                <a:latin typeface="Verdana Regular" charset="0"/>
-              </a:rPr>
-              <a:t> el </a:t>
-            </a:r>
-            <a:r>
-              <a:rPr lang="en-US" dirty="0" err="1">
-                <a:latin typeface="Verdana Regular" charset="0"/>
-              </a:rPr>
-              <a:t>euguerostie</a:t>
-            </a:r>
-            <a:r>
-              <a:rPr lang="en-US" dirty="0">
-                <a:latin typeface="Verdana Regular" charset="0"/>
-              </a:rPr>
-              <a:t> </a:t>
-            </a:r>
-            <a:r>
-              <a:rPr lang="en-US" dirty="0" err="1">
-                <a:latin typeface="Verdana Regular" charset="0"/>
-              </a:rPr>
-              <a:t>faci</a:t>
-            </a:r>
-            <a:r>
-              <a:rPr lang="en-US" dirty="0">
-                <a:latin typeface="Verdana Regular" charset="0"/>
-              </a:rPr>
-              <a:t> </a:t>
-            </a:r>
-            <a:r>
-              <a:rPr lang="en-US" dirty="0" err="1">
-                <a:latin typeface="Verdana Regular" charset="0"/>
-              </a:rPr>
-              <a:t>bla</a:t>
-            </a:r>
-            <a:r>
-              <a:rPr lang="en-US" dirty="0">
-                <a:latin typeface="Verdana Regular" charset="0"/>
-              </a:rPr>
-              <a:t> </a:t>
-            </a:r>
-            <a:r>
-              <a:rPr lang="en-US" dirty="0" err="1">
-                <a:latin typeface="Verdana Regular" charset="0"/>
-              </a:rPr>
-              <a:t>conse</a:t>
-            </a:r>
-            <a:r>
-              <a:rPr lang="en-US" dirty="0">
-                <a:latin typeface="Verdana Regular" charset="0"/>
-              </a:rPr>
-              <a:t> ad </a:t>
-            </a:r>
-            <a:r>
-              <a:rPr lang="en-US" dirty="0" err="1">
-                <a:latin typeface="Verdana Regular" charset="0"/>
-              </a:rPr>
-              <a:t>essi</a:t>
-            </a:r>
-            <a:r>
-              <a:rPr lang="en-US" dirty="0">
-                <a:latin typeface="Verdana Regular" charset="0"/>
-              </a:rPr>
-              <a:t>. </a:t>
-            </a:r>
-            <a:r>
-              <a:rPr lang="en-US" dirty="0" err="1">
-                <a:latin typeface="Verdana Regular" charset="0"/>
-              </a:rPr>
-              <a:t>Vel</a:t>
-            </a:r>
-            <a:r>
-              <a:rPr lang="en-US" dirty="0">
-                <a:latin typeface="Verdana Regular" charset="0"/>
-              </a:rPr>
-              <a:t> et </a:t>
-            </a:r>
-            <a:r>
-              <a:rPr lang="en-US" dirty="0" err="1">
-                <a:latin typeface="Verdana Regular" charset="0"/>
-              </a:rPr>
-              <a:t>vel</a:t>
-            </a:r>
-            <a:r>
-              <a:rPr lang="en-US" dirty="0">
-                <a:latin typeface="Verdana Regular" charset="0"/>
-              </a:rPr>
-              <a:t> </a:t>
-            </a:r>
-            <a:r>
-              <a:rPr lang="en-US" dirty="0" err="1">
-                <a:latin typeface="Verdana Regular" charset="0"/>
-              </a:rPr>
-              <a:t>dionsenit</a:t>
-            </a:r>
-            <a:r>
-              <a:rPr lang="en-US" dirty="0">
-                <a:latin typeface="Verdana Regular" charset="0"/>
-              </a:rPr>
-              <a:t> </a:t>
-            </a:r>
-            <a:r>
-              <a:rPr lang="en-US" dirty="0" err="1">
-                <a:latin typeface="Verdana Regular" charset="0"/>
-              </a:rPr>
-              <a:t>adit</a:t>
-            </a:r>
-            <a:r>
-              <a:rPr lang="en-US" dirty="0">
-                <a:latin typeface="Verdana Regular" charset="0"/>
-              </a:rPr>
-              <a:t>, </a:t>
-            </a:r>
-            <a:r>
-              <a:rPr lang="en-US" dirty="0" err="1">
-                <a:latin typeface="Verdana Regular" charset="0"/>
-              </a:rPr>
-              <a:t>consenim</a:t>
-            </a:r>
-            <a:r>
-              <a:rPr lang="en-US" dirty="0">
-                <a:latin typeface="Verdana Regular" charset="0"/>
-              </a:rPr>
-              <a:t> </a:t>
-            </a:r>
-            <a:r>
-              <a:rPr lang="en-US" dirty="0" err="1">
-                <a:latin typeface="Verdana Regular" charset="0"/>
-              </a:rPr>
-              <a:t>zzrillute</a:t>
-            </a:r>
-            <a:r>
-              <a:rPr lang="en-US" dirty="0">
-                <a:latin typeface="Verdana Regular" charset="0"/>
-              </a:rPr>
-              <a:t> el </a:t>
-            </a:r>
-            <a:r>
-              <a:rPr lang="en-US" dirty="0" err="1">
-                <a:latin typeface="Verdana Regular" charset="0"/>
-              </a:rPr>
-              <a:t>euguerostie</a:t>
-            </a:r>
-            <a:r>
-              <a:rPr lang="en-US" dirty="0">
-                <a:latin typeface="Verdana Regular" charset="0"/>
-              </a:rPr>
-              <a:t> </a:t>
-            </a:r>
-            <a:r>
-              <a:rPr lang="en-US" dirty="0" err="1">
-                <a:latin typeface="Verdana Regular" charset="0"/>
-              </a:rPr>
-              <a:t>faci</a:t>
-            </a:r>
-            <a:r>
-              <a:rPr lang="en-US" dirty="0">
-                <a:latin typeface="Verdana Regular" charset="0"/>
-              </a:rPr>
-              <a:t> </a:t>
-            </a:r>
-            <a:r>
-              <a:rPr lang="en-US" dirty="0" err="1">
-                <a:latin typeface="Verdana Regular" charset="0"/>
-              </a:rPr>
-              <a:t>bla</a:t>
-            </a:r>
-            <a:r>
-              <a:rPr lang="en-US" dirty="0">
-                <a:latin typeface="Verdana Regular" charset="0"/>
-              </a:rPr>
-              <a:t> </a:t>
-            </a:r>
-            <a:r>
-              <a:rPr lang="en-US" dirty="0" err="1">
-                <a:latin typeface="Verdana Regular" charset="0"/>
-              </a:rPr>
-              <a:t>conse</a:t>
-            </a:r>
-            <a:r>
-              <a:rPr lang="en-US" dirty="0">
-                <a:latin typeface="Verdana Regular" charset="0"/>
-              </a:rPr>
-              <a:t> </a:t>
-            </a:r>
-            <a:r>
-              <a:rPr lang="en-US" dirty="0" err="1">
-                <a:latin typeface="Verdana Regular" charset="0"/>
-              </a:rPr>
-              <a:t>dolore</a:t>
-            </a:r>
-            <a:r>
-              <a:rPr lang="en-US" dirty="0">
-                <a:latin typeface="Verdana Regular" charset="0"/>
-              </a:rPr>
-              <a:t> </a:t>
-            </a:r>
-            <a:r>
-              <a:rPr lang="en-US" dirty="0" err="1">
-                <a:latin typeface="Verdana Regular" charset="0"/>
-              </a:rPr>
-              <a:t>tet</a:t>
-            </a:r>
-            <a:r>
-              <a:rPr lang="en-US" dirty="0">
-                <a:latin typeface="Verdana Regular" charset="0"/>
-              </a:rPr>
-              <a:t>, </a:t>
-            </a:r>
-            <a:r>
-              <a:rPr lang="en-US" dirty="0" err="1">
-                <a:latin typeface="Verdana Regular" charset="0"/>
-              </a:rPr>
-              <a:t>volobor</a:t>
-            </a:r>
-            <a:r>
-              <a:rPr lang="en-US" dirty="0">
-                <a:latin typeface="Verdana Regular" charset="0"/>
-              </a:rPr>
-              <a:t> </a:t>
-            </a:r>
-            <a:r>
-              <a:rPr lang="en-US" dirty="0" err="1">
-                <a:latin typeface="Verdana Regular" charset="0"/>
-              </a:rPr>
-              <a:t>si</a:t>
-            </a:r>
-            <a:r>
-              <a:rPr lang="en-US" dirty="0">
-                <a:latin typeface="Verdana Regular" charset="0"/>
-              </a:rPr>
-              <a:t>.</a:t>
-            </a:r>
-          </a:p>
-          <a:p>
-            <a:pPr>
-              <a:spcAft>
-                <a:spcPts val="2600"/>
-              </a:spcAft>
-            </a:pPr>
-            <a:r>
-              <a:rPr lang="en-US" dirty="0">
-                <a:latin typeface="Verdana Regular" charset="0"/>
-              </a:rPr>
-              <a:t>Lore del </a:t>
-            </a:r>
-            <a:r>
-              <a:rPr lang="en-US" dirty="0" err="1">
-                <a:latin typeface="Verdana Regular" charset="0"/>
-              </a:rPr>
-              <a:t>utatis</a:t>
-            </a:r>
-            <a:r>
-              <a:rPr lang="en-US" dirty="0">
-                <a:latin typeface="Verdana Regular" charset="0"/>
-              </a:rPr>
-              <a:t> </a:t>
-            </a:r>
-            <a:r>
-              <a:rPr lang="en-US" dirty="0" err="1">
-                <a:latin typeface="Verdana Regular" charset="0"/>
-              </a:rPr>
-              <a:t>amcorpercin</a:t>
-            </a:r>
-            <a:r>
-              <a:rPr lang="en-US" dirty="0">
-                <a:latin typeface="Verdana Regular" charset="0"/>
-              </a:rPr>
-              <a:t> </a:t>
-            </a:r>
-            <a:r>
-              <a:rPr lang="en-US" dirty="0" err="1">
-                <a:latin typeface="Verdana Regular" charset="0"/>
-              </a:rPr>
-              <a:t>henim</a:t>
-            </a:r>
-            <a:r>
-              <a:rPr lang="en-US" dirty="0">
-                <a:latin typeface="Verdana Regular" charset="0"/>
-              </a:rPr>
-              <a:t> </a:t>
-            </a:r>
-            <a:r>
-              <a:rPr lang="en-US" dirty="0" err="1">
-                <a:latin typeface="Verdana Regular" charset="0"/>
-              </a:rPr>
-              <a:t>riliq</a:t>
-            </a:r>
-            <a:r>
-              <a:rPr lang="en-US" dirty="0">
-                <a:latin typeface="Verdana Regular" charset="0"/>
-              </a:rPr>
-              <a:t> </a:t>
-            </a:r>
-            <a:r>
-              <a:rPr lang="en-US" dirty="0" err="1">
-                <a:latin typeface="Verdana Regular" charset="0"/>
-              </a:rPr>
-              <a:t>uismodo</a:t>
-            </a:r>
-            <a:r>
-              <a:rPr lang="en-US" dirty="0">
-                <a:latin typeface="Verdana Regular" charset="0"/>
-              </a:rPr>
-              <a:t> </a:t>
-            </a:r>
-            <a:r>
-              <a:rPr lang="en-US" dirty="0" err="1">
-                <a:latin typeface="Verdana Regular" charset="0"/>
-              </a:rPr>
-              <a:t>leniat</a:t>
-            </a:r>
-            <a:r>
-              <a:rPr lang="en-US" dirty="0">
-                <a:latin typeface="Verdana Regular" charset="0"/>
-              </a:rPr>
-              <a:t> </a:t>
-            </a:r>
-            <a:r>
-              <a:rPr lang="en-US" dirty="0" err="1">
-                <a:latin typeface="Verdana Regular" charset="0"/>
-              </a:rPr>
-              <a:t>aciduisl</a:t>
-            </a:r>
-            <a:r>
-              <a:rPr lang="en-US" dirty="0">
-                <a:latin typeface="Verdana Regular" charset="0"/>
-              </a:rPr>
-              <a:t> </a:t>
-            </a:r>
-            <a:r>
-              <a:rPr lang="en-US" dirty="0" err="1">
-                <a:latin typeface="Verdana Regular" charset="0"/>
-              </a:rPr>
-              <a:t>il</a:t>
-            </a:r>
-            <a:r>
-              <a:rPr lang="en-US" dirty="0">
-                <a:latin typeface="Verdana Regular" charset="0"/>
-              </a:rPr>
-              <a:t> </a:t>
-            </a:r>
-            <a:r>
-              <a:rPr lang="en-US" dirty="0" err="1">
-                <a:latin typeface="Verdana Regular" charset="0"/>
-              </a:rPr>
-              <a:t>eugait</a:t>
-            </a:r>
-            <a:r>
-              <a:rPr lang="en-US" dirty="0">
-                <a:latin typeface="Verdana Regular" charset="0"/>
-              </a:rPr>
-              <a:t> </a:t>
-            </a:r>
-            <a:r>
-              <a:rPr lang="en-US" dirty="0" err="1">
-                <a:latin typeface="Verdana Regular" charset="0"/>
-              </a:rPr>
-              <a:t>velis</a:t>
-            </a:r>
-            <a:r>
-              <a:rPr lang="en-US" dirty="0">
-                <a:latin typeface="Verdana Regular" charset="0"/>
-              </a:rPr>
-              <a:t> </a:t>
-            </a:r>
-            <a:r>
-              <a:rPr lang="en-US" dirty="0" err="1">
-                <a:latin typeface="Verdana Regular" charset="0"/>
-              </a:rPr>
-              <a:t>nos</a:t>
-            </a:r>
-            <a:r>
-              <a:rPr lang="en-US" dirty="0">
-                <a:latin typeface="Verdana Regular" charset="0"/>
-              </a:rPr>
-              <a:t> alit prat ad </a:t>
-            </a:r>
-            <a:r>
-              <a:rPr lang="en-US" dirty="0" err="1">
-                <a:latin typeface="Verdana Regular" charset="0"/>
-              </a:rPr>
-              <a:t>tions</a:t>
-            </a:r>
-            <a:r>
-              <a:rPr lang="en-US" dirty="0">
-                <a:latin typeface="Verdana Regular" charset="0"/>
-              </a:rPr>
-              <a:t> et </a:t>
-            </a:r>
-            <a:r>
-              <a:rPr lang="en-US" dirty="0" err="1">
-                <a:latin typeface="Verdana Regular" charset="0"/>
-              </a:rPr>
-              <a:t>vel</a:t>
-            </a:r>
-            <a:r>
-              <a:rPr lang="en-US" dirty="0">
-                <a:latin typeface="Verdana Regular" charset="0"/>
-              </a:rPr>
-              <a:t> </a:t>
-            </a:r>
-            <a:r>
-              <a:rPr lang="en-US" dirty="0" err="1">
-                <a:latin typeface="Verdana Regular" charset="0"/>
-              </a:rPr>
-              <a:t>euguerostie</a:t>
-            </a:r>
-            <a:r>
-              <a:rPr lang="en-US" dirty="0">
-                <a:latin typeface="Verdana Regular" charset="0"/>
-              </a:rPr>
-              <a:t> </a:t>
-            </a:r>
-            <a:r>
-              <a:rPr lang="en-US" dirty="0" err="1">
-                <a:latin typeface="Verdana Regular" charset="0"/>
-              </a:rPr>
-              <a:t>dolore</a:t>
-            </a:r>
-            <a:r>
-              <a:rPr lang="en-US" dirty="0">
-                <a:latin typeface="Verdana Regular" charset="0"/>
-              </a:rPr>
-              <a:t> </a:t>
-            </a:r>
-            <a:r>
-              <a:rPr lang="en-US" dirty="0" err="1">
-                <a:latin typeface="Verdana Regular" charset="0"/>
-              </a:rPr>
-              <a:t>tet</a:t>
-            </a:r>
-            <a:r>
-              <a:rPr lang="en-US" dirty="0">
-                <a:latin typeface="Verdana Regular" charset="0"/>
-              </a:rPr>
-              <a:t>, </a:t>
-            </a:r>
-            <a:r>
-              <a:rPr lang="en-US" dirty="0" err="1">
-                <a:latin typeface="Verdana Regular" charset="0"/>
-              </a:rPr>
-              <a:t>volobor</a:t>
-            </a:r>
-            <a:r>
-              <a:rPr lang="en-US" dirty="0">
-                <a:latin typeface="Verdana Regular" charset="0"/>
-              </a:rPr>
-              <a:t> </a:t>
-            </a:r>
-            <a:r>
-              <a:rPr lang="en-US" dirty="0" err="1">
-                <a:latin typeface="Verdana Regular" charset="0"/>
-              </a:rPr>
-              <a:t>si</a:t>
-            </a:r>
-            <a:r>
-              <a:rPr lang="en-US" dirty="0">
-                <a:latin typeface="Verdana Regular" charset="0"/>
-              </a:rPr>
-              <a:t>.</a:t>
-            </a:r>
-          </a:p>
-          <a:p>
-            <a:pPr>
-              <a:spcAft>
-                <a:spcPts val="2600"/>
-              </a:spcAft>
-            </a:pPr>
-            <a:r>
-              <a:rPr lang="en-US" dirty="0">
-                <a:latin typeface="Verdana Regular" charset="0"/>
-              </a:rPr>
-              <a:t>Sim ipsum </a:t>
-            </a:r>
-            <a:r>
-              <a:rPr lang="en-US" dirty="0" err="1">
-                <a:latin typeface="Verdana Regular" charset="0"/>
-              </a:rPr>
-              <a:t>dolorem</a:t>
-            </a:r>
-            <a:r>
-              <a:rPr lang="en-US" dirty="0">
-                <a:latin typeface="Verdana Regular" charset="0"/>
-              </a:rPr>
-              <a:t> </a:t>
-            </a:r>
-            <a:r>
-              <a:rPr lang="en-US" dirty="0" err="1">
-                <a:latin typeface="Verdana Regular" charset="0"/>
-              </a:rPr>
-              <a:t>velis</a:t>
-            </a:r>
-            <a:r>
-              <a:rPr lang="en-US" dirty="0">
-                <a:latin typeface="Verdana Regular" charset="0"/>
-              </a:rPr>
-              <a:t> </a:t>
-            </a:r>
-            <a:r>
-              <a:rPr lang="en-US" dirty="0" err="1">
-                <a:latin typeface="Verdana Regular" charset="0"/>
-              </a:rPr>
-              <a:t>aut</a:t>
-            </a:r>
-            <a:r>
-              <a:rPr lang="en-US" dirty="0">
-                <a:latin typeface="Verdana Regular" charset="0"/>
-              </a:rPr>
-              <a:t> </a:t>
-            </a:r>
-            <a:r>
-              <a:rPr lang="en-US" dirty="0" err="1">
-                <a:latin typeface="Verdana Regular" charset="0"/>
-              </a:rPr>
-              <a:t>vulputpat</a:t>
-            </a:r>
-            <a:r>
-              <a:rPr lang="en-US" dirty="0">
-                <a:latin typeface="Verdana Regular" charset="0"/>
-              </a:rPr>
-              <a:t> </a:t>
-            </a:r>
-            <a:r>
-              <a:rPr lang="en-US" dirty="0" err="1">
-                <a:latin typeface="Verdana Regular" charset="0"/>
-              </a:rPr>
-              <a:t>eu</a:t>
-            </a:r>
-            <a:r>
-              <a:rPr lang="en-US" dirty="0">
-                <a:latin typeface="Verdana Regular" charset="0"/>
-              </a:rPr>
-              <a:t> </a:t>
-            </a:r>
-            <a:r>
-              <a:rPr lang="en-US" dirty="0" err="1">
-                <a:latin typeface="Verdana Regular" charset="0"/>
-              </a:rPr>
-              <a:t>facilit</a:t>
-            </a:r>
-            <a:r>
-              <a:rPr lang="en-US" dirty="0">
-                <a:latin typeface="Verdana Regular" charset="0"/>
-              </a:rPr>
-              <a:t> am </a:t>
-            </a:r>
-            <a:r>
-              <a:rPr lang="en-US" dirty="0" err="1">
-                <a:latin typeface="Verdana Regular" charset="0"/>
-              </a:rPr>
-              <a:t>delestrud</a:t>
-            </a:r>
-            <a:r>
-              <a:rPr lang="en-US" dirty="0">
-                <a:latin typeface="Verdana Regular" charset="0"/>
-              </a:rPr>
-              <a:t> </a:t>
-            </a:r>
-            <a:r>
-              <a:rPr lang="en-US" dirty="0" err="1">
-                <a:latin typeface="Verdana Regular" charset="0"/>
-              </a:rPr>
-              <a:t>eui</a:t>
-            </a:r>
-            <a:r>
-              <a:rPr lang="en-US" dirty="0">
-                <a:latin typeface="Verdana Regular" charset="0"/>
-              </a:rPr>
-              <a:t> </a:t>
-            </a:r>
-            <a:r>
-              <a:rPr lang="en-US" dirty="0" err="1">
-                <a:latin typeface="Verdana Regular" charset="0"/>
-              </a:rPr>
-              <a:t>blan</a:t>
-            </a:r>
-            <a:r>
-              <a:rPr lang="en-US" dirty="0">
-                <a:latin typeface="Verdana Regular" charset="0"/>
-              </a:rPr>
-              <a:t> </a:t>
-            </a:r>
-            <a:r>
-              <a:rPr lang="en-US" dirty="0" err="1">
-                <a:latin typeface="Verdana Regular" charset="0"/>
-              </a:rPr>
-              <a:t>vendre</a:t>
-            </a:r>
-            <a:r>
-              <a:rPr lang="en-US" dirty="0">
-                <a:latin typeface="Verdana Regular" charset="0"/>
-              </a:rPr>
-              <a:t> </a:t>
-            </a:r>
-            <a:r>
-              <a:rPr lang="en-US" dirty="0" err="1">
-                <a:latin typeface="Verdana Regular" charset="0"/>
-              </a:rPr>
-              <a:t>elisisc</a:t>
-            </a:r>
-            <a:r>
-              <a:rPr lang="en-US" dirty="0">
-                <a:latin typeface="Verdana Regular" charset="0"/>
-              </a:rPr>
-              <a:t> </a:t>
-            </a:r>
-            <a:r>
-              <a:rPr lang="en-US" dirty="0" err="1">
-                <a:latin typeface="Verdana Regular" charset="0"/>
-              </a:rPr>
-              <a:t>illaorp</a:t>
-            </a:r>
-            <a:r>
-              <a:rPr lang="en-US" dirty="0">
-                <a:latin typeface="Verdana Regular" charset="0"/>
-              </a:rPr>
-              <a:t> </a:t>
-            </a:r>
-            <a:r>
-              <a:rPr lang="en-US" dirty="0" err="1">
-                <a:latin typeface="Verdana Regular" charset="0"/>
-              </a:rPr>
-              <a:t>ercilisi</a:t>
-            </a:r>
-            <a:r>
-              <a:rPr lang="en-US" dirty="0">
-                <a:latin typeface="Verdana Regular" charset="0"/>
-              </a:rPr>
-              <a:t> </a:t>
-            </a:r>
-            <a:r>
-              <a:rPr lang="en-US" dirty="0" err="1">
-                <a:latin typeface="Verdana Regular" charset="0"/>
-              </a:rPr>
-              <a:t>blan</a:t>
-            </a:r>
-            <a:r>
-              <a:rPr lang="en-US" dirty="0">
-                <a:latin typeface="Verdana Regular" charset="0"/>
-              </a:rPr>
-              <a:t> </a:t>
-            </a:r>
-            <a:r>
-              <a:rPr lang="en-US" dirty="0" err="1">
-                <a:latin typeface="Verdana Regular" charset="0"/>
-              </a:rPr>
-              <a:t>eu</a:t>
-            </a:r>
-            <a:r>
-              <a:rPr lang="en-US" dirty="0">
-                <a:latin typeface="Verdana Regular" charset="0"/>
-              </a:rPr>
-              <a:t> </a:t>
-            </a:r>
-            <a:r>
-              <a:rPr lang="en-US" dirty="0" err="1">
-                <a:latin typeface="Verdana Regular" charset="0"/>
-              </a:rPr>
-              <a:t>amconsequat</a:t>
-            </a:r>
-            <a:r>
-              <a:rPr lang="en-US" dirty="0">
-                <a:latin typeface="Verdana Regular" charset="0"/>
-              </a:rPr>
-              <a:t>, </a:t>
-            </a:r>
-            <a:r>
-              <a:rPr lang="en-US" dirty="0" err="1">
-                <a:latin typeface="Verdana Regular" charset="0"/>
-              </a:rPr>
-              <a:t>senisi</a:t>
-            </a:r>
-            <a:r>
-              <a:rPr lang="en-US" dirty="0">
-                <a:latin typeface="Verdana Regular" charset="0"/>
-              </a:rPr>
-              <a:t>.</a:t>
+              <a:t>The outcomes that were worked towards did not stray far to the actual results. Though many attempts were made to get accurate horizon detection and color analysis, the decided method was chosen for its accuracy, while sacrificing execution time. The execution times can be seen here:</a:t>
             </a:r>
           </a:p>
           <a:p>
@@ -3704,9 +2712,49 @@
               </a:spcAft>
               <a:buNone/>
             </a:pPr>
+            <a:r>
+              <a:rPr lang="en-US" dirty="0">
+                <a:latin typeface="Verdana Regular" charset="0"/>
+              </a:rPr>
+              <a:t>FIGURE W/ TIME STATS</a:t>
+            </a:r>
+          </a:p>
+          <a:p>
+            <a:pPr marL="0" indent="0">
+              <a:spcAft>
+                <a:spcPts val="2600"/>
+              </a:spcAft>
+              <a:buNone/>
+            </a:pPr>
             <a:endParaRPr lang="en-US" dirty="0">
               <a:latin typeface="Verdana Regular" charset="0"/>
             </a:endParaRPr>
+          </a:p>
+          <a:p>
+            <a:pPr marL="0" indent="0">
+              <a:spcAft>
+                <a:spcPts val="2600"/>
+              </a:spcAft>
+              <a:buNone/>
+            </a:pPr>
+            <a:r>
+              <a:rPr lang="en-US" dirty="0">
+                <a:latin typeface="Verdana Regular" charset="0"/>
+              </a:rPr>
+              <a:t>The accuracy of the image classifier function was ""% accurate, which is (only) ""% </a:t>
+            </a:r>
+            <a:r>
+              <a:rPr lang="en-US" dirty="0" err="1">
+                <a:latin typeface="Verdana Regular" charset="0"/>
+              </a:rPr>
+              <a:t>lower|higher</a:t>
+            </a:r>
+            <a:r>
+              <a:rPr lang="en-US" dirty="0">
+                <a:latin typeface="Verdana Regular" charset="0"/>
+              </a:rPr>
+              <a:t> than the goal accuracy of 66%.</a:t>
+            </a:r>
           </a:p>
         </p:txBody>
       </p:sp>
@@ -3919,7 +2967,7 @@
         <p:spPr>
           <a:xfrm>
             <a:off x="1964266" y="6422030"/>
-            <a:ext cx="8126412" cy="17662592"/>
+            <a:ext cx="8126412" cy="12532983"/>
           </a:xfrm>
           <a:prstGeom prst="rect">
             <a:avLst/>
@@ -4106,8 +3154,23 @@
                 <a:spcPts val="2600"/>
               </a:spcAft>
             </a:pPr>
-            <a:r>
-              <a:rPr lang="en-US" dirty="0" err="1">
+            <a:endParaRPr lang="en-US" dirty="0">
+              <a:solidFill>
+                <a:schemeClr val="bg1"/>
+              </a:solidFill>
+              <a:latin typeface="Verdana" charset="0"/>
+              <a:ea typeface="Verdana" charset="0"/>
+              <a:cs typeface="Verdana" charset="0"/>
+            </a:endParaRPr>
+          </a:p>
+          <a:p>
+            <a:pPr>
+              <a:spcAft>
+                <a:spcPts val="2600"/>
+              </a:spcAft>
+            </a:pPr>
+            <a:r>
+              <a:rPr lang="en-US" dirty="0">
                 <a:solidFill>
                   <a:schemeClr val="bg1"/>
                 </a:solidFill>
@@ -4115,18 +3178,7 @@
                 <a:ea typeface="Verdana" charset="0"/>
                 <a:cs typeface="Verdana" charset="0"/>
               </a:rPr>
-              <a:t>Aerolyzer</a:t>
-            </a:r>
-            <a:r>
-              <a:rPr lang="en-US" dirty="0">
-                <a:solidFill>
-                  <a:schemeClr val="bg1"/>
-                </a:solidFill>
-                <a:latin typeface="Verdana" charset="0"/>
-                <a:ea typeface="Verdana" charset="0"/>
-                <a:cs typeface="Verdana" charset="0"/>
-              </a:rPr>
-              <a:t> is a mobile application that takes user submitted images, and through computer vision software, analyzes the colors of a sunset or sunrise in order to present information on air quality and aerosols in the atmosphere.</a:t>
+              <a:t>We created a mobile application that takes user submitted images, and through computer vision software, analyzes the colors of a sunset or sunrise in order to present information on air quality and aerosols in the atmosphere.</a:t>
             </a:r>
           </a:p>
           <a:p>
@@ -4324,82 +3376,8 @@
                 <a:ea typeface="Verdana" charset="0"/>
                 <a:cs typeface="Verdana" charset="0"/>
               </a:rPr>
-              <a:t> offers. OpenCV is a simple enough library to complete the task assigned.</a:t>
-            </a:r>
-          </a:p>
-          <a:p>
-            <a:pPr>
-              <a:spcAft>
-                <a:spcPts val="2600"/>
-              </a:spcAft>
-            </a:pPr>
-            <a:endParaRPr lang="en-US" dirty="0">
-              <a:solidFill>
-                <a:schemeClr val="bg1"/>
-              </a:solidFill>
-              <a:latin typeface="Verdana" charset="0"/>
-              <a:ea typeface="Verdana" charset="0"/>
-              <a:cs typeface="Verdana" charset="0"/>
-            </a:endParaRPr>
-          </a:p>
-          <a:p>
-            <a:pPr>
-              <a:spcAft>
-                <a:spcPts val="2600"/>
-              </a:spcAft>
-            </a:pPr>
-            <a:r>
-              <a:rPr lang="en-US" dirty="0">
-                <a:solidFill>
-                  <a:schemeClr val="bg1"/>
-                </a:solidFill>
-                <a:latin typeface="Verdana" charset="0"/>
-                <a:ea typeface="Verdana" charset="0"/>
-                <a:cs typeface="Verdana" charset="0"/>
-              </a:rPr>
-              <a:t>The </a:t>
-            </a:r>
-            <a:r>
-              <a:rPr lang="en-US" dirty="0" err="1">
-                <a:solidFill>
-                  <a:schemeClr val="bg1"/>
-                </a:solidFill>
-                <a:latin typeface="Verdana" charset="0"/>
-                <a:ea typeface="Verdana" charset="0"/>
-                <a:cs typeface="Verdana" charset="0"/>
-              </a:rPr>
-              <a:t>Aerolyzer</a:t>
-            </a:r>
-            <a:r>
-              <a:rPr lang="en-US" dirty="0">
-                <a:solidFill>
-                  <a:schemeClr val="bg1"/>
-                </a:solidFill>
-                <a:latin typeface="Verdana" charset="0"/>
-                <a:ea typeface="Verdana" charset="0"/>
-                <a:cs typeface="Verdana" charset="0"/>
-              </a:rPr>
-              <a:t> Python library uses the EXIF data attached to an image when it's taken on a smart device. The EXIF data tells the library whether an image was taken during sunrise or sunset, where the image was taken, what the size of the image is, and whether the image has been changed since it was taken. </a:t>
-            </a:r>
-            <a:r>
-              <a:rPr lang="en-US">
-                <a:solidFill>
-                  <a:schemeClr val="bg1"/>
-                </a:solidFill>
-                <a:latin typeface="Verdana" charset="0"/>
-                <a:ea typeface="Verdana" charset="0"/>
-                <a:cs typeface="Verdana" charset="0"/>
-              </a:rPr>
-              <a:t>Only after confirming that an image's EXIF data is valid the computer vison functions receive the image.</a:t>
-            </a:r>
-            <a:endParaRPr lang="en-US" dirty="0">
-              <a:solidFill>
-                <a:schemeClr val="bg1"/>
-              </a:solidFill>
-              <a:latin typeface="Verdana" charset="0"/>
-              <a:ea typeface="Verdana" charset="0"/>
-              <a:cs typeface="Verdana" charset="0"/>
-            </a:endParaRPr>
+              <a:t> offers. OpenCV is a simple enough library to complete the task assigned. .</a:t>
+            </a:r>
           </a:p>
         </p:txBody>
       </p:sp>
@@ -4873,7 +3851,7 @@
         <p:spPr>
           <a:xfrm>
             <a:off x="33716912" y="14141317"/>
-            <a:ext cx="8126412" cy="5129609"/>
+            <a:ext cx="8126412" cy="5052665"/>
           </a:xfrm>
           <a:prstGeom prst="rect">
             <a:avLst/>
@@ -5055,630 +4033,120 @@
             </a:lvl9pPr>
           </a:lstStyle>
           <a:p>
-            <a:pPr>
+            <a:pPr marL="0" indent="0">
               <a:spcAft>
                 <a:spcPts val="2600"/>
               </a:spcAft>
+              <a:buNone/>
             </a:pPr>
-            <a:r>
-              <a:rPr lang="en-US" dirty="0" err="1">
-                <a:latin typeface="Verdana Regular" charset="0"/>
-              </a:rPr>
-              <a:t>Loribus</a:t>
-            </a:r>
             <a:r>
               <a:rPr lang="en-US" dirty="0">
                 <a:latin typeface="Verdana Regular" charset="0"/>
               </a:rPr>
-              <a:t> </a:t>
-            </a:r>
-            <a:r>
-              <a:rPr lang="en-US" dirty="0" err="1">
-                <a:latin typeface="Verdana Regular" charset="0"/>
-              </a:rPr>
-              <a:t>eum</a:t>
-            </a:r>
-            <a:r>
-              <a:rPr lang="en-US" dirty="0">
-                <a:latin typeface="Verdana Regular" charset="0"/>
-              </a:rPr>
-              <a:t> </a:t>
-            </a:r>
-            <a:r>
-              <a:rPr lang="en-US" dirty="0" err="1">
-                <a:latin typeface="Verdana Regular" charset="0"/>
-              </a:rPr>
-              <a:t>labo</a:t>
-            </a:r>
-            <a:r>
-              <a:rPr lang="en-US" dirty="0">
-                <a:latin typeface="Verdana Regular" charset="0"/>
-              </a:rPr>
-              <a:t>. </a:t>
-            </a:r>
-            <a:r>
-              <a:rPr lang="en-US" dirty="0" err="1">
-                <a:latin typeface="Verdana Regular" charset="0"/>
-              </a:rPr>
-              <a:t>Essit</a:t>
-            </a:r>
-            <a:r>
-              <a:rPr lang="en-US" dirty="0">
-                <a:latin typeface="Verdana Regular" charset="0"/>
-              </a:rPr>
-              <a:t> </a:t>
-            </a:r>
-            <a:r>
-              <a:rPr lang="en-US" dirty="0" err="1">
-                <a:latin typeface="Verdana Regular" charset="0"/>
-              </a:rPr>
-              <a:t>ipsundunt</a:t>
-            </a:r>
-            <a:r>
-              <a:rPr lang="en-US" dirty="0">
-                <a:latin typeface="Verdana Regular" charset="0"/>
-              </a:rPr>
-              <a:t> </a:t>
-            </a:r>
-            <a:r>
-              <a:rPr lang="en-US" dirty="0" err="1">
-                <a:latin typeface="Verdana Regular" charset="0"/>
-              </a:rPr>
-              <a:t>volore</a:t>
-            </a:r>
-            <a:r>
-              <a:rPr lang="en-US" dirty="0">
-                <a:latin typeface="Verdana Regular" charset="0"/>
-              </a:rPr>
-              <a:t> </a:t>
-            </a:r>
-            <a:r>
-              <a:rPr lang="en-US" dirty="0" err="1">
-                <a:latin typeface="Verdana Regular" charset="0"/>
-              </a:rPr>
-              <a:t>arupid</a:t>
-            </a:r>
-            <a:r>
-              <a:rPr lang="en-US" dirty="0">
-                <a:latin typeface="Verdana Regular" charset="0"/>
-              </a:rPr>
-              <a:t> qui </a:t>
-            </a:r>
-            <a:r>
-              <a:rPr lang="en-US" dirty="0" err="1">
-                <a:latin typeface="Verdana Regular" charset="0"/>
-              </a:rPr>
-              <a:t>isquunt</a:t>
-            </a:r>
-            <a:r>
-              <a:rPr lang="en-US" dirty="0">
-                <a:latin typeface="Verdana Regular" charset="0"/>
-              </a:rPr>
-              <a:t> as doles </a:t>
-            </a:r>
-            <a:r>
-              <a:rPr lang="en-US" dirty="0" err="1">
-                <a:latin typeface="Verdana Regular" charset="0"/>
-              </a:rPr>
-              <a:t>ipsunt</a:t>
-            </a:r>
-            <a:r>
-              <a:rPr lang="en-US" dirty="0">
-                <a:latin typeface="Verdana Regular" charset="0"/>
-              </a:rPr>
-              <a:t>.</a:t>
+              <a:t>Team members pictured from left to right:</a:t>
             </a:r>
           </a:p>
           <a:p>
-            <a:pPr>
+            <a:pPr marL="0" indent="0">
               <a:spcAft>
                 <a:spcPts val="2600"/>
               </a:spcAft>
+              <a:buNone/>
             </a:pPr>
+            <a:r>
+              <a:rPr lang="en-US" dirty="0">
+                <a:latin typeface="Verdana Regular" charset="0"/>
+              </a:rPr>
+              <a:t>Logan Wingard | wingarlo@oregonstate.edu</a:t>
+            </a:r>
+          </a:p>
+          <a:p>
+            <a:pPr marL="0" indent="0">
+              <a:spcAft>
+                <a:spcPts val="2600"/>
+              </a:spcAft>
+              <a:buNone/>
+            </a:pPr>
+            <a:r>
+              <a:rPr lang="en-US" dirty="0">
+                <a:latin typeface="Verdana Regular" charset="0"/>
+              </a:rPr>
+              <a:t>Daniel Ross | rossda@oregonstate.edu</a:t>
+            </a:r>
+          </a:p>
+          <a:p>
+            <a:pPr marL="0" indent="0">
+              <a:spcAft>
+                <a:spcPts val="2600"/>
+              </a:spcAft>
+              <a:buNone/>
+            </a:pPr>
+            <a:endParaRPr lang="en-US" dirty="0">
+              <a:latin typeface="Verdana Regular" charset="0"/>
+            </a:endParaRPr>
+          </a:p>
+          <a:p>
+            <a:pPr marL="0" indent="0">
+              <a:spcAft>
+                <a:spcPts val="2600"/>
+              </a:spcAft>
+              <a:buNone/>
+            </a:pPr>
+            <a:r>
+              <a:rPr lang="en-US" dirty="0">
+                <a:latin typeface="Verdana Regular" charset="0"/>
+              </a:rPr>
+              <a:t>Client(s):</a:t>
+            </a:r>
+          </a:p>
+          <a:p>
+            <a:pPr marL="0" indent="0">
+              <a:spcAft>
+                <a:spcPts val="2600"/>
+              </a:spcAft>
+              <a:buNone/>
+            </a:pPr>
+            <a:r>
+              <a:rPr lang="en-US" dirty="0">
+                <a:latin typeface="Verdana Regular" charset="0"/>
+              </a:rPr>
+              <a:t>Kim Whitehall, Nasa JPL</a:t>
+            </a:r>
+          </a:p>
+          <a:p>
+            <a:pPr marL="0" indent="0">
+              <a:spcAft>
+                <a:spcPts val="2600"/>
+              </a:spcAft>
+              <a:buNone/>
+            </a:pPr>
+            <a:r>
+              <a:rPr lang="en-US" dirty="0">
+                <a:latin typeface="Verdana Regular" charset="0"/>
+              </a:rPr>
+              <a:t>? Lewis </a:t>
+            </a:r>
             <a:r>
               <a:rPr lang="en-US" dirty="0" err="1">
                 <a:latin typeface="Verdana Regular" charset="0"/>
               </a:rPr>
-              <a:t>Hicid</a:t>
+              <a:t>McGibbney</a:t>
             </a:r>
             <a:r>
               <a:rPr lang="en-US" dirty="0">
                 <a:latin typeface="Verdana Regular" charset="0"/>
               </a:rPr>
-              <a:t> </a:t>
-            </a:r>
-            <a:r>
-              <a:rPr lang="en-US" dirty="0" err="1">
+              <a:t>, </a:t>
+            </a:r>
+            <a:r>
+              <a:rPr lang="en-US">
                 <a:latin typeface="Verdana Regular" charset="0"/>
               </a:rPr>
-              <a:t>modit</a:t>
-            </a:r>
-            <a:r>
-              <a:rPr lang="en-US" dirty="0">
-                <a:latin typeface="Verdana Regular" charset="0"/>
-              </a:rPr>
-              <a:t> ex </a:t>
-            </a:r>
-            <a:r>
-              <a:rPr lang="en-US" dirty="0" err="1">
-                <a:latin typeface="Verdana Regular" charset="0"/>
-              </a:rPr>
-              <a:t>estinienit</a:t>
-            </a:r>
-            <a:r>
-              <a:rPr lang="en-US" dirty="0">
-                <a:latin typeface="Verdana Regular" charset="0"/>
-              </a:rPr>
-              <a:t> et </a:t>
-            </a:r>
-            <a:r>
-              <a:rPr lang="en-US" dirty="0" err="1">
-                <a:latin typeface="Verdana Regular" charset="0"/>
-              </a:rPr>
-              <a:t>audae</a:t>
-            </a:r>
-            <a:r>
-              <a:rPr lang="en-US" dirty="0">
-                <a:latin typeface="Verdana Regular" charset="0"/>
-              </a:rPr>
-              <a:t> </a:t>
-            </a:r>
-            <a:r>
-              <a:rPr lang="en-US" dirty="0" err="1">
-                <a:latin typeface="Verdana Regular" charset="0"/>
-              </a:rPr>
-              <a:t>usted</a:t>
-            </a:r>
-            <a:r>
-              <a:rPr lang="en-US" dirty="0">
-                <a:latin typeface="Verdana Regular" charset="0"/>
-              </a:rPr>
-              <a:t> </a:t>
-            </a:r>
-            <a:r>
-              <a:rPr lang="en-US" dirty="0" err="1">
-                <a:latin typeface="Verdana Regular" charset="0"/>
-              </a:rPr>
-              <a:t>est</a:t>
-            </a:r>
-            <a:r>
-              <a:rPr lang="en-US" dirty="0">
-                <a:latin typeface="Verdana Regular" charset="0"/>
-              </a:rPr>
-              <a:t> qui </a:t>
-            </a:r>
-            <a:r>
-              <a:rPr lang="en-US" dirty="0" err="1">
-                <a:latin typeface="Verdana Regular" charset="0"/>
-              </a:rPr>
-              <a:t>occullorio</a:t>
-            </a:r>
-            <a:r>
-              <a:rPr lang="en-US" dirty="0">
-                <a:latin typeface="Verdana Regular" charset="0"/>
-              </a:rPr>
-              <a:t> </a:t>
-            </a:r>
-            <a:r>
-              <a:rPr lang="en-US" dirty="0" err="1">
-                <a:latin typeface="Verdana Regular" charset="0"/>
-              </a:rPr>
-              <a:t>molupit</a:t>
-            </a:r>
-            <a:r>
-              <a:rPr lang="en-US" dirty="0">
-                <a:latin typeface="Verdana Regular" charset="0"/>
-              </a:rPr>
-              <a:t> </a:t>
-            </a:r>
-            <a:r>
-              <a:rPr lang="en-US" dirty="0" err="1">
-                <a:latin typeface="Verdana Regular" charset="0"/>
-              </a:rPr>
-              <a:t>vollaut</a:t>
-            </a:r>
-            <a:r>
-              <a:rPr lang="en-US" dirty="0">
-                <a:latin typeface="Verdana Regular" charset="0"/>
-              </a:rPr>
-              <a:t> </a:t>
-            </a:r>
-            <a:r>
-              <a:rPr lang="en-US" dirty="0" err="1">
-                <a:latin typeface="Verdana Regular" charset="0"/>
-              </a:rPr>
-              <a:t>volumpt</a:t>
-            </a:r>
-            <a:r>
-              <a:rPr lang="en-US" dirty="0">
-                <a:latin typeface="Verdana Regular" charset="0"/>
-              </a:rPr>
-              <a:t> </a:t>
-            </a:r>
-            <a:r>
-              <a:rPr lang="en-US" dirty="0" err="1">
-                <a:latin typeface="Verdana Regular" charset="0"/>
-              </a:rPr>
-              <a:t>molorestio</a:t>
-            </a:r>
-            <a:r>
-              <a:rPr lang="en-US" dirty="0">
-                <a:latin typeface="Verdana Regular" charset="0"/>
-              </a:rPr>
-              <a:t> </a:t>
-            </a:r>
-            <a:r>
-              <a:rPr lang="en-US" dirty="0" err="1">
-                <a:latin typeface="Verdana Regular" charset="0"/>
-              </a:rPr>
-              <a:t>blaborionet</a:t>
-            </a:r>
-            <a:r>
-              <a:rPr lang="en-US" dirty="0">
-                <a:latin typeface="Verdana Regular" charset="0"/>
-              </a:rPr>
-              <a:t> </a:t>
-            </a:r>
-            <a:r>
-              <a:rPr lang="en-US" dirty="0" err="1">
-                <a:latin typeface="Verdana Regular" charset="0"/>
-              </a:rPr>
-              <a:t>elictem</a:t>
-            </a:r>
-            <a:r>
-              <a:rPr lang="en-US" dirty="0">
-                <a:latin typeface="Verdana Regular" charset="0"/>
-              </a:rPr>
-              <a:t> </a:t>
-            </a:r>
-            <a:r>
-              <a:rPr lang="en-US" dirty="0" err="1">
-                <a:latin typeface="Verdana Regular" charset="0"/>
-              </a:rPr>
-              <a:t>est</a:t>
-            </a:r>
-            <a:r>
-              <a:rPr lang="en-US" dirty="0">
-                <a:latin typeface="Verdana Regular" charset="0"/>
-              </a:rPr>
-              <a:t>, </a:t>
-            </a:r>
-            <a:r>
-              <a:rPr lang="en-US" dirty="0" err="1">
-                <a:latin typeface="Verdana Regular" charset="0"/>
-              </a:rPr>
-              <a:t>ius</a:t>
-            </a:r>
-            <a:r>
-              <a:rPr lang="en-US" dirty="0">
-                <a:latin typeface="Verdana Regular" charset="0"/>
-              </a:rPr>
-              <a:t> </a:t>
-            </a:r>
-            <a:r>
-              <a:rPr lang="en-US" dirty="0" err="1">
-                <a:latin typeface="Verdana Regular" charset="0"/>
-              </a:rPr>
-              <a:t>accatiur</a:t>
-            </a:r>
-            <a:r>
-              <a:rPr lang="en-US" dirty="0">
-                <a:latin typeface="Verdana Regular" charset="0"/>
-              </a:rPr>
-              <a:t> </a:t>
-            </a:r>
-            <a:r>
-              <a:rPr lang="en-US" dirty="0" err="1">
-                <a:latin typeface="Verdana Regular" charset="0"/>
-              </a:rPr>
-              <a:t>sam</a:t>
-            </a:r>
-            <a:r>
-              <a:rPr lang="en-US" dirty="0">
-                <a:latin typeface="Verdana Regular" charset="0"/>
-              </a:rPr>
-              <a:t> </a:t>
-            </a:r>
-            <a:r>
-              <a:rPr lang="en-US" dirty="0" err="1">
-                <a:latin typeface="Verdana Regular" charset="0"/>
-              </a:rPr>
-              <a:t>eum</a:t>
-            </a:r>
-            <a:r>
-              <a:rPr lang="en-US" dirty="0">
-                <a:latin typeface="Verdana Regular" charset="0"/>
-              </a:rPr>
-              <a:t> </a:t>
-            </a:r>
-            <a:r>
-              <a:rPr lang="en-US" dirty="0" err="1">
-                <a:latin typeface="Verdana Regular" charset="0"/>
-              </a:rPr>
-              <a:t>lamus</a:t>
-            </a:r>
-            <a:r>
-              <a:rPr lang="en-US" dirty="0">
-                <a:latin typeface="Verdana Regular" charset="0"/>
-              </a:rPr>
-              <a:t> </a:t>
-            </a:r>
-            <a:r>
-              <a:rPr lang="en-US" dirty="0" err="1">
-                <a:latin typeface="Verdana Regular" charset="0"/>
-              </a:rPr>
-              <a:t>doloresti</a:t>
-            </a:r>
-            <a:r>
-              <a:rPr lang="en-US" dirty="0">
-                <a:latin typeface="Verdana Regular" charset="0"/>
-              </a:rPr>
-              <a:t> </a:t>
-            </a:r>
-            <a:r>
-              <a:rPr lang="en-US" dirty="0" err="1">
-                <a:latin typeface="Verdana Regular" charset="0"/>
-              </a:rPr>
-              <a:t>ipsam</a:t>
-            </a:r>
-            <a:r>
-              <a:rPr lang="en-US" dirty="0">
-                <a:latin typeface="Verdana Regular" charset="0"/>
-              </a:rPr>
-              <a:t> </a:t>
-            </a:r>
-            <a:r>
-              <a:rPr lang="en-US" dirty="0" err="1">
-                <a:latin typeface="Verdana Regular" charset="0"/>
-              </a:rPr>
-              <a:t>inverum</a:t>
-            </a:r>
-            <a:r>
-              <a:rPr lang="en-US" dirty="0">
-                <a:latin typeface="Verdana Regular" charset="0"/>
-              </a:rPr>
-              <a:t> </a:t>
-            </a:r>
-            <a:r>
-              <a:rPr lang="en-US" dirty="0" err="1">
-                <a:latin typeface="Verdana Regular" charset="0"/>
-              </a:rPr>
-              <a:t>utecum</a:t>
-            </a:r>
-            <a:r>
-              <a:rPr lang="en-US" dirty="0">
-                <a:latin typeface="Verdana Regular" charset="0"/>
-              </a:rPr>
-              <a:t> </a:t>
-            </a:r>
-            <a:r>
-              <a:rPr lang="en-US" dirty="0" err="1">
-                <a:latin typeface="Verdana Regular" charset="0"/>
-              </a:rPr>
-              <a:t>iustia</a:t>
-            </a:r>
-            <a:r>
-              <a:rPr lang="en-US" dirty="0">
-                <a:latin typeface="Verdana Regular" charset="0"/>
-              </a:rPr>
-              <a:t> </a:t>
-            </a:r>
-            <a:r>
-              <a:rPr lang="en-US" dirty="0" err="1">
-                <a:latin typeface="Verdana Regular" charset="0"/>
-              </a:rPr>
-              <a:t>doluptur</a:t>
-            </a:r>
-            <a:r>
-              <a:rPr lang="en-US" dirty="0">
-                <a:latin typeface="Verdana Regular" charset="0"/>
-              </a:rPr>
-              <a:t>, que </a:t>
-            </a:r>
-            <a:r>
-              <a:rPr lang="en-US" dirty="0" err="1">
-                <a:latin typeface="Verdana Regular" charset="0"/>
-              </a:rPr>
-              <a:t>nimi</a:t>
-            </a:r>
-            <a:r>
-              <a:rPr lang="en-US" dirty="0">
-                <a:latin typeface="Verdana Regular" charset="0"/>
-              </a:rPr>
-              <a:t> </a:t>
-            </a:r>
-            <a:r>
-              <a:rPr lang="en-US" dirty="0" err="1">
-                <a:latin typeface="Verdana Regular" charset="0"/>
-              </a:rPr>
-              <a:t>ncima</a:t>
-            </a:r>
-            <a:r>
-              <a:rPr lang="en-US" dirty="0">
-                <a:latin typeface="Verdana Regular" charset="0"/>
-              </a:rPr>
-              <a:t> </a:t>
-            </a:r>
-            <a:r>
-              <a:rPr lang="en-US" dirty="0" err="1">
-                <a:latin typeface="Verdana Regular" charset="0"/>
-              </a:rPr>
-              <a:t>nimus</a:t>
-            </a:r>
-            <a:r>
-              <a:rPr lang="en-US" dirty="0">
-                <a:latin typeface="Verdana Regular" charset="0"/>
-              </a:rPr>
-              <a:t> </a:t>
-            </a:r>
-            <a:r>
-              <a:rPr lang="en-US" dirty="0" err="1">
-                <a:latin typeface="Verdana Regular" charset="0"/>
-              </a:rPr>
-              <a:t>est</a:t>
-            </a:r>
-            <a:r>
-              <a:rPr lang="en-US" dirty="0">
-                <a:latin typeface="Verdana Regular" charset="0"/>
-              </a:rPr>
-              <a:t> </a:t>
-            </a:r>
-            <a:r>
-              <a:rPr lang="en-US" dirty="0" err="1">
-                <a:latin typeface="Verdana Regular" charset="0"/>
-              </a:rPr>
-              <a:t>ut</a:t>
-            </a:r>
-            <a:r>
-              <a:rPr lang="en-US" dirty="0">
-                <a:latin typeface="Verdana Regular" charset="0"/>
-              </a:rPr>
-              <a:t> </a:t>
-            </a:r>
-            <a:r>
-              <a:rPr lang="en-US" dirty="0" err="1">
-                <a:latin typeface="Verdana Regular" charset="0"/>
-              </a:rPr>
-              <a:t>latium</a:t>
-            </a:r>
-            <a:r>
-              <a:rPr lang="en-US" dirty="0">
-                <a:latin typeface="Verdana Regular" charset="0"/>
-              </a:rPr>
-              <a:t> qui </a:t>
-            </a:r>
-            <a:r>
-              <a:rPr lang="en-US" dirty="0" err="1">
-                <a:latin typeface="Verdana Regular" charset="0"/>
-              </a:rPr>
-              <a:t>nempore</a:t>
-            </a:r>
-            <a:r>
-              <a:rPr lang="en-US" dirty="0">
-                <a:latin typeface="Verdana Regular" charset="0"/>
-              </a:rPr>
-              <a:t> </a:t>
-            </a:r>
-            <a:r>
-              <a:rPr lang="en-US" dirty="0" err="1">
-                <a:latin typeface="Verdana Regular" charset="0"/>
-              </a:rPr>
-              <a:t>odisqui</a:t>
-            </a:r>
-            <a:r>
-              <a:rPr lang="en-US" dirty="0">
-                <a:latin typeface="Verdana Regular" charset="0"/>
-              </a:rPr>
-              <a:t> </a:t>
-            </a:r>
-            <a:r>
-              <a:rPr lang="en-US" dirty="0" err="1">
-                <a:latin typeface="Verdana Regular" charset="0"/>
-              </a:rPr>
-              <a:t>cuptae</a:t>
-            </a:r>
-            <a:r>
-              <a:rPr lang="en-US" dirty="0">
-                <a:latin typeface="Verdana Regular" charset="0"/>
-              </a:rPr>
-              <a:t> </a:t>
-            </a:r>
-            <a:r>
-              <a:rPr lang="en-US" dirty="0" err="1">
-                <a:latin typeface="Verdana Regular" charset="0"/>
-              </a:rPr>
-              <a:t>occus</a:t>
-            </a:r>
-            <a:r>
-              <a:rPr lang="en-US" dirty="0">
-                <a:latin typeface="Verdana Regular" charset="0"/>
-              </a:rPr>
-              <a:t> que </a:t>
-            </a:r>
-            <a:r>
-              <a:rPr lang="en-US" dirty="0" err="1">
-                <a:latin typeface="Verdana Regular" charset="0"/>
-              </a:rPr>
-              <a:t>opta</a:t>
-            </a:r>
-            <a:r>
-              <a:rPr lang="en-US" dirty="0">
-                <a:latin typeface="Verdana Regular" charset="0"/>
-              </a:rPr>
-              <a:t> dis non </a:t>
-            </a:r>
-            <a:r>
-              <a:rPr lang="en-US" dirty="0" err="1">
-                <a:latin typeface="Verdana Regular" charset="0"/>
-              </a:rPr>
-              <a:t>sequi</a:t>
-            </a:r>
-            <a:r>
-              <a:rPr lang="en-US" dirty="0">
-                <a:latin typeface="Verdana Regular" charset="0"/>
-              </a:rPr>
-              <a:t> </a:t>
-            </a:r>
-            <a:r>
-              <a:rPr lang="en-US" dirty="0" err="1">
-                <a:latin typeface="Verdana Regular" charset="0"/>
-              </a:rPr>
-              <a:t>autemque</a:t>
-            </a:r>
-            <a:r>
-              <a:rPr lang="en-US" dirty="0">
-                <a:latin typeface="Verdana Regular" charset="0"/>
-              </a:rPr>
-              <a:t> most, vent </a:t>
-            </a:r>
-            <a:r>
-              <a:rPr lang="en-US" dirty="0" err="1">
-                <a:latin typeface="Verdana Regular" charset="0"/>
-              </a:rPr>
-              <a:t>ullam</a:t>
-            </a:r>
-            <a:r>
-              <a:rPr lang="en-US" dirty="0">
-                <a:latin typeface="Verdana Regular" charset="0"/>
-              </a:rPr>
-              <a:t> </a:t>
-            </a:r>
-            <a:r>
-              <a:rPr lang="en-US" dirty="0" err="1">
-                <a:latin typeface="Verdana Regular" charset="0"/>
-              </a:rPr>
-              <a:t>asit</a:t>
-            </a:r>
-            <a:r>
-              <a:rPr lang="en-US" dirty="0">
-                <a:latin typeface="Verdana Regular" charset="0"/>
-              </a:rPr>
-              <a:t> </a:t>
-            </a:r>
-            <a:r>
-              <a:rPr lang="en-US" dirty="0" err="1">
-                <a:latin typeface="Verdana Regular" charset="0"/>
-              </a:rPr>
-              <a:t>modite</a:t>
-            </a:r>
-            <a:r>
-              <a:rPr lang="en-US" dirty="0">
-                <a:latin typeface="Verdana Regular" charset="0"/>
-              </a:rPr>
-              <a:t> lab </a:t>
-            </a:r>
-            <a:r>
-              <a:rPr lang="en-US" dirty="0" err="1">
-                <a:latin typeface="Verdana Regular" charset="0"/>
-              </a:rPr>
-              <a:t>ipsamusant</a:t>
-            </a:r>
-            <a:r>
-              <a:rPr lang="en-US" dirty="0">
-                <a:latin typeface="Verdana Regular" charset="0"/>
-              </a:rPr>
-              <a:t>.</a:t>
-            </a:r>
+              <a:t>Nasa JPL</a:t>
+            </a:r>
+            <a:endParaRPr lang="en-US" dirty="0">
+              <a:latin typeface="Verdana Regular" charset="0"/>
+            </a:endParaRPr>
           </a:p>
         </p:txBody>
       </p:sp>

--- a/Poster/poster_undergrad_expo_48x36_eecs.pptx
+++ b/Poster/poster_undergrad_expo_48x36_eecs.pptx
@@ -2967,7 +2967,7 @@
         <p:spPr>
           <a:xfrm>
             <a:off x="1964266" y="6422030"/>
-            <a:ext cx="8126412" cy="12532983"/>
+            <a:ext cx="8126412" cy="17662592"/>
           </a:xfrm>
           <a:prstGeom prst="rect">
             <a:avLst/>
@@ -3154,23 +3154,8 @@
                 <a:spcPts val="2600"/>
               </a:spcAft>
             </a:pPr>
-            <a:endParaRPr lang="en-US" dirty="0">
-              <a:solidFill>
-                <a:schemeClr val="bg1"/>
-              </a:solidFill>
-              <a:latin typeface="Verdana" charset="0"/>
-              <a:ea typeface="Verdana" charset="0"/>
-              <a:cs typeface="Verdana" charset="0"/>
-            </a:endParaRPr>
-          </a:p>
-          <a:p>
-            <a:pPr>
-              <a:spcAft>
-                <a:spcPts val="2600"/>
-              </a:spcAft>
-            </a:pPr>
-            <a:r>
-              <a:rPr lang="en-US" dirty="0">
+            <a:r>
+              <a:rPr lang="en-US" dirty="0" err="1">
                 <a:solidFill>
                   <a:schemeClr val="bg1"/>
                 </a:solidFill>
@@ -3178,7 +3163,18 @@
                 <a:ea typeface="Verdana" charset="0"/>
                 <a:cs typeface="Verdana" charset="0"/>
               </a:rPr>
-              <a:t>We created a mobile application that takes user submitted images, and through computer vision software, analyzes the colors of a sunset or sunrise in order to present information on air quality and aerosols in the atmosphere.</a:t>
+              <a:t>Aerolyzer</a:t>
+            </a:r>
+            <a:r>
+              <a:rPr lang="en-US" dirty="0">
+                <a:solidFill>
+                  <a:schemeClr val="bg1"/>
+                </a:solidFill>
+                <a:latin typeface="Verdana" charset="0"/>
+                <a:ea typeface="Verdana" charset="0"/>
+                <a:cs typeface="Verdana" charset="0"/>
+              </a:rPr>
+              <a:t> is a mobile application that takes user submitted images, and through computer vision software, analyzes the colors of a sunset or sunrise in order to present information on air quality and aerosols in the atmosphere.</a:t>
             </a:r>
           </a:p>
           <a:p>
@@ -3376,8 +3372,82 @@
                 <a:ea typeface="Verdana" charset="0"/>
                 <a:cs typeface="Verdana" charset="0"/>
               </a:rPr>
-              <a:t> offers. OpenCV is a simple enough library to complete the task assigned. .</a:t>
-            </a:r>
+              <a:t> offers. OpenCV is a simple enough library to complete the task assigned.</a:t>
+            </a:r>
+          </a:p>
+          <a:p>
+            <a:pPr>
+              <a:spcAft>
+                <a:spcPts val="2600"/>
+              </a:spcAft>
+            </a:pPr>
+            <a:endParaRPr lang="en-US" dirty="0">
+              <a:solidFill>
+                <a:schemeClr val="bg1"/>
+              </a:solidFill>
+              <a:latin typeface="Verdana" charset="0"/>
+              <a:ea typeface="Verdana" charset="0"/>
+              <a:cs typeface="Verdana" charset="0"/>
+            </a:endParaRPr>
+          </a:p>
+          <a:p>
+            <a:pPr>
+              <a:spcAft>
+                <a:spcPts val="2600"/>
+              </a:spcAft>
+            </a:pPr>
+            <a:r>
+              <a:rPr lang="en-US" dirty="0">
+                <a:solidFill>
+                  <a:schemeClr val="bg1"/>
+                </a:solidFill>
+                <a:latin typeface="Verdana" charset="0"/>
+                <a:ea typeface="Verdana" charset="0"/>
+                <a:cs typeface="Verdana" charset="0"/>
+              </a:rPr>
+              <a:t>The </a:t>
+            </a:r>
+            <a:r>
+              <a:rPr lang="en-US" dirty="0" err="1">
+                <a:solidFill>
+                  <a:schemeClr val="bg1"/>
+                </a:solidFill>
+                <a:latin typeface="Verdana" charset="0"/>
+                <a:ea typeface="Verdana" charset="0"/>
+                <a:cs typeface="Verdana" charset="0"/>
+              </a:rPr>
+              <a:t>Aerolyzer</a:t>
+            </a:r>
+            <a:r>
+              <a:rPr lang="en-US" dirty="0">
+                <a:solidFill>
+                  <a:schemeClr val="bg1"/>
+                </a:solidFill>
+                <a:latin typeface="Verdana" charset="0"/>
+                <a:ea typeface="Verdana" charset="0"/>
+                <a:cs typeface="Verdana" charset="0"/>
+              </a:rPr>
+              <a:t> Python library uses the EXIF data attached to an image when it's taken on a smart device. The EXIF data tells the library whether an image was taken during sunrise or sunset, where the image was taken, what the size of the image is, and whether the image has been changed since it was taken. </a:t>
+            </a:r>
+            <a:r>
+              <a:rPr lang="en-US">
+                <a:solidFill>
+                  <a:schemeClr val="bg1"/>
+                </a:solidFill>
+                <a:latin typeface="Verdana" charset="0"/>
+                <a:ea typeface="Verdana" charset="0"/>
+                <a:cs typeface="Verdana" charset="0"/>
+              </a:rPr>
+              <a:t>Only after confirming that an image's EXIF data is valid the computer vison functions receive the image.</a:t>
+            </a:r>
+            <a:endParaRPr lang="en-US" dirty="0">
+              <a:solidFill>
+                <a:schemeClr val="bg1"/>
+              </a:solidFill>
+              <a:latin typeface="Verdana" charset="0"/>
+              <a:ea typeface="Verdana" charset="0"/>
+              <a:cs typeface="Verdana" charset="0"/>
+            </a:endParaRPr>
           </a:p>
         </p:txBody>
       </p:sp>

--- a/Poster/poster_undergrad_expo_48x36_eecs.pptx
+++ b/Poster/poster_undergrad_expo_48x36_eecs.pptx
@@ -3707,7 +3707,7 @@
                 <a:ea typeface="Georgia" charset="0"/>
                 <a:cs typeface="Georgia" charset="0"/>
               </a:rPr>
-              <a:t>In the air we breathe there’s more than just O2, the particles we TAGLINE GOES HERE</a:t>
+              <a:t>Looking at dust isn’t usually this beautiful</a:t>
             </a:r>
           </a:p>
         </p:txBody>

--- a/Poster/poster_undergrad_expo_48x36_eecs.pptx
+++ b/Poster/poster_undergrad_expo_48x36_eecs.pptx
@@ -243,7 +243,7 @@
             <a:fld id="{9CF59EBC-EC05-6B4D-B166-DDFA6A1EDCB6}" type="datetimeFigureOut">
               <a:rPr lang="en-US" smtClean="0"/>
               <a:pPr/>
-              <a:t>2/9/2018</a:t>
+              <a:t>2/14/2018</a:t>
             </a:fld>
             <a:endParaRPr lang="en-US" dirty="0"/>
           </a:p>
@@ -1835,23 +1835,36 @@
           </a:xfrm>
         </p:spPr>
       </p:sp>
-      <p:sp>
-        <p:nvSpPr>
-          <p:cNvPr id="3" name="Picture Placeholder 2"/>
-          <p:cNvSpPr>
-            <a:spLocks noGrp="1"/>
-          </p:cNvSpPr>
+      <p:pic>
+        <p:nvPicPr>
+          <p:cNvPr id="26" name="Picture Placeholder 25">
+            <a:extLst>
+              <a:ext uri="{FF2B5EF4-FFF2-40B4-BE49-F238E27FC236}">
+                <a16:creationId xmlns:a16="http://schemas.microsoft.com/office/drawing/2014/main" id="{366A2B61-BBB0-4134-9408-2AC462687CCE}"/>
+              </a:ext>
+            </a:extLst>
+          </p:cNvPr>
+          <p:cNvPicPr>
+            <a:picLocks noGrp="1" noChangeAspect="1"/>
+          </p:cNvPicPr>
           <p:nvPr>
             <p:ph type="pic" sz="quarter" idx="11"/>
           </p:nvPr>
-        </p:nvSpPr>
+        </p:nvPicPr>
+        <p:blipFill>
+          <a:blip r:embed="rId2"/>
+          <a:srcRect l="3069" r="3069"/>
+          <a:stretch>
+            <a:fillRect/>
+          </a:stretch>
+        </p:blipFill>
         <p:spPr>
           <a:xfrm>
-            <a:off x="33848817" y="3602245"/>
-            <a:ext cx="7994507" cy="9101138"/>
+            <a:off x="33292784" y="5006591"/>
+            <a:ext cx="9478963" cy="5053012"/>
           </a:xfrm>
         </p:spPr>
-      </p:sp>
+      </p:pic>
       <p:sp>
         <p:nvSpPr>
           <p:cNvPr id="6" name="Text Placeholder 16"/>
@@ -3722,7 +3735,7 @@
         </p:nvSpPr>
         <p:spPr>
           <a:xfrm>
-            <a:off x="33952921" y="13083796"/>
+            <a:off x="33768244" y="10518380"/>
             <a:ext cx="8158690" cy="677108"/>
           </a:xfrm>
           <a:prstGeom prst="rect">
@@ -3920,8 +3933,8 @@
         </p:nvSpPr>
         <p:spPr>
           <a:xfrm>
-            <a:off x="33716912" y="14141317"/>
-            <a:ext cx="8126412" cy="5052665"/>
+            <a:off x="33716912" y="11583736"/>
+            <a:ext cx="8126412" cy="4283224"/>
           </a:xfrm>
           <a:prstGeom prst="rect">
             <a:avLst/>
@@ -4127,7 +4140,7 @@
               <a:rPr lang="en-US" dirty="0">
                 <a:latin typeface="Verdana Regular" charset="0"/>
               </a:rPr>
-              <a:t>Logan Wingard | wingarlo@oregonstate.edu</a:t>
+              <a:t>Daniel Ross | rossda@oregonstate.edu</a:t>
             </a:r>
           </a:p>
           <a:p>
@@ -4141,7 +4154,7 @@
               <a:rPr lang="en-US" dirty="0">
                 <a:latin typeface="Verdana Regular" charset="0"/>
               </a:rPr>
-              <a:t>Daniel Ross | rossda@oregonstate.edu</a:t>
+              <a:t>Logan Wingard | wingarlo@oregonstate.edu</a:t>
             </a:r>
           </a:p>
           <a:p>
@@ -4182,41 +4195,6 @@
               </a:rPr>
               <a:t>Kim Whitehall, Nasa JPL</a:t>
             </a:r>
-          </a:p>
-          <a:p>
-            <a:pPr marL="0" indent="0">
-              <a:spcAft>
-                <a:spcPts val="2600"/>
-              </a:spcAft>
-              <a:buNone/>
-            </a:pPr>
-            <a:r>
-              <a:rPr lang="en-US" dirty="0">
-                <a:latin typeface="Verdana Regular" charset="0"/>
-              </a:rPr>
-              <a:t>? Lewis </a:t>
-            </a:r>
-            <a:r>
-              <a:rPr lang="en-US" dirty="0" err="1">
-                <a:latin typeface="Verdana Regular" charset="0"/>
-              </a:rPr>
-              <a:t>McGibbney</a:t>
-            </a:r>
-            <a:r>
-              <a:rPr lang="en-US" dirty="0">
-                <a:latin typeface="Verdana Regular" charset="0"/>
-              </a:rPr>
-              <a:t>, </a:t>
-            </a:r>
-            <a:r>
-              <a:rPr lang="en-US">
-                <a:latin typeface="Verdana Regular" charset="0"/>
-              </a:rPr>
-              <a:t>Nasa JPL</a:t>
-            </a:r>
-            <a:endParaRPr lang="en-US" dirty="0">
-              <a:latin typeface="Verdana Regular" charset="0"/>
-            </a:endParaRPr>
           </a:p>
         </p:txBody>
       </p:sp>
@@ -4291,7 +4269,7 @@
         </p:nvSpPr>
         <p:spPr>
           <a:xfrm>
-            <a:off x="33952922" y="20785368"/>
+            <a:off x="33952922" y="17391093"/>
             <a:ext cx="8158690" cy="9182001"/>
           </a:xfrm>
           <a:prstGeom prst="rect">
@@ -5549,7 +5527,7 @@
         </p:nvSpPr>
         <p:spPr>
           <a:xfrm>
-            <a:off x="33952921" y="19991313"/>
+            <a:off x="33952922" y="16385148"/>
             <a:ext cx="8158690" cy="677108"/>
           </a:xfrm>
           <a:prstGeom prst="rect">
